--- a/docs/revised.pptx
+++ b/docs/revised.pptx
@@ -4,26 +4,36 @@
   <p:sldMasterIdLst>
     <p:sldMasterId id="2147483648" r:id="rId1"/>
   </p:sldMasterIdLst>
+  <p:notesMasterIdLst>
+    <p:notesMasterId r:id="rId28"/>
+  </p:notesMasterIdLst>
   <p:sldIdLst>
     <p:sldId id="256" r:id="rId2"/>
-    <p:sldId id="257" r:id="rId3"/>
-    <p:sldId id="261" r:id="rId4"/>
-    <p:sldId id="258" r:id="rId5"/>
-    <p:sldId id="259" r:id="rId6"/>
-    <p:sldId id="260" r:id="rId7"/>
-    <p:sldId id="262" r:id="rId8"/>
-    <p:sldId id="263" r:id="rId9"/>
-    <p:sldId id="264" r:id="rId10"/>
-    <p:sldId id="265" r:id="rId11"/>
-    <p:sldId id="266" r:id="rId12"/>
-    <p:sldId id="267" r:id="rId13"/>
-    <p:sldId id="268" r:id="rId14"/>
-    <p:sldId id="269" r:id="rId15"/>
-    <p:sldId id="270" r:id="rId16"/>
-    <p:sldId id="271" r:id="rId17"/>
-    <p:sldId id="272" r:id="rId18"/>
-    <p:sldId id="273" r:id="rId19"/>
-    <p:sldId id="274" r:id="rId20"/>
+    <p:sldId id="275" r:id="rId3"/>
+    <p:sldId id="276" r:id="rId4"/>
+    <p:sldId id="277" r:id="rId5"/>
+    <p:sldId id="278" r:id="rId6"/>
+    <p:sldId id="279" r:id="rId7"/>
+    <p:sldId id="280" r:id="rId8"/>
+    <p:sldId id="281" r:id="rId9"/>
+    <p:sldId id="257" r:id="rId10"/>
+    <p:sldId id="261" r:id="rId11"/>
+    <p:sldId id="258" r:id="rId12"/>
+    <p:sldId id="259" r:id="rId13"/>
+    <p:sldId id="260" r:id="rId14"/>
+    <p:sldId id="262" r:id="rId15"/>
+    <p:sldId id="263" r:id="rId16"/>
+    <p:sldId id="264" r:id="rId17"/>
+    <p:sldId id="265" r:id="rId18"/>
+    <p:sldId id="266" r:id="rId19"/>
+    <p:sldId id="267" r:id="rId20"/>
+    <p:sldId id="268" r:id="rId21"/>
+    <p:sldId id="269" r:id="rId22"/>
+    <p:sldId id="270" r:id="rId23"/>
+    <p:sldId id="271" r:id="rId24"/>
+    <p:sldId id="272" r:id="rId25"/>
+    <p:sldId id="273" r:id="rId26"/>
+    <p:sldId id="274" r:id="rId27"/>
   </p:sldIdLst>
   <p:sldSz cx="12192000" cy="6858000"/>
   <p:notesSz cx="6858000" cy="9144000"/>
@@ -122,7 +132,3317 @@
       </a:defRPr>
     </a:lvl9pPr>
   </p:defaultTextStyle>
+  <p:extLst>
+    <p:ext uri="{EFAFB233-063F-42B5-8137-9DF3F51BA10A}">
+      <p15:sldGuideLst xmlns:p15="http://schemas.microsoft.com/office/powerpoint/2012/main"/>
+    </p:ext>
+  </p:extLst>
 </p:presentation>
+</file>
+
+<file path=ppt/diagrams/colors1.xml><?xml version="1.0" encoding="utf-8"?>
+<dgm:colorsDef xmlns:dgm="http://schemas.openxmlformats.org/drawingml/2006/diagram" xmlns:a="http://schemas.openxmlformats.org/drawingml/2006/main" uniqueId="urn:microsoft.com/office/officeart/2005/8/colors/accent1_2">
+  <dgm:title val=""/>
+  <dgm:desc val=""/>
+  <dgm:catLst>
+    <dgm:cat type="accent1" pri="11200"/>
+  </dgm:catLst>
+  <dgm:styleLbl name="node0">
+    <dgm:fillClrLst meth="repeat">
+      <a:schemeClr val="accent1"/>
+    </dgm:fillClrLst>
+    <dgm:linClrLst meth="repeat">
+      <a:schemeClr val="lt1"/>
+    </dgm:linClrLst>
+    <dgm:effectClrLst/>
+    <dgm:txLinClrLst/>
+    <dgm:txFillClrLst/>
+    <dgm:txEffectClrLst/>
+  </dgm:styleLbl>
+  <dgm:styleLbl name="alignNode1">
+    <dgm:fillClrLst meth="repeat">
+      <a:schemeClr val="accent1"/>
+    </dgm:fillClrLst>
+    <dgm:linClrLst meth="repeat">
+      <a:schemeClr val="accent1"/>
+    </dgm:linClrLst>
+    <dgm:effectClrLst/>
+    <dgm:txLinClrLst/>
+    <dgm:txFillClrLst/>
+    <dgm:txEffectClrLst/>
+  </dgm:styleLbl>
+  <dgm:styleLbl name="node1">
+    <dgm:fillClrLst meth="repeat">
+      <a:schemeClr val="accent1"/>
+    </dgm:fillClrLst>
+    <dgm:linClrLst meth="repeat">
+      <a:schemeClr val="lt1"/>
+    </dgm:linClrLst>
+    <dgm:effectClrLst/>
+    <dgm:txLinClrLst/>
+    <dgm:txFillClrLst/>
+    <dgm:txEffectClrLst/>
+  </dgm:styleLbl>
+  <dgm:styleLbl name="lnNode1">
+    <dgm:fillClrLst meth="repeat">
+      <a:schemeClr val="accent1"/>
+    </dgm:fillClrLst>
+    <dgm:linClrLst meth="repeat">
+      <a:schemeClr val="lt1"/>
+    </dgm:linClrLst>
+    <dgm:effectClrLst/>
+    <dgm:txLinClrLst/>
+    <dgm:txFillClrLst/>
+    <dgm:txEffectClrLst/>
+  </dgm:styleLbl>
+  <dgm:styleLbl name="vennNode1">
+    <dgm:fillClrLst meth="repeat">
+      <a:schemeClr val="accent1">
+        <a:alpha val="50000"/>
+      </a:schemeClr>
+    </dgm:fillClrLst>
+    <dgm:linClrLst meth="repeat">
+      <a:schemeClr val="lt1"/>
+    </dgm:linClrLst>
+    <dgm:effectClrLst/>
+    <dgm:txLinClrLst/>
+    <dgm:txFillClrLst/>
+    <dgm:txEffectClrLst/>
+  </dgm:styleLbl>
+  <dgm:styleLbl name="node2">
+    <dgm:fillClrLst meth="repeat">
+      <a:schemeClr val="accent1"/>
+    </dgm:fillClrLst>
+    <dgm:linClrLst meth="repeat">
+      <a:schemeClr val="lt1"/>
+    </dgm:linClrLst>
+    <dgm:effectClrLst/>
+    <dgm:txLinClrLst/>
+    <dgm:txFillClrLst/>
+    <dgm:txEffectClrLst/>
+  </dgm:styleLbl>
+  <dgm:styleLbl name="node3">
+    <dgm:fillClrLst meth="repeat">
+      <a:schemeClr val="accent1"/>
+    </dgm:fillClrLst>
+    <dgm:linClrLst meth="repeat">
+      <a:schemeClr val="lt1"/>
+    </dgm:linClrLst>
+    <dgm:effectClrLst/>
+    <dgm:txLinClrLst/>
+    <dgm:txFillClrLst/>
+    <dgm:txEffectClrLst/>
+  </dgm:styleLbl>
+  <dgm:styleLbl name="node4">
+    <dgm:fillClrLst meth="repeat">
+      <a:schemeClr val="accent1"/>
+    </dgm:fillClrLst>
+    <dgm:linClrLst meth="repeat">
+      <a:schemeClr val="lt1"/>
+    </dgm:linClrLst>
+    <dgm:effectClrLst/>
+    <dgm:txLinClrLst/>
+    <dgm:txFillClrLst/>
+    <dgm:txEffectClrLst/>
+  </dgm:styleLbl>
+  <dgm:styleLbl name="fgImgPlace1">
+    <dgm:fillClrLst meth="repeat">
+      <a:schemeClr val="accent1">
+        <a:tint val="50000"/>
+      </a:schemeClr>
+    </dgm:fillClrLst>
+    <dgm:linClrLst meth="repeat">
+      <a:schemeClr val="lt1"/>
+    </dgm:linClrLst>
+    <dgm:effectClrLst/>
+    <dgm:txLinClrLst/>
+    <dgm:txFillClrLst meth="repeat">
+      <a:schemeClr val="lt1"/>
+    </dgm:txFillClrLst>
+    <dgm:txEffectClrLst/>
+  </dgm:styleLbl>
+  <dgm:styleLbl name="alignImgPlace1">
+    <dgm:fillClrLst meth="repeat">
+      <a:schemeClr val="accent1">
+        <a:tint val="50000"/>
+      </a:schemeClr>
+    </dgm:fillClrLst>
+    <dgm:linClrLst meth="repeat">
+      <a:schemeClr val="lt1"/>
+    </dgm:linClrLst>
+    <dgm:effectClrLst/>
+    <dgm:txLinClrLst/>
+    <dgm:txFillClrLst meth="repeat">
+      <a:schemeClr val="lt1"/>
+    </dgm:txFillClrLst>
+    <dgm:txEffectClrLst/>
+  </dgm:styleLbl>
+  <dgm:styleLbl name="bgImgPlace1">
+    <dgm:fillClrLst meth="repeat">
+      <a:schemeClr val="accent1">
+        <a:tint val="50000"/>
+      </a:schemeClr>
+    </dgm:fillClrLst>
+    <dgm:linClrLst meth="repeat">
+      <a:schemeClr val="lt1"/>
+    </dgm:linClrLst>
+    <dgm:effectClrLst/>
+    <dgm:txLinClrLst/>
+    <dgm:txFillClrLst meth="repeat">
+      <a:schemeClr val="lt1"/>
+    </dgm:txFillClrLst>
+    <dgm:txEffectClrLst/>
+  </dgm:styleLbl>
+  <dgm:styleLbl name="sibTrans2D1">
+    <dgm:fillClrLst meth="repeat">
+      <a:schemeClr val="accent1">
+        <a:tint val="60000"/>
+      </a:schemeClr>
+    </dgm:fillClrLst>
+    <dgm:linClrLst meth="repeat">
+      <a:schemeClr val="accent1">
+        <a:tint val="60000"/>
+      </a:schemeClr>
+    </dgm:linClrLst>
+    <dgm:effectClrLst/>
+    <dgm:txLinClrLst/>
+    <dgm:txFillClrLst/>
+    <dgm:txEffectClrLst/>
+  </dgm:styleLbl>
+  <dgm:styleLbl name="fgSibTrans2D1">
+    <dgm:fillClrLst meth="repeat">
+      <a:schemeClr val="accent1">
+        <a:tint val="60000"/>
+      </a:schemeClr>
+    </dgm:fillClrLst>
+    <dgm:linClrLst meth="repeat">
+      <a:schemeClr val="accent1">
+        <a:tint val="60000"/>
+      </a:schemeClr>
+    </dgm:linClrLst>
+    <dgm:effectClrLst/>
+    <dgm:txLinClrLst/>
+    <dgm:txFillClrLst/>
+    <dgm:txEffectClrLst/>
+  </dgm:styleLbl>
+  <dgm:styleLbl name="bgSibTrans2D1">
+    <dgm:fillClrLst meth="repeat">
+      <a:schemeClr val="accent1">
+        <a:tint val="60000"/>
+      </a:schemeClr>
+    </dgm:fillClrLst>
+    <dgm:linClrLst meth="repeat">
+      <a:schemeClr val="accent1">
+        <a:tint val="60000"/>
+      </a:schemeClr>
+    </dgm:linClrLst>
+    <dgm:effectClrLst/>
+    <dgm:txLinClrLst/>
+    <dgm:txFillClrLst/>
+    <dgm:txEffectClrLst/>
+  </dgm:styleLbl>
+  <dgm:styleLbl name="sibTrans1D1">
+    <dgm:fillClrLst meth="repeat">
+      <a:schemeClr val="accent1"/>
+    </dgm:fillClrLst>
+    <dgm:linClrLst meth="repeat">
+      <a:schemeClr val="accent1"/>
+    </dgm:linClrLst>
+    <dgm:effectClrLst/>
+    <dgm:txLinClrLst/>
+    <dgm:txFillClrLst meth="repeat">
+      <a:schemeClr val="tx1"/>
+    </dgm:txFillClrLst>
+    <dgm:txEffectClrLst/>
+  </dgm:styleLbl>
+  <dgm:styleLbl name="callout">
+    <dgm:fillClrLst meth="repeat">
+      <a:schemeClr val="accent1"/>
+    </dgm:fillClrLst>
+    <dgm:linClrLst meth="repeat">
+      <a:schemeClr val="accent1">
+        <a:tint val="50000"/>
+      </a:schemeClr>
+    </dgm:linClrLst>
+    <dgm:effectClrLst/>
+    <dgm:txLinClrLst/>
+    <dgm:txFillClrLst meth="repeat">
+      <a:schemeClr val="tx1"/>
+    </dgm:txFillClrLst>
+    <dgm:txEffectClrLst/>
+  </dgm:styleLbl>
+  <dgm:styleLbl name="asst0">
+    <dgm:fillClrLst meth="repeat">
+      <a:schemeClr val="accent1"/>
+    </dgm:fillClrLst>
+    <dgm:linClrLst meth="repeat">
+      <a:schemeClr val="lt1"/>
+    </dgm:linClrLst>
+    <dgm:effectClrLst/>
+    <dgm:txLinClrLst/>
+    <dgm:txFillClrLst/>
+    <dgm:txEffectClrLst/>
+  </dgm:styleLbl>
+  <dgm:styleLbl name="asst1">
+    <dgm:fillClrLst meth="repeat">
+      <a:schemeClr val="accent1"/>
+    </dgm:fillClrLst>
+    <dgm:linClrLst meth="repeat">
+      <a:schemeClr val="lt1"/>
+    </dgm:linClrLst>
+    <dgm:effectClrLst/>
+    <dgm:txLinClrLst/>
+    <dgm:txFillClrLst/>
+    <dgm:txEffectClrLst/>
+  </dgm:styleLbl>
+  <dgm:styleLbl name="asst2">
+    <dgm:fillClrLst meth="repeat">
+      <a:schemeClr val="accent1"/>
+    </dgm:fillClrLst>
+    <dgm:linClrLst meth="repeat">
+      <a:schemeClr val="lt1"/>
+    </dgm:linClrLst>
+    <dgm:effectClrLst/>
+    <dgm:txLinClrLst/>
+    <dgm:txFillClrLst/>
+    <dgm:txEffectClrLst/>
+  </dgm:styleLbl>
+  <dgm:styleLbl name="asst3">
+    <dgm:fillClrLst meth="repeat">
+      <a:schemeClr val="accent1"/>
+    </dgm:fillClrLst>
+    <dgm:linClrLst meth="repeat">
+      <a:schemeClr val="lt1"/>
+    </dgm:linClrLst>
+    <dgm:effectClrLst/>
+    <dgm:txLinClrLst/>
+    <dgm:txFillClrLst/>
+    <dgm:txEffectClrLst/>
+  </dgm:styleLbl>
+  <dgm:styleLbl name="asst4">
+    <dgm:fillClrLst meth="repeat">
+      <a:schemeClr val="accent1"/>
+    </dgm:fillClrLst>
+    <dgm:linClrLst meth="repeat">
+      <a:schemeClr val="lt1"/>
+    </dgm:linClrLst>
+    <dgm:effectClrLst/>
+    <dgm:txLinClrLst/>
+    <dgm:txFillClrLst/>
+    <dgm:txEffectClrLst/>
+  </dgm:styleLbl>
+  <dgm:styleLbl name="parChTrans2D1">
+    <dgm:fillClrLst meth="repeat">
+      <a:schemeClr val="accent1">
+        <a:tint val="60000"/>
+      </a:schemeClr>
+    </dgm:fillClrLst>
+    <dgm:linClrLst meth="repeat">
+      <a:schemeClr val="accent1">
+        <a:tint val="60000"/>
+      </a:schemeClr>
+    </dgm:linClrLst>
+    <dgm:effectClrLst/>
+    <dgm:txLinClrLst/>
+    <dgm:txFillClrLst meth="repeat">
+      <a:schemeClr val="lt1"/>
+    </dgm:txFillClrLst>
+    <dgm:txEffectClrLst/>
+  </dgm:styleLbl>
+  <dgm:styleLbl name="parChTrans2D2">
+    <dgm:fillClrLst meth="repeat">
+      <a:schemeClr val="accent1"/>
+    </dgm:fillClrLst>
+    <dgm:linClrLst meth="repeat">
+      <a:schemeClr val="accent1"/>
+    </dgm:linClrLst>
+    <dgm:effectClrLst/>
+    <dgm:txLinClrLst/>
+    <dgm:txFillClrLst meth="repeat">
+      <a:schemeClr val="lt1"/>
+    </dgm:txFillClrLst>
+    <dgm:txEffectClrLst/>
+  </dgm:styleLbl>
+  <dgm:styleLbl name="parChTrans2D3">
+    <dgm:fillClrLst meth="repeat">
+      <a:schemeClr val="accent1"/>
+    </dgm:fillClrLst>
+    <dgm:linClrLst meth="repeat">
+      <a:schemeClr val="accent1"/>
+    </dgm:linClrLst>
+    <dgm:effectClrLst/>
+    <dgm:txLinClrLst/>
+    <dgm:txFillClrLst meth="repeat">
+      <a:schemeClr val="lt1"/>
+    </dgm:txFillClrLst>
+    <dgm:txEffectClrLst/>
+  </dgm:styleLbl>
+  <dgm:styleLbl name="parChTrans2D4">
+    <dgm:fillClrLst meth="repeat">
+      <a:schemeClr val="accent1"/>
+    </dgm:fillClrLst>
+    <dgm:linClrLst meth="repeat">
+      <a:schemeClr val="accent1"/>
+    </dgm:linClrLst>
+    <dgm:effectClrLst/>
+    <dgm:txLinClrLst/>
+    <dgm:txFillClrLst meth="repeat">
+      <a:schemeClr val="lt1"/>
+    </dgm:txFillClrLst>
+    <dgm:txEffectClrLst/>
+  </dgm:styleLbl>
+  <dgm:styleLbl name="parChTrans1D1">
+    <dgm:fillClrLst meth="repeat">
+      <a:schemeClr val="accent1"/>
+    </dgm:fillClrLst>
+    <dgm:linClrLst meth="repeat">
+      <a:schemeClr val="accent1">
+        <a:shade val="60000"/>
+      </a:schemeClr>
+    </dgm:linClrLst>
+    <dgm:effectClrLst/>
+    <dgm:txLinClrLst/>
+    <dgm:txFillClrLst meth="repeat">
+      <a:schemeClr val="tx1"/>
+    </dgm:txFillClrLst>
+    <dgm:txEffectClrLst/>
+  </dgm:styleLbl>
+  <dgm:styleLbl name="parChTrans1D2">
+    <dgm:fillClrLst meth="repeat">
+      <a:schemeClr val="accent1"/>
+    </dgm:fillClrLst>
+    <dgm:linClrLst meth="repeat">
+      <a:schemeClr val="accent1">
+        <a:shade val="60000"/>
+      </a:schemeClr>
+    </dgm:linClrLst>
+    <dgm:effectClrLst/>
+    <dgm:txLinClrLst/>
+    <dgm:txFillClrLst meth="repeat">
+      <a:schemeClr val="tx1"/>
+    </dgm:txFillClrLst>
+    <dgm:txEffectClrLst/>
+  </dgm:styleLbl>
+  <dgm:styleLbl name="parChTrans1D3">
+    <dgm:fillClrLst meth="repeat">
+      <a:schemeClr val="accent1"/>
+    </dgm:fillClrLst>
+    <dgm:linClrLst meth="repeat">
+      <a:schemeClr val="accent1">
+        <a:shade val="80000"/>
+      </a:schemeClr>
+    </dgm:linClrLst>
+    <dgm:effectClrLst/>
+    <dgm:txLinClrLst/>
+    <dgm:txFillClrLst meth="repeat">
+      <a:schemeClr val="tx1"/>
+    </dgm:txFillClrLst>
+    <dgm:txEffectClrLst/>
+  </dgm:styleLbl>
+  <dgm:styleLbl name="parChTrans1D4">
+    <dgm:fillClrLst meth="repeat">
+      <a:schemeClr val="accent1"/>
+    </dgm:fillClrLst>
+    <dgm:linClrLst meth="repeat">
+      <a:schemeClr val="accent1">
+        <a:shade val="80000"/>
+      </a:schemeClr>
+    </dgm:linClrLst>
+    <dgm:effectClrLst/>
+    <dgm:txLinClrLst/>
+    <dgm:txFillClrLst meth="repeat">
+      <a:schemeClr val="tx1"/>
+    </dgm:txFillClrLst>
+    <dgm:txEffectClrLst/>
+  </dgm:styleLbl>
+  <dgm:styleLbl name="fgAcc1">
+    <dgm:fillClrLst meth="repeat">
+      <a:schemeClr val="lt1">
+        <a:alpha val="90000"/>
+      </a:schemeClr>
+    </dgm:fillClrLst>
+    <dgm:linClrLst meth="repeat">
+      <a:schemeClr val="accent1"/>
+    </dgm:linClrLst>
+    <dgm:effectClrLst/>
+    <dgm:txLinClrLst/>
+    <dgm:txFillClrLst meth="repeat">
+      <a:schemeClr val="dk1"/>
+    </dgm:txFillClrLst>
+    <dgm:txEffectClrLst/>
+  </dgm:styleLbl>
+  <dgm:styleLbl name="conFgAcc1">
+    <dgm:fillClrLst meth="repeat">
+      <a:schemeClr val="lt1">
+        <a:alpha val="90000"/>
+      </a:schemeClr>
+    </dgm:fillClrLst>
+    <dgm:linClrLst meth="repeat">
+      <a:schemeClr val="accent1"/>
+    </dgm:linClrLst>
+    <dgm:effectClrLst/>
+    <dgm:txLinClrLst/>
+    <dgm:txFillClrLst meth="repeat">
+      <a:schemeClr val="dk1"/>
+    </dgm:txFillClrLst>
+    <dgm:txEffectClrLst/>
+  </dgm:styleLbl>
+  <dgm:styleLbl name="alignAcc1">
+    <dgm:fillClrLst meth="repeat">
+      <a:schemeClr val="lt1">
+        <a:alpha val="90000"/>
+      </a:schemeClr>
+    </dgm:fillClrLst>
+    <dgm:linClrLst meth="repeat">
+      <a:schemeClr val="accent1"/>
+    </dgm:linClrLst>
+    <dgm:effectClrLst/>
+    <dgm:txLinClrLst/>
+    <dgm:txFillClrLst meth="repeat">
+      <a:schemeClr val="dk1"/>
+    </dgm:txFillClrLst>
+    <dgm:txEffectClrLst/>
+  </dgm:styleLbl>
+  <dgm:styleLbl name="trAlignAcc1">
+    <dgm:fillClrLst meth="repeat">
+      <a:schemeClr val="lt1">
+        <a:alpha val="40000"/>
+      </a:schemeClr>
+    </dgm:fillClrLst>
+    <dgm:linClrLst meth="repeat">
+      <a:schemeClr val="accent1"/>
+    </dgm:linClrLst>
+    <dgm:effectClrLst/>
+    <dgm:txLinClrLst/>
+    <dgm:txFillClrLst meth="repeat">
+      <a:schemeClr val="dk1"/>
+    </dgm:txFillClrLst>
+    <dgm:txEffectClrLst/>
+  </dgm:styleLbl>
+  <dgm:styleLbl name="bgAcc1">
+    <dgm:fillClrLst meth="repeat">
+      <a:schemeClr val="lt1">
+        <a:alpha val="90000"/>
+      </a:schemeClr>
+    </dgm:fillClrLst>
+    <dgm:linClrLst meth="repeat">
+      <a:schemeClr val="accent1"/>
+    </dgm:linClrLst>
+    <dgm:effectClrLst/>
+    <dgm:txLinClrLst/>
+    <dgm:txFillClrLst meth="repeat">
+      <a:schemeClr val="dk1"/>
+    </dgm:txFillClrLst>
+    <dgm:txEffectClrLst/>
+  </dgm:styleLbl>
+  <dgm:styleLbl name="solidFgAcc1">
+    <dgm:fillClrLst meth="repeat">
+      <a:schemeClr val="lt1"/>
+    </dgm:fillClrLst>
+    <dgm:linClrLst meth="repeat">
+      <a:schemeClr val="accent1"/>
+    </dgm:linClrLst>
+    <dgm:effectClrLst/>
+    <dgm:txLinClrLst/>
+    <dgm:txFillClrLst meth="repeat">
+      <a:schemeClr val="dk1"/>
+    </dgm:txFillClrLst>
+    <dgm:txEffectClrLst/>
+  </dgm:styleLbl>
+  <dgm:styleLbl name="solidAlignAcc1">
+    <dgm:fillClrLst meth="repeat">
+      <a:schemeClr val="lt1"/>
+    </dgm:fillClrLst>
+    <dgm:linClrLst meth="repeat">
+      <a:schemeClr val="accent1"/>
+    </dgm:linClrLst>
+    <dgm:effectClrLst/>
+    <dgm:txLinClrLst/>
+    <dgm:txFillClrLst meth="repeat">
+      <a:schemeClr val="dk1"/>
+    </dgm:txFillClrLst>
+    <dgm:txEffectClrLst/>
+  </dgm:styleLbl>
+  <dgm:styleLbl name="solidBgAcc1">
+    <dgm:fillClrLst meth="repeat">
+      <a:schemeClr val="lt1"/>
+    </dgm:fillClrLst>
+    <dgm:linClrLst meth="repeat">
+      <a:schemeClr val="accent1"/>
+    </dgm:linClrLst>
+    <dgm:effectClrLst/>
+    <dgm:txLinClrLst/>
+    <dgm:txFillClrLst meth="repeat">
+      <a:schemeClr val="dk1"/>
+    </dgm:txFillClrLst>
+    <dgm:txEffectClrLst/>
+  </dgm:styleLbl>
+  <dgm:styleLbl name="fgAccFollowNode1">
+    <dgm:fillClrLst meth="repeat">
+      <a:schemeClr val="accent1">
+        <a:alpha val="90000"/>
+        <a:tint val="40000"/>
+      </a:schemeClr>
+    </dgm:fillClrLst>
+    <dgm:linClrLst meth="repeat">
+      <a:schemeClr val="accent1">
+        <a:alpha val="90000"/>
+        <a:tint val="40000"/>
+      </a:schemeClr>
+    </dgm:linClrLst>
+    <dgm:effectClrLst/>
+    <dgm:txLinClrLst/>
+    <dgm:txFillClrLst meth="repeat">
+      <a:schemeClr val="dk1"/>
+    </dgm:txFillClrLst>
+    <dgm:txEffectClrLst/>
+  </dgm:styleLbl>
+  <dgm:styleLbl name="alignAccFollowNode1">
+    <dgm:fillClrLst meth="repeat">
+      <a:schemeClr val="accent1">
+        <a:alpha val="90000"/>
+        <a:tint val="40000"/>
+      </a:schemeClr>
+    </dgm:fillClrLst>
+    <dgm:linClrLst meth="repeat">
+      <a:schemeClr val="accent1">
+        <a:alpha val="90000"/>
+        <a:tint val="40000"/>
+      </a:schemeClr>
+    </dgm:linClrLst>
+    <dgm:effectClrLst/>
+    <dgm:txLinClrLst/>
+    <dgm:txFillClrLst meth="repeat">
+      <a:schemeClr val="dk1"/>
+    </dgm:txFillClrLst>
+    <dgm:txEffectClrLst/>
+  </dgm:styleLbl>
+  <dgm:styleLbl name="bgAccFollowNode1">
+    <dgm:fillClrLst meth="repeat">
+      <a:schemeClr val="accent1">
+        <a:alpha val="90000"/>
+        <a:tint val="40000"/>
+      </a:schemeClr>
+    </dgm:fillClrLst>
+    <dgm:linClrLst meth="repeat">
+      <a:schemeClr val="accent1">
+        <a:alpha val="90000"/>
+        <a:tint val="40000"/>
+      </a:schemeClr>
+    </dgm:linClrLst>
+    <dgm:effectClrLst/>
+    <dgm:txLinClrLst/>
+    <dgm:txFillClrLst meth="repeat">
+      <a:schemeClr val="dk1"/>
+    </dgm:txFillClrLst>
+    <dgm:txEffectClrLst/>
+  </dgm:styleLbl>
+  <dgm:styleLbl name="fgAcc0">
+    <dgm:fillClrLst meth="repeat">
+      <a:schemeClr val="lt1">
+        <a:alpha val="90000"/>
+      </a:schemeClr>
+    </dgm:fillClrLst>
+    <dgm:linClrLst meth="repeat">
+      <a:schemeClr val="accent1"/>
+    </dgm:linClrLst>
+    <dgm:effectClrLst/>
+    <dgm:txLinClrLst/>
+    <dgm:txFillClrLst meth="repeat">
+      <a:schemeClr val="dk1"/>
+    </dgm:txFillClrLst>
+    <dgm:txEffectClrLst/>
+  </dgm:styleLbl>
+  <dgm:styleLbl name="fgAcc2">
+    <dgm:fillClrLst meth="repeat">
+      <a:schemeClr val="lt1">
+        <a:alpha val="90000"/>
+      </a:schemeClr>
+    </dgm:fillClrLst>
+    <dgm:linClrLst meth="repeat">
+      <a:schemeClr val="accent1"/>
+    </dgm:linClrLst>
+    <dgm:effectClrLst/>
+    <dgm:txLinClrLst/>
+    <dgm:txFillClrLst meth="repeat">
+      <a:schemeClr val="dk1"/>
+    </dgm:txFillClrLst>
+    <dgm:txEffectClrLst/>
+  </dgm:styleLbl>
+  <dgm:styleLbl name="fgAcc3">
+    <dgm:fillClrLst meth="repeat">
+      <a:schemeClr val="lt1">
+        <a:alpha val="90000"/>
+      </a:schemeClr>
+    </dgm:fillClrLst>
+    <dgm:linClrLst meth="repeat">
+      <a:schemeClr val="accent1"/>
+    </dgm:linClrLst>
+    <dgm:effectClrLst/>
+    <dgm:txLinClrLst/>
+    <dgm:txFillClrLst meth="repeat">
+      <a:schemeClr val="dk1"/>
+    </dgm:txFillClrLst>
+    <dgm:txEffectClrLst/>
+  </dgm:styleLbl>
+  <dgm:styleLbl name="fgAcc4">
+    <dgm:fillClrLst meth="repeat">
+      <a:schemeClr val="lt1">
+        <a:alpha val="90000"/>
+      </a:schemeClr>
+    </dgm:fillClrLst>
+    <dgm:linClrLst meth="repeat">
+      <a:schemeClr val="accent1"/>
+    </dgm:linClrLst>
+    <dgm:effectClrLst/>
+    <dgm:txLinClrLst/>
+    <dgm:txFillClrLst meth="repeat">
+      <a:schemeClr val="dk1"/>
+    </dgm:txFillClrLst>
+    <dgm:txEffectClrLst/>
+  </dgm:styleLbl>
+  <dgm:styleLbl name="bgShp">
+    <dgm:fillClrLst meth="repeat">
+      <a:schemeClr val="accent1">
+        <a:tint val="40000"/>
+      </a:schemeClr>
+    </dgm:fillClrLst>
+    <dgm:linClrLst meth="repeat">
+      <a:schemeClr val="accent1"/>
+    </dgm:linClrLst>
+    <dgm:effectClrLst/>
+    <dgm:txLinClrLst/>
+    <dgm:txFillClrLst meth="repeat">
+      <a:schemeClr val="dk1"/>
+    </dgm:txFillClrLst>
+    <dgm:txEffectClrLst/>
+  </dgm:styleLbl>
+  <dgm:styleLbl name="dkBgShp">
+    <dgm:fillClrLst meth="repeat">
+      <a:schemeClr val="accent1">
+        <a:shade val="80000"/>
+      </a:schemeClr>
+    </dgm:fillClrLst>
+    <dgm:linClrLst meth="repeat">
+      <a:schemeClr val="accent1"/>
+    </dgm:linClrLst>
+    <dgm:effectClrLst/>
+    <dgm:txLinClrLst/>
+    <dgm:txFillClrLst meth="repeat">
+      <a:schemeClr val="lt1"/>
+    </dgm:txFillClrLst>
+    <dgm:txEffectClrLst/>
+  </dgm:styleLbl>
+  <dgm:styleLbl name="trBgShp">
+    <dgm:fillClrLst meth="repeat">
+      <a:schemeClr val="accent1">
+        <a:tint val="50000"/>
+        <a:alpha val="40000"/>
+      </a:schemeClr>
+    </dgm:fillClrLst>
+    <dgm:linClrLst meth="repeat">
+      <a:schemeClr val="accent1"/>
+    </dgm:linClrLst>
+    <dgm:effectClrLst/>
+    <dgm:txLinClrLst/>
+    <dgm:txFillClrLst meth="repeat">
+      <a:schemeClr val="lt1"/>
+    </dgm:txFillClrLst>
+    <dgm:txEffectClrLst/>
+  </dgm:styleLbl>
+  <dgm:styleLbl name="fgShp">
+    <dgm:fillClrLst meth="repeat">
+      <a:schemeClr val="accent1">
+        <a:tint val="60000"/>
+      </a:schemeClr>
+    </dgm:fillClrLst>
+    <dgm:linClrLst meth="repeat">
+      <a:schemeClr val="lt1"/>
+    </dgm:linClrLst>
+    <dgm:effectClrLst/>
+    <dgm:txLinClrLst/>
+    <dgm:txFillClrLst meth="repeat">
+      <a:schemeClr val="dk1"/>
+    </dgm:txFillClrLst>
+    <dgm:txEffectClrLst/>
+  </dgm:styleLbl>
+  <dgm:styleLbl name="revTx">
+    <dgm:fillClrLst meth="repeat">
+      <a:schemeClr val="lt1">
+        <a:alpha val="0"/>
+      </a:schemeClr>
+    </dgm:fillClrLst>
+    <dgm:linClrLst meth="repeat">
+      <a:schemeClr val="dk1">
+        <a:alpha val="0"/>
+      </a:schemeClr>
+    </dgm:linClrLst>
+    <dgm:effectClrLst/>
+    <dgm:txLinClrLst/>
+    <dgm:txFillClrLst meth="repeat">
+      <a:schemeClr val="tx1"/>
+    </dgm:txFillClrLst>
+    <dgm:txEffectClrLst/>
+  </dgm:styleLbl>
+</dgm:colorsDef>
+</file>
+
+<file path=ppt/diagrams/data1.xml><?xml version="1.0" encoding="utf-8"?>
+<dgm:dataModel xmlns:dgm="http://schemas.openxmlformats.org/drawingml/2006/diagram" xmlns:a="http://schemas.openxmlformats.org/drawingml/2006/main">
+  <dgm:ptLst>
+    <dgm:pt modelId="{3E52D07B-FB53-8641-A193-416C3B5D096E}" type="doc">
+      <dgm:prSet loTypeId="urn:microsoft.com/office/officeart/2005/8/layout/pList2" loCatId="" qsTypeId="urn:microsoft.com/office/officeart/2005/8/quickstyle/simple1" qsCatId="simple" csTypeId="urn:microsoft.com/office/officeart/2005/8/colors/accent1_2" csCatId="accent1" phldr="1"/>
+      <dgm:spPr/>
+    </dgm:pt>
+    <dgm:pt modelId="{08CCB7C7-3263-3445-839F-2D63FE5E91A9}">
+      <dgm:prSet phldrT="[Text]"/>
+      <dgm:spPr/>
+      <dgm:t>
+        <a:bodyPr/>
+        <a:lstStyle/>
+        <a:p>
+          <a:pPr>
+            <a:buNone/>
+          </a:pPr>
+          <a:r>
+            <a:rPr lang="en-CA" b="1" dirty="0"/>
+            <a:t>Full Control &amp; Customization</a:t>
+          </a:r>
+          <a:br>
+            <a:rPr lang="en-CA" b="1" dirty="0"/>
+          </a:br>
+          <a:endParaRPr lang="en-CA" b="1" dirty="0"/>
+        </a:p>
+        <a:p>
+          <a:pPr>
+            <a:buNone/>
+          </a:pPr>
+          <a:r>
+            <a:rPr lang="en-CA" dirty="0"/>
+            <a:t>Code-first agents can use any model, tool, or data source - not limited to pre-defined connectors or templates</a:t>
+          </a:r>
+          <a:endParaRPr lang="en-US" dirty="0"/>
+        </a:p>
+      </dgm:t>
+    </dgm:pt>
+    <dgm:pt modelId="{61E694DC-1600-9D40-8DA8-97C3E23C7627}" type="parTrans" cxnId="{D0CF1DD6-DAF9-3142-A971-956F0DE3D91E}">
+      <dgm:prSet/>
+      <dgm:spPr/>
+      <dgm:t>
+        <a:bodyPr/>
+        <a:lstStyle/>
+        <a:p>
+          <a:endParaRPr lang="en-US"/>
+        </a:p>
+      </dgm:t>
+    </dgm:pt>
+    <dgm:pt modelId="{B5D48B55-2416-554D-88B0-186B34DEE163}" type="sibTrans" cxnId="{D0CF1DD6-DAF9-3142-A971-956F0DE3D91E}">
+      <dgm:prSet/>
+      <dgm:spPr/>
+      <dgm:t>
+        <a:bodyPr/>
+        <a:lstStyle/>
+        <a:p>
+          <a:endParaRPr lang="en-US"/>
+        </a:p>
+      </dgm:t>
+    </dgm:pt>
+    <dgm:pt modelId="{0708E886-B9A1-8745-AB23-2C4AE2B6D9ED}">
+      <dgm:prSet phldrT="[Text]"/>
+      <dgm:spPr/>
+      <dgm:t>
+        <a:bodyPr/>
+        <a:lstStyle/>
+        <a:p>
+          <a:pPr>
+            <a:buNone/>
+          </a:pPr>
+          <a:r>
+            <a:rPr lang="en-CA" b="1" dirty="0"/>
+            <a:t>Local Experimentation</a:t>
+          </a:r>
+          <a:br>
+            <a:rPr lang="en-CA" b="1" dirty="0"/>
+          </a:br>
+          <a:endParaRPr lang="en-CA" dirty="0"/>
+        </a:p>
+        <a:p>
+          <a:pPr>
+            <a:buNone/>
+          </a:pPr>
+          <a:r>
+            <a:rPr lang="en-CA" dirty="0"/>
+            <a:t>Run agents on your laptop with your preferred IDEs (VS Code, GitHub) with no cloud dependency; debug, test, and integrate into CI/CD pipelines before scaling</a:t>
+          </a:r>
+          <a:endParaRPr lang="en-US" dirty="0"/>
+        </a:p>
+      </dgm:t>
+    </dgm:pt>
+    <dgm:pt modelId="{BDAF45DE-2CC2-464F-8D08-B806C1CFA1CB}" type="parTrans" cxnId="{4881D75A-F3CD-744B-A4D6-2AF042314E91}">
+      <dgm:prSet/>
+      <dgm:spPr/>
+      <dgm:t>
+        <a:bodyPr/>
+        <a:lstStyle/>
+        <a:p>
+          <a:endParaRPr lang="en-US"/>
+        </a:p>
+      </dgm:t>
+    </dgm:pt>
+    <dgm:pt modelId="{2B8000B0-666A-0443-90E9-05ACDE1A6A7D}" type="sibTrans" cxnId="{4881D75A-F3CD-744B-A4D6-2AF042314E91}">
+      <dgm:prSet/>
+      <dgm:spPr/>
+      <dgm:t>
+        <a:bodyPr/>
+        <a:lstStyle/>
+        <a:p>
+          <a:endParaRPr lang="en-US"/>
+        </a:p>
+      </dgm:t>
+    </dgm:pt>
+    <dgm:pt modelId="{776B95B7-7742-C946-AFF9-FE74B8D56C90}">
+      <dgm:prSet phldrT="[Text]"/>
+      <dgm:spPr/>
+      <dgm:t>
+        <a:bodyPr/>
+        <a:lstStyle/>
+        <a:p>
+          <a:pPr>
+            <a:buNone/>
+          </a:pPr>
+          <a:r>
+            <a:rPr lang="en-CA" b="1" dirty="0"/>
+            <a:t>Portability</a:t>
+          </a:r>
+        </a:p>
+        <a:p>
+          <a:pPr>
+            <a:buNone/>
+          </a:pPr>
+          <a:endParaRPr lang="en-CA" dirty="0"/>
+        </a:p>
+        <a:p>
+          <a:pPr>
+            <a:buNone/>
+          </a:pPr>
+          <a:r>
+            <a:rPr lang="en-CA" dirty="0"/>
+            <a:t>Move from local to any cloud without rewrites, avoiding vendor lock-in</a:t>
+          </a:r>
+          <a:endParaRPr lang="en-US" dirty="0"/>
+        </a:p>
+      </dgm:t>
+    </dgm:pt>
+    <dgm:pt modelId="{34FC61AB-7543-9E40-BBA5-83A7128DABF5}" type="parTrans" cxnId="{B7A4F466-49C3-CD4A-AB1D-AEEBFB8CD61A}">
+      <dgm:prSet/>
+      <dgm:spPr/>
+      <dgm:t>
+        <a:bodyPr/>
+        <a:lstStyle/>
+        <a:p>
+          <a:endParaRPr lang="en-US"/>
+        </a:p>
+      </dgm:t>
+    </dgm:pt>
+    <dgm:pt modelId="{C33E10C7-376D-F041-97AE-F592E00321FE}" type="sibTrans" cxnId="{B7A4F466-49C3-CD4A-AB1D-AEEBFB8CD61A}">
+      <dgm:prSet/>
+      <dgm:spPr/>
+      <dgm:t>
+        <a:bodyPr/>
+        <a:lstStyle/>
+        <a:p>
+          <a:endParaRPr lang="en-US"/>
+        </a:p>
+      </dgm:t>
+    </dgm:pt>
+    <dgm:pt modelId="{507F64DF-8B7B-994C-8A03-E28994701BD7}" type="pres">
+      <dgm:prSet presAssocID="{3E52D07B-FB53-8641-A193-416C3B5D096E}" presName="Name0" presStyleCnt="0">
+        <dgm:presLayoutVars>
+          <dgm:dir/>
+          <dgm:resizeHandles val="exact"/>
+        </dgm:presLayoutVars>
+      </dgm:prSet>
+      <dgm:spPr/>
+    </dgm:pt>
+    <dgm:pt modelId="{FD35D685-A241-2A47-95E6-CB1D1890E441}" type="pres">
+      <dgm:prSet presAssocID="{3E52D07B-FB53-8641-A193-416C3B5D096E}" presName="bkgdShp" presStyleLbl="alignAccFollowNode1" presStyleIdx="0" presStyleCnt="1"/>
+      <dgm:spPr/>
+    </dgm:pt>
+    <dgm:pt modelId="{1D9FD84D-67DF-C146-9C2F-3C787CC9F0AC}" type="pres">
+      <dgm:prSet presAssocID="{3E52D07B-FB53-8641-A193-416C3B5D096E}" presName="linComp" presStyleCnt="0"/>
+      <dgm:spPr/>
+    </dgm:pt>
+    <dgm:pt modelId="{D70420D1-DA74-F040-A5B9-33945D4802F2}" type="pres">
+      <dgm:prSet presAssocID="{08CCB7C7-3263-3445-839F-2D63FE5E91A9}" presName="compNode" presStyleCnt="0"/>
+      <dgm:spPr/>
+    </dgm:pt>
+    <dgm:pt modelId="{0F64A0B9-25B2-BB43-9C31-B245CC7290E7}" type="pres">
+      <dgm:prSet presAssocID="{08CCB7C7-3263-3445-839F-2D63FE5E91A9}" presName="node" presStyleLbl="node1" presStyleIdx="0" presStyleCnt="3">
+        <dgm:presLayoutVars>
+          <dgm:bulletEnabled val="1"/>
+        </dgm:presLayoutVars>
+      </dgm:prSet>
+      <dgm:spPr/>
+    </dgm:pt>
+    <dgm:pt modelId="{AFB46CCA-0D5D-2B44-8CA1-64663998EE8C}" type="pres">
+      <dgm:prSet presAssocID="{08CCB7C7-3263-3445-839F-2D63FE5E91A9}" presName="invisiNode" presStyleLbl="node1" presStyleIdx="0" presStyleCnt="3"/>
+      <dgm:spPr/>
+    </dgm:pt>
+    <dgm:pt modelId="{85AD208F-A2F4-E84A-8EBD-F1799A6F7854}" type="pres">
+      <dgm:prSet presAssocID="{08CCB7C7-3263-3445-839F-2D63FE5E91A9}" presName="imagNode" presStyleLbl="fgImgPlace1" presStyleIdx="0" presStyleCnt="3"/>
+      <dgm:spPr>
+        <a:blipFill>
+          <a:blip xmlns:r="http://schemas.openxmlformats.org/officeDocument/2006/relationships" r:embed="rId1">
+            <a:extLst>
+              <a:ext uri="{96DAC541-7B7A-43D3-8B79-37D633B846F1}">
+                <asvg:svgBlip xmlns:asvg="http://schemas.microsoft.com/office/drawing/2016/SVG/main" r:embed="rId2"/>
+              </a:ext>
+            </a:extLst>
+          </a:blip>
+          <a:srcRect/>
+          <a:stretch>
+            <a:fillRect t="-17000" b="-17000"/>
+          </a:stretch>
+        </a:blipFill>
+      </dgm:spPr>
+      <dgm:extLst>
+        <a:ext uri="{E40237B7-FDA0-4F09-8148-C483321AD2D9}">
+          <dgm14:cNvPr xmlns:dgm14="http://schemas.microsoft.com/office/drawing/2010/diagram" id="0" name="" descr="Programmer male outline"/>
+        </a:ext>
+      </dgm:extLst>
+    </dgm:pt>
+    <dgm:pt modelId="{3A7A3FC8-09C2-AD47-B3D6-8D7C342C966D}" type="pres">
+      <dgm:prSet presAssocID="{B5D48B55-2416-554D-88B0-186B34DEE163}" presName="sibTrans" presStyleLbl="sibTrans2D1" presStyleIdx="0" presStyleCnt="0"/>
+      <dgm:spPr/>
+    </dgm:pt>
+    <dgm:pt modelId="{B34384BF-8983-2249-B0F2-4F8466646709}" type="pres">
+      <dgm:prSet presAssocID="{0708E886-B9A1-8745-AB23-2C4AE2B6D9ED}" presName="compNode" presStyleCnt="0"/>
+      <dgm:spPr/>
+    </dgm:pt>
+    <dgm:pt modelId="{FC186DD0-4D60-C447-86F2-D1DEB0BCC752}" type="pres">
+      <dgm:prSet presAssocID="{0708E886-B9A1-8745-AB23-2C4AE2B6D9ED}" presName="node" presStyleLbl="node1" presStyleIdx="1" presStyleCnt="3">
+        <dgm:presLayoutVars>
+          <dgm:bulletEnabled val="1"/>
+        </dgm:presLayoutVars>
+      </dgm:prSet>
+      <dgm:spPr/>
+    </dgm:pt>
+    <dgm:pt modelId="{84A09EC9-6AFA-144F-9778-3CD0939919CB}" type="pres">
+      <dgm:prSet presAssocID="{0708E886-B9A1-8745-AB23-2C4AE2B6D9ED}" presName="invisiNode" presStyleLbl="node1" presStyleIdx="1" presStyleCnt="3"/>
+      <dgm:spPr/>
+    </dgm:pt>
+    <dgm:pt modelId="{C68A904C-A0AA-FC4E-9668-3000059CFBCC}" type="pres">
+      <dgm:prSet presAssocID="{0708E886-B9A1-8745-AB23-2C4AE2B6D9ED}" presName="imagNode" presStyleLbl="fgImgPlace1" presStyleIdx="1" presStyleCnt="3"/>
+      <dgm:spPr>
+        <a:blipFill>
+          <a:blip xmlns:r="http://schemas.openxmlformats.org/officeDocument/2006/relationships" r:embed="rId3">
+            <a:extLst>
+              <a:ext uri="{96DAC541-7B7A-43D3-8B79-37D633B846F1}">
+                <asvg:svgBlip xmlns:asvg="http://schemas.microsoft.com/office/drawing/2016/SVG/main" r:embed="rId4"/>
+              </a:ext>
+            </a:extLst>
+          </a:blip>
+          <a:srcRect/>
+          <a:stretch>
+            <a:fillRect t="-47000" b="-47000"/>
+          </a:stretch>
+        </a:blipFill>
+      </dgm:spPr>
+      <dgm:extLst>
+        <a:ext uri="{E40237B7-FDA0-4F09-8148-C483321AD2D9}">
+          <dgm14:cNvPr xmlns:dgm14="http://schemas.microsoft.com/office/drawing/2010/diagram" id="0" name="" descr="Flask outline"/>
+        </a:ext>
+      </dgm:extLst>
+    </dgm:pt>
+    <dgm:pt modelId="{67ED3726-12E6-904D-9C13-7BE329F7FB87}" type="pres">
+      <dgm:prSet presAssocID="{2B8000B0-666A-0443-90E9-05ACDE1A6A7D}" presName="sibTrans" presStyleLbl="sibTrans2D1" presStyleIdx="0" presStyleCnt="0"/>
+      <dgm:spPr/>
+    </dgm:pt>
+    <dgm:pt modelId="{763F212A-10F2-1348-80E2-4649F0704E03}" type="pres">
+      <dgm:prSet presAssocID="{776B95B7-7742-C946-AFF9-FE74B8D56C90}" presName="compNode" presStyleCnt="0"/>
+      <dgm:spPr/>
+    </dgm:pt>
+    <dgm:pt modelId="{96BBACB4-9A2B-6D4A-9B78-BD3E9AC130BD}" type="pres">
+      <dgm:prSet presAssocID="{776B95B7-7742-C946-AFF9-FE74B8D56C90}" presName="node" presStyleLbl="node1" presStyleIdx="2" presStyleCnt="3">
+        <dgm:presLayoutVars>
+          <dgm:bulletEnabled val="1"/>
+        </dgm:presLayoutVars>
+      </dgm:prSet>
+      <dgm:spPr/>
+    </dgm:pt>
+    <dgm:pt modelId="{0EA1E836-7832-D948-8B52-6381B8028E90}" type="pres">
+      <dgm:prSet presAssocID="{776B95B7-7742-C946-AFF9-FE74B8D56C90}" presName="invisiNode" presStyleLbl="node1" presStyleIdx="2" presStyleCnt="3"/>
+      <dgm:spPr/>
+    </dgm:pt>
+    <dgm:pt modelId="{07715CC1-3EEB-1F4D-A991-32645705680E}" type="pres">
+      <dgm:prSet presAssocID="{776B95B7-7742-C946-AFF9-FE74B8D56C90}" presName="imagNode" presStyleLbl="fgImgPlace1" presStyleIdx="2" presStyleCnt="3"/>
+      <dgm:spPr>
+        <a:blipFill>
+          <a:blip xmlns:r="http://schemas.openxmlformats.org/officeDocument/2006/relationships" r:embed="rId5">
+            <a:extLst>
+              <a:ext uri="{96DAC541-7B7A-43D3-8B79-37D633B846F1}">
+                <asvg:svgBlip xmlns:asvg="http://schemas.microsoft.com/office/drawing/2016/SVG/main" r:embed="rId6"/>
+              </a:ext>
+            </a:extLst>
+          </a:blip>
+          <a:srcRect/>
+          <a:stretch>
+            <a:fillRect t="-22000" b="-22000"/>
+          </a:stretch>
+        </a:blipFill>
+      </dgm:spPr>
+      <dgm:extLst>
+        <a:ext uri="{E40237B7-FDA0-4F09-8148-C483321AD2D9}">
+          <dgm14:cNvPr xmlns:dgm14="http://schemas.microsoft.com/office/drawing/2010/diagram" id="0" name="" descr="Usb Stick outline"/>
+        </a:ext>
+      </dgm:extLst>
+    </dgm:pt>
+  </dgm:ptLst>
+  <dgm:cxnLst>
+    <dgm:cxn modelId="{5B87B91A-E3B8-CD42-A303-E1D2C65AFF8A}" type="presOf" srcId="{B5D48B55-2416-554D-88B0-186B34DEE163}" destId="{3A7A3FC8-09C2-AD47-B3D6-8D7C342C966D}" srcOrd="0" destOrd="0" presId="urn:microsoft.com/office/officeart/2005/8/layout/pList2"/>
+    <dgm:cxn modelId="{D5134A4E-E7FA-6546-ADF1-758FEF392ACA}" type="presOf" srcId="{0708E886-B9A1-8745-AB23-2C4AE2B6D9ED}" destId="{FC186DD0-4D60-C447-86F2-D1DEB0BCC752}" srcOrd="0" destOrd="0" presId="urn:microsoft.com/office/officeart/2005/8/layout/pList2"/>
+    <dgm:cxn modelId="{4881D75A-F3CD-744B-A4D6-2AF042314E91}" srcId="{3E52D07B-FB53-8641-A193-416C3B5D096E}" destId="{0708E886-B9A1-8745-AB23-2C4AE2B6D9ED}" srcOrd="1" destOrd="0" parTransId="{BDAF45DE-2CC2-464F-8D08-B806C1CFA1CB}" sibTransId="{2B8000B0-666A-0443-90E9-05ACDE1A6A7D}"/>
+    <dgm:cxn modelId="{B7A4F466-49C3-CD4A-AB1D-AEEBFB8CD61A}" srcId="{3E52D07B-FB53-8641-A193-416C3B5D096E}" destId="{776B95B7-7742-C946-AFF9-FE74B8D56C90}" srcOrd="2" destOrd="0" parTransId="{34FC61AB-7543-9E40-BBA5-83A7128DABF5}" sibTransId="{C33E10C7-376D-F041-97AE-F592E00321FE}"/>
+    <dgm:cxn modelId="{4416F07E-E612-FF43-ABCB-F7F33944860F}" type="presOf" srcId="{2B8000B0-666A-0443-90E9-05ACDE1A6A7D}" destId="{67ED3726-12E6-904D-9C13-7BE329F7FB87}" srcOrd="0" destOrd="0" presId="urn:microsoft.com/office/officeart/2005/8/layout/pList2"/>
+    <dgm:cxn modelId="{A6601FAB-6517-5945-B23C-7FA3F76BA189}" type="presOf" srcId="{3E52D07B-FB53-8641-A193-416C3B5D096E}" destId="{507F64DF-8B7B-994C-8A03-E28994701BD7}" srcOrd="0" destOrd="0" presId="urn:microsoft.com/office/officeart/2005/8/layout/pList2"/>
+    <dgm:cxn modelId="{CE20CDB4-B740-FE4B-A047-0A6CD7F7AD26}" type="presOf" srcId="{08CCB7C7-3263-3445-839F-2D63FE5E91A9}" destId="{0F64A0B9-25B2-BB43-9C31-B245CC7290E7}" srcOrd="0" destOrd="0" presId="urn:microsoft.com/office/officeart/2005/8/layout/pList2"/>
+    <dgm:cxn modelId="{D0CF1DD6-DAF9-3142-A971-956F0DE3D91E}" srcId="{3E52D07B-FB53-8641-A193-416C3B5D096E}" destId="{08CCB7C7-3263-3445-839F-2D63FE5E91A9}" srcOrd="0" destOrd="0" parTransId="{61E694DC-1600-9D40-8DA8-97C3E23C7627}" sibTransId="{B5D48B55-2416-554D-88B0-186B34DEE163}"/>
+    <dgm:cxn modelId="{058F98EF-279B-A44C-83C6-801079CE607C}" type="presOf" srcId="{776B95B7-7742-C946-AFF9-FE74B8D56C90}" destId="{96BBACB4-9A2B-6D4A-9B78-BD3E9AC130BD}" srcOrd="0" destOrd="0" presId="urn:microsoft.com/office/officeart/2005/8/layout/pList2"/>
+    <dgm:cxn modelId="{5A687CBA-17E5-384B-99EA-0141D5AA56FD}" type="presParOf" srcId="{507F64DF-8B7B-994C-8A03-E28994701BD7}" destId="{FD35D685-A241-2A47-95E6-CB1D1890E441}" srcOrd="0" destOrd="0" presId="urn:microsoft.com/office/officeart/2005/8/layout/pList2"/>
+    <dgm:cxn modelId="{BA31D4B9-229B-B043-929D-C6C565B17588}" type="presParOf" srcId="{507F64DF-8B7B-994C-8A03-E28994701BD7}" destId="{1D9FD84D-67DF-C146-9C2F-3C787CC9F0AC}" srcOrd="1" destOrd="0" presId="urn:microsoft.com/office/officeart/2005/8/layout/pList2"/>
+    <dgm:cxn modelId="{4C2085C3-C7FB-A947-9216-7CF7A748CFFA}" type="presParOf" srcId="{1D9FD84D-67DF-C146-9C2F-3C787CC9F0AC}" destId="{D70420D1-DA74-F040-A5B9-33945D4802F2}" srcOrd="0" destOrd="0" presId="urn:microsoft.com/office/officeart/2005/8/layout/pList2"/>
+    <dgm:cxn modelId="{033F262E-1D3A-814A-80D2-DA58A5BA92BC}" type="presParOf" srcId="{D70420D1-DA74-F040-A5B9-33945D4802F2}" destId="{0F64A0B9-25B2-BB43-9C31-B245CC7290E7}" srcOrd="0" destOrd="0" presId="urn:microsoft.com/office/officeart/2005/8/layout/pList2"/>
+    <dgm:cxn modelId="{5FEA9B86-EE15-2948-AA70-724A1C0C0FE7}" type="presParOf" srcId="{D70420D1-DA74-F040-A5B9-33945D4802F2}" destId="{AFB46CCA-0D5D-2B44-8CA1-64663998EE8C}" srcOrd="1" destOrd="0" presId="urn:microsoft.com/office/officeart/2005/8/layout/pList2"/>
+    <dgm:cxn modelId="{B2248CD2-4B6D-6F46-BCC7-677EC4BC8118}" type="presParOf" srcId="{D70420D1-DA74-F040-A5B9-33945D4802F2}" destId="{85AD208F-A2F4-E84A-8EBD-F1799A6F7854}" srcOrd="2" destOrd="0" presId="urn:microsoft.com/office/officeart/2005/8/layout/pList2"/>
+    <dgm:cxn modelId="{75E3E7F3-57E0-3D45-AA3C-4200E3190C18}" type="presParOf" srcId="{1D9FD84D-67DF-C146-9C2F-3C787CC9F0AC}" destId="{3A7A3FC8-09C2-AD47-B3D6-8D7C342C966D}" srcOrd="1" destOrd="0" presId="urn:microsoft.com/office/officeart/2005/8/layout/pList2"/>
+    <dgm:cxn modelId="{9B1E716D-9784-DC4A-8E70-2D997B64D4F9}" type="presParOf" srcId="{1D9FD84D-67DF-C146-9C2F-3C787CC9F0AC}" destId="{B34384BF-8983-2249-B0F2-4F8466646709}" srcOrd="2" destOrd="0" presId="urn:microsoft.com/office/officeart/2005/8/layout/pList2"/>
+    <dgm:cxn modelId="{D5F4B593-33C5-2A4D-A5FB-4DD7D249E8C2}" type="presParOf" srcId="{B34384BF-8983-2249-B0F2-4F8466646709}" destId="{FC186DD0-4D60-C447-86F2-D1DEB0BCC752}" srcOrd="0" destOrd="0" presId="urn:microsoft.com/office/officeart/2005/8/layout/pList2"/>
+    <dgm:cxn modelId="{1C60CA6E-116E-B446-8E67-1E130903C9C7}" type="presParOf" srcId="{B34384BF-8983-2249-B0F2-4F8466646709}" destId="{84A09EC9-6AFA-144F-9778-3CD0939919CB}" srcOrd="1" destOrd="0" presId="urn:microsoft.com/office/officeart/2005/8/layout/pList2"/>
+    <dgm:cxn modelId="{97426E0F-109D-E641-B1AC-541CFFA7D839}" type="presParOf" srcId="{B34384BF-8983-2249-B0F2-4F8466646709}" destId="{C68A904C-A0AA-FC4E-9668-3000059CFBCC}" srcOrd="2" destOrd="0" presId="urn:microsoft.com/office/officeart/2005/8/layout/pList2"/>
+    <dgm:cxn modelId="{C7084805-6F5C-9844-A72B-40F7E77D0DB7}" type="presParOf" srcId="{1D9FD84D-67DF-C146-9C2F-3C787CC9F0AC}" destId="{67ED3726-12E6-904D-9C13-7BE329F7FB87}" srcOrd="3" destOrd="0" presId="urn:microsoft.com/office/officeart/2005/8/layout/pList2"/>
+    <dgm:cxn modelId="{59350462-F2F3-0149-890F-6A8AD2773E53}" type="presParOf" srcId="{1D9FD84D-67DF-C146-9C2F-3C787CC9F0AC}" destId="{763F212A-10F2-1348-80E2-4649F0704E03}" srcOrd="4" destOrd="0" presId="urn:microsoft.com/office/officeart/2005/8/layout/pList2"/>
+    <dgm:cxn modelId="{D809D07B-05DA-F546-8744-BBC386C381D7}" type="presParOf" srcId="{763F212A-10F2-1348-80E2-4649F0704E03}" destId="{96BBACB4-9A2B-6D4A-9B78-BD3E9AC130BD}" srcOrd="0" destOrd="0" presId="urn:microsoft.com/office/officeart/2005/8/layout/pList2"/>
+    <dgm:cxn modelId="{F2BF7764-F4BA-1547-B32B-D2210A814057}" type="presParOf" srcId="{763F212A-10F2-1348-80E2-4649F0704E03}" destId="{0EA1E836-7832-D948-8B52-6381B8028E90}" srcOrd="1" destOrd="0" presId="urn:microsoft.com/office/officeart/2005/8/layout/pList2"/>
+    <dgm:cxn modelId="{47E43FC8-F535-764A-9737-E793189D45C8}" type="presParOf" srcId="{763F212A-10F2-1348-80E2-4649F0704E03}" destId="{07715CC1-3EEB-1F4D-A991-32645705680E}" srcOrd="2" destOrd="0" presId="urn:microsoft.com/office/officeart/2005/8/layout/pList2"/>
+  </dgm:cxnLst>
+  <dgm:bg/>
+  <dgm:whole/>
+  <dgm:extLst>
+    <a:ext uri="http://schemas.microsoft.com/office/drawing/2008/diagram">
+      <dsp:dataModelExt xmlns:dsp="http://schemas.microsoft.com/office/drawing/2008/diagram" relId="rId7" minVer="http://schemas.openxmlformats.org/drawingml/2006/diagram"/>
+    </a:ext>
+  </dgm:extLst>
+</dgm:dataModel>
+</file>
+
+<file path=ppt/diagrams/drawing1.xml><?xml version="1.0" encoding="utf-8"?>
+<dsp:drawing xmlns:dgm="http://schemas.openxmlformats.org/drawingml/2006/diagram" xmlns:dsp="http://schemas.microsoft.com/office/drawing/2008/diagram" xmlns:a="http://schemas.openxmlformats.org/drawingml/2006/main">
+  <dsp:spTree>
+    <dsp:nvGrpSpPr>
+      <dsp:cNvPr id="0" name=""/>
+      <dsp:cNvGrpSpPr/>
+    </dsp:nvGrpSpPr>
+    <dsp:grpSpPr/>
+    <dsp:sp modelId="{FD35D685-A241-2A47-95E6-CB1D1890E441}">
+      <dsp:nvSpPr>
+        <dsp:cNvPr id="0" name=""/>
+        <dsp:cNvSpPr/>
+      </dsp:nvSpPr>
+      <dsp:spPr>
+        <a:xfrm>
+          <a:off x="0" y="0"/>
+          <a:ext cx="10515600" cy="2161893"/>
+        </a:xfrm>
+        <a:prstGeom prst="roundRect">
+          <a:avLst>
+            <a:gd name="adj" fmla="val 10000"/>
+          </a:avLst>
+        </a:prstGeom>
+        <a:solidFill>
+          <a:schemeClr val="accent1">
+            <a:alpha val="90000"/>
+            <a:tint val="40000"/>
+            <a:hueOff val="0"/>
+            <a:satOff val="0"/>
+            <a:lumOff val="0"/>
+            <a:alphaOff val="0"/>
+          </a:schemeClr>
+        </a:solidFill>
+        <a:ln w="19050" cap="flat" cmpd="sng" algn="ctr">
+          <a:solidFill>
+            <a:schemeClr val="accent1">
+              <a:alpha val="90000"/>
+              <a:tint val="40000"/>
+              <a:hueOff val="0"/>
+              <a:satOff val="0"/>
+              <a:lumOff val="0"/>
+              <a:alphaOff val="0"/>
+            </a:schemeClr>
+          </a:solidFill>
+          <a:prstDash val="solid"/>
+          <a:miter lim="800000"/>
+        </a:ln>
+        <a:effectLst/>
+      </dsp:spPr>
+      <dsp:style>
+        <a:lnRef idx="2">
+          <a:scrgbClr r="0" g="0" b="0"/>
+        </a:lnRef>
+        <a:fillRef idx="1">
+          <a:scrgbClr r="0" g="0" b="0"/>
+        </a:fillRef>
+        <a:effectRef idx="0">
+          <a:scrgbClr r="0" g="0" b="0"/>
+        </a:effectRef>
+        <a:fontRef idx="minor"/>
+      </dsp:style>
+    </dsp:sp>
+    <dsp:sp modelId="{85AD208F-A2F4-E84A-8EBD-F1799A6F7854}">
+      <dsp:nvSpPr>
+        <dsp:cNvPr id="0" name=""/>
+        <dsp:cNvSpPr/>
+      </dsp:nvSpPr>
+      <dsp:spPr>
+        <a:xfrm>
+          <a:off x="315468" y="288252"/>
+          <a:ext cx="3088957" cy="1585388"/>
+        </a:xfrm>
+        <a:prstGeom prst="roundRect">
+          <a:avLst>
+            <a:gd name="adj" fmla="val 10000"/>
+          </a:avLst>
+        </a:prstGeom>
+        <a:blipFill>
+          <a:blip xmlns:r="http://schemas.openxmlformats.org/officeDocument/2006/relationships" r:embed="rId1">
+            <a:extLst>
+              <a:ext uri="{96DAC541-7B7A-43D3-8B79-37D633B846F1}">
+                <asvg:svgBlip xmlns:asvg="http://schemas.microsoft.com/office/drawing/2016/SVG/main" r:embed="rId2"/>
+              </a:ext>
+            </a:extLst>
+          </a:blip>
+          <a:srcRect/>
+          <a:stretch>
+            <a:fillRect t="-17000" b="-17000"/>
+          </a:stretch>
+        </a:blipFill>
+        <a:ln w="19050" cap="flat" cmpd="sng" algn="ctr">
+          <a:solidFill>
+            <a:schemeClr val="lt1">
+              <a:hueOff val="0"/>
+              <a:satOff val="0"/>
+              <a:lumOff val="0"/>
+              <a:alphaOff val="0"/>
+            </a:schemeClr>
+          </a:solidFill>
+          <a:prstDash val="solid"/>
+          <a:miter lim="800000"/>
+        </a:ln>
+        <a:effectLst/>
+      </dsp:spPr>
+      <dsp:style>
+        <a:lnRef idx="2">
+          <a:scrgbClr r="0" g="0" b="0"/>
+        </a:lnRef>
+        <a:fillRef idx="1">
+          <a:scrgbClr r="0" g="0" b="0"/>
+        </a:fillRef>
+        <a:effectRef idx="0">
+          <a:scrgbClr r="0" g="0" b="0"/>
+        </a:effectRef>
+        <a:fontRef idx="minor"/>
+      </dsp:style>
+    </dsp:sp>
+    <dsp:sp modelId="{0F64A0B9-25B2-BB43-9C31-B245CC7290E7}">
+      <dsp:nvSpPr>
+        <dsp:cNvPr id="0" name=""/>
+        <dsp:cNvSpPr/>
+      </dsp:nvSpPr>
+      <dsp:spPr>
+        <a:xfrm rot="10800000">
+          <a:off x="315468" y="2161893"/>
+          <a:ext cx="3088957" cy="2642314"/>
+        </a:xfrm>
+        <a:prstGeom prst="round2SameRect">
+          <a:avLst>
+            <a:gd name="adj1" fmla="val 10500"/>
+            <a:gd name="adj2" fmla="val 0"/>
+          </a:avLst>
+        </a:prstGeom>
+        <a:solidFill>
+          <a:schemeClr val="accent1">
+            <a:hueOff val="0"/>
+            <a:satOff val="0"/>
+            <a:lumOff val="0"/>
+            <a:alphaOff val="0"/>
+          </a:schemeClr>
+        </a:solidFill>
+        <a:ln w="19050" cap="flat" cmpd="sng" algn="ctr">
+          <a:solidFill>
+            <a:schemeClr val="lt1">
+              <a:hueOff val="0"/>
+              <a:satOff val="0"/>
+              <a:lumOff val="0"/>
+              <a:alphaOff val="0"/>
+            </a:schemeClr>
+          </a:solidFill>
+          <a:prstDash val="solid"/>
+          <a:miter lim="800000"/>
+        </a:ln>
+        <a:effectLst/>
+      </dsp:spPr>
+      <dsp:style>
+        <a:lnRef idx="2">
+          <a:scrgbClr r="0" g="0" b="0"/>
+        </a:lnRef>
+        <a:fillRef idx="1">
+          <a:scrgbClr r="0" g="0" b="0"/>
+        </a:fillRef>
+        <a:effectRef idx="0">
+          <a:scrgbClr r="0" g="0" b="0"/>
+        </a:effectRef>
+        <a:fontRef idx="minor">
+          <a:schemeClr val="lt1"/>
+        </a:fontRef>
+      </dsp:style>
+      <dsp:txBody>
+        <a:bodyPr spcFirstLastPara="0" vert="horz" wrap="square" lIns="120904" tIns="120904" rIns="120904" bIns="120904" numCol="1" spcCol="1270" anchor="t" anchorCtr="0">
+          <a:noAutofit/>
+        </a:bodyPr>
+        <a:lstStyle/>
+        <a:p>
+          <a:pPr marL="0" lvl="0" indent="0" algn="ctr" defTabSz="755650">
+            <a:lnSpc>
+              <a:spcPct val="90000"/>
+            </a:lnSpc>
+            <a:spcBef>
+              <a:spcPct val="0"/>
+            </a:spcBef>
+            <a:spcAft>
+              <a:spcPct val="35000"/>
+            </a:spcAft>
+            <a:buNone/>
+          </a:pPr>
+          <a:r>
+            <a:rPr lang="en-CA" sz="1700" b="1" kern="1200" dirty="0"/>
+            <a:t>Full Control &amp; Customization</a:t>
+          </a:r>
+          <a:br>
+            <a:rPr lang="en-CA" sz="1700" b="1" kern="1200" dirty="0"/>
+          </a:br>
+          <a:endParaRPr lang="en-CA" sz="1700" b="1" kern="1200" dirty="0"/>
+        </a:p>
+        <a:p>
+          <a:pPr marL="0" lvl="0" indent="0" algn="ctr" defTabSz="755650">
+            <a:lnSpc>
+              <a:spcPct val="90000"/>
+            </a:lnSpc>
+            <a:spcBef>
+              <a:spcPct val="0"/>
+            </a:spcBef>
+            <a:spcAft>
+              <a:spcPct val="35000"/>
+            </a:spcAft>
+            <a:buNone/>
+          </a:pPr>
+          <a:r>
+            <a:rPr lang="en-CA" sz="1700" kern="1200" dirty="0"/>
+            <a:t>Code-first agents can use any model, tool, or data source - not limited to pre-defined connectors or templates</a:t>
+          </a:r>
+          <a:endParaRPr lang="en-US" sz="1700" kern="1200" dirty="0"/>
+        </a:p>
+      </dsp:txBody>
+      <dsp:txXfrm rot="10800000">
+        <a:off x="396728" y="2161893"/>
+        <a:ext cx="2926437" cy="2561054"/>
+      </dsp:txXfrm>
+    </dsp:sp>
+    <dsp:sp modelId="{C68A904C-A0AA-FC4E-9668-3000059CFBCC}">
+      <dsp:nvSpPr>
+        <dsp:cNvPr id="0" name=""/>
+        <dsp:cNvSpPr/>
+      </dsp:nvSpPr>
+      <dsp:spPr>
+        <a:xfrm>
+          <a:off x="3713321" y="288252"/>
+          <a:ext cx="3088957" cy="1585388"/>
+        </a:xfrm>
+        <a:prstGeom prst="roundRect">
+          <a:avLst>
+            <a:gd name="adj" fmla="val 10000"/>
+          </a:avLst>
+        </a:prstGeom>
+        <a:blipFill>
+          <a:blip xmlns:r="http://schemas.openxmlformats.org/officeDocument/2006/relationships" r:embed="rId3">
+            <a:extLst>
+              <a:ext uri="{96DAC541-7B7A-43D3-8B79-37D633B846F1}">
+                <asvg:svgBlip xmlns:asvg="http://schemas.microsoft.com/office/drawing/2016/SVG/main" r:embed="rId4"/>
+              </a:ext>
+            </a:extLst>
+          </a:blip>
+          <a:srcRect/>
+          <a:stretch>
+            <a:fillRect t="-47000" b="-47000"/>
+          </a:stretch>
+        </a:blipFill>
+        <a:ln w="19050" cap="flat" cmpd="sng" algn="ctr">
+          <a:solidFill>
+            <a:schemeClr val="lt1">
+              <a:hueOff val="0"/>
+              <a:satOff val="0"/>
+              <a:lumOff val="0"/>
+              <a:alphaOff val="0"/>
+            </a:schemeClr>
+          </a:solidFill>
+          <a:prstDash val="solid"/>
+          <a:miter lim="800000"/>
+        </a:ln>
+        <a:effectLst/>
+      </dsp:spPr>
+      <dsp:style>
+        <a:lnRef idx="2">
+          <a:scrgbClr r="0" g="0" b="0"/>
+        </a:lnRef>
+        <a:fillRef idx="1">
+          <a:scrgbClr r="0" g="0" b="0"/>
+        </a:fillRef>
+        <a:effectRef idx="0">
+          <a:scrgbClr r="0" g="0" b="0"/>
+        </a:effectRef>
+        <a:fontRef idx="minor"/>
+      </dsp:style>
+    </dsp:sp>
+    <dsp:sp modelId="{FC186DD0-4D60-C447-86F2-D1DEB0BCC752}">
+      <dsp:nvSpPr>
+        <dsp:cNvPr id="0" name=""/>
+        <dsp:cNvSpPr/>
+      </dsp:nvSpPr>
+      <dsp:spPr>
+        <a:xfrm rot="10800000">
+          <a:off x="3713321" y="2161893"/>
+          <a:ext cx="3088957" cy="2642314"/>
+        </a:xfrm>
+        <a:prstGeom prst="round2SameRect">
+          <a:avLst>
+            <a:gd name="adj1" fmla="val 10500"/>
+            <a:gd name="adj2" fmla="val 0"/>
+          </a:avLst>
+        </a:prstGeom>
+        <a:solidFill>
+          <a:schemeClr val="accent1">
+            <a:hueOff val="0"/>
+            <a:satOff val="0"/>
+            <a:lumOff val="0"/>
+            <a:alphaOff val="0"/>
+          </a:schemeClr>
+        </a:solidFill>
+        <a:ln w="19050" cap="flat" cmpd="sng" algn="ctr">
+          <a:solidFill>
+            <a:schemeClr val="lt1">
+              <a:hueOff val="0"/>
+              <a:satOff val="0"/>
+              <a:lumOff val="0"/>
+              <a:alphaOff val="0"/>
+            </a:schemeClr>
+          </a:solidFill>
+          <a:prstDash val="solid"/>
+          <a:miter lim="800000"/>
+        </a:ln>
+        <a:effectLst/>
+      </dsp:spPr>
+      <dsp:style>
+        <a:lnRef idx="2">
+          <a:scrgbClr r="0" g="0" b="0"/>
+        </a:lnRef>
+        <a:fillRef idx="1">
+          <a:scrgbClr r="0" g="0" b="0"/>
+        </a:fillRef>
+        <a:effectRef idx="0">
+          <a:scrgbClr r="0" g="0" b="0"/>
+        </a:effectRef>
+        <a:fontRef idx="minor">
+          <a:schemeClr val="lt1"/>
+        </a:fontRef>
+      </dsp:style>
+      <dsp:txBody>
+        <a:bodyPr spcFirstLastPara="0" vert="horz" wrap="square" lIns="120904" tIns="120904" rIns="120904" bIns="120904" numCol="1" spcCol="1270" anchor="t" anchorCtr="0">
+          <a:noAutofit/>
+        </a:bodyPr>
+        <a:lstStyle/>
+        <a:p>
+          <a:pPr marL="0" lvl="0" indent="0" algn="ctr" defTabSz="755650">
+            <a:lnSpc>
+              <a:spcPct val="90000"/>
+            </a:lnSpc>
+            <a:spcBef>
+              <a:spcPct val="0"/>
+            </a:spcBef>
+            <a:spcAft>
+              <a:spcPct val="35000"/>
+            </a:spcAft>
+            <a:buNone/>
+          </a:pPr>
+          <a:r>
+            <a:rPr lang="en-CA" sz="1700" b="1" kern="1200" dirty="0"/>
+            <a:t>Local Experimentation</a:t>
+          </a:r>
+          <a:br>
+            <a:rPr lang="en-CA" sz="1700" b="1" kern="1200" dirty="0"/>
+          </a:br>
+          <a:endParaRPr lang="en-CA" sz="1700" kern="1200" dirty="0"/>
+        </a:p>
+        <a:p>
+          <a:pPr marL="0" lvl="0" indent="0" algn="ctr" defTabSz="755650">
+            <a:lnSpc>
+              <a:spcPct val="90000"/>
+            </a:lnSpc>
+            <a:spcBef>
+              <a:spcPct val="0"/>
+            </a:spcBef>
+            <a:spcAft>
+              <a:spcPct val="35000"/>
+            </a:spcAft>
+            <a:buNone/>
+          </a:pPr>
+          <a:r>
+            <a:rPr lang="en-CA" sz="1700" kern="1200" dirty="0"/>
+            <a:t>Run agents on your laptop with your preferred IDEs (VS Code, GitHub) with no cloud dependency; debug, test, and integrate into CI/CD pipelines before scaling</a:t>
+          </a:r>
+          <a:endParaRPr lang="en-US" sz="1700" kern="1200" dirty="0"/>
+        </a:p>
+      </dsp:txBody>
+      <dsp:txXfrm rot="10800000">
+        <a:off x="3794581" y="2161893"/>
+        <a:ext cx="2926437" cy="2561054"/>
+      </dsp:txXfrm>
+    </dsp:sp>
+    <dsp:sp modelId="{07715CC1-3EEB-1F4D-A991-32645705680E}">
+      <dsp:nvSpPr>
+        <dsp:cNvPr id="0" name=""/>
+        <dsp:cNvSpPr/>
+      </dsp:nvSpPr>
+      <dsp:spPr>
+        <a:xfrm>
+          <a:off x="7111174" y="288252"/>
+          <a:ext cx="3088957" cy="1585388"/>
+        </a:xfrm>
+        <a:prstGeom prst="roundRect">
+          <a:avLst>
+            <a:gd name="adj" fmla="val 10000"/>
+          </a:avLst>
+        </a:prstGeom>
+        <a:blipFill>
+          <a:blip xmlns:r="http://schemas.openxmlformats.org/officeDocument/2006/relationships" r:embed="rId5">
+            <a:extLst>
+              <a:ext uri="{96DAC541-7B7A-43D3-8B79-37D633B846F1}">
+                <asvg:svgBlip xmlns:asvg="http://schemas.microsoft.com/office/drawing/2016/SVG/main" r:embed="rId6"/>
+              </a:ext>
+            </a:extLst>
+          </a:blip>
+          <a:srcRect/>
+          <a:stretch>
+            <a:fillRect t="-22000" b="-22000"/>
+          </a:stretch>
+        </a:blipFill>
+        <a:ln w="19050" cap="flat" cmpd="sng" algn="ctr">
+          <a:solidFill>
+            <a:schemeClr val="lt1">
+              <a:hueOff val="0"/>
+              <a:satOff val="0"/>
+              <a:lumOff val="0"/>
+              <a:alphaOff val="0"/>
+            </a:schemeClr>
+          </a:solidFill>
+          <a:prstDash val="solid"/>
+          <a:miter lim="800000"/>
+        </a:ln>
+        <a:effectLst/>
+      </dsp:spPr>
+      <dsp:style>
+        <a:lnRef idx="2">
+          <a:scrgbClr r="0" g="0" b="0"/>
+        </a:lnRef>
+        <a:fillRef idx="1">
+          <a:scrgbClr r="0" g="0" b="0"/>
+        </a:fillRef>
+        <a:effectRef idx="0">
+          <a:scrgbClr r="0" g="0" b="0"/>
+        </a:effectRef>
+        <a:fontRef idx="minor"/>
+      </dsp:style>
+    </dsp:sp>
+    <dsp:sp modelId="{96BBACB4-9A2B-6D4A-9B78-BD3E9AC130BD}">
+      <dsp:nvSpPr>
+        <dsp:cNvPr id="0" name=""/>
+        <dsp:cNvSpPr/>
+      </dsp:nvSpPr>
+      <dsp:spPr>
+        <a:xfrm rot="10800000">
+          <a:off x="7111174" y="2161893"/>
+          <a:ext cx="3088957" cy="2642314"/>
+        </a:xfrm>
+        <a:prstGeom prst="round2SameRect">
+          <a:avLst>
+            <a:gd name="adj1" fmla="val 10500"/>
+            <a:gd name="adj2" fmla="val 0"/>
+          </a:avLst>
+        </a:prstGeom>
+        <a:solidFill>
+          <a:schemeClr val="accent1">
+            <a:hueOff val="0"/>
+            <a:satOff val="0"/>
+            <a:lumOff val="0"/>
+            <a:alphaOff val="0"/>
+          </a:schemeClr>
+        </a:solidFill>
+        <a:ln w="19050" cap="flat" cmpd="sng" algn="ctr">
+          <a:solidFill>
+            <a:schemeClr val="lt1">
+              <a:hueOff val="0"/>
+              <a:satOff val="0"/>
+              <a:lumOff val="0"/>
+              <a:alphaOff val="0"/>
+            </a:schemeClr>
+          </a:solidFill>
+          <a:prstDash val="solid"/>
+          <a:miter lim="800000"/>
+        </a:ln>
+        <a:effectLst/>
+      </dsp:spPr>
+      <dsp:style>
+        <a:lnRef idx="2">
+          <a:scrgbClr r="0" g="0" b="0"/>
+        </a:lnRef>
+        <a:fillRef idx="1">
+          <a:scrgbClr r="0" g="0" b="0"/>
+        </a:fillRef>
+        <a:effectRef idx="0">
+          <a:scrgbClr r="0" g="0" b="0"/>
+        </a:effectRef>
+        <a:fontRef idx="minor">
+          <a:schemeClr val="lt1"/>
+        </a:fontRef>
+      </dsp:style>
+      <dsp:txBody>
+        <a:bodyPr spcFirstLastPara="0" vert="horz" wrap="square" lIns="120904" tIns="120904" rIns="120904" bIns="120904" numCol="1" spcCol="1270" anchor="t" anchorCtr="0">
+          <a:noAutofit/>
+        </a:bodyPr>
+        <a:lstStyle/>
+        <a:p>
+          <a:pPr marL="0" lvl="0" indent="0" algn="ctr" defTabSz="755650">
+            <a:lnSpc>
+              <a:spcPct val="90000"/>
+            </a:lnSpc>
+            <a:spcBef>
+              <a:spcPct val="0"/>
+            </a:spcBef>
+            <a:spcAft>
+              <a:spcPct val="35000"/>
+            </a:spcAft>
+            <a:buNone/>
+          </a:pPr>
+          <a:r>
+            <a:rPr lang="en-CA" sz="1700" b="1" kern="1200" dirty="0"/>
+            <a:t>Portability</a:t>
+          </a:r>
+        </a:p>
+        <a:p>
+          <a:pPr marL="0" lvl="0" indent="0" algn="ctr" defTabSz="755650">
+            <a:lnSpc>
+              <a:spcPct val="90000"/>
+            </a:lnSpc>
+            <a:spcBef>
+              <a:spcPct val="0"/>
+            </a:spcBef>
+            <a:spcAft>
+              <a:spcPct val="35000"/>
+            </a:spcAft>
+            <a:buNone/>
+          </a:pPr>
+          <a:endParaRPr lang="en-CA" sz="1700" kern="1200" dirty="0"/>
+        </a:p>
+        <a:p>
+          <a:pPr marL="0" lvl="0" indent="0" algn="ctr" defTabSz="755650">
+            <a:lnSpc>
+              <a:spcPct val="90000"/>
+            </a:lnSpc>
+            <a:spcBef>
+              <a:spcPct val="0"/>
+            </a:spcBef>
+            <a:spcAft>
+              <a:spcPct val="35000"/>
+            </a:spcAft>
+            <a:buNone/>
+          </a:pPr>
+          <a:r>
+            <a:rPr lang="en-CA" sz="1700" kern="1200" dirty="0"/>
+            <a:t>Move from local to any cloud without rewrites, avoiding vendor lock-in</a:t>
+          </a:r>
+          <a:endParaRPr lang="en-US" sz="1700" kern="1200" dirty="0"/>
+        </a:p>
+      </dsp:txBody>
+      <dsp:txXfrm rot="10800000">
+        <a:off x="7192434" y="2161893"/>
+        <a:ext cx="2926437" cy="2561054"/>
+      </dsp:txXfrm>
+    </dsp:sp>
+  </dsp:spTree>
+</dsp:drawing>
+</file>
+
+<file path=ppt/diagrams/layout1.xml><?xml version="1.0" encoding="utf-8"?>
+<dgm:layoutDef xmlns:dgm="http://schemas.openxmlformats.org/drawingml/2006/diagram" xmlns:a="http://schemas.openxmlformats.org/drawingml/2006/main" uniqueId="urn:microsoft.com/office/officeart/2005/8/layout/pList2">
+  <dgm:title val=""/>
+  <dgm:desc val=""/>
+  <dgm:catLst>
+    <dgm:cat type="list" pri="11000"/>
+    <dgm:cat type="picture" pri="24000"/>
+    <dgm:cat type="pictureconvert" pri="24000"/>
+  </dgm:catLst>
+  <dgm:sampData useDef="1">
+    <dgm:dataModel>
+      <dgm:ptLst/>
+      <dgm:bg/>
+      <dgm:whole/>
+    </dgm:dataModel>
+  </dgm:sampData>
+  <dgm:styleData>
+    <dgm:dataModel>
+      <dgm:ptLst>
+        <dgm:pt modelId="0" type="doc"/>
+        <dgm:pt modelId="1"/>
+        <dgm:pt modelId="2"/>
+      </dgm:ptLst>
+      <dgm:cxnLst>
+        <dgm:cxn modelId="3" srcId="0" destId="1" srcOrd="0" destOrd="0"/>
+        <dgm:cxn modelId="4" srcId="0" destId="2" srcOrd="1" destOrd="0"/>
+      </dgm:cxnLst>
+      <dgm:bg/>
+      <dgm:whole/>
+    </dgm:dataModel>
+  </dgm:styleData>
+  <dgm:clrData>
+    <dgm:dataModel>
+      <dgm:ptLst>
+        <dgm:pt modelId="0" type="doc"/>
+        <dgm:pt modelId="1"/>
+        <dgm:pt modelId="2"/>
+        <dgm:pt modelId="3"/>
+        <dgm:pt modelId="4"/>
+      </dgm:ptLst>
+      <dgm:cxnLst>
+        <dgm:cxn modelId="5" srcId="0" destId="1" srcOrd="0" destOrd="0"/>
+        <dgm:cxn modelId="6" srcId="0" destId="2" srcOrd="1" destOrd="0"/>
+        <dgm:cxn modelId="7" srcId="0" destId="3" srcOrd="2" destOrd="0"/>
+        <dgm:cxn modelId="8" srcId="0" destId="4" srcOrd="3" destOrd="0"/>
+      </dgm:cxnLst>
+      <dgm:bg/>
+      <dgm:whole/>
+    </dgm:dataModel>
+  </dgm:clrData>
+  <dgm:layoutNode name="Name0">
+    <dgm:varLst>
+      <dgm:dir/>
+      <dgm:resizeHandles val="exact"/>
+    </dgm:varLst>
+    <dgm:alg type="composite"/>
+    <dgm:shape xmlns:r="http://schemas.openxmlformats.org/officeDocument/2006/relationships" r:blip="">
+      <dgm:adjLst/>
+    </dgm:shape>
+    <dgm:presOf/>
+    <dgm:constrLst>
+      <dgm:constr type="w" for="ch" forName="bkgdShp" refType="w"/>
+      <dgm:constr type="h" for="ch" forName="bkgdShp" refType="h" fact="0.45"/>
+      <dgm:constr type="t" for="ch" forName="bkgdShp"/>
+      <dgm:constr type="w" for="ch" forName="linComp" refType="w" fact="0.94"/>
+      <dgm:constr type="h" for="ch" forName="linComp" refType="h"/>
+      <dgm:constr type="ctrX" for="ch" forName="linComp" refType="w" fact="0.5"/>
+    </dgm:constrLst>
+    <dgm:ruleLst/>
+    <dgm:choose name="Name1">
+      <dgm:if name="Name2" axis="ch" ptType="node" func="cnt" op="gte" val="1">
+        <dgm:layoutNode name="bkgdShp" styleLbl="alignAccFollowNode1">
+          <dgm:alg type="sp"/>
+          <dgm:shape xmlns:r="http://schemas.openxmlformats.org/officeDocument/2006/relationships" type="roundRect" r:blip="">
+            <dgm:adjLst>
+              <dgm:adj idx="1" val="0.1"/>
+            </dgm:adjLst>
+          </dgm:shape>
+          <dgm:presOf/>
+          <dgm:constrLst/>
+          <dgm:ruleLst/>
+        </dgm:layoutNode>
+        <dgm:layoutNode name="linComp">
+          <dgm:choose name="Name3">
+            <dgm:if name="Name4" func="var" arg="dir" op="equ" val="norm">
+              <dgm:alg type="lin"/>
+            </dgm:if>
+            <dgm:else name="Name5">
+              <dgm:alg type="lin">
+                <dgm:param type="linDir" val="fromR"/>
+              </dgm:alg>
+            </dgm:else>
+          </dgm:choose>
+          <dgm:shape xmlns:r="http://schemas.openxmlformats.org/officeDocument/2006/relationships" r:blip="">
+            <dgm:adjLst/>
+          </dgm:shape>
+          <dgm:presOf/>
+          <dgm:constrLst>
+            <dgm:constr type="w" for="ch" forName="compNode" refType="w"/>
+            <dgm:constr type="h" for="ch" forName="compNode" refType="h"/>
+            <dgm:constr type="w" for="ch" ptType="sibTrans" refType="w" refFor="ch" refForName="compNode" fact="0.1"/>
+            <dgm:constr type="h" for="ch" ptType="sibTrans" op="equ"/>
+            <dgm:constr type="h" for="ch" forName="compNode" op="equ"/>
+            <dgm:constr type="primFontSz" for="des" forName="node" op="equ"/>
+          </dgm:constrLst>
+          <dgm:ruleLst/>
+          <dgm:forEach name="nodesForEach" axis="ch" ptType="node">
+            <dgm:layoutNode name="compNode">
+              <dgm:alg type="composite"/>
+              <dgm:shape xmlns:r="http://schemas.openxmlformats.org/officeDocument/2006/relationships" r:blip="">
+                <dgm:adjLst/>
+              </dgm:shape>
+              <dgm:presOf/>
+              <dgm:constrLst>
+                <dgm:constr type="w" for="ch" forName="node" refType="w"/>
+                <dgm:constr type="h" for="ch" forName="node" refType="h" fact="0.55"/>
+                <dgm:constr type="b" for="ch" forName="node" refType="h"/>
+                <dgm:constr type="w" for="ch" forName="invisiNode" refType="w" fact="0.75"/>
+                <dgm:constr type="h" for="ch" forName="invisiNode" refType="h" fact="0.06"/>
+                <dgm:constr type="t" for="ch" forName="invisiNode"/>
+                <dgm:constr type="w" for="ch" forName="imagNode" refType="w"/>
+                <dgm:constr type="h" for="ch" forName="imagNode" refType="h" fact="0.33"/>
+                <dgm:constr type="ctrX" for="ch" forName="imagNode" refType="w" fact="0.5"/>
+                <dgm:constr type="t" for="ch" forName="imagNode" refType="h" fact="0.06"/>
+              </dgm:constrLst>
+              <dgm:ruleLst/>
+              <dgm:layoutNode name="node" styleLbl="node1">
+                <dgm:varLst>
+                  <dgm:bulletEnabled val="1"/>
+                </dgm:varLst>
+                <dgm:alg type="tx">
+                  <dgm:param type="txAnchorVert" val="t"/>
+                </dgm:alg>
+                <dgm:shape xmlns:r="http://schemas.openxmlformats.org/officeDocument/2006/relationships" rot="180" type="round2SameRect" r:blip="">
+                  <dgm:adjLst>
+                    <dgm:adj idx="1" val="0.105"/>
+                  </dgm:adjLst>
+                </dgm:shape>
+                <dgm:presOf axis="desOrSelf" ptType="node"/>
+                <dgm:constrLst>
+                  <dgm:constr type="primFontSz" val="65"/>
+                </dgm:constrLst>
+                <dgm:ruleLst>
+                  <dgm:rule type="primFontSz" val="5" fact="NaN" max="NaN"/>
+                </dgm:ruleLst>
+              </dgm:layoutNode>
+              <dgm:layoutNode name="invisiNode">
+                <dgm:alg type="sp"/>
+                <dgm:shape xmlns:r="http://schemas.openxmlformats.org/officeDocument/2006/relationships" type="roundRect" r:blip="" hideGeom="1">
+                  <dgm:adjLst>
+                    <dgm:adj idx="1" val="0.1"/>
+                  </dgm:adjLst>
+                </dgm:shape>
+                <dgm:presOf/>
+                <dgm:constrLst/>
+                <dgm:ruleLst/>
+              </dgm:layoutNode>
+              <dgm:layoutNode name="imagNode" styleLbl="fgImgPlace1">
+                <dgm:alg type="sp"/>
+                <dgm:shape xmlns:r="http://schemas.openxmlformats.org/officeDocument/2006/relationships" type="roundRect" r:blip="" zOrderOff="-2" blipPhldr="1">
+                  <dgm:adjLst>
+                    <dgm:adj idx="1" val="0.1"/>
+                  </dgm:adjLst>
+                </dgm:shape>
+                <dgm:presOf/>
+                <dgm:constrLst/>
+                <dgm:ruleLst/>
+              </dgm:layoutNode>
+            </dgm:layoutNode>
+            <dgm:forEach name="sibTransForEach" axis="followSib" ptType="sibTrans" cnt="1">
+              <dgm:layoutNode name="sibTrans">
+                <dgm:alg type="sp"/>
+                <dgm:shape xmlns:r="http://schemas.openxmlformats.org/officeDocument/2006/relationships" type="rect" r:blip="" hideGeom="1">
+                  <dgm:adjLst/>
+                </dgm:shape>
+                <dgm:presOf axis="self"/>
+                <dgm:constrLst/>
+                <dgm:ruleLst/>
+              </dgm:layoutNode>
+            </dgm:forEach>
+          </dgm:forEach>
+        </dgm:layoutNode>
+      </dgm:if>
+      <dgm:else name="Name6"/>
+    </dgm:choose>
+  </dgm:layoutNode>
+</dgm:layoutDef>
+</file>
+
+<file path=ppt/diagrams/quickStyle1.xml><?xml version="1.0" encoding="utf-8"?>
+<dgm:styleDef xmlns:dgm="http://schemas.openxmlformats.org/drawingml/2006/diagram" xmlns:a="http://schemas.openxmlformats.org/drawingml/2006/main" uniqueId="urn:microsoft.com/office/officeart/2005/8/quickstyle/simple1">
+  <dgm:title val=""/>
+  <dgm:desc val=""/>
+  <dgm:catLst>
+    <dgm:cat type="simple" pri="10100"/>
+  </dgm:catLst>
+  <dgm:scene3d>
+    <a:camera prst="orthographicFront"/>
+    <a:lightRig rig="threePt" dir="t"/>
+  </dgm:scene3d>
+  <dgm:styleLbl name="node0">
+    <dgm:scene3d>
+      <a:camera prst="orthographicFront"/>
+      <a:lightRig rig="threePt" dir="t"/>
+    </dgm:scene3d>
+    <dgm:sp3d/>
+    <dgm:txPr/>
+    <dgm:style>
+      <a:lnRef idx="2">
+        <a:scrgbClr r="0" g="0" b="0"/>
+      </a:lnRef>
+      <a:fillRef idx="1">
+        <a:scrgbClr r="0" g="0" b="0"/>
+      </a:fillRef>
+      <a:effectRef idx="0">
+        <a:scrgbClr r="0" g="0" b="0"/>
+      </a:effectRef>
+      <a:fontRef idx="minor">
+        <a:schemeClr val="lt1"/>
+      </a:fontRef>
+    </dgm:style>
+  </dgm:styleLbl>
+  <dgm:styleLbl name="lnNode1">
+    <dgm:scene3d>
+      <a:camera prst="orthographicFront"/>
+      <a:lightRig rig="threePt" dir="t"/>
+    </dgm:scene3d>
+    <dgm:sp3d/>
+    <dgm:txPr/>
+    <dgm:style>
+      <a:lnRef idx="2">
+        <a:scrgbClr r="0" g="0" b="0"/>
+      </a:lnRef>
+      <a:fillRef idx="1">
+        <a:scrgbClr r="0" g="0" b="0"/>
+      </a:fillRef>
+      <a:effectRef idx="0">
+        <a:scrgbClr r="0" g="0" b="0"/>
+      </a:effectRef>
+      <a:fontRef idx="minor">
+        <a:schemeClr val="lt1"/>
+      </a:fontRef>
+    </dgm:style>
+  </dgm:styleLbl>
+  <dgm:styleLbl name="vennNode1">
+    <dgm:scene3d>
+      <a:camera prst="orthographicFront"/>
+      <a:lightRig rig="threePt" dir="t"/>
+    </dgm:scene3d>
+    <dgm:sp3d/>
+    <dgm:txPr/>
+    <dgm:style>
+      <a:lnRef idx="2">
+        <a:scrgbClr r="0" g="0" b="0"/>
+      </a:lnRef>
+      <a:fillRef idx="1">
+        <a:scrgbClr r="0" g="0" b="0"/>
+      </a:fillRef>
+      <a:effectRef idx="0">
+        <a:scrgbClr r="0" g="0" b="0"/>
+      </a:effectRef>
+      <a:fontRef idx="minor">
+        <a:schemeClr val="tx1"/>
+      </a:fontRef>
+    </dgm:style>
+  </dgm:styleLbl>
+  <dgm:styleLbl name="alignNode1">
+    <dgm:scene3d>
+      <a:camera prst="orthographicFront"/>
+      <a:lightRig rig="threePt" dir="t"/>
+    </dgm:scene3d>
+    <dgm:sp3d/>
+    <dgm:txPr/>
+    <dgm:style>
+      <a:lnRef idx="2">
+        <a:scrgbClr r="0" g="0" b="0"/>
+      </a:lnRef>
+      <a:fillRef idx="1">
+        <a:scrgbClr r="0" g="0" b="0"/>
+      </a:fillRef>
+      <a:effectRef idx="0">
+        <a:scrgbClr r="0" g="0" b="0"/>
+      </a:effectRef>
+      <a:fontRef idx="minor">
+        <a:schemeClr val="lt1"/>
+      </a:fontRef>
+    </dgm:style>
+  </dgm:styleLbl>
+  <dgm:styleLbl name="node1">
+    <dgm:scene3d>
+      <a:camera prst="orthographicFront"/>
+      <a:lightRig rig="threePt" dir="t"/>
+    </dgm:scene3d>
+    <dgm:sp3d/>
+    <dgm:txPr/>
+    <dgm:style>
+      <a:lnRef idx="2">
+        <a:scrgbClr r="0" g="0" b="0"/>
+      </a:lnRef>
+      <a:fillRef idx="1">
+        <a:scrgbClr r="0" g="0" b="0"/>
+      </a:fillRef>
+      <a:effectRef idx="0">
+        <a:scrgbClr r="0" g="0" b="0"/>
+      </a:effectRef>
+      <a:fontRef idx="minor">
+        <a:schemeClr val="lt1"/>
+      </a:fontRef>
+    </dgm:style>
+  </dgm:styleLbl>
+  <dgm:styleLbl name="node2">
+    <dgm:scene3d>
+      <a:camera prst="orthographicFront"/>
+      <a:lightRig rig="threePt" dir="t"/>
+    </dgm:scene3d>
+    <dgm:sp3d/>
+    <dgm:txPr/>
+    <dgm:style>
+      <a:lnRef idx="2">
+        <a:scrgbClr r="0" g="0" b="0"/>
+      </a:lnRef>
+      <a:fillRef idx="1">
+        <a:scrgbClr r="0" g="0" b="0"/>
+      </a:fillRef>
+      <a:effectRef idx="0">
+        <a:scrgbClr r="0" g="0" b="0"/>
+      </a:effectRef>
+      <a:fontRef idx="minor">
+        <a:schemeClr val="lt1"/>
+      </a:fontRef>
+    </dgm:style>
+  </dgm:styleLbl>
+  <dgm:styleLbl name="node3">
+    <dgm:scene3d>
+      <a:camera prst="orthographicFront"/>
+      <a:lightRig rig="threePt" dir="t"/>
+    </dgm:scene3d>
+    <dgm:sp3d/>
+    <dgm:txPr/>
+    <dgm:style>
+      <a:lnRef idx="2">
+        <a:scrgbClr r="0" g="0" b="0"/>
+      </a:lnRef>
+      <a:fillRef idx="1">
+        <a:scrgbClr r="0" g="0" b="0"/>
+      </a:fillRef>
+      <a:effectRef idx="0">
+        <a:scrgbClr r="0" g="0" b="0"/>
+      </a:effectRef>
+      <a:fontRef idx="minor">
+        <a:schemeClr val="lt1"/>
+      </a:fontRef>
+    </dgm:style>
+  </dgm:styleLbl>
+  <dgm:styleLbl name="node4">
+    <dgm:scene3d>
+      <a:camera prst="orthographicFront"/>
+      <a:lightRig rig="threePt" dir="t"/>
+    </dgm:scene3d>
+    <dgm:sp3d/>
+    <dgm:txPr/>
+    <dgm:style>
+      <a:lnRef idx="2">
+        <a:scrgbClr r="0" g="0" b="0"/>
+      </a:lnRef>
+      <a:fillRef idx="1">
+        <a:scrgbClr r="0" g="0" b="0"/>
+      </a:fillRef>
+      <a:effectRef idx="0">
+        <a:scrgbClr r="0" g="0" b="0"/>
+      </a:effectRef>
+      <a:fontRef idx="minor">
+        <a:schemeClr val="lt1"/>
+      </a:fontRef>
+    </dgm:style>
+  </dgm:styleLbl>
+  <dgm:styleLbl name="fgImgPlace1">
+    <dgm:scene3d>
+      <a:camera prst="orthographicFront"/>
+      <a:lightRig rig="threePt" dir="t"/>
+    </dgm:scene3d>
+    <dgm:sp3d/>
+    <dgm:txPr/>
+    <dgm:style>
+      <a:lnRef idx="2">
+        <a:scrgbClr r="0" g="0" b="0"/>
+      </a:lnRef>
+      <a:fillRef idx="1">
+        <a:scrgbClr r="0" g="0" b="0"/>
+      </a:fillRef>
+      <a:effectRef idx="0">
+        <a:scrgbClr r="0" g="0" b="0"/>
+      </a:effectRef>
+      <a:fontRef idx="minor"/>
+    </dgm:style>
+  </dgm:styleLbl>
+  <dgm:styleLbl name="alignImgPlace1">
+    <dgm:scene3d>
+      <a:camera prst="orthographicFront"/>
+      <a:lightRig rig="threePt" dir="t"/>
+    </dgm:scene3d>
+    <dgm:sp3d/>
+    <dgm:txPr/>
+    <dgm:style>
+      <a:lnRef idx="2">
+        <a:scrgbClr r="0" g="0" b="0"/>
+      </a:lnRef>
+      <a:fillRef idx="1">
+        <a:scrgbClr r="0" g="0" b="0"/>
+      </a:fillRef>
+      <a:effectRef idx="0">
+        <a:scrgbClr r="0" g="0" b="0"/>
+      </a:effectRef>
+      <a:fontRef idx="minor"/>
+    </dgm:style>
+  </dgm:styleLbl>
+  <dgm:styleLbl name="bgImgPlace1">
+    <dgm:scene3d>
+      <a:camera prst="orthographicFront"/>
+      <a:lightRig rig="threePt" dir="t"/>
+    </dgm:scene3d>
+    <dgm:sp3d/>
+    <dgm:txPr/>
+    <dgm:style>
+      <a:lnRef idx="2">
+        <a:scrgbClr r="0" g="0" b="0"/>
+      </a:lnRef>
+      <a:fillRef idx="1">
+        <a:scrgbClr r="0" g="0" b="0"/>
+      </a:fillRef>
+      <a:effectRef idx="0">
+        <a:scrgbClr r="0" g="0" b="0"/>
+      </a:effectRef>
+      <a:fontRef idx="minor"/>
+    </dgm:style>
+  </dgm:styleLbl>
+  <dgm:styleLbl name="sibTrans2D1">
+    <dgm:scene3d>
+      <a:camera prst="orthographicFront"/>
+      <a:lightRig rig="threePt" dir="t"/>
+    </dgm:scene3d>
+    <dgm:sp3d/>
+    <dgm:txPr/>
+    <dgm:style>
+      <a:lnRef idx="0">
+        <a:scrgbClr r="0" g="0" b="0"/>
+      </a:lnRef>
+      <a:fillRef idx="1">
+        <a:scrgbClr r="0" g="0" b="0"/>
+      </a:fillRef>
+      <a:effectRef idx="0">
+        <a:scrgbClr r="0" g="0" b="0"/>
+      </a:effectRef>
+      <a:fontRef idx="minor">
+        <a:schemeClr val="lt1"/>
+      </a:fontRef>
+    </dgm:style>
+  </dgm:styleLbl>
+  <dgm:styleLbl name="fgSibTrans2D1">
+    <dgm:scene3d>
+      <a:camera prst="orthographicFront"/>
+      <a:lightRig rig="threePt" dir="t"/>
+    </dgm:scene3d>
+    <dgm:sp3d/>
+    <dgm:txPr/>
+    <dgm:style>
+      <a:lnRef idx="0">
+        <a:scrgbClr r="0" g="0" b="0"/>
+      </a:lnRef>
+      <a:fillRef idx="1">
+        <a:scrgbClr r="0" g="0" b="0"/>
+      </a:fillRef>
+      <a:effectRef idx="0">
+        <a:scrgbClr r="0" g="0" b="0"/>
+      </a:effectRef>
+      <a:fontRef idx="minor">
+        <a:schemeClr val="lt1"/>
+      </a:fontRef>
+    </dgm:style>
+  </dgm:styleLbl>
+  <dgm:styleLbl name="bgSibTrans2D1">
+    <dgm:scene3d>
+      <a:camera prst="orthographicFront"/>
+      <a:lightRig rig="threePt" dir="t"/>
+    </dgm:scene3d>
+    <dgm:sp3d/>
+    <dgm:txPr/>
+    <dgm:style>
+      <a:lnRef idx="0">
+        <a:scrgbClr r="0" g="0" b="0"/>
+      </a:lnRef>
+      <a:fillRef idx="1">
+        <a:scrgbClr r="0" g="0" b="0"/>
+      </a:fillRef>
+      <a:effectRef idx="0">
+        <a:scrgbClr r="0" g="0" b="0"/>
+      </a:effectRef>
+      <a:fontRef idx="minor">
+        <a:schemeClr val="lt1"/>
+      </a:fontRef>
+    </dgm:style>
+  </dgm:styleLbl>
+  <dgm:styleLbl name="sibTrans1D1">
+    <dgm:scene3d>
+      <a:camera prst="orthographicFront"/>
+      <a:lightRig rig="threePt" dir="t"/>
+    </dgm:scene3d>
+    <dgm:sp3d/>
+    <dgm:txPr/>
+    <dgm:style>
+      <a:lnRef idx="1">
+        <a:scrgbClr r="0" g="0" b="0"/>
+      </a:lnRef>
+      <a:fillRef idx="0">
+        <a:scrgbClr r="0" g="0" b="0"/>
+      </a:fillRef>
+      <a:effectRef idx="0">
+        <a:scrgbClr r="0" g="0" b="0"/>
+      </a:effectRef>
+      <a:fontRef idx="minor"/>
+    </dgm:style>
+  </dgm:styleLbl>
+  <dgm:styleLbl name="callout">
+    <dgm:scene3d>
+      <a:camera prst="orthographicFront"/>
+      <a:lightRig rig="threePt" dir="t"/>
+    </dgm:scene3d>
+    <dgm:sp3d/>
+    <dgm:txPr/>
+    <dgm:style>
+      <a:lnRef idx="2">
+        <a:scrgbClr r="0" g="0" b="0"/>
+      </a:lnRef>
+      <a:fillRef idx="1">
+        <a:scrgbClr r="0" g="0" b="0"/>
+      </a:fillRef>
+      <a:effectRef idx="0">
+        <a:scrgbClr r="0" g="0" b="0"/>
+      </a:effectRef>
+      <a:fontRef idx="minor"/>
+    </dgm:style>
+  </dgm:styleLbl>
+  <dgm:styleLbl name="asst0">
+    <dgm:scene3d>
+      <a:camera prst="orthographicFront"/>
+      <a:lightRig rig="threePt" dir="t"/>
+    </dgm:scene3d>
+    <dgm:sp3d/>
+    <dgm:txPr/>
+    <dgm:style>
+      <a:lnRef idx="2">
+        <a:scrgbClr r="0" g="0" b="0"/>
+      </a:lnRef>
+      <a:fillRef idx="1">
+        <a:scrgbClr r="0" g="0" b="0"/>
+      </a:fillRef>
+      <a:effectRef idx="0">
+        <a:scrgbClr r="0" g="0" b="0"/>
+      </a:effectRef>
+      <a:fontRef idx="minor">
+        <a:schemeClr val="lt1"/>
+      </a:fontRef>
+    </dgm:style>
+  </dgm:styleLbl>
+  <dgm:styleLbl name="asst1">
+    <dgm:scene3d>
+      <a:camera prst="orthographicFront"/>
+      <a:lightRig rig="threePt" dir="t"/>
+    </dgm:scene3d>
+    <dgm:sp3d/>
+    <dgm:txPr/>
+    <dgm:style>
+      <a:lnRef idx="2">
+        <a:scrgbClr r="0" g="0" b="0"/>
+      </a:lnRef>
+      <a:fillRef idx="1">
+        <a:scrgbClr r="0" g="0" b="0"/>
+      </a:fillRef>
+      <a:effectRef idx="0">
+        <a:scrgbClr r="0" g="0" b="0"/>
+      </a:effectRef>
+      <a:fontRef idx="minor">
+        <a:schemeClr val="lt1"/>
+      </a:fontRef>
+    </dgm:style>
+  </dgm:styleLbl>
+  <dgm:styleLbl name="asst2">
+    <dgm:scene3d>
+      <a:camera prst="orthographicFront"/>
+      <a:lightRig rig="threePt" dir="t"/>
+    </dgm:scene3d>
+    <dgm:sp3d/>
+    <dgm:txPr/>
+    <dgm:style>
+      <a:lnRef idx="2">
+        <a:scrgbClr r="0" g="0" b="0"/>
+      </a:lnRef>
+      <a:fillRef idx="1">
+        <a:scrgbClr r="0" g="0" b="0"/>
+      </a:fillRef>
+      <a:effectRef idx="0">
+        <a:scrgbClr r="0" g="0" b="0"/>
+      </a:effectRef>
+      <a:fontRef idx="minor">
+        <a:schemeClr val="lt1"/>
+      </a:fontRef>
+    </dgm:style>
+  </dgm:styleLbl>
+  <dgm:styleLbl name="asst3">
+    <dgm:scene3d>
+      <a:camera prst="orthographicFront"/>
+      <a:lightRig rig="threePt" dir="t"/>
+    </dgm:scene3d>
+    <dgm:sp3d/>
+    <dgm:txPr/>
+    <dgm:style>
+      <a:lnRef idx="2">
+        <a:scrgbClr r="0" g="0" b="0"/>
+      </a:lnRef>
+      <a:fillRef idx="1">
+        <a:scrgbClr r="0" g="0" b="0"/>
+      </a:fillRef>
+      <a:effectRef idx="0">
+        <a:scrgbClr r="0" g="0" b="0"/>
+      </a:effectRef>
+      <a:fontRef idx="minor">
+        <a:schemeClr val="lt1"/>
+      </a:fontRef>
+    </dgm:style>
+  </dgm:styleLbl>
+  <dgm:styleLbl name="asst4">
+    <dgm:scene3d>
+      <a:camera prst="orthographicFront"/>
+      <a:lightRig rig="threePt" dir="t"/>
+    </dgm:scene3d>
+    <dgm:sp3d/>
+    <dgm:txPr/>
+    <dgm:style>
+      <a:lnRef idx="2">
+        <a:scrgbClr r="0" g="0" b="0"/>
+      </a:lnRef>
+      <a:fillRef idx="1">
+        <a:scrgbClr r="0" g="0" b="0"/>
+      </a:fillRef>
+      <a:effectRef idx="0">
+        <a:scrgbClr r="0" g="0" b="0"/>
+      </a:effectRef>
+      <a:fontRef idx="minor">
+        <a:schemeClr val="lt1"/>
+      </a:fontRef>
+    </dgm:style>
+  </dgm:styleLbl>
+  <dgm:styleLbl name="parChTrans2D1">
+    <dgm:scene3d>
+      <a:camera prst="orthographicFront"/>
+      <a:lightRig rig="threePt" dir="t"/>
+    </dgm:scene3d>
+    <dgm:sp3d/>
+    <dgm:txPr/>
+    <dgm:style>
+      <a:lnRef idx="2">
+        <a:scrgbClr r="0" g="0" b="0"/>
+      </a:lnRef>
+      <a:fillRef idx="1">
+        <a:scrgbClr r="0" g="0" b="0"/>
+      </a:fillRef>
+      <a:effectRef idx="0">
+        <a:scrgbClr r="0" g="0" b="0"/>
+      </a:effectRef>
+      <a:fontRef idx="minor">
+        <a:schemeClr val="lt1"/>
+      </a:fontRef>
+    </dgm:style>
+  </dgm:styleLbl>
+  <dgm:styleLbl name="parChTrans2D2">
+    <dgm:scene3d>
+      <a:camera prst="orthographicFront"/>
+      <a:lightRig rig="threePt" dir="t"/>
+    </dgm:scene3d>
+    <dgm:sp3d/>
+    <dgm:txPr/>
+    <dgm:style>
+      <a:lnRef idx="2">
+        <a:scrgbClr r="0" g="0" b="0"/>
+      </a:lnRef>
+      <a:fillRef idx="1">
+        <a:scrgbClr r="0" g="0" b="0"/>
+      </a:fillRef>
+      <a:effectRef idx="0">
+        <a:scrgbClr r="0" g="0" b="0"/>
+      </a:effectRef>
+      <a:fontRef idx="minor">
+        <a:schemeClr val="lt1"/>
+      </a:fontRef>
+    </dgm:style>
+  </dgm:styleLbl>
+  <dgm:styleLbl name="parChTrans2D3">
+    <dgm:scene3d>
+      <a:camera prst="orthographicFront"/>
+      <a:lightRig rig="threePt" dir="t"/>
+    </dgm:scene3d>
+    <dgm:sp3d/>
+    <dgm:txPr/>
+    <dgm:style>
+      <a:lnRef idx="2">
+        <a:scrgbClr r="0" g="0" b="0"/>
+      </a:lnRef>
+      <a:fillRef idx="1">
+        <a:scrgbClr r="0" g="0" b="0"/>
+      </a:fillRef>
+      <a:effectRef idx="0">
+        <a:scrgbClr r="0" g="0" b="0"/>
+      </a:effectRef>
+      <a:fontRef idx="minor">
+        <a:schemeClr val="lt1"/>
+      </a:fontRef>
+    </dgm:style>
+  </dgm:styleLbl>
+  <dgm:styleLbl name="parChTrans2D4">
+    <dgm:scene3d>
+      <a:camera prst="orthographicFront"/>
+      <a:lightRig rig="threePt" dir="t"/>
+    </dgm:scene3d>
+    <dgm:sp3d/>
+    <dgm:txPr/>
+    <dgm:style>
+      <a:lnRef idx="2">
+        <a:scrgbClr r="0" g="0" b="0"/>
+      </a:lnRef>
+      <a:fillRef idx="1">
+        <a:scrgbClr r="0" g="0" b="0"/>
+      </a:fillRef>
+      <a:effectRef idx="0">
+        <a:scrgbClr r="0" g="0" b="0"/>
+      </a:effectRef>
+      <a:fontRef idx="minor">
+        <a:schemeClr val="lt1"/>
+      </a:fontRef>
+    </dgm:style>
+  </dgm:styleLbl>
+  <dgm:styleLbl name="parChTrans1D1">
+    <dgm:scene3d>
+      <a:camera prst="orthographicFront"/>
+      <a:lightRig rig="threePt" dir="t"/>
+    </dgm:scene3d>
+    <dgm:sp3d/>
+    <dgm:txPr/>
+    <dgm:style>
+      <a:lnRef idx="2">
+        <a:scrgbClr r="0" g="0" b="0"/>
+      </a:lnRef>
+      <a:fillRef idx="0">
+        <a:scrgbClr r="0" g="0" b="0"/>
+      </a:fillRef>
+      <a:effectRef idx="0">
+        <a:scrgbClr r="0" g="0" b="0"/>
+      </a:effectRef>
+      <a:fontRef idx="minor"/>
+    </dgm:style>
+  </dgm:styleLbl>
+  <dgm:styleLbl name="parChTrans1D2">
+    <dgm:scene3d>
+      <a:camera prst="orthographicFront"/>
+      <a:lightRig rig="threePt" dir="t"/>
+    </dgm:scene3d>
+    <dgm:sp3d/>
+    <dgm:txPr/>
+    <dgm:style>
+      <a:lnRef idx="2">
+        <a:scrgbClr r="0" g="0" b="0"/>
+      </a:lnRef>
+      <a:fillRef idx="0">
+        <a:scrgbClr r="0" g="0" b="0"/>
+      </a:fillRef>
+      <a:effectRef idx="0">
+        <a:scrgbClr r="0" g="0" b="0"/>
+      </a:effectRef>
+      <a:fontRef idx="minor"/>
+    </dgm:style>
+  </dgm:styleLbl>
+  <dgm:styleLbl name="parChTrans1D3">
+    <dgm:scene3d>
+      <a:camera prst="orthographicFront"/>
+      <a:lightRig rig="threePt" dir="t"/>
+    </dgm:scene3d>
+    <dgm:sp3d/>
+    <dgm:txPr/>
+    <dgm:style>
+      <a:lnRef idx="2">
+        <a:scrgbClr r="0" g="0" b="0"/>
+      </a:lnRef>
+      <a:fillRef idx="0">
+        <a:scrgbClr r="0" g="0" b="0"/>
+      </a:fillRef>
+      <a:effectRef idx="0">
+        <a:scrgbClr r="0" g="0" b="0"/>
+      </a:effectRef>
+      <a:fontRef idx="minor"/>
+    </dgm:style>
+  </dgm:styleLbl>
+  <dgm:styleLbl name="parChTrans1D4">
+    <dgm:scene3d>
+      <a:camera prst="orthographicFront"/>
+      <a:lightRig rig="threePt" dir="t"/>
+    </dgm:scene3d>
+    <dgm:sp3d/>
+    <dgm:txPr/>
+    <dgm:style>
+      <a:lnRef idx="2">
+        <a:scrgbClr r="0" g="0" b="0"/>
+      </a:lnRef>
+      <a:fillRef idx="0">
+        <a:scrgbClr r="0" g="0" b="0"/>
+      </a:fillRef>
+      <a:effectRef idx="0">
+        <a:scrgbClr r="0" g="0" b="0"/>
+      </a:effectRef>
+      <a:fontRef idx="minor"/>
+    </dgm:style>
+  </dgm:styleLbl>
+  <dgm:styleLbl name="fgAcc1">
+    <dgm:scene3d>
+      <a:camera prst="orthographicFront"/>
+      <a:lightRig rig="threePt" dir="t"/>
+    </dgm:scene3d>
+    <dgm:sp3d/>
+    <dgm:txPr/>
+    <dgm:style>
+      <a:lnRef idx="2">
+        <a:scrgbClr r="0" g="0" b="0"/>
+      </a:lnRef>
+      <a:fillRef idx="1">
+        <a:scrgbClr r="0" g="0" b="0"/>
+      </a:fillRef>
+      <a:effectRef idx="0">
+        <a:scrgbClr r="0" g="0" b="0"/>
+      </a:effectRef>
+      <a:fontRef idx="minor"/>
+    </dgm:style>
+  </dgm:styleLbl>
+  <dgm:styleLbl name="conFgAcc1">
+    <dgm:scene3d>
+      <a:camera prst="orthographicFront"/>
+      <a:lightRig rig="threePt" dir="t"/>
+    </dgm:scene3d>
+    <dgm:sp3d/>
+    <dgm:txPr/>
+    <dgm:style>
+      <a:lnRef idx="2">
+        <a:scrgbClr r="0" g="0" b="0"/>
+      </a:lnRef>
+      <a:fillRef idx="1">
+        <a:scrgbClr r="0" g="0" b="0"/>
+      </a:fillRef>
+      <a:effectRef idx="0">
+        <a:scrgbClr r="0" g="0" b="0"/>
+      </a:effectRef>
+      <a:fontRef idx="minor"/>
+    </dgm:style>
+  </dgm:styleLbl>
+  <dgm:styleLbl name="alignAcc1">
+    <dgm:scene3d>
+      <a:camera prst="orthographicFront"/>
+      <a:lightRig rig="threePt" dir="t"/>
+    </dgm:scene3d>
+    <dgm:sp3d/>
+    <dgm:txPr/>
+    <dgm:style>
+      <a:lnRef idx="2">
+        <a:scrgbClr r="0" g="0" b="0"/>
+      </a:lnRef>
+      <a:fillRef idx="1">
+        <a:scrgbClr r="0" g="0" b="0"/>
+      </a:fillRef>
+      <a:effectRef idx="0">
+        <a:scrgbClr r="0" g="0" b="0"/>
+      </a:effectRef>
+      <a:fontRef idx="minor"/>
+    </dgm:style>
+  </dgm:styleLbl>
+  <dgm:styleLbl name="trAlignAcc1">
+    <dgm:scene3d>
+      <a:camera prst="orthographicFront"/>
+      <a:lightRig rig="threePt" dir="t"/>
+    </dgm:scene3d>
+    <dgm:sp3d/>
+    <dgm:txPr/>
+    <dgm:style>
+      <a:lnRef idx="1">
+        <a:scrgbClr r="0" g="0" b="0"/>
+      </a:lnRef>
+      <a:fillRef idx="1">
+        <a:scrgbClr r="0" g="0" b="0"/>
+      </a:fillRef>
+      <a:effectRef idx="0">
+        <a:scrgbClr r="0" g="0" b="0"/>
+      </a:effectRef>
+      <a:fontRef idx="minor"/>
+    </dgm:style>
+  </dgm:styleLbl>
+  <dgm:styleLbl name="bgAcc1">
+    <dgm:scene3d>
+      <a:camera prst="orthographicFront"/>
+      <a:lightRig rig="threePt" dir="t"/>
+    </dgm:scene3d>
+    <dgm:sp3d/>
+    <dgm:txPr/>
+    <dgm:style>
+      <a:lnRef idx="2">
+        <a:scrgbClr r="0" g="0" b="0"/>
+      </a:lnRef>
+      <a:fillRef idx="1">
+        <a:scrgbClr r="0" g="0" b="0"/>
+      </a:fillRef>
+      <a:effectRef idx="0">
+        <a:scrgbClr r="0" g="0" b="0"/>
+      </a:effectRef>
+      <a:fontRef idx="minor"/>
+    </dgm:style>
+  </dgm:styleLbl>
+  <dgm:styleLbl name="solidFgAcc1">
+    <dgm:scene3d>
+      <a:camera prst="orthographicFront"/>
+      <a:lightRig rig="threePt" dir="t"/>
+    </dgm:scene3d>
+    <dgm:sp3d/>
+    <dgm:txPr/>
+    <dgm:style>
+      <a:lnRef idx="2">
+        <a:scrgbClr r="0" g="0" b="0"/>
+      </a:lnRef>
+      <a:fillRef idx="1">
+        <a:scrgbClr r="0" g="0" b="0"/>
+      </a:fillRef>
+      <a:effectRef idx="0">
+        <a:scrgbClr r="0" g="0" b="0"/>
+      </a:effectRef>
+      <a:fontRef idx="minor"/>
+    </dgm:style>
+  </dgm:styleLbl>
+  <dgm:styleLbl name="solidAlignAcc1">
+    <dgm:scene3d>
+      <a:camera prst="orthographicFront"/>
+      <a:lightRig rig="threePt" dir="t"/>
+    </dgm:scene3d>
+    <dgm:sp3d/>
+    <dgm:txPr/>
+    <dgm:style>
+      <a:lnRef idx="2">
+        <a:scrgbClr r="0" g="0" b="0"/>
+      </a:lnRef>
+      <a:fillRef idx="1">
+        <a:scrgbClr r="0" g="0" b="0"/>
+      </a:fillRef>
+      <a:effectRef idx="0">
+        <a:scrgbClr r="0" g="0" b="0"/>
+      </a:effectRef>
+      <a:fontRef idx="minor"/>
+    </dgm:style>
+  </dgm:styleLbl>
+  <dgm:styleLbl name="solidBgAcc1">
+    <dgm:scene3d>
+      <a:camera prst="orthographicFront"/>
+      <a:lightRig rig="threePt" dir="t"/>
+    </dgm:scene3d>
+    <dgm:sp3d/>
+    <dgm:txPr/>
+    <dgm:style>
+      <a:lnRef idx="2">
+        <a:scrgbClr r="0" g="0" b="0"/>
+      </a:lnRef>
+      <a:fillRef idx="1">
+        <a:scrgbClr r="0" g="0" b="0"/>
+      </a:fillRef>
+      <a:effectRef idx="0">
+        <a:scrgbClr r="0" g="0" b="0"/>
+      </a:effectRef>
+      <a:fontRef idx="minor"/>
+    </dgm:style>
+  </dgm:styleLbl>
+  <dgm:styleLbl name="fgAccFollowNode1">
+    <dgm:scene3d>
+      <a:camera prst="orthographicFront"/>
+      <a:lightRig rig="threePt" dir="t"/>
+    </dgm:scene3d>
+    <dgm:sp3d/>
+    <dgm:txPr/>
+    <dgm:style>
+      <a:lnRef idx="2">
+        <a:scrgbClr r="0" g="0" b="0"/>
+      </a:lnRef>
+      <a:fillRef idx="1">
+        <a:scrgbClr r="0" g="0" b="0"/>
+      </a:fillRef>
+      <a:effectRef idx="0">
+        <a:scrgbClr r="0" g="0" b="0"/>
+      </a:effectRef>
+      <a:fontRef idx="minor"/>
+    </dgm:style>
+  </dgm:styleLbl>
+  <dgm:styleLbl name="alignAccFollowNode1">
+    <dgm:scene3d>
+      <a:camera prst="orthographicFront"/>
+      <a:lightRig rig="threePt" dir="t"/>
+    </dgm:scene3d>
+    <dgm:sp3d/>
+    <dgm:txPr/>
+    <dgm:style>
+      <a:lnRef idx="2">
+        <a:scrgbClr r="0" g="0" b="0"/>
+      </a:lnRef>
+      <a:fillRef idx="1">
+        <a:scrgbClr r="0" g="0" b="0"/>
+      </a:fillRef>
+      <a:effectRef idx="0">
+        <a:scrgbClr r="0" g="0" b="0"/>
+      </a:effectRef>
+      <a:fontRef idx="minor"/>
+    </dgm:style>
+  </dgm:styleLbl>
+  <dgm:styleLbl name="bgAccFollowNode1">
+    <dgm:scene3d>
+      <a:camera prst="orthographicFront"/>
+      <a:lightRig rig="threePt" dir="t"/>
+    </dgm:scene3d>
+    <dgm:sp3d/>
+    <dgm:txPr/>
+    <dgm:style>
+      <a:lnRef idx="2">
+        <a:scrgbClr r="0" g="0" b="0"/>
+      </a:lnRef>
+      <a:fillRef idx="1">
+        <a:scrgbClr r="0" g="0" b="0"/>
+      </a:fillRef>
+      <a:effectRef idx="0">
+        <a:scrgbClr r="0" g="0" b="0"/>
+      </a:effectRef>
+      <a:fontRef idx="minor"/>
+    </dgm:style>
+  </dgm:styleLbl>
+  <dgm:styleLbl name="fgAcc0">
+    <dgm:scene3d>
+      <a:camera prst="orthographicFront"/>
+      <a:lightRig rig="threePt" dir="t"/>
+    </dgm:scene3d>
+    <dgm:sp3d/>
+    <dgm:txPr/>
+    <dgm:style>
+      <a:lnRef idx="2">
+        <a:scrgbClr r="0" g="0" b="0"/>
+      </a:lnRef>
+      <a:fillRef idx="1">
+        <a:scrgbClr r="0" g="0" b="0"/>
+      </a:fillRef>
+      <a:effectRef idx="0">
+        <a:scrgbClr r="0" g="0" b="0"/>
+      </a:effectRef>
+      <a:fontRef idx="minor"/>
+    </dgm:style>
+  </dgm:styleLbl>
+  <dgm:styleLbl name="fgAcc2">
+    <dgm:scene3d>
+      <a:camera prst="orthographicFront"/>
+      <a:lightRig rig="threePt" dir="t"/>
+    </dgm:scene3d>
+    <dgm:sp3d/>
+    <dgm:txPr/>
+    <dgm:style>
+      <a:lnRef idx="2">
+        <a:scrgbClr r="0" g="0" b="0"/>
+      </a:lnRef>
+      <a:fillRef idx="1">
+        <a:scrgbClr r="0" g="0" b="0"/>
+      </a:fillRef>
+      <a:effectRef idx="0">
+        <a:scrgbClr r="0" g="0" b="0"/>
+      </a:effectRef>
+      <a:fontRef idx="minor"/>
+    </dgm:style>
+  </dgm:styleLbl>
+  <dgm:styleLbl name="fgAcc3">
+    <dgm:scene3d>
+      <a:camera prst="orthographicFront"/>
+      <a:lightRig rig="threePt" dir="t"/>
+    </dgm:scene3d>
+    <dgm:sp3d/>
+    <dgm:txPr/>
+    <dgm:style>
+      <a:lnRef idx="2">
+        <a:scrgbClr r="0" g="0" b="0"/>
+      </a:lnRef>
+      <a:fillRef idx="1">
+        <a:scrgbClr r="0" g="0" b="0"/>
+      </a:fillRef>
+      <a:effectRef idx="0">
+        <a:scrgbClr r="0" g="0" b="0"/>
+      </a:effectRef>
+      <a:fontRef idx="minor"/>
+    </dgm:style>
+  </dgm:styleLbl>
+  <dgm:styleLbl name="fgAcc4">
+    <dgm:scene3d>
+      <a:camera prst="orthographicFront"/>
+      <a:lightRig rig="threePt" dir="t"/>
+    </dgm:scene3d>
+    <dgm:sp3d/>
+    <dgm:txPr/>
+    <dgm:style>
+      <a:lnRef idx="2">
+        <a:scrgbClr r="0" g="0" b="0"/>
+      </a:lnRef>
+      <a:fillRef idx="1">
+        <a:scrgbClr r="0" g="0" b="0"/>
+      </a:fillRef>
+      <a:effectRef idx="0">
+        <a:scrgbClr r="0" g="0" b="0"/>
+      </a:effectRef>
+      <a:fontRef idx="minor"/>
+    </dgm:style>
+  </dgm:styleLbl>
+  <dgm:styleLbl name="bgShp">
+    <dgm:scene3d>
+      <a:camera prst="orthographicFront"/>
+      <a:lightRig rig="threePt" dir="t"/>
+    </dgm:scene3d>
+    <dgm:sp3d/>
+    <dgm:txPr/>
+    <dgm:style>
+      <a:lnRef idx="0">
+        <a:scrgbClr r="0" g="0" b="0"/>
+      </a:lnRef>
+      <a:fillRef idx="1">
+        <a:scrgbClr r="0" g="0" b="0"/>
+      </a:fillRef>
+      <a:effectRef idx="0">
+        <a:scrgbClr r="0" g="0" b="0"/>
+      </a:effectRef>
+      <a:fontRef idx="minor"/>
+    </dgm:style>
+  </dgm:styleLbl>
+  <dgm:styleLbl name="dkBgShp">
+    <dgm:scene3d>
+      <a:camera prst="orthographicFront"/>
+      <a:lightRig rig="threePt" dir="t"/>
+    </dgm:scene3d>
+    <dgm:sp3d/>
+    <dgm:txPr/>
+    <dgm:style>
+      <a:lnRef idx="0">
+        <a:scrgbClr r="0" g="0" b="0"/>
+      </a:lnRef>
+      <a:fillRef idx="1">
+        <a:scrgbClr r="0" g="0" b="0"/>
+      </a:fillRef>
+      <a:effectRef idx="0">
+        <a:scrgbClr r="0" g="0" b="0"/>
+      </a:effectRef>
+      <a:fontRef idx="minor"/>
+    </dgm:style>
+  </dgm:styleLbl>
+  <dgm:styleLbl name="trBgShp">
+    <dgm:scene3d>
+      <a:camera prst="orthographicFront"/>
+      <a:lightRig rig="threePt" dir="t"/>
+    </dgm:scene3d>
+    <dgm:sp3d/>
+    <dgm:txPr/>
+    <dgm:style>
+      <a:lnRef idx="0">
+        <a:scrgbClr r="0" g="0" b="0"/>
+      </a:lnRef>
+      <a:fillRef idx="1">
+        <a:scrgbClr r="0" g="0" b="0"/>
+      </a:fillRef>
+      <a:effectRef idx="0">
+        <a:scrgbClr r="0" g="0" b="0"/>
+      </a:effectRef>
+      <a:fontRef idx="minor"/>
+    </dgm:style>
+  </dgm:styleLbl>
+  <dgm:styleLbl name="fgShp">
+    <dgm:scene3d>
+      <a:camera prst="orthographicFront"/>
+      <a:lightRig rig="threePt" dir="t"/>
+    </dgm:scene3d>
+    <dgm:sp3d/>
+    <dgm:txPr/>
+    <dgm:style>
+      <a:lnRef idx="2">
+        <a:scrgbClr r="0" g="0" b="0"/>
+      </a:lnRef>
+      <a:fillRef idx="1">
+        <a:scrgbClr r="0" g="0" b="0"/>
+      </a:fillRef>
+      <a:effectRef idx="0">
+        <a:scrgbClr r="0" g="0" b="0"/>
+      </a:effectRef>
+      <a:fontRef idx="minor"/>
+    </dgm:style>
+  </dgm:styleLbl>
+  <dgm:styleLbl name="revTx">
+    <dgm:scene3d>
+      <a:camera prst="orthographicFront"/>
+      <a:lightRig rig="threePt" dir="t"/>
+    </dgm:scene3d>
+    <dgm:sp3d/>
+    <dgm:txPr/>
+    <dgm:style>
+      <a:lnRef idx="0">
+        <a:scrgbClr r="0" g="0" b="0"/>
+      </a:lnRef>
+      <a:fillRef idx="0">
+        <a:scrgbClr r="0" g="0" b="0"/>
+      </a:fillRef>
+      <a:effectRef idx="0">
+        <a:scrgbClr r="0" g="0" b="0"/>
+      </a:effectRef>
+      <a:fontRef idx="minor"/>
+    </dgm:style>
+  </dgm:styleLbl>
+</dgm:styleDef>
+</file>
+
+<file path=ppt/notesMasters/notesMaster1.xml><?xml version="1.0" encoding="utf-8"?>
+<p:notesMaster xmlns:a="http://schemas.openxmlformats.org/drawingml/2006/main" xmlns:r="http://schemas.openxmlformats.org/officeDocument/2006/relationships" xmlns:p="http://schemas.openxmlformats.org/presentationml/2006/main">
+  <p:cSld>
+    <p:bg>
+      <p:bgRef idx="1001">
+        <a:schemeClr val="bg1"/>
+      </p:bgRef>
+    </p:bg>
+    <p:spTree>
+      <p:nvGrpSpPr>
+        <p:cNvPr id="1" name=""/>
+        <p:cNvGrpSpPr/>
+        <p:nvPr/>
+      </p:nvGrpSpPr>
+      <p:grpSpPr>
+        <a:xfrm>
+          <a:off x="0" y="0"/>
+          <a:ext cx="0" cy="0"/>
+          <a:chOff x="0" y="0"/>
+          <a:chExt cx="0" cy="0"/>
+        </a:xfrm>
+      </p:grpSpPr>
+      <p:sp>
+        <p:nvSpPr>
+          <p:cNvPr id="2" name="Header Placeholder 1"/>
+          <p:cNvSpPr>
+            <a:spLocks noGrp="1"/>
+          </p:cNvSpPr>
+          <p:nvPr>
+            <p:ph type="hdr" sz="quarter"/>
+          </p:nvPr>
+        </p:nvSpPr>
+        <p:spPr>
+          <a:xfrm>
+            <a:off x="0" y="0"/>
+            <a:ext cx="2971800" cy="458788"/>
+          </a:xfrm>
+          <a:prstGeom prst="rect">
+            <a:avLst/>
+          </a:prstGeom>
+        </p:spPr>
+        <p:txBody>
+          <a:bodyPr vert="horz" lIns="91440" tIns="45720" rIns="91440" bIns="45720" rtlCol="0"/>
+          <a:lstStyle>
+            <a:lvl1pPr algn="l">
+              <a:defRPr sz="1200"/>
+            </a:lvl1pPr>
+          </a:lstStyle>
+          <a:p>
+            <a:endParaRPr lang="en-US"/>
+          </a:p>
+        </p:txBody>
+      </p:sp>
+      <p:sp>
+        <p:nvSpPr>
+          <p:cNvPr id="3" name="Date Placeholder 2"/>
+          <p:cNvSpPr>
+            <a:spLocks noGrp="1"/>
+          </p:cNvSpPr>
+          <p:nvPr>
+            <p:ph type="dt" idx="1"/>
+          </p:nvPr>
+        </p:nvSpPr>
+        <p:spPr>
+          <a:xfrm>
+            <a:off x="3884613" y="0"/>
+            <a:ext cx="2971800" cy="458788"/>
+          </a:xfrm>
+          <a:prstGeom prst="rect">
+            <a:avLst/>
+          </a:prstGeom>
+        </p:spPr>
+        <p:txBody>
+          <a:bodyPr vert="horz" lIns="91440" tIns="45720" rIns="91440" bIns="45720" rtlCol="0"/>
+          <a:lstStyle>
+            <a:lvl1pPr algn="r">
+              <a:defRPr sz="1200"/>
+            </a:lvl1pPr>
+          </a:lstStyle>
+          <a:p>
+            <a:fld id="{E85674F1-98A6-594B-85E4-D3870963F00F}" type="datetimeFigureOut">
+              <a:rPr lang="en-US" smtClean="0"/>
+              <a:t>1/14/26</a:t>
+            </a:fld>
+            <a:endParaRPr lang="en-US"/>
+          </a:p>
+        </p:txBody>
+      </p:sp>
+      <p:sp>
+        <p:nvSpPr>
+          <p:cNvPr id="4" name="Slide Image Placeholder 3"/>
+          <p:cNvSpPr>
+            <a:spLocks noGrp="1" noRot="1" noChangeAspect="1"/>
+          </p:cNvSpPr>
+          <p:nvPr>
+            <p:ph type="sldImg" idx="2"/>
+          </p:nvPr>
+        </p:nvSpPr>
+        <p:spPr>
+          <a:xfrm>
+            <a:off x="685800" y="1143000"/>
+            <a:ext cx="5486400" cy="3086100"/>
+          </a:xfrm>
+          <a:prstGeom prst="rect">
+            <a:avLst/>
+          </a:prstGeom>
+          <a:noFill/>
+          <a:ln w="12700">
+            <a:solidFill>
+              <a:prstClr val="black"/>
+            </a:solidFill>
+          </a:ln>
+        </p:spPr>
+        <p:txBody>
+          <a:bodyPr vert="horz" lIns="91440" tIns="45720" rIns="91440" bIns="45720" rtlCol="0" anchor="ctr"/>
+          <a:lstStyle/>
+          <a:p>
+            <a:endParaRPr lang="en-US"/>
+          </a:p>
+        </p:txBody>
+      </p:sp>
+      <p:sp>
+        <p:nvSpPr>
+          <p:cNvPr id="5" name="Notes Placeholder 4"/>
+          <p:cNvSpPr>
+            <a:spLocks noGrp="1"/>
+          </p:cNvSpPr>
+          <p:nvPr>
+            <p:ph type="body" sz="quarter" idx="3"/>
+          </p:nvPr>
+        </p:nvSpPr>
+        <p:spPr>
+          <a:xfrm>
+            <a:off x="685800" y="4400550"/>
+            <a:ext cx="5486400" cy="3600450"/>
+          </a:xfrm>
+          <a:prstGeom prst="rect">
+            <a:avLst/>
+          </a:prstGeom>
+        </p:spPr>
+        <p:txBody>
+          <a:bodyPr vert="horz" lIns="91440" tIns="45720" rIns="91440" bIns="45720" rtlCol="0"/>
+          <a:lstStyle/>
+          <a:p>
+            <a:pPr lvl="0"/>
+            <a:r>
+              <a:rPr lang="en-US"/>
+              <a:t>Click to edit Master text styles</a:t>
+            </a:r>
+          </a:p>
+          <a:p>
+            <a:pPr lvl="1"/>
+            <a:r>
+              <a:rPr lang="en-US"/>
+              <a:t>Second level</a:t>
+            </a:r>
+          </a:p>
+          <a:p>
+            <a:pPr lvl="2"/>
+            <a:r>
+              <a:rPr lang="en-US"/>
+              <a:t>Third level</a:t>
+            </a:r>
+          </a:p>
+          <a:p>
+            <a:pPr lvl="3"/>
+            <a:r>
+              <a:rPr lang="en-US"/>
+              <a:t>Fourth level</a:t>
+            </a:r>
+          </a:p>
+          <a:p>
+            <a:pPr lvl="4"/>
+            <a:r>
+              <a:rPr lang="en-US"/>
+              <a:t>Fifth level</a:t>
+            </a:r>
+          </a:p>
+        </p:txBody>
+      </p:sp>
+      <p:sp>
+        <p:nvSpPr>
+          <p:cNvPr id="6" name="Footer Placeholder 5"/>
+          <p:cNvSpPr>
+            <a:spLocks noGrp="1"/>
+          </p:cNvSpPr>
+          <p:nvPr>
+            <p:ph type="ftr" sz="quarter" idx="4"/>
+          </p:nvPr>
+        </p:nvSpPr>
+        <p:spPr>
+          <a:xfrm>
+            <a:off x="0" y="8685213"/>
+            <a:ext cx="2971800" cy="458787"/>
+          </a:xfrm>
+          <a:prstGeom prst="rect">
+            <a:avLst/>
+          </a:prstGeom>
+        </p:spPr>
+        <p:txBody>
+          <a:bodyPr vert="horz" lIns="91440" tIns="45720" rIns="91440" bIns="45720" rtlCol="0" anchor="b"/>
+          <a:lstStyle>
+            <a:lvl1pPr algn="l">
+              <a:defRPr sz="1200"/>
+            </a:lvl1pPr>
+          </a:lstStyle>
+          <a:p>
+            <a:endParaRPr lang="en-US"/>
+          </a:p>
+        </p:txBody>
+      </p:sp>
+      <p:sp>
+        <p:nvSpPr>
+          <p:cNvPr id="7" name="Slide Number Placeholder 6"/>
+          <p:cNvSpPr>
+            <a:spLocks noGrp="1"/>
+          </p:cNvSpPr>
+          <p:nvPr>
+            <p:ph type="sldNum" sz="quarter" idx="5"/>
+          </p:nvPr>
+        </p:nvSpPr>
+        <p:spPr>
+          <a:xfrm>
+            <a:off x="3884613" y="8685213"/>
+            <a:ext cx="2971800" cy="458787"/>
+          </a:xfrm>
+          <a:prstGeom prst="rect">
+            <a:avLst/>
+          </a:prstGeom>
+        </p:spPr>
+        <p:txBody>
+          <a:bodyPr vert="horz" lIns="91440" tIns="45720" rIns="91440" bIns="45720" rtlCol="0" anchor="b"/>
+          <a:lstStyle>
+            <a:lvl1pPr algn="r">
+              <a:defRPr sz="1200"/>
+            </a:lvl1pPr>
+          </a:lstStyle>
+          <a:p>
+            <a:fld id="{CA41743B-B06C-E44B-A5E9-9443A6F571C4}" type="slidenum">
+              <a:rPr lang="en-US" smtClean="0"/>
+              <a:t>‹#›</a:t>
+            </a:fld>
+            <a:endParaRPr lang="en-US"/>
+          </a:p>
+        </p:txBody>
+      </p:sp>
+    </p:spTree>
+    <p:extLst>
+      <p:ext uri="{BB962C8B-B14F-4D97-AF65-F5344CB8AC3E}">
+        <p14:creationId xmlns:p14="http://schemas.microsoft.com/office/powerpoint/2010/main" val="3526691903"/>
+      </p:ext>
+    </p:extLst>
+  </p:cSld>
+  <p:clrMap bg1="lt1" tx1="dk1" bg2="lt2" tx2="dk2" accent1="accent1" accent2="accent2" accent3="accent3" accent4="accent4" accent5="accent5" accent6="accent6" hlink="hlink" folHlink="folHlink"/>
+  <p:notesStyle>
+    <a:lvl1pPr marL="0" algn="l" defTabSz="914400" rtl="0" eaLnBrk="1" latinLnBrk="0" hangingPunct="1">
+      <a:defRPr sz="1200" kern="1200">
+        <a:solidFill>
+          <a:schemeClr val="tx1"/>
+        </a:solidFill>
+        <a:latin typeface="+mn-lt"/>
+        <a:ea typeface="+mn-ea"/>
+        <a:cs typeface="+mn-cs"/>
+      </a:defRPr>
+    </a:lvl1pPr>
+    <a:lvl2pPr marL="457200" algn="l" defTabSz="914400" rtl="0" eaLnBrk="1" latinLnBrk="0" hangingPunct="1">
+      <a:defRPr sz="1200" kern="1200">
+        <a:solidFill>
+          <a:schemeClr val="tx1"/>
+        </a:solidFill>
+        <a:latin typeface="+mn-lt"/>
+        <a:ea typeface="+mn-ea"/>
+        <a:cs typeface="+mn-cs"/>
+      </a:defRPr>
+    </a:lvl2pPr>
+    <a:lvl3pPr marL="914400" algn="l" defTabSz="914400" rtl="0" eaLnBrk="1" latinLnBrk="0" hangingPunct="1">
+      <a:defRPr sz="1200" kern="1200">
+        <a:solidFill>
+          <a:schemeClr val="tx1"/>
+        </a:solidFill>
+        <a:latin typeface="+mn-lt"/>
+        <a:ea typeface="+mn-ea"/>
+        <a:cs typeface="+mn-cs"/>
+      </a:defRPr>
+    </a:lvl3pPr>
+    <a:lvl4pPr marL="1371600" algn="l" defTabSz="914400" rtl="0" eaLnBrk="1" latinLnBrk="0" hangingPunct="1">
+      <a:defRPr sz="1200" kern="1200">
+        <a:solidFill>
+          <a:schemeClr val="tx1"/>
+        </a:solidFill>
+        <a:latin typeface="+mn-lt"/>
+        <a:ea typeface="+mn-ea"/>
+        <a:cs typeface="+mn-cs"/>
+      </a:defRPr>
+    </a:lvl4pPr>
+    <a:lvl5pPr marL="1828800" algn="l" defTabSz="914400" rtl="0" eaLnBrk="1" latinLnBrk="0" hangingPunct="1">
+      <a:defRPr sz="1200" kern="1200">
+        <a:solidFill>
+          <a:schemeClr val="tx1"/>
+        </a:solidFill>
+        <a:latin typeface="+mn-lt"/>
+        <a:ea typeface="+mn-ea"/>
+        <a:cs typeface="+mn-cs"/>
+      </a:defRPr>
+    </a:lvl5pPr>
+    <a:lvl6pPr marL="2286000" algn="l" defTabSz="914400" rtl="0" eaLnBrk="1" latinLnBrk="0" hangingPunct="1">
+      <a:defRPr sz="1200" kern="1200">
+        <a:solidFill>
+          <a:schemeClr val="tx1"/>
+        </a:solidFill>
+        <a:latin typeface="+mn-lt"/>
+        <a:ea typeface="+mn-ea"/>
+        <a:cs typeface="+mn-cs"/>
+      </a:defRPr>
+    </a:lvl6pPr>
+    <a:lvl7pPr marL="2743200" algn="l" defTabSz="914400" rtl="0" eaLnBrk="1" latinLnBrk="0" hangingPunct="1">
+      <a:defRPr sz="1200" kern="1200">
+        <a:solidFill>
+          <a:schemeClr val="tx1"/>
+        </a:solidFill>
+        <a:latin typeface="+mn-lt"/>
+        <a:ea typeface="+mn-ea"/>
+        <a:cs typeface="+mn-cs"/>
+      </a:defRPr>
+    </a:lvl7pPr>
+    <a:lvl8pPr marL="3200400" algn="l" defTabSz="914400" rtl="0" eaLnBrk="1" latinLnBrk="0" hangingPunct="1">
+      <a:defRPr sz="1200" kern="1200">
+        <a:solidFill>
+          <a:schemeClr val="tx1"/>
+        </a:solidFill>
+        <a:latin typeface="+mn-lt"/>
+        <a:ea typeface="+mn-ea"/>
+        <a:cs typeface="+mn-cs"/>
+      </a:defRPr>
+    </a:lvl8pPr>
+    <a:lvl9pPr marL="3657600" algn="l" defTabSz="914400" rtl="0" eaLnBrk="1" latinLnBrk="0" hangingPunct="1">
+      <a:defRPr sz="1200" kern="1200">
+        <a:solidFill>
+          <a:schemeClr val="tx1"/>
+        </a:solidFill>
+        <a:latin typeface="+mn-lt"/>
+        <a:ea typeface="+mn-ea"/>
+        <a:cs typeface="+mn-cs"/>
+      </a:defRPr>
+    </a:lvl9pPr>
+  </p:notesStyle>
+</p:notesMaster>
+</file>
+
+<file path=ppt/notesSlides/notesSlide1.xml><?xml version="1.0" encoding="utf-8"?>
+<p:notes xmlns:a="http://schemas.openxmlformats.org/drawingml/2006/main" xmlns:r="http://schemas.openxmlformats.org/officeDocument/2006/relationships" xmlns:p="http://schemas.openxmlformats.org/presentationml/2006/main">
+  <p:cSld>
+    <p:spTree>
+      <p:nvGrpSpPr>
+        <p:cNvPr id="1" name=""/>
+        <p:cNvGrpSpPr/>
+        <p:nvPr/>
+      </p:nvGrpSpPr>
+      <p:grpSpPr>
+        <a:xfrm>
+          <a:off x="0" y="0"/>
+          <a:ext cx="0" cy="0"/>
+          <a:chOff x="0" y="0"/>
+          <a:chExt cx="0" cy="0"/>
+        </a:xfrm>
+      </p:grpSpPr>
+      <p:sp>
+        <p:nvSpPr>
+          <p:cNvPr id="2" name="Slide Image Placeholder 1"/>
+          <p:cNvSpPr>
+            <a:spLocks noGrp="1" noRot="1" noChangeAspect="1"/>
+          </p:cNvSpPr>
+          <p:nvPr>
+            <p:ph type="sldImg"/>
+          </p:nvPr>
+        </p:nvSpPr>
+        <p:spPr/>
+      </p:sp>
+      <p:sp>
+        <p:nvSpPr>
+          <p:cNvPr id="3" name="Notes Placeholder 2"/>
+          <p:cNvSpPr>
+            <a:spLocks noGrp="1"/>
+          </p:cNvSpPr>
+          <p:nvPr>
+            <p:ph type="body" idx="1"/>
+          </p:nvPr>
+        </p:nvSpPr>
+        <p:spPr/>
+        <p:txBody>
+          <a:bodyPr/>
+          <a:lstStyle/>
+          <a:p>
+            <a:endParaRPr lang="en-US" dirty="0"/>
+          </a:p>
+        </p:txBody>
+      </p:sp>
+      <p:sp>
+        <p:nvSpPr>
+          <p:cNvPr id="4" name="Slide Number Placeholder 3"/>
+          <p:cNvSpPr>
+            <a:spLocks noGrp="1"/>
+          </p:cNvSpPr>
+          <p:nvPr>
+            <p:ph type="sldNum" sz="quarter" idx="5"/>
+          </p:nvPr>
+        </p:nvSpPr>
+        <p:spPr/>
+        <p:txBody>
+          <a:bodyPr/>
+          <a:lstStyle/>
+          <a:p>
+            <a:fld id="{0238319F-61CD-A140-8E73-A0E0B6263794}" type="slidenum">
+              <a:rPr lang="en-US" smtClean="0"/>
+              <a:t>8</a:t>
+            </a:fld>
+            <a:endParaRPr lang="en-US"/>
+          </a:p>
+        </p:txBody>
+      </p:sp>
+    </p:spTree>
+    <p:extLst>
+      <p:ext uri="{BB962C8B-B14F-4D97-AF65-F5344CB8AC3E}">
+        <p14:creationId xmlns:p14="http://schemas.microsoft.com/office/powerpoint/2010/main" val="1206519384"/>
+      </p:ext>
+    </p:extLst>
+  </p:cSld>
+  <p:clrMapOvr>
+    <a:masterClrMapping/>
+  </p:clrMapOvr>
+</p:notes>
 </file>
 
 <file path=ppt/slideLayouts/slideLayout1.xml><?xml version="1.0" encoding="utf-8"?>
@@ -272,7 +3592,7 @@
           <a:p>
             <a:fld id="{271DB9ED-E045-134F-B3F2-C9B359932CAC}" type="datetimeFigureOut">
               <a:rPr lang="en-US" smtClean="0"/>
-              <a:t>1/12/26</a:t>
+              <a:t>1/14/26</a:t>
             </a:fld>
             <a:endParaRPr lang="en-US"/>
           </a:p>
@@ -470,7 +3790,7 @@
           <a:p>
             <a:fld id="{271DB9ED-E045-134F-B3F2-C9B359932CAC}" type="datetimeFigureOut">
               <a:rPr lang="en-US" smtClean="0"/>
-              <a:t>1/12/26</a:t>
+              <a:t>1/14/26</a:t>
             </a:fld>
             <a:endParaRPr lang="en-US"/>
           </a:p>
@@ -678,7 +3998,7 @@
           <a:p>
             <a:fld id="{271DB9ED-E045-134F-B3F2-C9B359932CAC}" type="datetimeFigureOut">
               <a:rPr lang="en-US" smtClean="0"/>
-              <a:t>1/12/26</a:t>
+              <a:t>1/14/26</a:t>
             </a:fld>
             <a:endParaRPr lang="en-US"/>
           </a:p>
@@ -876,7 +4196,7 @@
           <a:p>
             <a:fld id="{271DB9ED-E045-134F-B3F2-C9B359932CAC}" type="datetimeFigureOut">
               <a:rPr lang="en-US" smtClean="0"/>
-              <a:t>1/12/26</a:t>
+              <a:t>1/14/26</a:t>
             </a:fld>
             <a:endParaRPr lang="en-US"/>
           </a:p>
@@ -1151,7 +4471,7 @@
           <a:p>
             <a:fld id="{271DB9ED-E045-134F-B3F2-C9B359932CAC}" type="datetimeFigureOut">
               <a:rPr lang="en-US" smtClean="0"/>
-              <a:t>1/12/26</a:t>
+              <a:t>1/14/26</a:t>
             </a:fld>
             <a:endParaRPr lang="en-US"/>
           </a:p>
@@ -1416,7 +4736,7 @@
           <a:p>
             <a:fld id="{271DB9ED-E045-134F-B3F2-C9B359932CAC}" type="datetimeFigureOut">
               <a:rPr lang="en-US" smtClean="0"/>
-              <a:t>1/12/26</a:t>
+              <a:t>1/14/26</a:t>
             </a:fld>
             <a:endParaRPr lang="en-US"/>
           </a:p>
@@ -1828,7 +5148,7 @@
           <a:p>
             <a:fld id="{271DB9ED-E045-134F-B3F2-C9B359932CAC}" type="datetimeFigureOut">
               <a:rPr lang="en-US" smtClean="0"/>
-              <a:t>1/12/26</a:t>
+              <a:t>1/14/26</a:t>
             </a:fld>
             <a:endParaRPr lang="en-US"/>
           </a:p>
@@ -1969,7 +5289,7 @@
           <a:p>
             <a:fld id="{271DB9ED-E045-134F-B3F2-C9B359932CAC}" type="datetimeFigureOut">
               <a:rPr lang="en-US" smtClean="0"/>
-              <a:t>1/12/26</a:t>
+              <a:t>1/14/26</a:t>
             </a:fld>
             <a:endParaRPr lang="en-US"/>
           </a:p>
@@ -2082,7 +5402,7 @@
           <a:p>
             <a:fld id="{271DB9ED-E045-134F-B3F2-C9B359932CAC}" type="datetimeFigureOut">
               <a:rPr lang="en-US" smtClean="0"/>
-              <a:t>1/12/26</a:t>
+              <a:t>1/14/26</a:t>
             </a:fld>
             <a:endParaRPr lang="en-US"/>
           </a:p>
@@ -2393,7 +5713,7 @@
           <a:p>
             <a:fld id="{271DB9ED-E045-134F-B3F2-C9B359932CAC}" type="datetimeFigureOut">
               <a:rPr lang="en-US" smtClean="0"/>
-              <a:t>1/12/26</a:t>
+              <a:t>1/14/26</a:t>
             </a:fld>
             <a:endParaRPr lang="en-US"/>
           </a:p>
@@ -2681,7 +6001,7 @@
           <a:p>
             <a:fld id="{271DB9ED-E045-134F-B3F2-C9B359932CAC}" type="datetimeFigureOut">
               <a:rPr lang="en-US" smtClean="0"/>
-              <a:t>1/12/26</a:t>
+              <a:t>1/14/26</a:t>
             </a:fld>
             <a:endParaRPr lang="en-US"/>
           </a:p>
@@ -2922,7 +6242,7 @@
           <a:p>
             <a:fld id="{271DB9ED-E045-134F-B3F2-C9B359932CAC}" type="datetimeFigureOut">
               <a:rPr lang="en-US" smtClean="0"/>
-              <a:t>1/12/26</a:t>
+              <a:t>1/14/26</a:t>
             </a:fld>
             <a:endParaRPr lang="en-US"/>
           </a:p>
@@ -3355,7 +6675,12 @@
             <p:ph type="ctrTitle"/>
           </p:nvPr>
         </p:nvSpPr>
-        <p:spPr/>
+        <p:spPr>
+          <a:xfrm>
+            <a:off x="1524000" y="1133121"/>
+            <a:ext cx="9144000" cy="2387600"/>
+          </a:xfrm>
+        </p:spPr>
         <p:txBody>
           <a:bodyPr/>
           <a:lstStyle/>
@@ -3410,13 +6735,7 @@
   <p:cSld>
     <p:spTree>
       <p:nvGrpSpPr>
-        <p:cNvPr id="1" name="">
-          <a:extLst>
-            <a:ext uri="{FF2B5EF4-FFF2-40B4-BE49-F238E27FC236}">
-              <a16:creationId xmlns:a16="http://schemas.microsoft.com/office/drawing/2014/main" id="{588CD7B5-6A72-6048-2B2E-04713365A89D}"/>
-            </a:ext>
-          </a:extLst>
-        </p:cNvPr>
+        <p:cNvPr id="1" name=""/>
         <p:cNvGrpSpPr/>
         <p:nvPr/>
       </p:nvGrpSpPr>
@@ -3433,7 +6752,7 @@
           <p:cNvPr id="2" name="Title 1">
             <a:extLst>
               <a:ext uri="{FF2B5EF4-FFF2-40B4-BE49-F238E27FC236}">
-                <a16:creationId xmlns:a16="http://schemas.microsoft.com/office/drawing/2014/main" id="{46F44267-8FD1-E90A-86E2-2FA9E556F802}"/>
+                <a16:creationId xmlns:a16="http://schemas.microsoft.com/office/drawing/2014/main" id="{67F0BC60-C615-E762-9323-7F160490C78A}"/>
               </a:ext>
             </a:extLst>
           </p:cNvPr>
@@ -3451,7 +6770,7 @@
           <a:p>
             <a:r>
               <a:rPr lang="en-US" dirty="0"/>
-              <a:t>Using an agent as a function tool</a:t>
+              <a:t>Producing Structured Output with Agents</a:t>
             </a:r>
           </a:p>
         </p:txBody>
@@ -3461,7 +6780,7 @@
           <p:cNvPr id="4" name="Text Placeholder 3">
             <a:extLst>
               <a:ext uri="{FF2B5EF4-FFF2-40B4-BE49-F238E27FC236}">
-                <a16:creationId xmlns:a16="http://schemas.microsoft.com/office/drawing/2014/main" id="{BDC63DAD-B891-5E7F-B21C-B7872F23B18A}"/>
+                <a16:creationId xmlns:a16="http://schemas.microsoft.com/office/drawing/2014/main" id="{F970159F-28F5-84F6-8C8F-D473545F5273}"/>
               </a:ext>
             </a:extLst>
           </p:cNvPr>
@@ -3484,7 +6803,7 @@
     </p:spTree>
     <p:extLst>
       <p:ext uri="{BB962C8B-B14F-4D97-AF65-F5344CB8AC3E}">
-        <p14:creationId xmlns:p14="http://schemas.microsoft.com/office/powerpoint/2010/main" val="2545126105"/>
+        <p14:creationId xmlns:p14="http://schemas.microsoft.com/office/powerpoint/2010/main" val="756270899"/>
       </p:ext>
     </p:extLst>
   </p:cSld>
@@ -3513,10 +6832,10 @@
       </p:grpSpPr>
       <p:sp>
         <p:nvSpPr>
-          <p:cNvPr id="4" name="Title 3">
-            <a:extLst>
-              <a:ext uri="{FF2B5EF4-FFF2-40B4-BE49-F238E27FC236}">
-                <a16:creationId xmlns:a16="http://schemas.microsoft.com/office/drawing/2014/main" id="{F0CA2539-F6F6-BF9B-DFB4-11E15B039ADE}"/>
+          <p:cNvPr id="2" name="Title 1">
+            <a:extLst>
+              <a:ext uri="{FF2B5EF4-FFF2-40B4-BE49-F238E27FC236}">
+                <a16:creationId xmlns:a16="http://schemas.microsoft.com/office/drawing/2014/main" id="{85BA651B-EE1E-7DAE-9E63-ADC85127760A}"/>
               </a:ext>
             </a:extLst>
           </p:cNvPr>
@@ -3534,17 +6853,17 @@
           <a:p>
             <a:r>
               <a:rPr lang="en-US" dirty="0"/>
-              <a:t>Agent as a function tool </a:t>
-            </a:r>
-          </a:p>
-        </p:txBody>
-      </p:sp>
-      <p:sp>
-        <p:nvSpPr>
-          <p:cNvPr id="5" name="Content Placeholder 4">
-            <a:extLst>
-              <a:ext uri="{FF2B5EF4-FFF2-40B4-BE49-F238E27FC236}">
-                <a16:creationId xmlns:a16="http://schemas.microsoft.com/office/drawing/2014/main" id="{D83E9DE1-CFD1-64A9-4C84-7E47819F6D06}"/>
+              <a:t>What is structured output with an agent?</a:t>
+            </a:r>
+          </a:p>
+        </p:txBody>
+      </p:sp>
+      <p:sp>
+        <p:nvSpPr>
+          <p:cNvPr id="3" name="Content Placeholder 2">
+            <a:extLst>
+              <a:ext uri="{FF2B5EF4-FFF2-40B4-BE49-F238E27FC236}">
+                <a16:creationId xmlns:a16="http://schemas.microsoft.com/office/drawing/2014/main" id="{25E4A529-D423-F01C-A412-975BEA4529F7}"/>
               </a:ext>
             </a:extLst>
           </p:cNvPr>
@@ -3557,21 +6876,20 @@
         </p:nvSpPr>
         <p:spPr/>
         <p:txBody>
-          <a:bodyPr/>
+          <a:bodyPr>
+            <a:normAutofit/>
+          </a:bodyPr>
           <a:lstStyle/>
           <a:p>
             <a:r>
               <a:rPr lang="en-US" dirty="0"/>
-              <a:t>An agent as a function tool means treating an AI agent like a callable function inside your system — with defined inputs, a clear contract, and structured outputs, instead of free-form conversation.</a:t>
-            </a:r>
-          </a:p>
-          <a:p>
-            <a:endParaRPr lang="en-US" dirty="0"/>
+              <a:t>Structured output with an agent means that an AI agent is designed to return its results in a predefined, machine-readable format, instead of free-form text</a:t>
+            </a:r>
           </a:p>
           <a:p>
             <a:r>
               <a:rPr lang="en-US" dirty="0"/>
-              <a:t>In other words:</a:t>
+              <a:t>In simple terms:</a:t>
             </a:r>
           </a:p>
           <a:p>
@@ -3580,15 +6898,21 @@
             </a:pPr>
             <a:r>
               <a:rPr lang="en-US" dirty="0"/>
-              <a:t>👉 the agent behaves like software, not a chatbot</a:t>
-            </a:r>
+              <a:t>👉 the agent doesn’t just talk — it responds with data that other systems can reliably consume.</a:t>
+            </a:r>
+          </a:p>
+          <a:p>
+            <a:endParaRPr lang="en-US" dirty="0"/>
+          </a:p>
+          <a:p>
+            <a:endParaRPr lang="en-US" dirty="0"/>
           </a:p>
         </p:txBody>
       </p:sp>
     </p:spTree>
     <p:extLst>
       <p:ext uri="{BB962C8B-B14F-4D97-AF65-F5344CB8AC3E}">
-        <p14:creationId xmlns:p14="http://schemas.microsoft.com/office/powerpoint/2010/main" val="152037749"/>
+        <p14:creationId xmlns:p14="http://schemas.microsoft.com/office/powerpoint/2010/main" val="615853362"/>
       </p:ext>
     </p:extLst>
   </p:cSld>
@@ -3620,7 +6944,7 @@
           <p:cNvPr id="2" name="Title 1">
             <a:extLst>
               <a:ext uri="{FF2B5EF4-FFF2-40B4-BE49-F238E27FC236}">
-                <a16:creationId xmlns:a16="http://schemas.microsoft.com/office/drawing/2014/main" id="{197EE92C-DB1C-C4F8-9D2F-E74F49D00CC5}"/>
+                <a16:creationId xmlns:a16="http://schemas.microsoft.com/office/drawing/2014/main" id="{A741D2BA-E338-693C-B857-63CCEBFFC578}"/>
               </a:ext>
             </a:extLst>
           </p:cNvPr>
@@ -3640,7 +6964,7 @@
           <a:p>
             <a:r>
               <a:rPr lang="en-US" dirty="0"/>
-              <a:t>Core idea</a:t>
+              <a:t>Why is structured output important?</a:t>
             </a:r>
           </a:p>
         </p:txBody>
@@ -3650,7 +6974,7 @@
           <p:cNvPr id="3" name="Content Placeholder 2">
             <a:extLst>
               <a:ext uri="{FF2B5EF4-FFF2-40B4-BE49-F238E27FC236}">
-                <a16:creationId xmlns:a16="http://schemas.microsoft.com/office/drawing/2014/main" id="{6F2856F2-A4F0-8014-CDDF-8D9CEF8D2BDA}"/>
+                <a16:creationId xmlns:a16="http://schemas.microsoft.com/office/drawing/2014/main" id="{04AC2217-BED9-5007-E892-FD0D38EB9A2B}"/>
               </a:ext>
             </a:extLst>
           </p:cNvPr>
@@ -3670,76 +6994,48 @@
           <a:p>
             <a:r>
               <a:rPr lang="en-US" dirty="0"/>
-              <a:t>Traditional agent:</a:t>
+              <a:t>Structured output is important because it makes AI reliable, automatable, and safe to integrate into real systems.</a:t>
+            </a:r>
+          </a:p>
+          <a:p>
+            <a:r>
+              <a:rPr lang="en-US" dirty="0"/>
+              <a:t>We can enable dynamic analysis of business rules.</a:t>
+            </a:r>
+          </a:p>
+          <a:p>
+            <a:r>
+              <a:rPr lang="en-US" dirty="0"/>
+              <a:t>For example, a fintech operating with Bitcoin and equities needs to send user-friendly notifications about:</a:t>
             </a:r>
           </a:p>
           <a:p>
             <a:pPr lvl="1"/>
             <a:r>
               <a:rPr lang="en-US" dirty="0"/>
-              <a:t>Conversational</a:t>
+              <a:t>new investments</a:t>
             </a:r>
           </a:p>
           <a:p>
             <a:pPr lvl="1"/>
             <a:r>
               <a:rPr lang="en-US" dirty="0"/>
-              <a:t>Unstructured text output</a:t>
+              <a:t>price appreciation and depreciation,</a:t>
             </a:r>
           </a:p>
           <a:p>
             <a:pPr lvl="1"/>
             <a:r>
               <a:rPr lang="en-US" dirty="0"/>
-              <a:t>Hard to integrate</a:t>
-            </a:r>
-          </a:p>
-          <a:p>
-            <a:r>
-              <a:rPr lang="en-US" dirty="0"/>
-              <a:t>Agent as a function tool:</a:t>
-            </a:r>
-          </a:p>
-          <a:p>
-            <a:pPr lvl="1"/>
-            <a:r>
-              <a:rPr lang="en-US" dirty="0"/>
-              <a:t>Invoked programmatically</a:t>
-            </a:r>
-          </a:p>
-          <a:p>
-            <a:pPr lvl="1"/>
-            <a:r>
-              <a:rPr lang="en-US" dirty="0"/>
-              <a:t>Receives structured input</a:t>
-            </a:r>
-          </a:p>
-          <a:p>
-            <a:pPr lvl="1"/>
-            <a:r>
-              <a:rPr lang="en-US" dirty="0"/>
-              <a:t>Returns structured output</a:t>
-            </a:r>
-          </a:p>
-          <a:p>
-            <a:pPr lvl="1"/>
-            <a:r>
-              <a:rPr lang="en-US" dirty="0"/>
-              <a:t>Can be composed, validated, and reused</a:t>
-            </a:r>
-          </a:p>
-          <a:p>
-            <a:endParaRPr lang="en-US" dirty="0"/>
-          </a:p>
-          <a:p>
-            <a:endParaRPr lang="en-US" dirty="0"/>
+              <a:t>market movements and growth trends.</a:t>
+            </a:r>
           </a:p>
         </p:txBody>
       </p:sp>
     </p:spTree>
     <p:extLst>
       <p:ext uri="{BB962C8B-B14F-4D97-AF65-F5344CB8AC3E}">
-        <p14:creationId xmlns:p14="http://schemas.microsoft.com/office/powerpoint/2010/main" val="3518718374"/>
+        <p14:creationId xmlns:p14="http://schemas.microsoft.com/office/powerpoint/2010/main" val="4162356070"/>
       </p:ext>
     </p:extLst>
   </p:cSld>
@@ -3771,7 +7067,7 @@
           <p:cNvPr id="2" name="Title 1">
             <a:extLst>
               <a:ext uri="{FF2B5EF4-FFF2-40B4-BE49-F238E27FC236}">
-                <a16:creationId xmlns:a16="http://schemas.microsoft.com/office/drawing/2014/main" id="{6816E252-8A50-63C8-EC4E-EEF5FC5EEC45}"/>
+                <a16:creationId xmlns:a16="http://schemas.microsoft.com/office/drawing/2014/main" id="{F88ED850-934C-D220-CFB1-ABB886BAFE3D}"/>
               </a:ext>
             </a:extLst>
           </p:cNvPr>
@@ -3789,7 +7085,7 @@
           <a:p>
             <a:r>
               <a:rPr lang="en-US" dirty="0"/>
-              <a:t>Process</a:t>
+              <a:t>Why is structured output important?</a:t>
             </a:r>
           </a:p>
         </p:txBody>
@@ -3799,7 +7095,7 @@
           <p:cNvPr id="3" name="Content Placeholder 2">
             <a:extLst>
               <a:ext uri="{FF2B5EF4-FFF2-40B4-BE49-F238E27FC236}">
-                <a16:creationId xmlns:a16="http://schemas.microsoft.com/office/drawing/2014/main" id="{DC1C334A-B6D3-A75D-6FE5-D883D4E4E259}"/>
+                <a16:creationId xmlns:a16="http://schemas.microsoft.com/office/drawing/2014/main" id="{985FC3D6-0506-7108-8F6C-B7239574EE0E}"/>
               </a:ext>
             </a:extLst>
           </p:cNvPr>
@@ -3817,81 +7113,30 @@
           </a:bodyPr>
           <a:lstStyle/>
           <a:p>
-            <a:pPr marL="514350" indent="-514350">
-              <a:buFont typeface="+mj-lt"/>
-              <a:buAutoNum type="arabicPeriod"/>
-            </a:pPr>
             <a:r>
               <a:rPr lang="en-US" dirty="0"/>
-              <a:t>Prerequisites: Set up the environment (Azure, .NET, packages)</a:t>
-            </a:r>
-          </a:p>
-          <a:p>
-            <a:pPr marL="514350" indent="-514350">
-              <a:buFont typeface="+mj-lt"/>
-              <a:buAutoNum type="arabicPeriod"/>
-            </a:pPr>
-            <a:r>
+              <a:t>We can design a set of microservices, exposing APIs that receive data and instructions, supported by classes that can interact with one another.</a:t>
+            </a:r>
+            <a:br>
               <a:rPr lang="en-US" dirty="0"/>
-              <a:t>Create C# function: Write a method with discrete business logic</a:t>
-            </a:r>
-          </a:p>
-          <a:p>
-            <a:pPr marL="514350" indent="-514350">
-              <a:buFont typeface="+mj-lt"/>
-              <a:buAutoNum type="arabicPeriod"/>
-            </a:pPr>
+            </a:br>
             <a:r>
               <a:rPr lang="en-US" dirty="0"/>
-              <a:t>Convert to tool: Use </a:t>
-            </a:r>
-            <a:r>
-              <a:rPr lang="en-US" i="1" dirty="0" err="1"/>
-              <a:t>AIFunctionFactory.Create</a:t>
-            </a:r>
-            <a:endParaRPr lang="en-US" i="1" dirty="0"/>
-          </a:p>
-          <a:p>
-            <a:pPr marL="514350" indent="-514350">
-              <a:buFont typeface="+mj-lt"/>
-              <a:buAutoNum type="arabicPeriod"/>
-            </a:pPr>
-            <a:r>
-              <a:rPr lang="en-US" dirty="0"/>
-              <a:t>Create agent: Inject tools when creating the </a:t>
-            </a:r>
-            <a:r>
-              <a:rPr lang="en-US" i="1" dirty="0" err="1"/>
-              <a:t>AIAgent</a:t>
-            </a:r>
-            <a:endParaRPr lang="en-US" i="1" dirty="0"/>
-          </a:p>
-          <a:p>
-            <a:pPr marL="514350" indent="-514350">
-              <a:buFont typeface="+mj-lt"/>
-              <a:buAutoNum type="arabicPeriod"/>
-            </a:pPr>
-            <a:r>
-              <a:rPr lang="en-US" dirty="0"/>
-              <a:t>Invoke / test: Send a prompt to the agent and evaluate the response</a:t>
-            </a:r>
-          </a:p>
-          <a:p>
-            <a:pPr marL="514350" indent="-514350">
-              <a:buFont typeface="+mj-lt"/>
-              <a:buAutoNum type="arabicPeriod"/>
-            </a:pPr>
-            <a:r>
-              <a:rPr lang="en-US" dirty="0"/>
-              <a:t>Agent as tool (advanced): Expose an agent as a tool for other agents</a:t>
-            </a:r>
+              <a:t> Each class encapsulates its own AI-driven business logic and is able to orchestrate with other components, producing high-quality and consistent results.</a:t>
+            </a:r>
+          </a:p>
+          <a:p>
+            <a:endParaRPr lang="en-US" dirty="0"/>
+          </a:p>
+          <a:p>
+            <a:endParaRPr lang="en-US" dirty="0"/>
           </a:p>
         </p:txBody>
       </p:sp>
     </p:spTree>
     <p:extLst>
       <p:ext uri="{BB962C8B-B14F-4D97-AF65-F5344CB8AC3E}">
-        <p14:creationId xmlns:p14="http://schemas.microsoft.com/office/powerpoint/2010/main" val="2719386640"/>
+        <p14:creationId xmlns:p14="http://schemas.microsoft.com/office/powerpoint/2010/main" val="3535394958"/>
       </p:ext>
     </p:extLst>
   </p:cSld>
@@ -3906,13 +7151,7 @@
   <p:cSld>
     <p:spTree>
       <p:nvGrpSpPr>
-        <p:cNvPr id="1" name="">
-          <a:extLst>
-            <a:ext uri="{FF2B5EF4-FFF2-40B4-BE49-F238E27FC236}">
-              <a16:creationId xmlns:a16="http://schemas.microsoft.com/office/drawing/2014/main" id="{597CF306-DC66-0BCB-250A-F41AE0803E72}"/>
-            </a:ext>
-          </a:extLst>
-        </p:cNvPr>
+        <p:cNvPr id="1" name=""/>
         <p:cNvGrpSpPr/>
         <p:nvPr/>
       </p:nvGrpSpPr>
@@ -3929,7 +7168,7 @@
           <p:cNvPr id="2" name="Title 1">
             <a:extLst>
               <a:ext uri="{FF2B5EF4-FFF2-40B4-BE49-F238E27FC236}">
-                <a16:creationId xmlns:a16="http://schemas.microsoft.com/office/drawing/2014/main" id="{F8B92D7A-7E15-F526-EE51-B78BA3F559B8}"/>
+                <a16:creationId xmlns:a16="http://schemas.microsoft.com/office/drawing/2014/main" id="{EB166805-D4D2-EFDF-D088-406FD03F15AC}"/>
               </a:ext>
             </a:extLst>
           </p:cNvPr>
@@ -3947,43 +7186,90 @@
           <a:p>
             <a:r>
               <a:rPr lang="en-US" dirty="0"/>
-              <a:t>Using an agent as a function tool</a:t>
-            </a:r>
-          </a:p>
-        </p:txBody>
-      </p:sp>
-      <p:sp>
-        <p:nvSpPr>
-          <p:cNvPr id="4" name="Text Placeholder 3">
-            <a:extLst>
-              <a:ext uri="{FF2B5EF4-FFF2-40B4-BE49-F238E27FC236}">
-                <a16:creationId xmlns:a16="http://schemas.microsoft.com/office/drawing/2014/main" id="{06E3E86B-4EE2-1CC0-A776-E45394FD7BF4}"/>
-              </a:ext>
-            </a:extLst>
-          </p:cNvPr>
-          <p:cNvSpPr>
-            <a:spLocks noGrp="1"/>
-          </p:cNvSpPr>
-          <p:nvPr>
-            <p:ph type="body" idx="1"/>
+              <a:t>Another Use Case</a:t>
+            </a:r>
+          </a:p>
+        </p:txBody>
+      </p:sp>
+      <p:sp>
+        <p:nvSpPr>
+          <p:cNvPr id="3" name="Content Placeholder 2">
+            <a:extLst>
+              <a:ext uri="{FF2B5EF4-FFF2-40B4-BE49-F238E27FC236}">
+                <a16:creationId xmlns:a16="http://schemas.microsoft.com/office/drawing/2014/main" id="{6D106D2B-6F02-B58B-D1DF-7820501721CF}"/>
+              </a:ext>
+            </a:extLst>
+          </p:cNvPr>
+          <p:cNvSpPr>
+            <a:spLocks noGrp="1"/>
+          </p:cNvSpPr>
+          <p:nvPr>
+            <p:ph idx="1"/>
           </p:nvPr>
         </p:nvSpPr>
         <p:spPr/>
         <p:txBody>
-          <a:bodyPr/>
+          <a:bodyPr>
+            <a:normAutofit fontScale="85000" lnSpcReduction="10000"/>
+          </a:bodyPr>
           <a:lstStyle/>
           <a:p>
             <a:r>
               <a:rPr lang="en-US" dirty="0"/>
-              <a:t>DEMO</a:t>
-            </a:r>
+              <a:t>Another use case is leveraging structured inputs, such as friendly, guided questions, and connecting the agent directly to database inputs.</a:t>
+            </a:r>
+          </a:p>
+          <a:p>
+            <a:r>
+              <a:rPr lang="en-US" dirty="0"/>
+              <a:t>Additionally, we can:</a:t>
+            </a:r>
+          </a:p>
+          <a:p>
+            <a:pPr lvl="1"/>
+            <a:r>
+              <a:rPr lang="en-US" dirty="0"/>
+              <a:t>define regex-based rules for data filtering</a:t>
+            </a:r>
+          </a:p>
+          <a:p>
+            <a:pPr lvl="1"/>
+            <a:r>
+              <a:rPr lang="en-US" dirty="0"/>
+              <a:t>orchestrate API workflows</a:t>
+            </a:r>
+          </a:p>
+          <a:p>
+            <a:pPr lvl="1"/>
+            <a:r>
+              <a:rPr lang="en-US" dirty="0"/>
+              <a:t>perform data transformation and enrichment</a:t>
+            </a:r>
+          </a:p>
+          <a:p>
+            <a:r>
+              <a:rPr lang="en-US" dirty="0"/>
+              <a:t>In this context, structured output allows us to make our APIs significantly more dynamic, enabling them to produce precise, actionable, and business-oriented information.</a:t>
+            </a:r>
+          </a:p>
+          <a:p>
+            <a:r>
+              <a:rPr lang="en-US" dirty="0"/>
+              <a:t>What would traditionally require two development sprints to implement a complex architecture can be delivered in significantly less time using structured output, with greater predictability, lower complexity, and faster time to value.</a:t>
+            </a:r>
+          </a:p>
+          <a:p>
+            <a:endParaRPr lang="en-US" dirty="0"/>
+          </a:p>
+          <a:p>
+            <a:endParaRPr lang="en-US" dirty="0"/>
           </a:p>
         </p:txBody>
       </p:sp>
     </p:spTree>
     <p:extLst>
       <p:ext uri="{BB962C8B-B14F-4D97-AF65-F5344CB8AC3E}">
-        <p14:creationId xmlns:p14="http://schemas.microsoft.com/office/powerpoint/2010/main" val="1873058211"/>
+        <p14:creationId xmlns:p14="http://schemas.microsoft.com/office/powerpoint/2010/main" val="1242638240"/>
       </p:ext>
     </p:extLst>
   </p:cSld>
@@ -4001,7 +7287,7 @@
         <p:cNvPr id="1" name="">
           <a:extLst>
             <a:ext uri="{FF2B5EF4-FFF2-40B4-BE49-F238E27FC236}">
-              <a16:creationId xmlns:a16="http://schemas.microsoft.com/office/drawing/2014/main" id="{8DF8E3A6-A611-BB92-A910-90FDBE6A711D}"/>
+              <a16:creationId xmlns:a16="http://schemas.microsoft.com/office/drawing/2014/main" id="{9CFEA734-04ED-6057-EE12-3A1234170B0F}"/>
             </a:ext>
           </a:extLst>
         </p:cNvPr>
@@ -4021,7 +7307,7 @@
           <p:cNvPr id="2" name="Title 1">
             <a:extLst>
               <a:ext uri="{FF2B5EF4-FFF2-40B4-BE49-F238E27FC236}">
-                <a16:creationId xmlns:a16="http://schemas.microsoft.com/office/drawing/2014/main" id="{8002BFD1-41E7-DE4D-ECAD-6D8EFAF7E701}"/>
+                <a16:creationId xmlns:a16="http://schemas.microsoft.com/office/drawing/2014/main" id="{5B577C13-8CB3-0F97-CCE3-39E0D52CABD9}"/>
               </a:ext>
             </a:extLst>
           </p:cNvPr>
@@ -4039,7 +7325,7 @@
           <a:p>
             <a:r>
               <a:rPr lang="en-US" dirty="0"/>
-              <a:t>Business Plan Presentation</a:t>
+              <a:t>Producing Structured Output with Agents</a:t>
             </a:r>
           </a:p>
         </p:txBody>
@@ -4049,7 +7335,7 @@
           <p:cNvPr id="4" name="Text Placeholder 3">
             <a:extLst>
               <a:ext uri="{FF2B5EF4-FFF2-40B4-BE49-F238E27FC236}">
-                <a16:creationId xmlns:a16="http://schemas.microsoft.com/office/drawing/2014/main" id="{8C64A273-7EA9-9BF0-92F7-EF3412F2004D}"/>
+                <a16:creationId xmlns:a16="http://schemas.microsoft.com/office/drawing/2014/main" id="{E07AA632-9795-6CDA-71BD-74E2E6690206}"/>
               </a:ext>
             </a:extLst>
           </p:cNvPr>
@@ -4065,14 +7351,17 @@
           <a:bodyPr/>
           <a:lstStyle/>
           <a:p>
-            <a:endParaRPr lang="en-US" dirty="0"/>
+            <a:r>
+              <a:rPr lang="en-US" dirty="0"/>
+              <a:t>DEMO</a:t>
+            </a:r>
           </a:p>
         </p:txBody>
       </p:sp>
     </p:spTree>
     <p:extLst>
       <p:ext uri="{BB962C8B-B14F-4D97-AF65-F5344CB8AC3E}">
-        <p14:creationId xmlns:p14="http://schemas.microsoft.com/office/powerpoint/2010/main" val="1758846101"/>
+        <p14:creationId xmlns:p14="http://schemas.microsoft.com/office/powerpoint/2010/main" val="1227525199"/>
       </p:ext>
     </p:extLst>
   </p:cSld>
@@ -4083,95 +7372,6 @@
 </file>
 
 <file path=ppt/slides/slide16.xml><?xml version="1.0" encoding="utf-8"?>
-<p:sld xmlns:a="http://schemas.openxmlformats.org/drawingml/2006/main" xmlns:r="http://schemas.openxmlformats.org/officeDocument/2006/relationships" xmlns:p="http://schemas.openxmlformats.org/presentationml/2006/main">
-  <p:cSld>
-    <p:spTree>
-      <p:nvGrpSpPr>
-        <p:cNvPr id="1" name="">
-          <a:extLst>
-            <a:ext uri="{FF2B5EF4-FFF2-40B4-BE49-F238E27FC236}">
-              <a16:creationId xmlns:a16="http://schemas.microsoft.com/office/drawing/2014/main" id="{C909212A-07BD-FB08-C865-BEBA0BD4CE0D}"/>
-            </a:ext>
-          </a:extLst>
-        </p:cNvPr>
-        <p:cNvGrpSpPr/>
-        <p:nvPr/>
-      </p:nvGrpSpPr>
-      <p:grpSpPr>
-        <a:xfrm>
-          <a:off x="0" y="0"/>
-          <a:ext cx="0" cy="0"/>
-          <a:chOff x="0" y="0"/>
-          <a:chExt cx="0" cy="0"/>
-        </a:xfrm>
-      </p:grpSpPr>
-      <p:sp>
-        <p:nvSpPr>
-          <p:cNvPr id="2" name="Title 1">
-            <a:extLst>
-              <a:ext uri="{FF2B5EF4-FFF2-40B4-BE49-F238E27FC236}">
-                <a16:creationId xmlns:a16="http://schemas.microsoft.com/office/drawing/2014/main" id="{F8A84EA9-3830-94AE-8775-B6B9DC871ED3}"/>
-              </a:ext>
-            </a:extLst>
-          </p:cNvPr>
-          <p:cNvSpPr>
-            <a:spLocks noGrp="1"/>
-          </p:cNvSpPr>
-          <p:nvPr>
-            <p:ph type="title"/>
-          </p:nvPr>
-        </p:nvSpPr>
-        <p:spPr/>
-        <p:txBody>
-          <a:bodyPr/>
-          <a:lstStyle/>
-          <a:p>
-            <a:r>
-              <a:rPr lang="en-US" dirty="0"/>
-              <a:t>Sequential Workflows</a:t>
-            </a:r>
-          </a:p>
-        </p:txBody>
-      </p:sp>
-      <p:sp>
-        <p:nvSpPr>
-          <p:cNvPr id="4" name="Text Placeholder 3">
-            <a:extLst>
-              <a:ext uri="{FF2B5EF4-FFF2-40B4-BE49-F238E27FC236}">
-                <a16:creationId xmlns:a16="http://schemas.microsoft.com/office/drawing/2014/main" id="{F5DFDD2B-EA92-2211-DAF0-2A21CA01F9E0}"/>
-              </a:ext>
-            </a:extLst>
-          </p:cNvPr>
-          <p:cNvSpPr>
-            <a:spLocks noGrp="1"/>
-          </p:cNvSpPr>
-          <p:nvPr>
-            <p:ph type="body" idx="1"/>
-          </p:nvPr>
-        </p:nvSpPr>
-        <p:spPr/>
-        <p:txBody>
-          <a:bodyPr/>
-          <a:lstStyle/>
-          <a:p>
-            <a:endParaRPr lang="en-US"/>
-          </a:p>
-        </p:txBody>
-      </p:sp>
-    </p:spTree>
-    <p:extLst>
-      <p:ext uri="{BB962C8B-B14F-4D97-AF65-F5344CB8AC3E}">
-        <p14:creationId xmlns:p14="http://schemas.microsoft.com/office/powerpoint/2010/main" val="3086651335"/>
-      </p:ext>
-    </p:extLst>
-  </p:cSld>
-  <p:clrMapOvr>
-    <a:masterClrMapping/>
-  </p:clrMapOvr>
-</p:sld>
-</file>
-
-<file path=ppt/slides/slide17.xml><?xml version="1.0" encoding="utf-8"?>
 <p:sld xmlns:a="http://schemas.openxmlformats.org/drawingml/2006/main" xmlns:r="http://schemas.openxmlformats.org/officeDocument/2006/relationships" xmlns:p="http://schemas.openxmlformats.org/presentationml/2006/main">
   <p:cSld>
     <p:spTree>
@@ -4190,10 +7390,10 @@
       </p:grpSpPr>
       <p:sp>
         <p:nvSpPr>
-          <p:cNvPr id="2" name="Title 1">
-            <a:extLst>
-              <a:ext uri="{FF2B5EF4-FFF2-40B4-BE49-F238E27FC236}">
-                <a16:creationId xmlns:a16="http://schemas.microsoft.com/office/drawing/2014/main" id="{925D23F8-02F0-700A-7EBF-5D55986E72C2}"/>
+          <p:cNvPr id="4" name="Title 3">
+            <a:extLst>
+              <a:ext uri="{FF2B5EF4-FFF2-40B4-BE49-F238E27FC236}">
+                <a16:creationId xmlns:a16="http://schemas.microsoft.com/office/drawing/2014/main" id="{CFBAC40C-AD99-ED98-D324-94A9D485BC1D}"/>
               </a:ext>
             </a:extLst>
           </p:cNvPr>
@@ -4211,17 +7411,17 @@
           <a:p>
             <a:r>
               <a:rPr lang="en-US" dirty="0"/>
-              <a:t>Sequential Workflows</a:t>
-            </a:r>
-          </a:p>
-        </p:txBody>
-      </p:sp>
-      <p:sp>
-        <p:nvSpPr>
-          <p:cNvPr id="3" name="Content Placeholder 2">
-            <a:extLst>
-              <a:ext uri="{FF2B5EF4-FFF2-40B4-BE49-F238E27FC236}">
-                <a16:creationId xmlns:a16="http://schemas.microsoft.com/office/drawing/2014/main" id="{7D317FB1-345B-2816-5A6E-2E9F0992FD3D}"/>
+              <a:t>Demonstration</a:t>
+            </a:r>
+          </a:p>
+        </p:txBody>
+      </p:sp>
+      <p:sp>
+        <p:nvSpPr>
+          <p:cNvPr id="5" name="Content Placeholder 4">
+            <a:extLst>
+              <a:ext uri="{FF2B5EF4-FFF2-40B4-BE49-F238E27FC236}">
+                <a16:creationId xmlns:a16="http://schemas.microsoft.com/office/drawing/2014/main" id="{A7086445-8FE7-D98F-DD98-DFE92F4F9F75}"/>
               </a:ext>
             </a:extLst>
           </p:cNvPr>
@@ -4241,41 +7441,165 @@
           <a:p>
             <a:r>
               <a:rPr lang="en-US" dirty="0"/>
-              <a:t>Microsoft’s Sequential Workflow is an AI orchestration model in which multiple steps are executed in a fixed order, in a deterministic and controlled manner, using agents, tools, and structured outputs.</a:t>
-            </a:r>
-          </a:p>
-          <a:p>
-            <a:r>
-              <a:rPr lang="en-US" dirty="0"/>
-              <a:t>It is part of the Microsoft Agent Framework and is designed for predictable, business-critical processes, rather than open-ended conversations.</a:t>
-            </a:r>
-          </a:p>
-          <a:p>
-            <a:r>
-              <a:rPr lang="en-US" dirty="0"/>
-              <a:t>In simple terms</a:t>
-            </a:r>
-          </a:p>
-          <a:p>
-            <a:pPr lvl="1"/>
-            <a:r>
-              <a:rPr lang="en-US" dirty="0"/>
-              <a:t>“Execute Step A → then Step B → then Step C,</a:t>
+              <a:t>PATCH /employees:</a:t>
             </a:r>
             <a:br>
               <a:rPr lang="en-US" dirty="0"/>
             </a:br>
             <a:r>
               <a:rPr lang="en-US" dirty="0"/>
-              <a:t> passing the output of one step as the input to the next.”</a:t>
-            </a:r>
+              <a:t>Reads Chat Config, executes an Azure OpenAI agent that generates an </a:t>
+            </a:r>
+            <a:r>
+              <a:rPr lang="en-US" dirty="0" err="1"/>
+              <a:t>AIResponse</a:t>
+            </a:r>
+            <a:r>
+              <a:rPr lang="en-US" dirty="0"/>
+              <a:t>, which is used as a filter (</a:t>
+            </a:r>
+            <a:r>
+              <a:rPr lang="en-US" dirty="0" err="1"/>
+              <a:t>filter.AIAnswer</a:t>
+            </a:r>
+            <a:r>
+              <a:rPr lang="en-US" dirty="0"/>
+              <a:t>) to query the Employee Repository, and return the list of employees.</a:t>
+            </a:r>
+          </a:p>
+          <a:p>
+            <a:endParaRPr lang="en-US" dirty="0"/>
+          </a:p>
+          <a:p>
+            <a:r>
+              <a:rPr lang="en-US" dirty="0"/>
+              <a:t>POST /agent-run:</a:t>
+            </a:r>
+            <a:br>
+              <a:rPr lang="en-US" dirty="0"/>
+            </a:br>
+            <a:r>
+              <a:rPr lang="en-US" dirty="0"/>
+              <a:t>Reads Chat Config, executes an Azure OpenAI agent that produces a </a:t>
+            </a:r>
+            <a:r>
+              <a:rPr lang="en-US" dirty="0" err="1"/>
+              <a:t>PersonInfo</a:t>
+            </a:r>
+            <a:r>
+              <a:rPr lang="en-US" dirty="0"/>
+              <a:t> JSON, deserializes it, and returns the </a:t>
+            </a:r>
+            <a:r>
+              <a:rPr lang="en-US" dirty="0" err="1"/>
+              <a:t>PersonInfo</a:t>
+            </a:r>
+            <a:r>
+              <a:rPr lang="en-US" dirty="0"/>
+              <a:t> object</a:t>
+            </a:r>
+          </a:p>
+          <a:p>
+            <a:endParaRPr lang="en-US" dirty="0"/>
+          </a:p>
+          <a:p>
+            <a:endParaRPr lang="en-US" dirty="0"/>
           </a:p>
         </p:txBody>
       </p:sp>
     </p:spTree>
     <p:extLst>
       <p:ext uri="{BB962C8B-B14F-4D97-AF65-F5344CB8AC3E}">
-        <p14:creationId xmlns:p14="http://schemas.microsoft.com/office/powerpoint/2010/main" val="3903645471"/>
+        <p14:creationId xmlns:p14="http://schemas.microsoft.com/office/powerpoint/2010/main" val="1807691148"/>
+      </p:ext>
+    </p:extLst>
+  </p:cSld>
+  <p:clrMapOvr>
+    <a:masterClrMapping/>
+  </p:clrMapOvr>
+</p:sld>
+</file>
+
+<file path=ppt/slides/slide17.xml><?xml version="1.0" encoding="utf-8"?>
+<p:sld xmlns:a="http://schemas.openxmlformats.org/drawingml/2006/main" xmlns:r="http://schemas.openxmlformats.org/officeDocument/2006/relationships" xmlns:p="http://schemas.openxmlformats.org/presentationml/2006/main">
+  <p:cSld>
+    <p:spTree>
+      <p:nvGrpSpPr>
+        <p:cNvPr id="1" name="">
+          <a:extLst>
+            <a:ext uri="{FF2B5EF4-FFF2-40B4-BE49-F238E27FC236}">
+              <a16:creationId xmlns:a16="http://schemas.microsoft.com/office/drawing/2014/main" id="{588CD7B5-6A72-6048-2B2E-04713365A89D}"/>
+            </a:ext>
+          </a:extLst>
+        </p:cNvPr>
+        <p:cNvGrpSpPr/>
+        <p:nvPr/>
+      </p:nvGrpSpPr>
+      <p:grpSpPr>
+        <a:xfrm>
+          <a:off x="0" y="0"/>
+          <a:ext cx="0" cy="0"/>
+          <a:chOff x="0" y="0"/>
+          <a:chExt cx="0" cy="0"/>
+        </a:xfrm>
+      </p:grpSpPr>
+      <p:sp>
+        <p:nvSpPr>
+          <p:cNvPr id="2" name="Title 1">
+            <a:extLst>
+              <a:ext uri="{FF2B5EF4-FFF2-40B4-BE49-F238E27FC236}">
+                <a16:creationId xmlns:a16="http://schemas.microsoft.com/office/drawing/2014/main" id="{46F44267-8FD1-E90A-86E2-2FA9E556F802}"/>
+              </a:ext>
+            </a:extLst>
+          </p:cNvPr>
+          <p:cNvSpPr>
+            <a:spLocks noGrp="1"/>
+          </p:cNvSpPr>
+          <p:nvPr>
+            <p:ph type="title"/>
+          </p:nvPr>
+        </p:nvSpPr>
+        <p:spPr/>
+        <p:txBody>
+          <a:bodyPr/>
+          <a:lstStyle/>
+          <a:p>
+            <a:r>
+              <a:rPr lang="en-US" dirty="0"/>
+              <a:t>Using an agent as a function tool</a:t>
+            </a:r>
+          </a:p>
+        </p:txBody>
+      </p:sp>
+      <p:sp>
+        <p:nvSpPr>
+          <p:cNvPr id="4" name="Text Placeholder 3">
+            <a:extLst>
+              <a:ext uri="{FF2B5EF4-FFF2-40B4-BE49-F238E27FC236}">
+                <a16:creationId xmlns:a16="http://schemas.microsoft.com/office/drawing/2014/main" id="{BDC63DAD-B891-5E7F-B21C-B7872F23B18A}"/>
+              </a:ext>
+            </a:extLst>
+          </p:cNvPr>
+          <p:cNvSpPr>
+            <a:spLocks noGrp="1"/>
+          </p:cNvSpPr>
+          <p:nvPr>
+            <p:ph type="body" idx="1"/>
+          </p:nvPr>
+        </p:nvSpPr>
+        <p:spPr/>
+        <p:txBody>
+          <a:bodyPr/>
+          <a:lstStyle/>
+          <a:p>
+            <a:endParaRPr lang="en-US"/>
+          </a:p>
+        </p:txBody>
+      </p:sp>
+    </p:spTree>
+    <p:extLst>
+      <p:ext uri="{BB962C8B-B14F-4D97-AF65-F5344CB8AC3E}">
+        <p14:creationId xmlns:p14="http://schemas.microsoft.com/office/powerpoint/2010/main" val="2545126105"/>
       </p:ext>
     </p:extLst>
   </p:cSld>
@@ -4290,13 +7614,7 @@
   <p:cSld>
     <p:spTree>
       <p:nvGrpSpPr>
-        <p:cNvPr id="1" name="">
-          <a:extLst>
-            <a:ext uri="{FF2B5EF4-FFF2-40B4-BE49-F238E27FC236}">
-              <a16:creationId xmlns:a16="http://schemas.microsoft.com/office/drawing/2014/main" id="{5C438F91-F0DA-2F8A-4745-AEF4F47DD4C7}"/>
-            </a:ext>
-          </a:extLst>
-        </p:cNvPr>
+        <p:cNvPr id="1" name=""/>
         <p:cNvGrpSpPr/>
         <p:nvPr/>
       </p:nvGrpSpPr>
@@ -4310,10 +7628,10 @@
       </p:grpSpPr>
       <p:sp>
         <p:nvSpPr>
-          <p:cNvPr id="2" name="Title 1">
-            <a:extLst>
-              <a:ext uri="{FF2B5EF4-FFF2-40B4-BE49-F238E27FC236}">
-                <a16:creationId xmlns:a16="http://schemas.microsoft.com/office/drawing/2014/main" id="{1D38A9C6-F2B4-C7A5-FBCE-D53236FE873E}"/>
+          <p:cNvPr id="4" name="Title 3">
+            <a:extLst>
+              <a:ext uri="{FF2B5EF4-FFF2-40B4-BE49-F238E27FC236}">
+                <a16:creationId xmlns:a16="http://schemas.microsoft.com/office/drawing/2014/main" id="{F0CA2539-F6F6-BF9B-DFB4-11E15B039ADE}"/>
               </a:ext>
             </a:extLst>
           </p:cNvPr>
@@ -4331,17 +7649,17 @@
           <a:p>
             <a:r>
               <a:rPr lang="en-US" dirty="0"/>
-              <a:t>Sequential Workflows</a:t>
-            </a:r>
-          </a:p>
-        </p:txBody>
-      </p:sp>
-      <p:sp>
-        <p:nvSpPr>
-          <p:cNvPr id="3" name="Content Placeholder 2">
-            <a:extLst>
-              <a:ext uri="{FF2B5EF4-FFF2-40B4-BE49-F238E27FC236}">
-                <a16:creationId xmlns:a16="http://schemas.microsoft.com/office/drawing/2014/main" id="{C0AF089D-43DF-6579-1C5C-EFC89DE5799F}"/>
+              <a:t>Agent as a function tool </a:t>
+            </a:r>
+          </a:p>
+        </p:txBody>
+      </p:sp>
+      <p:sp>
+        <p:nvSpPr>
+          <p:cNvPr id="5" name="Content Placeholder 4">
+            <a:extLst>
+              <a:ext uri="{FF2B5EF4-FFF2-40B4-BE49-F238E27FC236}">
+                <a16:creationId xmlns:a16="http://schemas.microsoft.com/office/drawing/2014/main" id="{D83E9DE1-CFD1-64A9-4C84-7E47819F6D06}"/>
               </a:ext>
             </a:extLst>
           </p:cNvPr>
@@ -4354,103 +7672,38 @@
         </p:nvSpPr>
         <p:spPr/>
         <p:txBody>
-          <a:bodyPr>
-            <a:normAutofit lnSpcReduction="10000"/>
-          </a:bodyPr>
+          <a:bodyPr/>
           <a:lstStyle/>
           <a:p>
             <a:r>
               <a:rPr lang="en-US" dirty="0"/>
-              <a:t>Each step can:</a:t>
-            </a:r>
-          </a:p>
-          <a:p>
-            <a:pPr lvl="1"/>
+              <a:t>An agent as a function tool means treating an AI agent like a callable function inside your system — with defined inputs, a clear contract, and structured outputs, instead of free-form conversation.</a:t>
+            </a:r>
+          </a:p>
+          <a:p>
+            <a:endParaRPr lang="en-US" dirty="0"/>
+          </a:p>
+          <a:p>
             <a:r>
               <a:rPr lang="en-US" dirty="0"/>
-              <a:t>invoke an AI agent</a:t>
-            </a:r>
-          </a:p>
-          <a:p>
-            <a:pPr lvl="1"/>
-            <a:r>
-              <a:rPr lang="en-US" dirty="0"/>
-              <a:t>call a function tool</a:t>
-            </a:r>
-          </a:p>
-          <a:p>
-            <a:pPr lvl="1"/>
-            <a:r>
-              <a:rPr lang="en-US" dirty="0"/>
-              <a:t>validate structured output</a:t>
-            </a:r>
-          </a:p>
-          <a:p>
-            <a:r>
-              <a:rPr lang="en-US" dirty="0"/>
-              <a:t>decide whether to continue, stop, or fail the workflow</a:t>
-            </a:r>
-          </a:p>
-          <a:p>
-            <a:r>
-              <a:rPr lang="en-US" dirty="0"/>
-              <a:t>Key characteristics of a Sequential Workflow</a:t>
-            </a:r>
-          </a:p>
-          <a:p>
-            <a:pPr marL="457200" lvl="1" indent="0">
+              <a:t>In other words:</a:t>
+            </a:r>
+          </a:p>
+          <a:p>
+            <a:pPr marL="0" indent="0">
               <a:buNone/>
             </a:pPr>
             <a:r>
               <a:rPr lang="en-US" dirty="0"/>
-              <a:t>✔ Linear, ordered execution</a:t>
-            </a:r>
-          </a:p>
-          <a:p>
-            <a:pPr marL="457200" lvl="1" indent="0">
-              <a:buNone/>
-            </a:pPr>
-            <a:r>
-              <a:rPr lang="en-US" dirty="0"/>
-              <a:t>✔ Each step depends on the previous step’s output</a:t>
-            </a:r>
-          </a:p>
-          <a:p>
-            <a:pPr marL="457200" lvl="1" indent="0">
-              <a:buNone/>
-            </a:pPr>
-            <a:r>
-              <a:rPr lang="en-US" dirty="0"/>
-              <a:t>✔ Structured inputs and outputs</a:t>
-            </a:r>
-          </a:p>
-          <a:p>
-            <a:pPr marL="457200" lvl="1" indent="0">
-              <a:buNone/>
-            </a:pPr>
-            <a:r>
-              <a:rPr lang="en-US" dirty="0"/>
-              <a:t>✔ Easy to audit, test, and monitor</a:t>
-            </a:r>
-          </a:p>
-          <a:p>
-            <a:pPr marL="457200" lvl="1" indent="0">
-              <a:buNone/>
-            </a:pPr>
-            <a:r>
-              <a:rPr lang="en-US" dirty="0"/>
-              <a:t>✔ Ideal for regulated and enterprise workflows</a:t>
-            </a:r>
-          </a:p>
-          <a:p>
-            <a:endParaRPr lang="en-US" dirty="0"/>
+              <a:t>👉 the agent behaves like software, not a chatbot</a:t>
+            </a:r>
           </a:p>
         </p:txBody>
       </p:sp>
     </p:spTree>
     <p:extLst>
       <p:ext uri="{BB962C8B-B14F-4D97-AF65-F5344CB8AC3E}">
-        <p14:creationId xmlns:p14="http://schemas.microsoft.com/office/powerpoint/2010/main" val="1083236799"/>
+        <p14:creationId xmlns:p14="http://schemas.microsoft.com/office/powerpoint/2010/main" val="152037749"/>
       </p:ext>
     </p:extLst>
   </p:cSld>
@@ -4465,13 +7718,7 @@
   <p:cSld>
     <p:spTree>
       <p:nvGrpSpPr>
-        <p:cNvPr id="1" name="">
-          <a:extLst>
-            <a:ext uri="{FF2B5EF4-FFF2-40B4-BE49-F238E27FC236}">
-              <a16:creationId xmlns:a16="http://schemas.microsoft.com/office/drawing/2014/main" id="{123F2307-83D0-AD35-EEA3-A39508174A08}"/>
-            </a:ext>
-          </a:extLst>
-        </p:cNvPr>
+        <p:cNvPr id="1" name=""/>
         <p:cNvGrpSpPr/>
         <p:nvPr/>
       </p:nvGrpSpPr>
@@ -4488,7 +7735,7 @@
           <p:cNvPr id="2" name="Title 1">
             <a:extLst>
               <a:ext uri="{FF2B5EF4-FFF2-40B4-BE49-F238E27FC236}">
-                <a16:creationId xmlns:a16="http://schemas.microsoft.com/office/drawing/2014/main" id="{BE60E3D7-0D8E-C778-E9E6-CF69DC55FF96}"/>
+                <a16:creationId xmlns:a16="http://schemas.microsoft.com/office/drawing/2014/main" id="{197EE92C-DB1C-C4F8-9D2F-E74F49D00CC5}"/>
               </a:ext>
             </a:extLst>
           </p:cNvPr>
@@ -4501,48 +7748,113 @@
         </p:nvSpPr>
         <p:spPr/>
         <p:txBody>
-          <a:bodyPr/>
+          <a:bodyPr>
+            <a:normAutofit/>
+          </a:bodyPr>
           <a:lstStyle/>
           <a:p>
             <a:r>
               <a:rPr lang="en-US" dirty="0"/>
-              <a:t>Sequential Workflows</a:t>
-            </a:r>
-          </a:p>
-        </p:txBody>
-      </p:sp>
-      <p:sp>
-        <p:nvSpPr>
-          <p:cNvPr id="4" name="Text Placeholder 3">
-            <a:extLst>
-              <a:ext uri="{FF2B5EF4-FFF2-40B4-BE49-F238E27FC236}">
-                <a16:creationId xmlns:a16="http://schemas.microsoft.com/office/drawing/2014/main" id="{2C7FDF27-23F0-7F3B-637F-6921B9731F46}"/>
-              </a:ext>
-            </a:extLst>
-          </p:cNvPr>
-          <p:cNvSpPr>
-            <a:spLocks noGrp="1"/>
-          </p:cNvSpPr>
-          <p:nvPr>
-            <p:ph type="body" idx="1"/>
+              <a:t>Core idea</a:t>
+            </a:r>
+          </a:p>
+        </p:txBody>
+      </p:sp>
+      <p:sp>
+        <p:nvSpPr>
+          <p:cNvPr id="3" name="Content Placeholder 2">
+            <a:extLst>
+              <a:ext uri="{FF2B5EF4-FFF2-40B4-BE49-F238E27FC236}">
+                <a16:creationId xmlns:a16="http://schemas.microsoft.com/office/drawing/2014/main" id="{6F2856F2-A4F0-8014-CDDF-8D9CEF8D2BDA}"/>
+              </a:ext>
+            </a:extLst>
+          </p:cNvPr>
+          <p:cNvSpPr>
+            <a:spLocks noGrp="1"/>
+          </p:cNvSpPr>
+          <p:nvPr>
+            <p:ph idx="1"/>
           </p:nvPr>
         </p:nvSpPr>
         <p:spPr/>
         <p:txBody>
-          <a:bodyPr/>
+          <a:bodyPr>
+            <a:normAutofit/>
+          </a:bodyPr>
           <a:lstStyle/>
           <a:p>
             <a:r>
               <a:rPr lang="en-US" dirty="0"/>
-              <a:t>DEMO</a:t>
-            </a:r>
+              <a:t>Traditional agent:</a:t>
+            </a:r>
+          </a:p>
+          <a:p>
+            <a:pPr lvl="1"/>
+            <a:r>
+              <a:rPr lang="en-US" dirty="0"/>
+              <a:t>Conversational</a:t>
+            </a:r>
+          </a:p>
+          <a:p>
+            <a:pPr lvl="1"/>
+            <a:r>
+              <a:rPr lang="en-US" dirty="0"/>
+              <a:t>Unstructured text output</a:t>
+            </a:r>
+          </a:p>
+          <a:p>
+            <a:pPr lvl="1"/>
+            <a:r>
+              <a:rPr lang="en-US" dirty="0"/>
+              <a:t>Hard to integrate</a:t>
+            </a:r>
+          </a:p>
+          <a:p>
+            <a:r>
+              <a:rPr lang="en-US" dirty="0"/>
+              <a:t>Agent as a function tool:</a:t>
+            </a:r>
+          </a:p>
+          <a:p>
+            <a:pPr lvl="1"/>
+            <a:r>
+              <a:rPr lang="en-US" dirty="0"/>
+              <a:t>Invoked programmatically</a:t>
+            </a:r>
+          </a:p>
+          <a:p>
+            <a:pPr lvl="1"/>
+            <a:r>
+              <a:rPr lang="en-US" dirty="0"/>
+              <a:t>Receives structured input</a:t>
+            </a:r>
+          </a:p>
+          <a:p>
+            <a:pPr lvl="1"/>
+            <a:r>
+              <a:rPr lang="en-US" dirty="0"/>
+              <a:t>Returns structured output</a:t>
+            </a:r>
+          </a:p>
+          <a:p>
+            <a:pPr lvl="1"/>
+            <a:r>
+              <a:rPr lang="en-US" dirty="0"/>
+              <a:t>Can be composed, validated, and reused</a:t>
+            </a:r>
+          </a:p>
+          <a:p>
+            <a:endParaRPr lang="en-US" dirty="0"/>
+          </a:p>
+          <a:p>
+            <a:endParaRPr lang="en-US" dirty="0"/>
           </a:p>
         </p:txBody>
       </p:sp>
     </p:spTree>
     <p:extLst>
       <p:ext uri="{BB962C8B-B14F-4D97-AF65-F5344CB8AC3E}">
-        <p14:creationId xmlns:p14="http://schemas.microsoft.com/office/powerpoint/2010/main" val="1533470380"/>
+        <p14:creationId xmlns:p14="http://schemas.microsoft.com/office/powerpoint/2010/main" val="3518718374"/>
       </p:ext>
     </p:extLst>
   </p:cSld>
@@ -4574,7 +7886,7 @@
           <p:cNvPr id="2" name="Title 1">
             <a:extLst>
               <a:ext uri="{FF2B5EF4-FFF2-40B4-BE49-F238E27FC236}">
-                <a16:creationId xmlns:a16="http://schemas.microsoft.com/office/drawing/2014/main" id="{033C88F9-CA86-57A1-9F0C-B72D14F05686}"/>
+                <a16:creationId xmlns:a16="http://schemas.microsoft.com/office/drawing/2014/main" id="{2A46274A-AA9D-7F05-5671-4B9064994A87}"/>
               </a:ext>
             </a:extLst>
           </p:cNvPr>
@@ -4585,68 +7897,956 @@
             <p:ph type="title"/>
           </p:nvPr>
         </p:nvSpPr>
-        <p:spPr/>
-        <p:txBody>
-          <a:bodyPr/>
+        <p:spPr>
+          <a:xfrm>
+            <a:off x="1578043" y="590062"/>
+            <a:ext cx="9597618" cy="1857402"/>
+          </a:xfrm>
+        </p:spPr>
+        <p:txBody>
+          <a:bodyPr vert="horz" lIns="91440" tIns="45720" rIns="91440" bIns="45720" rtlCol="0" anchor="b">
+            <a:normAutofit/>
+          </a:bodyPr>
           <a:lstStyle/>
           <a:p>
             <a:r>
-              <a:rPr lang="en-US" dirty="0"/>
-              <a:t>Topics</a:t>
-            </a:r>
-          </a:p>
-        </p:txBody>
-      </p:sp>
-      <p:sp>
-        <p:nvSpPr>
-          <p:cNvPr id="3" name="Content Placeholder 2">
-            <a:extLst>
-              <a:ext uri="{FF2B5EF4-FFF2-40B4-BE49-F238E27FC236}">
-                <a16:creationId xmlns:a16="http://schemas.microsoft.com/office/drawing/2014/main" id="{B5A942BC-6879-79A6-8169-BB7F4BC3C501}"/>
-              </a:ext>
-            </a:extLst>
-          </p:cNvPr>
-          <p:cNvSpPr>
-            <a:spLocks noGrp="1"/>
-          </p:cNvSpPr>
-          <p:nvPr>
-            <p:ph idx="1"/>
-          </p:nvPr>
-        </p:nvSpPr>
-        <p:spPr/>
-        <p:txBody>
-          <a:bodyPr/>
+              <a:rPr lang="en-US" sz="5600" kern="1200" dirty="0">
+                <a:latin typeface="+mj-lt"/>
+                <a:ea typeface="+mj-ea"/>
+                <a:cs typeface="+mj-cs"/>
+              </a:rPr>
+              <a:t>What is Microsoft Agent Framework?</a:t>
+            </a:r>
+          </a:p>
+        </p:txBody>
+      </p:sp>
+      <p:pic>
+        <p:nvPicPr>
+          <p:cNvPr id="4" name="Picture 3">
+            <a:extLst>
+              <a:ext uri="{FF2B5EF4-FFF2-40B4-BE49-F238E27FC236}">
+                <a16:creationId xmlns:a16="http://schemas.microsoft.com/office/drawing/2014/main" id="{8959864F-2233-3DCE-AA79-9E895B4984AC}"/>
+              </a:ext>
+            </a:extLst>
+          </p:cNvPr>
+          <p:cNvPicPr>
+            <a:picLocks noChangeAspect="1"/>
+          </p:cNvPicPr>
+          <p:nvPr/>
+        </p:nvPicPr>
+        <p:blipFill>
+          <a:blip r:embed="rId2"/>
+          <a:stretch>
+            <a:fillRect/>
+          </a:stretch>
+        </p:blipFill>
+        <p:spPr>
+          <a:xfrm>
+            <a:off x="8152291" y="920555"/>
+            <a:ext cx="4039709" cy="4039709"/>
+          </a:xfrm>
+          <a:prstGeom prst="rect">
+            <a:avLst/>
+          </a:prstGeom>
+        </p:spPr>
+      </p:pic>
+      <p:sp>
+        <p:nvSpPr>
+          <p:cNvPr id="5" name="TextBox 4">
+            <a:extLst>
+              <a:ext uri="{FF2B5EF4-FFF2-40B4-BE49-F238E27FC236}">
+                <a16:creationId xmlns:a16="http://schemas.microsoft.com/office/drawing/2014/main" id="{C3746E37-D315-3891-4895-D56D89CFB73F}"/>
+              </a:ext>
+            </a:extLst>
+          </p:cNvPr>
+          <p:cNvSpPr txBox="1"/>
+          <p:nvPr/>
+        </p:nvSpPr>
+        <p:spPr>
+          <a:xfrm>
+            <a:off x="1923389" y="5855821"/>
+            <a:ext cx="9706129" cy="584775"/>
+          </a:xfrm>
+          <a:prstGeom prst="rect">
+            <a:avLst/>
+          </a:prstGeom>
+          <a:noFill/>
+        </p:spPr>
+        <p:txBody>
+          <a:bodyPr wrap="square">
+            <a:spAutoFit/>
+          </a:bodyPr>
           <a:lstStyle/>
           <a:p>
             <a:r>
-              <a:rPr lang="en-US" dirty="0"/>
-              <a:t>Producing Structured Output with Agents</a:t>
-            </a:r>
-          </a:p>
-          <a:p>
-            <a:r>
-              <a:rPr lang="en-US" dirty="0"/>
-              <a:t>Using an agent as a function tool</a:t>
-            </a:r>
-          </a:p>
-          <a:p>
-            <a:r>
-              <a:rPr lang="en-US" dirty="0"/>
-              <a:t>Create a Simple Sequential Workflow</a:t>
-            </a:r>
-          </a:p>
-          <a:p>
-            <a:endParaRPr lang="en-US" dirty="0"/>
-          </a:p>
-          <a:p>
-            <a:endParaRPr lang="en-US" dirty="0"/>
+              <a:rPr lang="en-US" sz="3200" dirty="0">
+                <a:solidFill>
+                  <a:schemeClr val="accent6">
+                    <a:lumMod val="75000"/>
+                  </a:schemeClr>
+                </a:solidFill>
+                <a:hlinkClick r:id="rId3">
+                  <a:extLst>
+                    <a:ext uri="{A12FA001-AC4F-418D-AE19-62706E023703}">
+                      <ahyp:hlinkClr xmlns:ahyp="http://schemas.microsoft.com/office/drawing/2018/hyperlinkcolor" val="tx"/>
+                    </a:ext>
+                  </a:extLst>
+                </a:hlinkClick>
+              </a:rPr>
+              <a:t>https://github.com/microsoft/agent-framework</a:t>
+            </a:r>
+            <a:r>
+              <a:rPr lang="en-US" sz="3200" dirty="0">
+                <a:solidFill>
+                  <a:schemeClr val="accent6">
+                    <a:lumMod val="75000"/>
+                  </a:schemeClr>
+                </a:solidFill>
+              </a:rPr>
+              <a:t> </a:t>
+            </a:r>
+          </a:p>
+        </p:txBody>
+      </p:sp>
+      <p:sp>
+        <p:nvSpPr>
+          <p:cNvPr id="3" name="TextBox 2">
+            <a:extLst>
+              <a:ext uri="{FF2B5EF4-FFF2-40B4-BE49-F238E27FC236}">
+                <a16:creationId xmlns:a16="http://schemas.microsoft.com/office/drawing/2014/main" id="{0134BA16-3660-77E4-5DD2-690B7EE52607}"/>
+              </a:ext>
+            </a:extLst>
+          </p:cNvPr>
+          <p:cNvSpPr txBox="1"/>
+          <p:nvPr/>
+        </p:nvSpPr>
+        <p:spPr>
+          <a:xfrm>
+            <a:off x="3399416" y="2571078"/>
+            <a:ext cx="184731" cy="369332"/>
+          </a:xfrm>
+          <a:prstGeom prst="rect">
+            <a:avLst/>
+          </a:prstGeom>
+          <a:noFill/>
+        </p:spPr>
+        <p:txBody>
+          <a:bodyPr wrap="none" rtlCol="0">
+            <a:spAutoFit/>
+          </a:bodyPr>
+          <a:lstStyle/>
+          <a:p>
+            <a:endParaRPr lang="en-US"/>
           </a:p>
         </p:txBody>
       </p:sp>
     </p:spTree>
     <p:extLst>
       <p:ext uri="{BB962C8B-B14F-4D97-AF65-F5344CB8AC3E}">
-        <p14:creationId xmlns:p14="http://schemas.microsoft.com/office/powerpoint/2010/main" val="23780361"/>
+        <p14:creationId xmlns:p14="http://schemas.microsoft.com/office/powerpoint/2010/main" val="533830540"/>
+      </p:ext>
+    </p:extLst>
+  </p:cSld>
+  <p:clrMapOvr>
+    <a:masterClrMapping/>
+  </p:clrMapOvr>
+</p:sld>
+</file>
+
+<file path=ppt/slides/slide20.xml><?xml version="1.0" encoding="utf-8"?>
+<p:sld xmlns:a="http://schemas.openxmlformats.org/drawingml/2006/main" xmlns:r="http://schemas.openxmlformats.org/officeDocument/2006/relationships" xmlns:p="http://schemas.openxmlformats.org/presentationml/2006/main">
+  <p:cSld>
+    <p:spTree>
+      <p:nvGrpSpPr>
+        <p:cNvPr id="1" name=""/>
+        <p:cNvGrpSpPr/>
+        <p:nvPr/>
+      </p:nvGrpSpPr>
+      <p:grpSpPr>
+        <a:xfrm>
+          <a:off x="0" y="0"/>
+          <a:ext cx="0" cy="0"/>
+          <a:chOff x="0" y="0"/>
+          <a:chExt cx="0" cy="0"/>
+        </a:xfrm>
+      </p:grpSpPr>
+      <p:sp>
+        <p:nvSpPr>
+          <p:cNvPr id="2" name="Title 1">
+            <a:extLst>
+              <a:ext uri="{FF2B5EF4-FFF2-40B4-BE49-F238E27FC236}">
+                <a16:creationId xmlns:a16="http://schemas.microsoft.com/office/drawing/2014/main" id="{6816E252-8A50-63C8-EC4E-EEF5FC5EEC45}"/>
+              </a:ext>
+            </a:extLst>
+          </p:cNvPr>
+          <p:cNvSpPr>
+            <a:spLocks noGrp="1"/>
+          </p:cNvSpPr>
+          <p:nvPr>
+            <p:ph type="title"/>
+          </p:nvPr>
+        </p:nvSpPr>
+        <p:spPr/>
+        <p:txBody>
+          <a:bodyPr/>
+          <a:lstStyle/>
+          <a:p>
+            <a:r>
+              <a:rPr lang="en-US" dirty="0"/>
+              <a:t>Process</a:t>
+            </a:r>
+          </a:p>
+        </p:txBody>
+      </p:sp>
+      <p:sp>
+        <p:nvSpPr>
+          <p:cNvPr id="3" name="Content Placeholder 2">
+            <a:extLst>
+              <a:ext uri="{FF2B5EF4-FFF2-40B4-BE49-F238E27FC236}">
+                <a16:creationId xmlns:a16="http://schemas.microsoft.com/office/drawing/2014/main" id="{DC1C334A-B6D3-A75D-6FE5-D883D4E4E259}"/>
+              </a:ext>
+            </a:extLst>
+          </p:cNvPr>
+          <p:cNvSpPr>
+            <a:spLocks noGrp="1"/>
+          </p:cNvSpPr>
+          <p:nvPr>
+            <p:ph idx="1"/>
+          </p:nvPr>
+        </p:nvSpPr>
+        <p:spPr/>
+        <p:txBody>
+          <a:bodyPr>
+            <a:normAutofit/>
+          </a:bodyPr>
+          <a:lstStyle/>
+          <a:p>
+            <a:pPr marL="514350" indent="-514350">
+              <a:buFont typeface="+mj-lt"/>
+              <a:buAutoNum type="arabicPeriod"/>
+            </a:pPr>
+            <a:r>
+              <a:rPr lang="en-US" dirty="0"/>
+              <a:t>Prerequisites: Set up the environment (Azure, .NET, packages)</a:t>
+            </a:r>
+          </a:p>
+          <a:p>
+            <a:pPr marL="514350" indent="-514350">
+              <a:buFont typeface="+mj-lt"/>
+              <a:buAutoNum type="arabicPeriod"/>
+            </a:pPr>
+            <a:r>
+              <a:rPr lang="en-US" dirty="0"/>
+              <a:t>Create C# function: Write a method with discrete business logic</a:t>
+            </a:r>
+          </a:p>
+          <a:p>
+            <a:pPr marL="514350" indent="-514350">
+              <a:buFont typeface="+mj-lt"/>
+              <a:buAutoNum type="arabicPeriod"/>
+            </a:pPr>
+            <a:r>
+              <a:rPr lang="en-US" dirty="0"/>
+              <a:t>Convert to tool: Use </a:t>
+            </a:r>
+            <a:r>
+              <a:rPr lang="en-US" i="1" dirty="0" err="1"/>
+              <a:t>AIFunctionFactory.Create</a:t>
+            </a:r>
+            <a:endParaRPr lang="en-US" i="1" dirty="0"/>
+          </a:p>
+          <a:p>
+            <a:pPr marL="514350" indent="-514350">
+              <a:buFont typeface="+mj-lt"/>
+              <a:buAutoNum type="arabicPeriod"/>
+            </a:pPr>
+            <a:r>
+              <a:rPr lang="en-US" dirty="0"/>
+              <a:t>Create agent: Inject tools when creating the </a:t>
+            </a:r>
+            <a:r>
+              <a:rPr lang="en-US" i="1" dirty="0" err="1"/>
+              <a:t>AIAgent</a:t>
+            </a:r>
+            <a:endParaRPr lang="en-US" i="1" dirty="0"/>
+          </a:p>
+          <a:p>
+            <a:pPr marL="514350" indent="-514350">
+              <a:buFont typeface="+mj-lt"/>
+              <a:buAutoNum type="arabicPeriod"/>
+            </a:pPr>
+            <a:r>
+              <a:rPr lang="en-US" dirty="0"/>
+              <a:t>Invoke / test: Send a prompt to the agent and evaluate the response</a:t>
+            </a:r>
+          </a:p>
+          <a:p>
+            <a:pPr marL="514350" indent="-514350">
+              <a:buFont typeface="+mj-lt"/>
+              <a:buAutoNum type="arabicPeriod"/>
+            </a:pPr>
+            <a:r>
+              <a:rPr lang="en-US" dirty="0"/>
+              <a:t>Agent as tool (advanced): Expose an agent as a tool for other agents</a:t>
+            </a:r>
+          </a:p>
+        </p:txBody>
+      </p:sp>
+    </p:spTree>
+    <p:extLst>
+      <p:ext uri="{BB962C8B-B14F-4D97-AF65-F5344CB8AC3E}">
+        <p14:creationId xmlns:p14="http://schemas.microsoft.com/office/powerpoint/2010/main" val="2719386640"/>
+      </p:ext>
+    </p:extLst>
+  </p:cSld>
+  <p:clrMapOvr>
+    <a:masterClrMapping/>
+  </p:clrMapOvr>
+</p:sld>
+</file>
+
+<file path=ppt/slides/slide21.xml><?xml version="1.0" encoding="utf-8"?>
+<p:sld xmlns:a="http://schemas.openxmlformats.org/drawingml/2006/main" xmlns:r="http://schemas.openxmlformats.org/officeDocument/2006/relationships" xmlns:p="http://schemas.openxmlformats.org/presentationml/2006/main">
+  <p:cSld>
+    <p:spTree>
+      <p:nvGrpSpPr>
+        <p:cNvPr id="1" name="">
+          <a:extLst>
+            <a:ext uri="{FF2B5EF4-FFF2-40B4-BE49-F238E27FC236}">
+              <a16:creationId xmlns:a16="http://schemas.microsoft.com/office/drawing/2014/main" id="{597CF306-DC66-0BCB-250A-F41AE0803E72}"/>
+            </a:ext>
+          </a:extLst>
+        </p:cNvPr>
+        <p:cNvGrpSpPr/>
+        <p:nvPr/>
+      </p:nvGrpSpPr>
+      <p:grpSpPr>
+        <a:xfrm>
+          <a:off x="0" y="0"/>
+          <a:ext cx="0" cy="0"/>
+          <a:chOff x="0" y="0"/>
+          <a:chExt cx="0" cy="0"/>
+        </a:xfrm>
+      </p:grpSpPr>
+      <p:sp>
+        <p:nvSpPr>
+          <p:cNvPr id="2" name="Title 1">
+            <a:extLst>
+              <a:ext uri="{FF2B5EF4-FFF2-40B4-BE49-F238E27FC236}">
+                <a16:creationId xmlns:a16="http://schemas.microsoft.com/office/drawing/2014/main" id="{F8B92D7A-7E15-F526-EE51-B78BA3F559B8}"/>
+              </a:ext>
+            </a:extLst>
+          </p:cNvPr>
+          <p:cNvSpPr>
+            <a:spLocks noGrp="1"/>
+          </p:cNvSpPr>
+          <p:nvPr>
+            <p:ph type="title"/>
+          </p:nvPr>
+        </p:nvSpPr>
+        <p:spPr/>
+        <p:txBody>
+          <a:bodyPr/>
+          <a:lstStyle/>
+          <a:p>
+            <a:r>
+              <a:rPr lang="en-US" dirty="0"/>
+              <a:t>Using an agent as a function tool</a:t>
+            </a:r>
+          </a:p>
+        </p:txBody>
+      </p:sp>
+      <p:sp>
+        <p:nvSpPr>
+          <p:cNvPr id="4" name="Text Placeholder 3">
+            <a:extLst>
+              <a:ext uri="{FF2B5EF4-FFF2-40B4-BE49-F238E27FC236}">
+                <a16:creationId xmlns:a16="http://schemas.microsoft.com/office/drawing/2014/main" id="{06E3E86B-4EE2-1CC0-A776-E45394FD7BF4}"/>
+              </a:ext>
+            </a:extLst>
+          </p:cNvPr>
+          <p:cNvSpPr>
+            <a:spLocks noGrp="1"/>
+          </p:cNvSpPr>
+          <p:nvPr>
+            <p:ph type="body" idx="1"/>
+          </p:nvPr>
+        </p:nvSpPr>
+        <p:spPr/>
+        <p:txBody>
+          <a:bodyPr/>
+          <a:lstStyle/>
+          <a:p>
+            <a:r>
+              <a:rPr lang="en-US" dirty="0"/>
+              <a:t>DEMO</a:t>
+            </a:r>
+          </a:p>
+        </p:txBody>
+      </p:sp>
+    </p:spTree>
+    <p:extLst>
+      <p:ext uri="{BB962C8B-B14F-4D97-AF65-F5344CB8AC3E}">
+        <p14:creationId xmlns:p14="http://schemas.microsoft.com/office/powerpoint/2010/main" val="1873058211"/>
+      </p:ext>
+    </p:extLst>
+  </p:cSld>
+  <p:clrMapOvr>
+    <a:masterClrMapping/>
+  </p:clrMapOvr>
+</p:sld>
+</file>
+
+<file path=ppt/slides/slide22.xml><?xml version="1.0" encoding="utf-8"?>
+<p:sld xmlns:a="http://schemas.openxmlformats.org/drawingml/2006/main" xmlns:r="http://schemas.openxmlformats.org/officeDocument/2006/relationships" xmlns:p="http://schemas.openxmlformats.org/presentationml/2006/main">
+  <p:cSld>
+    <p:spTree>
+      <p:nvGrpSpPr>
+        <p:cNvPr id="1" name="">
+          <a:extLst>
+            <a:ext uri="{FF2B5EF4-FFF2-40B4-BE49-F238E27FC236}">
+              <a16:creationId xmlns:a16="http://schemas.microsoft.com/office/drawing/2014/main" id="{8DF8E3A6-A611-BB92-A910-90FDBE6A711D}"/>
+            </a:ext>
+          </a:extLst>
+        </p:cNvPr>
+        <p:cNvGrpSpPr/>
+        <p:nvPr/>
+      </p:nvGrpSpPr>
+      <p:grpSpPr>
+        <a:xfrm>
+          <a:off x="0" y="0"/>
+          <a:ext cx="0" cy="0"/>
+          <a:chOff x="0" y="0"/>
+          <a:chExt cx="0" cy="0"/>
+        </a:xfrm>
+      </p:grpSpPr>
+      <p:sp>
+        <p:nvSpPr>
+          <p:cNvPr id="2" name="Title 1">
+            <a:extLst>
+              <a:ext uri="{FF2B5EF4-FFF2-40B4-BE49-F238E27FC236}">
+                <a16:creationId xmlns:a16="http://schemas.microsoft.com/office/drawing/2014/main" id="{8002BFD1-41E7-DE4D-ECAD-6D8EFAF7E701}"/>
+              </a:ext>
+            </a:extLst>
+          </p:cNvPr>
+          <p:cNvSpPr>
+            <a:spLocks noGrp="1"/>
+          </p:cNvSpPr>
+          <p:nvPr>
+            <p:ph type="title"/>
+          </p:nvPr>
+        </p:nvSpPr>
+        <p:spPr/>
+        <p:txBody>
+          <a:bodyPr/>
+          <a:lstStyle/>
+          <a:p>
+            <a:r>
+              <a:rPr lang="en-US" dirty="0"/>
+              <a:t>Business Plan Presentation</a:t>
+            </a:r>
+          </a:p>
+        </p:txBody>
+      </p:sp>
+      <p:sp>
+        <p:nvSpPr>
+          <p:cNvPr id="4" name="Text Placeholder 3">
+            <a:extLst>
+              <a:ext uri="{FF2B5EF4-FFF2-40B4-BE49-F238E27FC236}">
+                <a16:creationId xmlns:a16="http://schemas.microsoft.com/office/drawing/2014/main" id="{8C64A273-7EA9-9BF0-92F7-EF3412F2004D}"/>
+              </a:ext>
+            </a:extLst>
+          </p:cNvPr>
+          <p:cNvSpPr>
+            <a:spLocks noGrp="1"/>
+          </p:cNvSpPr>
+          <p:nvPr>
+            <p:ph type="body" idx="1"/>
+          </p:nvPr>
+        </p:nvSpPr>
+        <p:spPr/>
+        <p:txBody>
+          <a:bodyPr/>
+          <a:lstStyle/>
+          <a:p>
+            <a:endParaRPr lang="en-US" dirty="0"/>
+          </a:p>
+        </p:txBody>
+      </p:sp>
+    </p:spTree>
+    <p:extLst>
+      <p:ext uri="{BB962C8B-B14F-4D97-AF65-F5344CB8AC3E}">
+        <p14:creationId xmlns:p14="http://schemas.microsoft.com/office/powerpoint/2010/main" val="1758846101"/>
+      </p:ext>
+    </p:extLst>
+  </p:cSld>
+  <p:clrMapOvr>
+    <a:masterClrMapping/>
+  </p:clrMapOvr>
+</p:sld>
+</file>
+
+<file path=ppt/slides/slide23.xml><?xml version="1.0" encoding="utf-8"?>
+<p:sld xmlns:a="http://schemas.openxmlformats.org/drawingml/2006/main" xmlns:r="http://schemas.openxmlformats.org/officeDocument/2006/relationships" xmlns:p="http://schemas.openxmlformats.org/presentationml/2006/main">
+  <p:cSld>
+    <p:spTree>
+      <p:nvGrpSpPr>
+        <p:cNvPr id="1" name="">
+          <a:extLst>
+            <a:ext uri="{FF2B5EF4-FFF2-40B4-BE49-F238E27FC236}">
+              <a16:creationId xmlns:a16="http://schemas.microsoft.com/office/drawing/2014/main" id="{C909212A-07BD-FB08-C865-BEBA0BD4CE0D}"/>
+            </a:ext>
+          </a:extLst>
+        </p:cNvPr>
+        <p:cNvGrpSpPr/>
+        <p:nvPr/>
+      </p:nvGrpSpPr>
+      <p:grpSpPr>
+        <a:xfrm>
+          <a:off x="0" y="0"/>
+          <a:ext cx="0" cy="0"/>
+          <a:chOff x="0" y="0"/>
+          <a:chExt cx="0" cy="0"/>
+        </a:xfrm>
+      </p:grpSpPr>
+      <p:sp>
+        <p:nvSpPr>
+          <p:cNvPr id="2" name="Title 1">
+            <a:extLst>
+              <a:ext uri="{FF2B5EF4-FFF2-40B4-BE49-F238E27FC236}">
+                <a16:creationId xmlns:a16="http://schemas.microsoft.com/office/drawing/2014/main" id="{F8A84EA9-3830-94AE-8775-B6B9DC871ED3}"/>
+              </a:ext>
+            </a:extLst>
+          </p:cNvPr>
+          <p:cNvSpPr>
+            <a:spLocks noGrp="1"/>
+          </p:cNvSpPr>
+          <p:nvPr>
+            <p:ph type="title"/>
+          </p:nvPr>
+        </p:nvSpPr>
+        <p:spPr/>
+        <p:txBody>
+          <a:bodyPr/>
+          <a:lstStyle/>
+          <a:p>
+            <a:r>
+              <a:rPr lang="en-US" dirty="0"/>
+              <a:t>Sequential Workflows</a:t>
+            </a:r>
+          </a:p>
+        </p:txBody>
+      </p:sp>
+      <p:sp>
+        <p:nvSpPr>
+          <p:cNvPr id="4" name="Text Placeholder 3">
+            <a:extLst>
+              <a:ext uri="{FF2B5EF4-FFF2-40B4-BE49-F238E27FC236}">
+                <a16:creationId xmlns:a16="http://schemas.microsoft.com/office/drawing/2014/main" id="{F5DFDD2B-EA92-2211-DAF0-2A21CA01F9E0}"/>
+              </a:ext>
+            </a:extLst>
+          </p:cNvPr>
+          <p:cNvSpPr>
+            <a:spLocks noGrp="1"/>
+          </p:cNvSpPr>
+          <p:nvPr>
+            <p:ph type="body" idx="1"/>
+          </p:nvPr>
+        </p:nvSpPr>
+        <p:spPr/>
+        <p:txBody>
+          <a:bodyPr/>
+          <a:lstStyle/>
+          <a:p>
+            <a:endParaRPr lang="en-US"/>
+          </a:p>
+        </p:txBody>
+      </p:sp>
+    </p:spTree>
+    <p:extLst>
+      <p:ext uri="{BB962C8B-B14F-4D97-AF65-F5344CB8AC3E}">
+        <p14:creationId xmlns:p14="http://schemas.microsoft.com/office/powerpoint/2010/main" val="3086651335"/>
+      </p:ext>
+    </p:extLst>
+  </p:cSld>
+  <p:clrMapOvr>
+    <a:masterClrMapping/>
+  </p:clrMapOvr>
+</p:sld>
+</file>
+
+<file path=ppt/slides/slide24.xml><?xml version="1.0" encoding="utf-8"?>
+<p:sld xmlns:a="http://schemas.openxmlformats.org/drawingml/2006/main" xmlns:r="http://schemas.openxmlformats.org/officeDocument/2006/relationships" xmlns:p="http://schemas.openxmlformats.org/presentationml/2006/main">
+  <p:cSld>
+    <p:spTree>
+      <p:nvGrpSpPr>
+        <p:cNvPr id="1" name=""/>
+        <p:cNvGrpSpPr/>
+        <p:nvPr/>
+      </p:nvGrpSpPr>
+      <p:grpSpPr>
+        <a:xfrm>
+          <a:off x="0" y="0"/>
+          <a:ext cx="0" cy="0"/>
+          <a:chOff x="0" y="0"/>
+          <a:chExt cx="0" cy="0"/>
+        </a:xfrm>
+      </p:grpSpPr>
+      <p:sp>
+        <p:nvSpPr>
+          <p:cNvPr id="2" name="Title 1">
+            <a:extLst>
+              <a:ext uri="{FF2B5EF4-FFF2-40B4-BE49-F238E27FC236}">
+                <a16:creationId xmlns:a16="http://schemas.microsoft.com/office/drawing/2014/main" id="{925D23F8-02F0-700A-7EBF-5D55986E72C2}"/>
+              </a:ext>
+            </a:extLst>
+          </p:cNvPr>
+          <p:cNvSpPr>
+            <a:spLocks noGrp="1"/>
+          </p:cNvSpPr>
+          <p:nvPr>
+            <p:ph type="title"/>
+          </p:nvPr>
+        </p:nvSpPr>
+        <p:spPr/>
+        <p:txBody>
+          <a:bodyPr/>
+          <a:lstStyle/>
+          <a:p>
+            <a:r>
+              <a:rPr lang="en-US" dirty="0"/>
+              <a:t>Sequential Workflows</a:t>
+            </a:r>
+          </a:p>
+        </p:txBody>
+      </p:sp>
+      <p:sp>
+        <p:nvSpPr>
+          <p:cNvPr id="3" name="Content Placeholder 2">
+            <a:extLst>
+              <a:ext uri="{FF2B5EF4-FFF2-40B4-BE49-F238E27FC236}">
+                <a16:creationId xmlns:a16="http://schemas.microsoft.com/office/drawing/2014/main" id="{7D317FB1-345B-2816-5A6E-2E9F0992FD3D}"/>
+              </a:ext>
+            </a:extLst>
+          </p:cNvPr>
+          <p:cNvSpPr>
+            <a:spLocks noGrp="1"/>
+          </p:cNvSpPr>
+          <p:nvPr>
+            <p:ph idx="1"/>
+          </p:nvPr>
+        </p:nvSpPr>
+        <p:spPr/>
+        <p:txBody>
+          <a:bodyPr>
+            <a:normAutofit/>
+          </a:bodyPr>
+          <a:lstStyle/>
+          <a:p>
+            <a:r>
+              <a:rPr lang="en-US" dirty="0"/>
+              <a:t>Microsoft’s Sequential Workflow is an AI orchestration model in which multiple steps are executed in a fixed order, in a deterministic and controlled manner, using agents, tools, and structured outputs.</a:t>
+            </a:r>
+          </a:p>
+          <a:p>
+            <a:r>
+              <a:rPr lang="en-US" dirty="0"/>
+              <a:t>It is part of the Microsoft Agent Framework and is designed for predictable, business-critical processes, rather than open-ended conversations.</a:t>
+            </a:r>
+          </a:p>
+          <a:p>
+            <a:r>
+              <a:rPr lang="en-US" dirty="0"/>
+              <a:t>In simple terms</a:t>
+            </a:r>
+          </a:p>
+          <a:p>
+            <a:pPr lvl="1"/>
+            <a:r>
+              <a:rPr lang="en-US" dirty="0"/>
+              <a:t>“Execute Step A → then Step B → then Step C,</a:t>
+            </a:r>
+            <a:br>
+              <a:rPr lang="en-US" dirty="0"/>
+            </a:br>
+            <a:r>
+              <a:rPr lang="en-US" dirty="0"/>
+              <a:t> passing the output of one step as the input to the next.”</a:t>
+            </a:r>
+          </a:p>
+        </p:txBody>
+      </p:sp>
+    </p:spTree>
+    <p:extLst>
+      <p:ext uri="{BB962C8B-B14F-4D97-AF65-F5344CB8AC3E}">
+        <p14:creationId xmlns:p14="http://schemas.microsoft.com/office/powerpoint/2010/main" val="3903645471"/>
+      </p:ext>
+    </p:extLst>
+  </p:cSld>
+  <p:clrMapOvr>
+    <a:masterClrMapping/>
+  </p:clrMapOvr>
+</p:sld>
+</file>
+
+<file path=ppt/slides/slide25.xml><?xml version="1.0" encoding="utf-8"?>
+<p:sld xmlns:a="http://schemas.openxmlformats.org/drawingml/2006/main" xmlns:r="http://schemas.openxmlformats.org/officeDocument/2006/relationships" xmlns:p="http://schemas.openxmlformats.org/presentationml/2006/main">
+  <p:cSld>
+    <p:spTree>
+      <p:nvGrpSpPr>
+        <p:cNvPr id="1" name="">
+          <a:extLst>
+            <a:ext uri="{FF2B5EF4-FFF2-40B4-BE49-F238E27FC236}">
+              <a16:creationId xmlns:a16="http://schemas.microsoft.com/office/drawing/2014/main" id="{5C438F91-F0DA-2F8A-4745-AEF4F47DD4C7}"/>
+            </a:ext>
+          </a:extLst>
+        </p:cNvPr>
+        <p:cNvGrpSpPr/>
+        <p:nvPr/>
+      </p:nvGrpSpPr>
+      <p:grpSpPr>
+        <a:xfrm>
+          <a:off x="0" y="0"/>
+          <a:ext cx="0" cy="0"/>
+          <a:chOff x="0" y="0"/>
+          <a:chExt cx="0" cy="0"/>
+        </a:xfrm>
+      </p:grpSpPr>
+      <p:sp>
+        <p:nvSpPr>
+          <p:cNvPr id="2" name="Title 1">
+            <a:extLst>
+              <a:ext uri="{FF2B5EF4-FFF2-40B4-BE49-F238E27FC236}">
+                <a16:creationId xmlns:a16="http://schemas.microsoft.com/office/drawing/2014/main" id="{1D38A9C6-F2B4-C7A5-FBCE-D53236FE873E}"/>
+              </a:ext>
+            </a:extLst>
+          </p:cNvPr>
+          <p:cNvSpPr>
+            <a:spLocks noGrp="1"/>
+          </p:cNvSpPr>
+          <p:nvPr>
+            <p:ph type="title"/>
+          </p:nvPr>
+        </p:nvSpPr>
+        <p:spPr/>
+        <p:txBody>
+          <a:bodyPr/>
+          <a:lstStyle/>
+          <a:p>
+            <a:r>
+              <a:rPr lang="en-US" dirty="0"/>
+              <a:t>Sequential Workflows</a:t>
+            </a:r>
+          </a:p>
+        </p:txBody>
+      </p:sp>
+      <p:sp>
+        <p:nvSpPr>
+          <p:cNvPr id="3" name="Content Placeholder 2">
+            <a:extLst>
+              <a:ext uri="{FF2B5EF4-FFF2-40B4-BE49-F238E27FC236}">
+                <a16:creationId xmlns:a16="http://schemas.microsoft.com/office/drawing/2014/main" id="{C0AF089D-43DF-6579-1C5C-EFC89DE5799F}"/>
+              </a:ext>
+            </a:extLst>
+          </p:cNvPr>
+          <p:cNvSpPr>
+            <a:spLocks noGrp="1"/>
+          </p:cNvSpPr>
+          <p:nvPr>
+            <p:ph idx="1"/>
+          </p:nvPr>
+        </p:nvSpPr>
+        <p:spPr/>
+        <p:txBody>
+          <a:bodyPr>
+            <a:normAutofit lnSpcReduction="10000"/>
+          </a:bodyPr>
+          <a:lstStyle/>
+          <a:p>
+            <a:r>
+              <a:rPr lang="en-US" dirty="0"/>
+              <a:t>Each step can:</a:t>
+            </a:r>
+          </a:p>
+          <a:p>
+            <a:pPr lvl="1"/>
+            <a:r>
+              <a:rPr lang="en-US" dirty="0"/>
+              <a:t>invoke an AI agent</a:t>
+            </a:r>
+          </a:p>
+          <a:p>
+            <a:pPr lvl="1"/>
+            <a:r>
+              <a:rPr lang="en-US" dirty="0"/>
+              <a:t>call a function tool</a:t>
+            </a:r>
+          </a:p>
+          <a:p>
+            <a:pPr lvl="1"/>
+            <a:r>
+              <a:rPr lang="en-US" dirty="0"/>
+              <a:t>validate structured output</a:t>
+            </a:r>
+          </a:p>
+          <a:p>
+            <a:r>
+              <a:rPr lang="en-US" dirty="0"/>
+              <a:t>decide whether to continue, stop, or fail the workflow</a:t>
+            </a:r>
+          </a:p>
+          <a:p>
+            <a:r>
+              <a:rPr lang="en-US" dirty="0"/>
+              <a:t>Key characteristics of a Sequential Workflow</a:t>
+            </a:r>
+          </a:p>
+          <a:p>
+            <a:pPr marL="457200" lvl="1" indent="0">
+              <a:buNone/>
+            </a:pPr>
+            <a:r>
+              <a:rPr lang="en-US" dirty="0"/>
+              <a:t>✔ Linear, ordered execution</a:t>
+            </a:r>
+          </a:p>
+          <a:p>
+            <a:pPr marL="457200" lvl="1" indent="0">
+              <a:buNone/>
+            </a:pPr>
+            <a:r>
+              <a:rPr lang="en-US" dirty="0"/>
+              <a:t>✔ Each step depends on the previous step’s output</a:t>
+            </a:r>
+          </a:p>
+          <a:p>
+            <a:pPr marL="457200" lvl="1" indent="0">
+              <a:buNone/>
+            </a:pPr>
+            <a:r>
+              <a:rPr lang="en-US" dirty="0"/>
+              <a:t>✔ Structured inputs and outputs</a:t>
+            </a:r>
+          </a:p>
+          <a:p>
+            <a:pPr marL="457200" lvl="1" indent="0">
+              <a:buNone/>
+            </a:pPr>
+            <a:r>
+              <a:rPr lang="en-US" dirty="0"/>
+              <a:t>✔ Easy to audit, test, and monitor</a:t>
+            </a:r>
+          </a:p>
+          <a:p>
+            <a:pPr marL="457200" lvl="1" indent="0">
+              <a:buNone/>
+            </a:pPr>
+            <a:r>
+              <a:rPr lang="en-US" dirty="0"/>
+              <a:t>✔ Ideal for regulated and enterprise workflows</a:t>
+            </a:r>
+          </a:p>
+          <a:p>
+            <a:endParaRPr lang="en-US" dirty="0"/>
+          </a:p>
+        </p:txBody>
+      </p:sp>
+    </p:spTree>
+    <p:extLst>
+      <p:ext uri="{BB962C8B-B14F-4D97-AF65-F5344CB8AC3E}">
+        <p14:creationId xmlns:p14="http://schemas.microsoft.com/office/powerpoint/2010/main" val="1083236799"/>
+      </p:ext>
+    </p:extLst>
+  </p:cSld>
+  <p:clrMapOvr>
+    <a:masterClrMapping/>
+  </p:clrMapOvr>
+</p:sld>
+</file>
+
+<file path=ppt/slides/slide26.xml><?xml version="1.0" encoding="utf-8"?>
+<p:sld xmlns:a="http://schemas.openxmlformats.org/drawingml/2006/main" xmlns:r="http://schemas.openxmlformats.org/officeDocument/2006/relationships" xmlns:p="http://schemas.openxmlformats.org/presentationml/2006/main">
+  <p:cSld>
+    <p:spTree>
+      <p:nvGrpSpPr>
+        <p:cNvPr id="1" name="">
+          <a:extLst>
+            <a:ext uri="{FF2B5EF4-FFF2-40B4-BE49-F238E27FC236}">
+              <a16:creationId xmlns:a16="http://schemas.microsoft.com/office/drawing/2014/main" id="{123F2307-83D0-AD35-EEA3-A39508174A08}"/>
+            </a:ext>
+          </a:extLst>
+        </p:cNvPr>
+        <p:cNvGrpSpPr/>
+        <p:nvPr/>
+      </p:nvGrpSpPr>
+      <p:grpSpPr>
+        <a:xfrm>
+          <a:off x="0" y="0"/>
+          <a:ext cx="0" cy="0"/>
+          <a:chOff x="0" y="0"/>
+          <a:chExt cx="0" cy="0"/>
+        </a:xfrm>
+      </p:grpSpPr>
+      <p:sp>
+        <p:nvSpPr>
+          <p:cNvPr id="2" name="Title 1">
+            <a:extLst>
+              <a:ext uri="{FF2B5EF4-FFF2-40B4-BE49-F238E27FC236}">
+                <a16:creationId xmlns:a16="http://schemas.microsoft.com/office/drawing/2014/main" id="{BE60E3D7-0D8E-C778-E9E6-CF69DC55FF96}"/>
+              </a:ext>
+            </a:extLst>
+          </p:cNvPr>
+          <p:cNvSpPr>
+            <a:spLocks noGrp="1"/>
+          </p:cNvSpPr>
+          <p:nvPr>
+            <p:ph type="title"/>
+          </p:nvPr>
+        </p:nvSpPr>
+        <p:spPr/>
+        <p:txBody>
+          <a:bodyPr/>
+          <a:lstStyle/>
+          <a:p>
+            <a:r>
+              <a:rPr lang="en-US" dirty="0"/>
+              <a:t>Sequential Workflows</a:t>
+            </a:r>
+          </a:p>
+        </p:txBody>
+      </p:sp>
+      <p:sp>
+        <p:nvSpPr>
+          <p:cNvPr id="4" name="Text Placeholder 3">
+            <a:extLst>
+              <a:ext uri="{FF2B5EF4-FFF2-40B4-BE49-F238E27FC236}">
+                <a16:creationId xmlns:a16="http://schemas.microsoft.com/office/drawing/2014/main" id="{2C7FDF27-23F0-7F3B-637F-6921B9731F46}"/>
+              </a:ext>
+            </a:extLst>
+          </p:cNvPr>
+          <p:cNvSpPr>
+            <a:spLocks noGrp="1"/>
+          </p:cNvSpPr>
+          <p:nvPr>
+            <p:ph type="body" idx="1"/>
+          </p:nvPr>
+        </p:nvSpPr>
+        <p:spPr/>
+        <p:txBody>
+          <a:bodyPr/>
+          <a:lstStyle/>
+          <a:p>
+            <a:r>
+              <a:rPr lang="en-US" dirty="0"/>
+              <a:t>DEMO</a:t>
+            </a:r>
+          </a:p>
+        </p:txBody>
+      </p:sp>
+    </p:spTree>
+    <p:extLst>
+      <p:ext uri="{BB962C8B-B14F-4D97-AF65-F5344CB8AC3E}">
+        <p14:creationId xmlns:p14="http://schemas.microsoft.com/office/powerpoint/2010/main" val="1533470380"/>
       </p:ext>
     </p:extLst>
   </p:cSld>
@@ -4675,18 +8875,48 @@
       </p:grpSpPr>
       <p:sp>
         <p:nvSpPr>
-          <p:cNvPr id="2" name="Title 1">
-            <a:extLst>
-              <a:ext uri="{FF2B5EF4-FFF2-40B4-BE49-F238E27FC236}">
-                <a16:creationId xmlns:a16="http://schemas.microsoft.com/office/drawing/2014/main" id="{67F0BC60-C615-E762-9323-7F160490C78A}"/>
-              </a:ext>
-            </a:extLst>
-          </p:cNvPr>
-          <p:cNvSpPr>
-            <a:spLocks noGrp="1"/>
-          </p:cNvSpPr>
-          <p:nvPr>
-            <p:ph type="title"/>
+          <p:cNvPr id="4" name="Text Placeholder 3">
+            <a:extLst>
+              <a:ext uri="{FF2B5EF4-FFF2-40B4-BE49-F238E27FC236}">
+                <a16:creationId xmlns:a16="http://schemas.microsoft.com/office/drawing/2014/main" id="{9251DAA7-7897-3019-6EBB-2266A68FD292}"/>
+              </a:ext>
+            </a:extLst>
+          </p:cNvPr>
+          <p:cNvSpPr>
+            <a:spLocks noGrp="1"/>
+          </p:cNvSpPr>
+          <p:nvPr>
+            <p:ph type="body" idx="1"/>
+          </p:nvPr>
+        </p:nvSpPr>
+        <p:spPr/>
+        <p:txBody>
+          <a:bodyPr>
+            <a:normAutofit/>
+          </a:bodyPr>
+          <a:lstStyle/>
+          <a:p>
+            <a:r>
+              <a:rPr lang="en-US" dirty="0"/>
+              <a:t>Sematic Kernel</a:t>
+            </a:r>
+          </a:p>
+        </p:txBody>
+      </p:sp>
+      <p:sp>
+        <p:nvSpPr>
+          <p:cNvPr id="5" name="Content Placeholder 4">
+            <a:extLst>
+              <a:ext uri="{FF2B5EF4-FFF2-40B4-BE49-F238E27FC236}">
+                <a16:creationId xmlns:a16="http://schemas.microsoft.com/office/drawing/2014/main" id="{447F52F1-2624-598E-BB66-256B212C8349}"/>
+              </a:ext>
+            </a:extLst>
+          </p:cNvPr>
+          <p:cNvSpPr>
+            <a:spLocks noGrp="1"/>
+          </p:cNvSpPr>
+          <p:nvPr>
+            <p:ph sz="half" idx="2"/>
           </p:nvPr>
         </p:nvSpPr>
         <p:spPr/>
@@ -4695,26 +8925,63 @@
           <a:lstStyle/>
           <a:p>
             <a:r>
-              <a:rPr lang="en-US" dirty="0"/>
-              <a:t>Producing Structured Output with Agents</a:t>
-            </a:r>
-          </a:p>
-        </p:txBody>
-      </p:sp>
-      <p:sp>
-        <p:nvSpPr>
-          <p:cNvPr id="4" name="Text Placeholder 3">
-            <a:extLst>
-              <a:ext uri="{FF2B5EF4-FFF2-40B4-BE49-F238E27FC236}">
-                <a16:creationId xmlns:a16="http://schemas.microsoft.com/office/drawing/2014/main" id="{F970159F-28F5-84F6-8C8F-D473545F5273}"/>
-              </a:ext>
-            </a:extLst>
-          </p:cNvPr>
-          <p:cNvSpPr>
-            <a:spLocks noGrp="1"/>
-          </p:cNvSpPr>
-          <p:nvPr>
-            <p:ph type="body" idx="1"/>
+              <a:rPr lang="en-CA" dirty="0"/>
+              <a:t>Open-source SDK from Microsoft for building Al-powered applications</a:t>
+            </a:r>
+          </a:p>
+          <a:p>
+            <a:r>
+              <a:rPr lang="en-CA" dirty="0"/>
+              <a:t>﻿﻿It helps developers embed reasoning and natural-language capabilities into apps "AI as a function call"</a:t>
+            </a:r>
+          </a:p>
+        </p:txBody>
+      </p:sp>
+      <p:sp>
+        <p:nvSpPr>
+          <p:cNvPr id="6" name="Text Placeholder 5">
+            <a:extLst>
+              <a:ext uri="{FF2B5EF4-FFF2-40B4-BE49-F238E27FC236}">
+                <a16:creationId xmlns:a16="http://schemas.microsoft.com/office/drawing/2014/main" id="{D017C157-0F33-B0CD-F987-2721C5C3DC49}"/>
+              </a:ext>
+            </a:extLst>
+          </p:cNvPr>
+          <p:cNvSpPr>
+            <a:spLocks noGrp="1"/>
+          </p:cNvSpPr>
+          <p:nvPr>
+            <p:ph type="body" sz="quarter" idx="3"/>
+          </p:nvPr>
+        </p:nvSpPr>
+        <p:spPr/>
+        <p:txBody>
+          <a:bodyPr>
+            <a:normAutofit/>
+          </a:bodyPr>
+          <a:lstStyle/>
+          <a:p>
+            <a:r>
+              <a:rPr lang="en-CA" dirty="0" err="1"/>
+              <a:t>AutoGen</a:t>
+            </a:r>
+            <a:endParaRPr lang="en-CA" dirty="0"/>
+          </a:p>
+        </p:txBody>
+      </p:sp>
+      <p:sp>
+        <p:nvSpPr>
+          <p:cNvPr id="7" name="Content Placeholder 6">
+            <a:extLst>
+              <a:ext uri="{FF2B5EF4-FFF2-40B4-BE49-F238E27FC236}">
+                <a16:creationId xmlns:a16="http://schemas.microsoft.com/office/drawing/2014/main" id="{FDE6E443-B052-8FF4-1A98-E6577D399C45}"/>
+              </a:ext>
+            </a:extLst>
+          </p:cNvPr>
+          <p:cNvSpPr>
+            <a:spLocks noGrp="1"/>
+          </p:cNvSpPr>
+          <p:nvPr>
+            <p:ph sz="quarter" idx="4"/>
           </p:nvPr>
         </p:nvSpPr>
         <p:spPr/>
@@ -4722,14 +8989,121 @@
           <a:bodyPr/>
           <a:lstStyle/>
           <a:p>
-            <a:endParaRPr lang="en-US"/>
-          </a:p>
-        </p:txBody>
-      </p:sp>
+            <a:r>
+              <a:rPr lang="en-CA" dirty="0"/>
+              <a:t>Open-source framework from</a:t>
+            </a:r>
+          </a:p>
+          <a:p>
+            <a:r>
+              <a:rPr lang="en-CA" dirty="0"/>
+              <a:t>Microsoft Research for building multi-agent systems </a:t>
+            </a:r>
+            <a:r>
+              <a:rPr lang="en-CA" dirty="0" err="1"/>
+              <a:t>ie</a:t>
+            </a:r>
+            <a:r>
+              <a:rPr lang="en-CA" dirty="0"/>
+              <a:t>. multiple LLM agents talking to each other and collaborating to solve problems.</a:t>
+            </a:r>
+          </a:p>
+        </p:txBody>
+      </p:sp>
+      <p:pic>
+        <p:nvPicPr>
+          <p:cNvPr id="9" name="Picture 8">
+            <a:extLst>
+              <a:ext uri="{FF2B5EF4-FFF2-40B4-BE49-F238E27FC236}">
+                <a16:creationId xmlns:a16="http://schemas.microsoft.com/office/drawing/2014/main" id="{539F06B7-8DB6-7DE3-9DCB-54621966834F}"/>
+              </a:ext>
+            </a:extLst>
+          </p:cNvPr>
+          <p:cNvPicPr>
+            <a:picLocks noChangeAspect="1"/>
+          </p:cNvPicPr>
+          <p:nvPr/>
+        </p:nvPicPr>
+        <p:blipFill>
+          <a:blip r:embed="rId2"/>
+          <a:stretch>
+            <a:fillRect/>
+          </a:stretch>
+        </p:blipFill>
+        <p:spPr>
+          <a:xfrm>
+            <a:off x="1278591" y="213519"/>
+            <a:ext cx="1943100" cy="1879600"/>
+          </a:xfrm>
+          <a:prstGeom prst="rect">
+            <a:avLst/>
+          </a:prstGeom>
+        </p:spPr>
+      </p:pic>
+      <p:pic>
+        <p:nvPicPr>
+          <p:cNvPr id="10" name="Picture 9">
+            <a:extLst>
+              <a:ext uri="{FF2B5EF4-FFF2-40B4-BE49-F238E27FC236}">
+                <a16:creationId xmlns:a16="http://schemas.microsoft.com/office/drawing/2014/main" id="{283A8669-1416-E3FA-65D6-19A72BB61876}"/>
+              </a:ext>
+            </a:extLst>
+          </p:cNvPr>
+          <p:cNvPicPr>
+            <a:picLocks noChangeAspect="1"/>
+          </p:cNvPicPr>
+          <p:nvPr/>
+        </p:nvPicPr>
+        <p:blipFill>
+          <a:blip r:embed="rId3"/>
+          <a:stretch>
+            <a:fillRect/>
+          </a:stretch>
+        </p:blipFill>
+        <p:spPr>
+          <a:xfrm>
+            <a:off x="8059646" y="668337"/>
+            <a:ext cx="1165036" cy="1145290"/>
+          </a:xfrm>
+          <a:prstGeom prst="rect">
+            <a:avLst/>
+          </a:prstGeom>
+        </p:spPr>
+      </p:pic>
+      <p:pic>
+        <p:nvPicPr>
+          <p:cNvPr id="11" name="Picture 10">
+            <a:extLst>
+              <a:ext uri="{FF2B5EF4-FFF2-40B4-BE49-F238E27FC236}">
+                <a16:creationId xmlns:a16="http://schemas.microsoft.com/office/drawing/2014/main" id="{5785BBE5-2BAA-33F9-AAED-C9C464465802}"/>
+              </a:ext>
+            </a:extLst>
+          </p:cNvPr>
+          <p:cNvPicPr>
+            <a:picLocks noChangeAspect="1"/>
+          </p:cNvPicPr>
+          <p:nvPr/>
+        </p:nvPicPr>
+        <p:blipFill>
+          <a:blip r:embed="rId4"/>
+          <a:stretch>
+            <a:fillRect/>
+          </a:stretch>
+        </p:blipFill>
+        <p:spPr>
+          <a:xfrm>
+            <a:off x="4632511" y="525722"/>
+            <a:ext cx="1642035" cy="1567397"/>
+          </a:xfrm>
+          <a:prstGeom prst="rect">
+            <a:avLst/>
+          </a:prstGeom>
+        </p:spPr>
+      </p:pic>
     </p:spTree>
     <p:extLst>
       <p:ext uri="{BB962C8B-B14F-4D97-AF65-F5344CB8AC3E}">
-        <p14:creationId xmlns:p14="http://schemas.microsoft.com/office/powerpoint/2010/main" val="756270899"/>
+        <p14:creationId xmlns:p14="http://schemas.microsoft.com/office/powerpoint/2010/main" val="1668679824"/>
       </p:ext>
     </p:extLst>
   </p:cSld>
@@ -4758,10 +9132,10 @@
       </p:grpSpPr>
       <p:sp>
         <p:nvSpPr>
-          <p:cNvPr id="2" name="Title 1">
-            <a:extLst>
-              <a:ext uri="{FF2B5EF4-FFF2-40B4-BE49-F238E27FC236}">
-                <a16:creationId xmlns:a16="http://schemas.microsoft.com/office/drawing/2014/main" id="{85BA651B-EE1E-7DAE-9E63-ADC85127760A}"/>
+          <p:cNvPr id="7" name="Title 6">
+            <a:extLst>
+              <a:ext uri="{FF2B5EF4-FFF2-40B4-BE49-F238E27FC236}">
+                <a16:creationId xmlns:a16="http://schemas.microsoft.com/office/drawing/2014/main" id="{3C0EE851-CA97-4D66-7CB0-7AF1ECEB66CB}"/>
               </a:ext>
             </a:extLst>
           </p:cNvPr>
@@ -4770,34 +9144,6 @@
           </p:cNvSpPr>
           <p:nvPr>
             <p:ph type="title"/>
-          </p:nvPr>
-        </p:nvSpPr>
-        <p:spPr/>
-        <p:txBody>
-          <a:bodyPr/>
-          <a:lstStyle/>
-          <a:p>
-            <a:r>
-              <a:rPr lang="en-US" dirty="0"/>
-              <a:t>What is structured output with an agent?</a:t>
-            </a:r>
-          </a:p>
-        </p:txBody>
-      </p:sp>
-      <p:sp>
-        <p:nvSpPr>
-          <p:cNvPr id="3" name="Content Placeholder 2">
-            <a:extLst>
-              <a:ext uri="{FF2B5EF4-FFF2-40B4-BE49-F238E27FC236}">
-                <a16:creationId xmlns:a16="http://schemas.microsoft.com/office/drawing/2014/main" id="{25E4A529-D423-F01C-A412-975BEA4529F7}"/>
-              </a:ext>
-            </a:extLst>
-          </p:cNvPr>
-          <p:cNvSpPr>
-            <a:spLocks noGrp="1"/>
-          </p:cNvSpPr>
-          <p:nvPr>
-            <p:ph idx="1"/>
           </p:nvPr>
         </p:nvSpPr>
         <p:spPr/>
@@ -4808,37 +9154,109 @@
           <a:lstStyle/>
           <a:p>
             <a:r>
-              <a:rPr lang="en-US" dirty="0"/>
-              <a:t>Structured output with an agent means that an AI agent is designed to return its results in a predefined, machine-readable format, instead of free-form text</a:t>
-            </a:r>
-          </a:p>
-          <a:p>
-            <a:r>
-              <a:rPr lang="en-US" dirty="0"/>
-              <a:t>In simple terms:</a:t>
+              <a:rPr lang="en-CA" dirty="0"/>
+              <a:t>Microsoft Agent Framework</a:t>
+            </a:r>
+            <a:endParaRPr lang="en-US" dirty="0"/>
+          </a:p>
+        </p:txBody>
+      </p:sp>
+      <p:sp>
+        <p:nvSpPr>
+          <p:cNvPr id="8" name="Content Placeholder 7">
+            <a:extLst>
+              <a:ext uri="{FF2B5EF4-FFF2-40B4-BE49-F238E27FC236}">
+                <a16:creationId xmlns:a16="http://schemas.microsoft.com/office/drawing/2014/main" id="{5E21A70F-4195-1AC8-033A-1A1A34774115}"/>
+              </a:ext>
+            </a:extLst>
+          </p:cNvPr>
+          <p:cNvSpPr>
+            <a:spLocks noGrp="1"/>
+          </p:cNvSpPr>
+          <p:nvPr>
+            <p:ph idx="1"/>
+          </p:nvPr>
+        </p:nvSpPr>
+        <p:spPr/>
+        <p:txBody>
+          <a:bodyPr/>
+          <a:lstStyle/>
+          <a:p>
+            <a:r>
+              <a:rPr lang="en-CA" dirty="0"/>
+              <a:t>Open-source SDK and runtime from Microsoft for building, orchestrating and deploying Al agents and multi-agent workflows</a:t>
+            </a:r>
+          </a:p>
+          <a:p>
+            <a:r>
+              <a:rPr lang="en-CA" dirty="0"/>
+              <a:t>﻿﻿Supports both .NET (C#) and Python</a:t>
+            </a:r>
+          </a:p>
+          <a:p>
+            <a:r>
+              <a:rPr lang="en-CA" dirty="0"/>
+              <a:t>﻿﻿Unifies </a:t>
+            </a:r>
+            <a:r>
+              <a:rPr lang="en-CA" i="1" dirty="0"/>
+              <a:t>Semantic Kernel </a:t>
+            </a:r>
+            <a:r>
+              <a:rPr lang="en-CA" dirty="0"/>
+              <a:t>and </a:t>
+            </a:r>
+            <a:r>
+              <a:rPr lang="en-CA" i="1" dirty="0" err="1"/>
+              <a:t>AutoGen</a:t>
+            </a:r>
+            <a:r>
+              <a:rPr lang="en-CA" dirty="0"/>
+              <a:t> into a single framework</a:t>
             </a:r>
           </a:p>
           <a:p>
             <a:pPr marL="0" indent="0">
               <a:buNone/>
             </a:pPr>
-            <a:r>
-              <a:rPr lang="en-US" dirty="0"/>
-              <a:t>👉 the agent doesn’t just talk — it responds with data that other systems can reliably consume.</a:t>
-            </a:r>
-          </a:p>
-          <a:p>
             <a:endParaRPr lang="en-US" dirty="0"/>
           </a:p>
-          <a:p>
-            <a:endParaRPr lang="en-US" dirty="0"/>
-          </a:p>
-        </p:txBody>
-      </p:sp>
+        </p:txBody>
+      </p:sp>
+      <p:pic>
+        <p:nvPicPr>
+          <p:cNvPr id="9" name="Picture 8">
+            <a:extLst>
+              <a:ext uri="{FF2B5EF4-FFF2-40B4-BE49-F238E27FC236}">
+                <a16:creationId xmlns:a16="http://schemas.microsoft.com/office/drawing/2014/main" id="{695F9C16-3255-4037-1F0C-7CA54A2E772C}"/>
+              </a:ext>
+            </a:extLst>
+          </p:cNvPr>
+          <p:cNvPicPr>
+            <a:picLocks noChangeAspect="1"/>
+          </p:cNvPicPr>
+          <p:nvPr/>
+        </p:nvPicPr>
+        <p:blipFill>
+          <a:blip r:embed="rId2"/>
+          <a:stretch>
+            <a:fillRect/>
+          </a:stretch>
+        </p:blipFill>
+        <p:spPr>
+          <a:xfrm>
+            <a:off x="8526556" y="496000"/>
+            <a:ext cx="1020856" cy="998170"/>
+          </a:xfrm>
+          <a:prstGeom prst="rect">
+            <a:avLst/>
+          </a:prstGeom>
+        </p:spPr>
+      </p:pic>
     </p:spTree>
     <p:extLst>
       <p:ext uri="{BB962C8B-B14F-4D97-AF65-F5344CB8AC3E}">
-        <p14:creationId xmlns:p14="http://schemas.microsoft.com/office/powerpoint/2010/main" val="615853362"/>
+        <p14:creationId xmlns:p14="http://schemas.microsoft.com/office/powerpoint/2010/main" val="742767037"/>
       </p:ext>
     </p:extLst>
   </p:cSld>
@@ -4865,95 +9283,157 @@
           <a:chExt cx="0" cy="0"/>
         </a:xfrm>
       </p:grpSpPr>
-      <p:sp>
-        <p:nvSpPr>
-          <p:cNvPr id="2" name="Title 1">
-            <a:extLst>
-              <a:ext uri="{FF2B5EF4-FFF2-40B4-BE49-F238E27FC236}">
-                <a16:creationId xmlns:a16="http://schemas.microsoft.com/office/drawing/2014/main" id="{A741D2BA-E338-693C-B857-63CCEBFFC578}"/>
-              </a:ext>
-            </a:extLst>
-          </p:cNvPr>
-          <p:cNvSpPr>
-            <a:spLocks noGrp="1"/>
-          </p:cNvSpPr>
-          <p:nvPr>
-            <p:ph type="title"/>
-          </p:nvPr>
-        </p:nvSpPr>
-        <p:spPr/>
-        <p:txBody>
-          <a:bodyPr>
-            <a:normAutofit/>
+      <p:pic>
+        <p:nvPicPr>
+          <p:cNvPr id="4" name="Picture 3">
+            <a:extLst>
+              <a:ext uri="{FF2B5EF4-FFF2-40B4-BE49-F238E27FC236}">
+                <a16:creationId xmlns:a16="http://schemas.microsoft.com/office/drawing/2014/main" id="{768D0B77-2734-3DAE-F6EA-FB5CAD1F4A2C}"/>
+              </a:ext>
+            </a:extLst>
+          </p:cNvPr>
+          <p:cNvPicPr>
+            <a:picLocks noChangeAspect="1"/>
+          </p:cNvPicPr>
+          <p:nvPr/>
+        </p:nvPicPr>
+        <p:blipFill>
+          <a:blip r:embed="rId2"/>
+          <a:stretch>
+            <a:fillRect/>
+          </a:stretch>
+        </p:blipFill>
+        <p:spPr>
+          <a:xfrm>
+            <a:off x="376270" y="306549"/>
+            <a:ext cx="10046922" cy="5952735"/>
+          </a:xfrm>
+          <a:prstGeom prst="rect">
+            <a:avLst/>
+          </a:prstGeom>
+        </p:spPr>
+      </p:pic>
+      <p:sp>
+        <p:nvSpPr>
+          <p:cNvPr id="5" name="TextBox 4">
+            <a:extLst>
+              <a:ext uri="{FF2B5EF4-FFF2-40B4-BE49-F238E27FC236}">
+                <a16:creationId xmlns:a16="http://schemas.microsoft.com/office/drawing/2014/main" id="{85756AF7-01F7-5399-2AAD-CAEA4F4389CA}"/>
+              </a:ext>
+            </a:extLst>
+          </p:cNvPr>
+          <p:cNvSpPr txBox="1"/>
+          <p:nvPr/>
+        </p:nvSpPr>
+        <p:spPr>
+          <a:xfrm rot="18855078">
+            <a:off x="3782973" y="4900293"/>
+            <a:ext cx="1774676" cy="307777"/>
+          </a:xfrm>
+          <a:prstGeom prst="rect">
+            <a:avLst/>
+          </a:prstGeom>
+          <a:noFill/>
+        </p:spPr>
+        <p:txBody>
+          <a:bodyPr wrap="square" rtlCol="0">
+            <a:spAutoFit/>
           </a:bodyPr>
           <a:lstStyle/>
           <a:p>
             <a:r>
-              <a:rPr lang="en-US" dirty="0"/>
-              <a:t>Why is structured output important?</a:t>
-            </a:r>
-          </a:p>
-        </p:txBody>
-      </p:sp>
-      <p:sp>
-        <p:nvSpPr>
-          <p:cNvPr id="3" name="Content Placeholder 2">
-            <a:extLst>
-              <a:ext uri="{FF2B5EF4-FFF2-40B4-BE49-F238E27FC236}">
-                <a16:creationId xmlns:a16="http://schemas.microsoft.com/office/drawing/2014/main" id="{04AC2217-BED9-5007-E892-FD0D38EB9A2B}"/>
-              </a:ext>
-            </a:extLst>
-          </p:cNvPr>
-          <p:cNvSpPr>
-            <a:spLocks noGrp="1"/>
-          </p:cNvSpPr>
-          <p:nvPr>
-            <p:ph idx="1"/>
-          </p:nvPr>
-        </p:nvSpPr>
-        <p:spPr/>
-        <p:txBody>
-          <a:bodyPr>
-            <a:normAutofit/>
+              <a:rPr lang="en-US" sz="1400" dirty="0" err="1">
+                <a:solidFill>
+                  <a:srgbClr val="FF0000"/>
+                </a:solidFill>
+              </a:rPr>
+              <a:t>ReAct</a:t>
+            </a:r>
+            <a:r>
+              <a:rPr lang="en-US" sz="1400" dirty="0">
+                <a:solidFill>
+                  <a:srgbClr val="FF0000"/>
+                </a:solidFill>
+              </a:rPr>
+              <a:t>: Reason + Act</a:t>
+            </a:r>
+          </a:p>
+        </p:txBody>
+      </p:sp>
+      <p:sp>
+        <p:nvSpPr>
+          <p:cNvPr id="6" name="TextBox 5">
+            <a:extLst>
+              <a:ext uri="{FF2B5EF4-FFF2-40B4-BE49-F238E27FC236}">
+                <a16:creationId xmlns:a16="http://schemas.microsoft.com/office/drawing/2014/main" id="{1707515C-0758-0B83-073C-9B36A44AB82C}"/>
+              </a:ext>
+            </a:extLst>
+          </p:cNvPr>
+          <p:cNvSpPr txBox="1"/>
+          <p:nvPr/>
+        </p:nvSpPr>
+        <p:spPr>
+          <a:xfrm rot="18855078">
+            <a:off x="3362025" y="2753092"/>
+            <a:ext cx="1157732" cy="307777"/>
+          </a:xfrm>
+          <a:prstGeom prst="rect">
+            <a:avLst/>
+          </a:prstGeom>
+          <a:noFill/>
+        </p:spPr>
+        <p:txBody>
+          <a:bodyPr wrap="square" rtlCol="0">
+            <a:spAutoFit/>
           </a:bodyPr>
           <a:lstStyle/>
           <a:p>
             <a:r>
-              <a:rPr lang="en-US" dirty="0"/>
-              <a:t>Structured output is important because it makes AI reliable, automatable, and safe to integrate into real systems.</a:t>
-            </a:r>
-          </a:p>
-          <a:p>
-            <a:r>
-              <a:rPr lang="en-US" dirty="0"/>
-              <a:t>We can enable dynamic analysis of business rules.</a:t>
-            </a:r>
-          </a:p>
-          <a:p>
-            <a:r>
-              <a:rPr lang="en-US" dirty="0"/>
-              <a:t>For example, a fintech operating with Bitcoin and equities needs to send user-friendly notifications about:</a:t>
-            </a:r>
-          </a:p>
-          <a:p>
-            <a:pPr lvl="1"/>
-            <a:r>
-              <a:rPr lang="en-US" dirty="0"/>
-              <a:t>new investments</a:t>
-            </a:r>
-          </a:p>
-          <a:p>
-            <a:pPr lvl="1"/>
-            <a:r>
-              <a:rPr lang="en-US" dirty="0"/>
-              <a:t>price appreciation and depreciation,</a:t>
-            </a:r>
-          </a:p>
-          <a:p>
-            <a:pPr lvl="1"/>
-            <a:r>
-              <a:rPr lang="en-US" dirty="0"/>
-              <a:t>market movements and growth trends.</a:t>
+              <a:rPr lang="en-US" sz="1400" dirty="0">
+                <a:solidFill>
+                  <a:srgbClr val="FF0000"/>
+                </a:solidFill>
+              </a:rPr>
+              <a:t>Reasoning</a:t>
+            </a:r>
+          </a:p>
+        </p:txBody>
+      </p:sp>
+      <p:sp>
+        <p:nvSpPr>
+          <p:cNvPr id="7" name="TextBox 6">
+            <a:extLst>
+              <a:ext uri="{FF2B5EF4-FFF2-40B4-BE49-F238E27FC236}">
+                <a16:creationId xmlns:a16="http://schemas.microsoft.com/office/drawing/2014/main" id="{247B39E3-5102-CC73-8D7E-D0264264B280}"/>
+              </a:ext>
+            </a:extLst>
+          </p:cNvPr>
+          <p:cNvSpPr txBox="1"/>
+          <p:nvPr/>
+        </p:nvSpPr>
+        <p:spPr>
+          <a:xfrm>
+            <a:off x="6486225" y="1936664"/>
+            <a:ext cx="665690" cy="307777"/>
+          </a:xfrm>
+          <a:prstGeom prst="rect">
+            <a:avLst/>
+          </a:prstGeom>
+          <a:noFill/>
+        </p:spPr>
+        <p:txBody>
+          <a:bodyPr wrap="square" rtlCol="0">
+            <a:spAutoFit/>
+          </a:bodyPr>
+          <a:lstStyle/>
+          <a:p>
+            <a:r>
+              <a:rPr lang="en-US" sz="1400" dirty="0">
+                <a:solidFill>
+                  <a:srgbClr val="FF0000"/>
+                </a:solidFill>
+              </a:rPr>
+              <a:t>Act</a:t>
             </a:r>
           </a:p>
         </p:txBody>
@@ -4961,7 +9441,7 @@
     </p:spTree>
     <p:extLst>
       <p:ext uri="{BB962C8B-B14F-4D97-AF65-F5344CB8AC3E}">
-        <p14:creationId xmlns:p14="http://schemas.microsoft.com/office/powerpoint/2010/main" val="4162356070"/>
+        <p14:creationId xmlns:p14="http://schemas.microsoft.com/office/powerpoint/2010/main" val="2099878625"/>
       </p:ext>
     </p:extLst>
   </p:cSld>
@@ -4988,81 +9468,40 @@
           <a:chExt cx="0" cy="0"/>
         </a:xfrm>
       </p:grpSpPr>
-      <p:sp>
-        <p:nvSpPr>
-          <p:cNvPr id="2" name="Title 1">
-            <a:extLst>
-              <a:ext uri="{FF2B5EF4-FFF2-40B4-BE49-F238E27FC236}">
-                <a16:creationId xmlns:a16="http://schemas.microsoft.com/office/drawing/2014/main" id="{F88ED850-934C-D220-CFB1-ABB886BAFE3D}"/>
-              </a:ext>
-            </a:extLst>
-          </p:cNvPr>
-          <p:cNvSpPr>
-            <a:spLocks noGrp="1"/>
-          </p:cNvSpPr>
-          <p:nvPr>
-            <p:ph type="title"/>
-          </p:nvPr>
-        </p:nvSpPr>
-        <p:spPr/>
-        <p:txBody>
-          <a:bodyPr/>
-          <a:lstStyle/>
-          <a:p>
-            <a:r>
-              <a:rPr lang="en-US" dirty="0"/>
-              <a:t>Why is structured output important?</a:t>
-            </a:r>
-          </a:p>
-        </p:txBody>
-      </p:sp>
-      <p:sp>
-        <p:nvSpPr>
-          <p:cNvPr id="3" name="Content Placeholder 2">
-            <a:extLst>
-              <a:ext uri="{FF2B5EF4-FFF2-40B4-BE49-F238E27FC236}">
-                <a16:creationId xmlns:a16="http://schemas.microsoft.com/office/drawing/2014/main" id="{985FC3D6-0506-7108-8F6C-B7239574EE0E}"/>
-              </a:ext>
-            </a:extLst>
-          </p:cNvPr>
-          <p:cNvSpPr>
-            <a:spLocks noGrp="1"/>
-          </p:cNvSpPr>
-          <p:nvPr>
-            <p:ph idx="1"/>
-          </p:nvPr>
-        </p:nvSpPr>
-        <p:spPr/>
-        <p:txBody>
-          <a:bodyPr>
-            <a:normAutofit/>
-          </a:bodyPr>
-          <a:lstStyle/>
-          <a:p>
-            <a:r>
-              <a:rPr lang="en-US" dirty="0"/>
-              <a:t>We can design a set of microservices, exposing APIs that receive data and instructions, supported by classes that can interact with one another.</a:t>
-            </a:r>
-            <a:br>
-              <a:rPr lang="en-US" dirty="0"/>
-            </a:br>
-            <a:r>
-              <a:rPr lang="en-US" dirty="0"/>
-              <a:t> Each class encapsulates its own AI-driven business logic and is able to orchestrate with other components, producing high-quality and consistent results.</a:t>
-            </a:r>
-          </a:p>
-          <a:p>
-            <a:endParaRPr lang="en-US" dirty="0"/>
-          </a:p>
-          <a:p>
-            <a:endParaRPr lang="en-US" dirty="0"/>
-          </a:p>
-        </p:txBody>
-      </p:sp>
+      <p:pic>
+        <p:nvPicPr>
+          <p:cNvPr id="2" name="Picture 1">
+            <a:extLst>
+              <a:ext uri="{FF2B5EF4-FFF2-40B4-BE49-F238E27FC236}">
+                <a16:creationId xmlns:a16="http://schemas.microsoft.com/office/drawing/2014/main" id="{D6753501-4875-471E-A225-7A9208123018}"/>
+              </a:ext>
+            </a:extLst>
+          </p:cNvPr>
+          <p:cNvPicPr>
+            <a:picLocks noChangeAspect="1"/>
+          </p:cNvPicPr>
+          <p:nvPr/>
+        </p:nvPicPr>
+        <p:blipFill>
+          <a:blip r:embed="rId2"/>
+          <a:stretch>
+            <a:fillRect/>
+          </a:stretch>
+        </p:blipFill>
+        <p:spPr>
+          <a:xfrm>
+            <a:off x="0" y="-72022"/>
+            <a:ext cx="12192000" cy="7002043"/>
+          </a:xfrm>
+          <a:prstGeom prst="rect">
+            <a:avLst/>
+          </a:prstGeom>
+        </p:spPr>
+      </p:pic>
     </p:spTree>
     <p:extLst>
       <p:ext uri="{BB962C8B-B14F-4D97-AF65-F5344CB8AC3E}">
-        <p14:creationId xmlns:p14="http://schemas.microsoft.com/office/powerpoint/2010/main" val="3535394958"/>
+        <p14:creationId xmlns:p14="http://schemas.microsoft.com/office/powerpoint/2010/main" val="577192129"/>
       </p:ext>
     </p:extLst>
   </p:cSld>
@@ -5089,113 +9528,40 @@
           <a:chExt cx="0" cy="0"/>
         </a:xfrm>
       </p:grpSpPr>
-      <p:sp>
-        <p:nvSpPr>
-          <p:cNvPr id="2" name="Title 1">
-            <a:extLst>
-              <a:ext uri="{FF2B5EF4-FFF2-40B4-BE49-F238E27FC236}">
-                <a16:creationId xmlns:a16="http://schemas.microsoft.com/office/drawing/2014/main" id="{EB166805-D4D2-EFDF-D088-406FD03F15AC}"/>
-              </a:ext>
-            </a:extLst>
-          </p:cNvPr>
-          <p:cNvSpPr>
-            <a:spLocks noGrp="1"/>
-          </p:cNvSpPr>
-          <p:nvPr>
-            <p:ph type="title"/>
-          </p:nvPr>
-        </p:nvSpPr>
-        <p:spPr/>
-        <p:txBody>
-          <a:bodyPr/>
-          <a:lstStyle/>
-          <a:p>
-            <a:r>
-              <a:rPr lang="en-US" dirty="0"/>
-              <a:t>Another Use Case</a:t>
-            </a:r>
-          </a:p>
-        </p:txBody>
-      </p:sp>
-      <p:sp>
-        <p:nvSpPr>
-          <p:cNvPr id="3" name="Content Placeholder 2">
-            <a:extLst>
-              <a:ext uri="{FF2B5EF4-FFF2-40B4-BE49-F238E27FC236}">
-                <a16:creationId xmlns:a16="http://schemas.microsoft.com/office/drawing/2014/main" id="{6D106D2B-6F02-B58B-D1DF-7820501721CF}"/>
-              </a:ext>
-            </a:extLst>
-          </p:cNvPr>
-          <p:cNvSpPr>
-            <a:spLocks noGrp="1"/>
-          </p:cNvSpPr>
-          <p:nvPr>
-            <p:ph idx="1"/>
-          </p:nvPr>
-        </p:nvSpPr>
-        <p:spPr/>
-        <p:txBody>
-          <a:bodyPr>
-            <a:normAutofit fontScale="85000" lnSpcReduction="10000"/>
-          </a:bodyPr>
-          <a:lstStyle/>
-          <a:p>
-            <a:r>
-              <a:rPr lang="en-US" dirty="0"/>
-              <a:t>Another use case is leveraging structured inputs, such as friendly, guided questions, and connecting the agent directly to database inputs.</a:t>
-            </a:r>
-          </a:p>
-          <a:p>
-            <a:r>
-              <a:rPr lang="en-US" dirty="0"/>
-              <a:t>Additionally, we can:</a:t>
-            </a:r>
-          </a:p>
-          <a:p>
-            <a:pPr lvl="1"/>
-            <a:r>
-              <a:rPr lang="en-US" dirty="0"/>
-              <a:t>define regex-based rules for data filtering</a:t>
-            </a:r>
-          </a:p>
-          <a:p>
-            <a:pPr lvl="1"/>
-            <a:r>
-              <a:rPr lang="en-US" dirty="0"/>
-              <a:t>orchestrate API workflows</a:t>
-            </a:r>
-          </a:p>
-          <a:p>
-            <a:pPr lvl="1"/>
-            <a:r>
-              <a:rPr lang="en-US" dirty="0"/>
-              <a:t>perform data transformation and enrichment</a:t>
-            </a:r>
-          </a:p>
-          <a:p>
-            <a:r>
-              <a:rPr lang="en-US" dirty="0"/>
-              <a:t>In this context, structured output allows us to make our APIs significantly more dynamic, enabling them to produce precise, actionable, and business-oriented information.</a:t>
-            </a:r>
-          </a:p>
-          <a:p>
-            <a:r>
-              <a:rPr lang="en-US" dirty="0"/>
-              <a:t>What would traditionally require two development sprints to implement a complex architecture can be delivered in significantly less time using structured output, with greater predictability, lower complexity, and faster time to value.</a:t>
-            </a:r>
-          </a:p>
-          <a:p>
-            <a:endParaRPr lang="en-US" dirty="0"/>
-          </a:p>
-          <a:p>
-            <a:endParaRPr lang="en-US" dirty="0"/>
-          </a:p>
-        </p:txBody>
-      </p:sp>
+      <p:pic>
+        <p:nvPicPr>
+          <p:cNvPr id="2" name="Picture 1">
+            <a:extLst>
+              <a:ext uri="{FF2B5EF4-FFF2-40B4-BE49-F238E27FC236}">
+                <a16:creationId xmlns:a16="http://schemas.microsoft.com/office/drawing/2014/main" id="{445D2248-09AB-C21D-AB23-B1476579EA8D}"/>
+              </a:ext>
+            </a:extLst>
+          </p:cNvPr>
+          <p:cNvPicPr>
+            <a:picLocks noChangeAspect="1"/>
+          </p:cNvPicPr>
+          <p:nvPr/>
+        </p:nvPicPr>
+        <p:blipFill>
+          <a:blip r:embed="rId2"/>
+          <a:stretch>
+            <a:fillRect/>
+          </a:stretch>
+        </p:blipFill>
+        <p:spPr>
+          <a:xfrm>
+            <a:off x="2330450" y="2533650"/>
+            <a:ext cx="7531100" cy="1790700"/>
+          </a:xfrm>
+          <a:prstGeom prst="rect">
+            <a:avLst/>
+          </a:prstGeom>
+        </p:spPr>
+      </p:pic>
     </p:spTree>
     <p:extLst>
       <p:ext uri="{BB962C8B-B14F-4D97-AF65-F5344CB8AC3E}">
-        <p14:creationId xmlns:p14="http://schemas.microsoft.com/office/powerpoint/2010/main" val="1242638240"/>
+        <p14:creationId xmlns:p14="http://schemas.microsoft.com/office/powerpoint/2010/main" val="1925543137"/>
       </p:ext>
     </p:extLst>
   </p:cSld>
@@ -5210,13 +9576,7 @@
   <p:cSld>
     <p:spTree>
       <p:nvGrpSpPr>
-        <p:cNvPr id="1" name="">
-          <a:extLst>
-            <a:ext uri="{FF2B5EF4-FFF2-40B4-BE49-F238E27FC236}">
-              <a16:creationId xmlns:a16="http://schemas.microsoft.com/office/drawing/2014/main" id="{9CFEA734-04ED-6057-EE12-3A1234170B0F}"/>
-            </a:ext>
-          </a:extLst>
-        </p:cNvPr>
+        <p:cNvPr id="1" name=""/>
         <p:cNvGrpSpPr/>
         <p:nvPr/>
       </p:nvGrpSpPr>
@@ -5230,10 +9590,10 @@
       </p:grpSpPr>
       <p:sp>
         <p:nvSpPr>
-          <p:cNvPr id="2" name="Title 1">
-            <a:extLst>
-              <a:ext uri="{FF2B5EF4-FFF2-40B4-BE49-F238E27FC236}">
-                <a16:creationId xmlns:a16="http://schemas.microsoft.com/office/drawing/2014/main" id="{5B577C13-8CB3-0F97-CCE3-39E0D52CABD9}"/>
+          <p:cNvPr id="4" name="Title 3">
+            <a:extLst>
+              <a:ext uri="{FF2B5EF4-FFF2-40B4-BE49-F238E27FC236}">
+                <a16:creationId xmlns:a16="http://schemas.microsoft.com/office/drawing/2014/main" id="{64AD0ABB-C943-E11C-7D33-772A9D0572CF}"/>
               </a:ext>
             </a:extLst>
           </p:cNvPr>
@@ -5250,44 +9610,39 @@
           <a:lstStyle/>
           <a:p>
             <a:r>
-              <a:rPr lang="en-US" dirty="0"/>
-              <a:t>Producing Structured Output with Agents</a:t>
-            </a:r>
-          </a:p>
-        </p:txBody>
-      </p:sp>
-      <p:sp>
-        <p:nvSpPr>
-          <p:cNvPr id="4" name="Text Placeholder 3">
-            <a:extLst>
-              <a:ext uri="{FF2B5EF4-FFF2-40B4-BE49-F238E27FC236}">
-                <a16:creationId xmlns:a16="http://schemas.microsoft.com/office/drawing/2014/main" id="{E07AA632-9795-6CDA-71BD-74E2E6690206}"/>
-              </a:ext>
-            </a:extLst>
-          </p:cNvPr>
-          <p:cNvSpPr>
-            <a:spLocks noGrp="1"/>
-          </p:cNvSpPr>
-          <p:nvPr>
-            <p:ph type="body" idx="1"/>
-          </p:nvPr>
-        </p:nvSpPr>
-        <p:spPr/>
-        <p:txBody>
-          <a:bodyPr/>
-          <a:lstStyle/>
-          <a:p>
-            <a:r>
-              <a:rPr lang="en-US" dirty="0"/>
-              <a:t>DEMO</a:t>
-            </a:r>
-          </a:p>
-        </p:txBody>
-      </p:sp>
+              <a:rPr lang="en-CA" dirty="0"/>
+              <a:t>Why Build Agents in Code?</a:t>
+            </a:r>
+            <a:endParaRPr lang="en-US" dirty="0"/>
+          </a:p>
+        </p:txBody>
+      </p:sp>
+      <p:graphicFrame>
+        <p:nvGraphicFramePr>
+          <p:cNvPr id="5" name="Diagram 4">
+            <a:extLst>
+              <a:ext uri="{FF2B5EF4-FFF2-40B4-BE49-F238E27FC236}">
+                <a16:creationId xmlns:a16="http://schemas.microsoft.com/office/drawing/2014/main" id="{D9E274E3-05F9-6BB2-CC1C-BA3265B9A4E5}"/>
+              </a:ext>
+            </a:extLst>
+          </p:cNvPr>
+          <p:cNvGraphicFramePr/>
+          <p:nvPr/>
+        </p:nvGraphicFramePr>
+        <p:xfrm>
+          <a:off x="704538" y="1688667"/>
+          <a:ext cx="10515600" cy="4804208"/>
+        </p:xfrm>
+        <a:graphic>
+          <a:graphicData uri="http://schemas.openxmlformats.org/drawingml/2006/diagram">
+            <dgm:relIds xmlns:dgm="http://schemas.openxmlformats.org/drawingml/2006/diagram" xmlns:r="http://schemas.openxmlformats.org/officeDocument/2006/relationships" r:dm="rId3" r:lo="rId4" r:qs="rId5" r:cs="rId6"/>
+          </a:graphicData>
+        </a:graphic>
+      </p:graphicFrame>
     </p:spTree>
     <p:extLst>
       <p:ext uri="{BB962C8B-B14F-4D97-AF65-F5344CB8AC3E}">
-        <p14:creationId xmlns:p14="http://schemas.microsoft.com/office/powerpoint/2010/main" val="1227525199"/>
+        <p14:creationId xmlns:p14="http://schemas.microsoft.com/office/powerpoint/2010/main" val="3470705235"/>
       </p:ext>
     </p:extLst>
   </p:cSld>
@@ -5316,10 +9671,10 @@
       </p:grpSpPr>
       <p:sp>
         <p:nvSpPr>
-          <p:cNvPr id="4" name="Title 3">
-            <a:extLst>
-              <a:ext uri="{FF2B5EF4-FFF2-40B4-BE49-F238E27FC236}">
-                <a16:creationId xmlns:a16="http://schemas.microsoft.com/office/drawing/2014/main" id="{CFBAC40C-AD99-ED98-D324-94A9D485BC1D}"/>
+          <p:cNvPr id="2" name="Title 1">
+            <a:extLst>
+              <a:ext uri="{FF2B5EF4-FFF2-40B4-BE49-F238E27FC236}">
+                <a16:creationId xmlns:a16="http://schemas.microsoft.com/office/drawing/2014/main" id="{033C88F9-CA86-57A1-9F0C-B72D14F05686}"/>
               </a:ext>
             </a:extLst>
           </p:cNvPr>
@@ -5337,17 +9692,17 @@
           <a:p>
             <a:r>
               <a:rPr lang="en-US" dirty="0"/>
-              <a:t>Demonstration</a:t>
-            </a:r>
-          </a:p>
-        </p:txBody>
-      </p:sp>
-      <p:sp>
-        <p:nvSpPr>
-          <p:cNvPr id="5" name="Content Placeholder 4">
-            <a:extLst>
-              <a:ext uri="{FF2B5EF4-FFF2-40B4-BE49-F238E27FC236}">
-                <a16:creationId xmlns:a16="http://schemas.microsoft.com/office/drawing/2014/main" id="{A7086445-8FE7-D98F-DD98-DFE92F4F9F75}"/>
+              <a:t>Topics</a:t>
+            </a:r>
+          </a:p>
+        </p:txBody>
+      </p:sp>
+      <p:sp>
+        <p:nvSpPr>
+          <p:cNvPr id="3" name="Content Placeholder 2">
+            <a:extLst>
+              <a:ext uri="{FF2B5EF4-FFF2-40B4-BE49-F238E27FC236}">
+                <a16:creationId xmlns:a16="http://schemas.microsoft.com/office/drawing/2014/main" id="{B5A942BC-6879-79A6-8169-BB7F4BC3C501}"/>
               </a:ext>
             </a:extLst>
           </p:cNvPr>
@@ -5360,69 +9715,24 @@
         </p:nvSpPr>
         <p:spPr/>
         <p:txBody>
-          <a:bodyPr>
-            <a:normAutofit/>
-          </a:bodyPr>
+          <a:bodyPr/>
           <a:lstStyle/>
           <a:p>
             <a:r>
               <a:rPr lang="en-US" dirty="0"/>
-              <a:t>PATCH /employees:</a:t>
-            </a:r>
-            <a:br>
+              <a:t>Producing Structured Output with Agents</a:t>
+            </a:r>
+          </a:p>
+          <a:p>
+            <a:r>
               <a:rPr lang="en-US" dirty="0"/>
-            </a:br>
+              <a:t>Using an agent as a function tool</a:t>
+            </a:r>
+          </a:p>
+          <a:p>
             <a:r>
               <a:rPr lang="en-US" dirty="0"/>
-              <a:t>Reads Chat Config, executes an Azure OpenAI agent that generates an </a:t>
-            </a:r>
-            <a:r>
-              <a:rPr lang="en-US" dirty="0" err="1"/>
-              <a:t>AIResponse</a:t>
-            </a:r>
-            <a:r>
-              <a:rPr lang="en-US" dirty="0"/>
-              <a:t>, which is used as a filter (</a:t>
-            </a:r>
-            <a:r>
-              <a:rPr lang="en-US" dirty="0" err="1"/>
-              <a:t>filter.AIAnswer</a:t>
-            </a:r>
-            <a:r>
-              <a:rPr lang="en-US" dirty="0"/>
-              <a:t>) to query the Employee Repository, and return the list of employees.</a:t>
-            </a:r>
-          </a:p>
-          <a:p>
-            <a:endParaRPr lang="en-US" dirty="0"/>
-          </a:p>
-          <a:p>
-            <a:r>
-              <a:rPr lang="en-US" dirty="0"/>
-              <a:t>POST /agent-run:</a:t>
-            </a:r>
-            <a:br>
-              <a:rPr lang="en-US" dirty="0"/>
-            </a:br>
-            <a:r>
-              <a:rPr lang="en-US" dirty="0"/>
-              <a:t>Reads Chat Config, executes an Azure OpenAI agent that produces a </a:t>
-            </a:r>
-            <a:r>
-              <a:rPr lang="en-US" dirty="0" err="1"/>
-              <a:t>PersonInfo</a:t>
-            </a:r>
-            <a:r>
-              <a:rPr lang="en-US" dirty="0"/>
-              <a:t> JSON, deserializes it, and returns the </a:t>
-            </a:r>
-            <a:r>
-              <a:rPr lang="en-US" dirty="0" err="1"/>
-              <a:t>PersonInfo</a:t>
-            </a:r>
-            <a:r>
-              <a:rPr lang="en-US" dirty="0"/>
-              <a:t> object</a:t>
+              <a:t>Create a Simple Sequential Workflow</a:t>
             </a:r>
           </a:p>
           <a:p>
@@ -5436,7 +9746,7 @@
     </p:spTree>
     <p:extLst>
       <p:ext uri="{BB962C8B-B14F-4D97-AF65-F5344CB8AC3E}">
-        <p14:creationId xmlns:p14="http://schemas.microsoft.com/office/powerpoint/2010/main" val="1807691148"/>
+        <p14:creationId xmlns:p14="http://schemas.microsoft.com/office/powerpoint/2010/main" val="23780361"/>
       </p:ext>
     </p:extLst>
   </p:cSld>
@@ -5759,4 +10069,319 @@
     </a:ext>
   </a:extLst>
 </a:theme>
+</file>
+
+<file path=ppt/theme/theme2.xml><?xml version="1.0" encoding="utf-8"?>
+<a:theme xmlns:a="http://schemas.openxmlformats.org/drawingml/2006/main" name="Office Theme">
+  <a:themeElements>
+    <a:clrScheme name="Office">
+      <a:dk1>
+        <a:sysClr val="windowText" lastClr="000000"/>
+      </a:dk1>
+      <a:lt1>
+        <a:sysClr val="window" lastClr="FFFFFF"/>
+      </a:lt1>
+      <a:dk2>
+        <a:srgbClr val="0E2841"/>
+      </a:dk2>
+      <a:lt2>
+        <a:srgbClr val="E8E8E8"/>
+      </a:lt2>
+      <a:accent1>
+        <a:srgbClr val="156082"/>
+      </a:accent1>
+      <a:accent2>
+        <a:srgbClr val="E97132"/>
+      </a:accent2>
+      <a:accent3>
+        <a:srgbClr val="196B24"/>
+      </a:accent3>
+      <a:accent4>
+        <a:srgbClr val="0F9ED5"/>
+      </a:accent4>
+      <a:accent5>
+        <a:srgbClr val="A02B93"/>
+      </a:accent5>
+      <a:accent6>
+        <a:srgbClr val="4EA72E"/>
+      </a:accent6>
+      <a:hlink>
+        <a:srgbClr val="467886"/>
+      </a:hlink>
+      <a:folHlink>
+        <a:srgbClr val="96607D"/>
+      </a:folHlink>
+    </a:clrScheme>
+    <a:fontScheme name="Office">
+      <a:majorFont>
+        <a:latin typeface="Aptos Display" panose="02110004020202020204"/>
+        <a:ea typeface=""/>
+        <a:cs typeface=""/>
+        <a:font script="Jpan" typeface="游ゴシック Light"/>
+        <a:font script="Hang" typeface="맑은 고딕"/>
+        <a:font script="Hans" typeface="等线 Light"/>
+        <a:font script="Hant" typeface="新細明體"/>
+        <a:font script="Arab" typeface="Times New Roman"/>
+        <a:font script="Hebr" typeface="Times New Roman"/>
+        <a:font script="Thai" typeface="Angsana New"/>
+        <a:font script="Ethi" typeface="Nyala"/>
+        <a:font script="Beng" typeface="Vrinda"/>
+        <a:font script="Gujr" typeface="Shruti"/>
+        <a:font script="Khmr" typeface="MoolBoran"/>
+        <a:font script="Knda" typeface="Tunga"/>
+        <a:font script="Guru" typeface="Raavi"/>
+        <a:font script="Cans" typeface="Euphemia"/>
+        <a:font script="Cher" typeface="Plantagenet Cherokee"/>
+        <a:font script="Yiii" typeface="Microsoft Yi Baiti"/>
+        <a:font script="Tibt" typeface="Microsoft Himalaya"/>
+        <a:font script="Thaa" typeface="MV Boli"/>
+        <a:font script="Deva" typeface="Mangal"/>
+        <a:font script="Telu" typeface="Gautami"/>
+        <a:font script="Taml" typeface="Latha"/>
+        <a:font script="Syrc" typeface="Estrangelo Edessa"/>
+        <a:font script="Orya" typeface="Kalinga"/>
+        <a:font script="Mlym" typeface="Kartika"/>
+        <a:font script="Laoo" typeface="DokChampa"/>
+        <a:font script="Sinh" typeface="Iskoola Pota"/>
+        <a:font script="Mong" typeface="Mongolian Baiti"/>
+        <a:font script="Viet" typeface="Times New Roman"/>
+        <a:font script="Uigh" typeface="Microsoft Uighur"/>
+        <a:font script="Geor" typeface="Sylfaen"/>
+        <a:font script="Armn" typeface="Arial"/>
+        <a:font script="Bugi" typeface="Leelawadee UI"/>
+        <a:font script="Bopo" typeface="Microsoft JhengHei"/>
+        <a:font script="Java" typeface="Javanese Text"/>
+        <a:font script="Lisu" typeface="Segoe UI"/>
+        <a:font script="Mymr" typeface="Myanmar Text"/>
+        <a:font script="Nkoo" typeface="Ebrima"/>
+        <a:font script="Olck" typeface="Nirmala UI"/>
+        <a:font script="Osma" typeface="Ebrima"/>
+        <a:font script="Phag" typeface="Phagspa"/>
+        <a:font script="Syrn" typeface="Estrangelo Edessa"/>
+        <a:font script="Syrj" typeface="Estrangelo Edessa"/>
+        <a:font script="Syre" typeface="Estrangelo Edessa"/>
+        <a:font script="Sora" typeface="Nirmala UI"/>
+        <a:font script="Tale" typeface="Microsoft Tai Le"/>
+        <a:font script="Talu" typeface="Microsoft New Tai Lue"/>
+        <a:font script="Tfng" typeface="Ebrima"/>
+      </a:majorFont>
+      <a:minorFont>
+        <a:latin typeface="Aptos" panose="02110004020202020204"/>
+        <a:ea typeface=""/>
+        <a:cs typeface=""/>
+        <a:font script="Jpan" typeface="游ゴシック"/>
+        <a:font script="Hang" typeface="맑은 고딕"/>
+        <a:font script="Hans" typeface="等线"/>
+        <a:font script="Hant" typeface="新細明體"/>
+        <a:font script="Arab" typeface="Arial"/>
+        <a:font script="Hebr" typeface="Arial"/>
+        <a:font script="Thai" typeface="Cordia New"/>
+        <a:font script="Ethi" typeface="Nyala"/>
+        <a:font script="Beng" typeface="Vrinda"/>
+        <a:font script="Gujr" typeface="Shruti"/>
+        <a:font script="Khmr" typeface="DaunPenh"/>
+        <a:font script="Knda" typeface="Tunga"/>
+        <a:font script="Guru" typeface="Raavi"/>
+        <a:font script="Cans" typeface="Euphemia"/>
+        <a:font script="Cher" typeface="Plantagenet Cherokee"/>
+        <a:font script="Yiii" typeface="Microsoft Yi Baiti"/>
+        <a:font script="Tibt" typeface="Microsoft Himalaya"/>
+        <a:font script="Thaa" typeface="MV Boli"/>
+        <a:font script="Deva" typeface="Mangal"/>
+        <a:font script="Telu" typeface="Gautami"/>
+        <a:font script="Taml" typeface="Latha"/>
+        <a:font script="Syrc" typeface="Estrangelo Edessa"/>
+        <a:font script="Orya" typeface="Kalinga"/>
+        <a:font script="Mlym" typeface="Kartika"/>
+        <a:font script="Laoo" typeface="DokChampa"/>
+        <a:font script="Sinh" typeface="Iskoola Pota"/>
+        <a:font script="Mong" typeface="Mongolian Baiti"/>
+        <a:font script="Viet" typeface="Arial"/>
+        <a:font script="Uigh" typeface="Microsoft Uighur"/>
+        <a:font script="Geor" typeface="Sylfaen"/>
+        <a:font script="Armn" typeface="Arial"/>
+        <a:font script="Bugi" typeface="Leelawadee UI"/>
+        <a:font script="Bopo" typeface="Microsoft JhengHei"/>
+        <a:font script="Java" typeface="Javanese Text"/>
+        <a:font script="Lisu" typeface="Segoe UI"/>
+        <a:font script="Mymr" typeface="Myanmar Text"/>
+        <a:font script="Nkoo" typeface="Ebrima"/>
+        <a:font script="Olck" typeface="Nirmala UI"/>
+        <a:font script="Osma" typeface="Ebrima"/>
+        <a:font script="Phag" typeface="Phagspa"/>
+        <a:font script="Syrn" typeface="Estrangelo Edessa"/>
+        <a:font script="Syrj" typeface="Estrangelo Edessa"/>
+        <a:font script="Syre" typeface="Estrangelo Edessa"/>
+        <a:font script="Sora" typeface="Nirmala UI"/>
+        <a:font script="Tale" typeface="Microsoft Tai Le"/>
+        <a:font script="Talu" typeface="Microsoft New Tai Lue"/>
+        <a:font script="Tfng" typeface="Ebrima"/>
+      </a:minorFont>
+    </a:fontScheme>
+    <a:fmtScheme name="Office">
+      <a:fillStyleLst>
+        <a:solidFill>
+          <a:schemeClr val="phClr"/>
+        </a:solidFill>
+        <a:gradFill rotWithShape="1">
+          <a:gsLst>
+            <a:gs pos="0">
+              <a:schemeClr val="phClr">
+                <a:lumMod val="110000"/>
+                <a:satMod val="105000"/>
+                <a:tint val="67000"/>
+              </a:schemeClr>
+            </a:gs>
+            <a:gs pos="50000">
+              <a:schemeClr val="phClr">
+                <a:lumMod val="105000"/>
+                <a:satMod val="103000"/>
+                <a:tint val="73000"/>
+              </a:schemeClr>
+            </a:gs>
+            <a:gs pos="100000">
+              <a:schemeClr val="phClr">
+                <a:lumMod val="105000"/>
+                <a:satMod val="109000"/>
+                <a:tint val="81000"/>
+              </a:schemeClr>
+            </a:gs>
+          </a:gsLst>
+          <a:lin ang="5400000" scaled="0"/>
+        </a:gradFill>
+        <a:gradFill rotWithShape="1">
+          <a:gsLst>
+            <a:gs pos="0">
+              <a:schemeClr val="phClr">
+                <a:satMod val="103000"/>
+                <a:lumMod val="102000"/>
+                <a:tint val="94000"/>
+              </a:schemeClr>
+            </a:gs>
+            <a:gs pos="50000">
+              <a:schemeClr val="phClr">
+                <a:satMod val="110000"/>
+                <a:lumMod val="100000"/>
+                <a:shade val="100000"/>
+              </a:schemeClr>
+            </a:gs>
+            <a:gs pos="100000">
+              <a:schemeClr val="phClr">
+                <a:lumMod val="99000"/>
+                <a:satMod val="120000"/>
+                <a:shade val="78000"/>
+              </a:schemeClr>
+            </a:gs>
+          </a:gsLst>
+          <a:lin ang="5400000" scaled="0"/>
+        </a:gradFill>
+      </a:fillStyleLst>
+      <a:lnStyleLst>
+        <a:ln w="12700" cap="flat" cmpd="sng" algn="ctr">
+          <a:solidFill>
+            <a:schemeClr val="phClr"/>
+          </a:solidFill>
+          <a:prstDash val="solid"/>
+          <a:miter lim="800000"/>
+        </a:ln>
+        <a:ln w="19050" cap="flat" cmpd="sng" algn="ctr">
+          <a:solidFill>
+            <a:schemeClr val="phClr"/>
+          </a:solidFill>
+          <a:prstDash val="solid"/>
+          <a:miter lim="800000"/>
+        </a:ln>
+        <a:ln w="25400" cap="flat" cmpd="sng" algn="ctr">
+          <a:solidFill>
+            <a:schemeClr val="phClr"/>
+          </a:solidFill>
+          <a:prstDash val="solid"/>
+          <a:miter lim="800000"/>
+        </a:ln>
+      </a:lnStyleLst>
+      <a:effectStyleLst>
+        <a:effectStyle>
+          <a:effectLst/>
+        </a:effectStyle>
+        <a:effectStyle>
+          <a:effectLst/>
+        </a:effectStyle>
+        <a:effectStyle>
+          <a:effectLst>
+            <a:outerShdw blurRad="57150" dist="19050" dir="5400000" algn="ctr" rotWithShape="0">
+              <a:srgbClr val="000000">
+                <a:alpha val="63000"/>
+              </a:srgbClr>
+            </a:outerShdw>
+          </a:effectLst>
+        </a:effectStyle>
+      </a:effectStyleLst>
+      <a:bgFillStyleLst>
+        <a:solidFill>
+          <a:schemeClr val="phClr"/>
+        </a:solidFill>
+        <a:solidFill>
+          <a:schemeClr val="phClr">
+            <a:tint val="95000"/>
+            <a:satMod val="170000"/>
+          </a:schemeClr>
+        </a:solidFill>
+        <a:gradFill rotWithShape="1">
+          <a:gsLst>
+            <a:gs pos="0">
+              <a:schemeClr val="phClr">
+                <a:tint val="93000"/>
+                <a:satMod val="150000"/>
+                <a:shade val="98000"/>
+                <a:lumMod val="102000"/>
+              </a:schemeClr>
+            </a:gs>
+            <a:gs pos="50000">
+              <a:schemeClr val="phClr">
+                <a:tint val="98000"/>
+                <a:satMod val="130000"/>
+                <a:shade val="90000"/>
+                <a:lumMod val="103000"/>
+              </a:schemeClr>
+            </a:gs>
+            <a:gs pos="100000">
+              <a:schemeClr val="phClr">
+                <a:shade val="63000"/>
+                <a:satMod val="120000"/>
+              </a:schemeClr>
+            </a:gs>
+          </a:gsLst>
+          <a:lin ang="5400000" scaled="0"/>
+        </a:gradFill>
+      </a:bgFillStyleLst>
+    </a:fmtScheme>
+  </a:themeElements>
+  <a:objectDefaults>
+    <a:lnDef>
+      <a:spPr/>
+      <a:bodyPr/>
+      <a:lstStyle/>
+      <a:style>
+        <a:lnRef idx="2">
+          <a:schemeClr val="accent1"/>
+        </a:lnRef>
+        <a:fillRef idx="0">
+          <a:schemeClr val="accent1"/>
+        </a:fillRef>
+        <a:effectRef idx="1">
+          <a:schemeClr val="accent1"/>
+        </a:effectRef>
+        <a:fontRef idx="minor">
+          <a:schemeClr val="tx1"/>
+        </a:fontRef>
+      </a:style>
+    </a:lnDef>
+  </a:objectDefaults>
+  <a:extraClrSchemeLst/>
+  <a:extLst>
+    <a:ext uri="{05A4C25C-085E-4340-85A3-A5531E510DB2}">
+      <thm15:themeFamily xmlns:thm15="http://schemas.microsoft.com/office/thememl/2012/main" name="Office Theme" id="{2E142A2C-CD16-42D6-873A-C26D2A0506FA}" vid="{1BDDFF52-6CD6-40A5-AB3C-68EB2F1E4D0A}"/>
+    </a:ext>
+  </a:extLst>
+</a:theme>
 </file>
--- a/docs/revised.pptx
+++ b/docs/revised.pptx
@@ -5,7 +5,7 @@
     <p:sldMasterId id="2147483648" r:id="rId1"/>
   </p:sldMasterIdLst>
   <p:notesMasterIdLst>
-    <p:notesMasterId r:id="rId28"/>
+    <p:notesMasterId r:id="rId32"/>
   </p:notesMasterIdLst>
   <p:sldIdLst>
     <p:sldId id="256" r:id="rId2"/>
@@ -25,15 +25,19 @@
     <p:sldId id="263" r:id="rId16"/>
     <p:sldId id="264" r:id="rId17"/>
     <p:sldId id="265" r:id="rId18"/>
-    <p:sldId id="266" r:id="rId19"/>
-    <p:sldId id="267" r:id="rId20"/>
-    <p:sldId id="268" r:id="rId21"/>
-    <p:sldId id="269" r:id="rId22"/>
-    <p:sldId id="270" r:id="rId23"/>
-    <p:sldId id="271" r:id="rId24"/>
-    <p:sldId id="272" r:id="rId25"/>
-    <p:sldId id="273" r:id="rId26"/>
-    <p:sldId id="274" r:id="rId27"/>
+    <p:sldId id="282" r:id="rId19"/>
+    <p:sldId id="295" r:id="rId20"/>
+    <p:sldId id="296" r:id="rId21"/>
+    <p:sldId id="297" r:id="rId22"/>
+    <p:sldId id="266" r:id="rId23"/>
+    <p:sldId id="267" r:id="rId24"/>
+    <p:sldId id="268" r:id="rId25"/>
+    <p:sldId id="269" r:id="rId26"/>
+    <p:sldId id="270" r:id="rId27"/>
+    <p:sldId id="271" r:id="rId28"/>
+    <p:sldId id="272" r:id="rId29"/>
+    <p:sldId id="273" r:id="rId30"/>
+    <p:sldId id="274" r:id="rId31"/>
   </p:sldIdLst>
   <p:sldSz cx="12192000" cy="6858000"/>
   <p:notesSz cx="6858000" cy="9144000"/>
@@ -3445,6 +3449,2219 @@
 </p:notes>
 </file>
 
+<file path=ppt/notesSlides/notesSlide2.xml><?xml version="1.0" encoding="utf-8"?>
+<p:notes xmlns:a="http://schemas.openxmlformats.org/drawingml/2006/main" xmlns:r="http://schemas.openxmlformats.org/officeDocument/2006/relationships" xmlns:p="http://schemas.openxmlformats.org/presentationml/2006/main">
+  <p:cSld>
+    <p:spTree>
+      <p:nvGrpSpPr>
+        <p:cNvPr id="1" name=""/>
+        <p:cNvGrpSpPr/>
+        <p:nvPr/>
+      </p:nvGrpSpPr>
+      <p:grpSpPr>
+        <a:xfrm>
+          <a:off x="0" y="0"/>
+          <a:ext cx="0" cy="0"/>
+          <a:chOff x="0" y="0"/>
+          <a:chExt cx="0" cy="0"/>
+        </a:xfrm>
+      </p:grpSpPr>
+      <p:sp>
+        <p:nvSpPr>
+          <p:cNvPr id="2" name="Slide Image Placeholder 1"/>
+          <p:cNvSpPr>
+            <a:spLocks noGrp="1" noRot="1" noChangeAspect="1"/>
+          </p:cNvSpPr>
+          <p:nvPr>
+            <p:ph type="sldImg"/>
+          </p:nvPr>
+        </p:nvSpPr>
+        <p:spPr/>
+      </p:sp>
+      <p:sp>
+        <p:nvSpPr>
+          <p:cNvPr id="3" name="Notes Placeholder 2"/>
+          <p:cNvSpPr>
+            <a:spLocks noGrp="1"/>
+          </p:cNvSpPr>
+          <p:nvPr>
+            <p:ph type="body" idx="1"/>
+          </p:nvPr>
+        </p:nvSpPr>
+        <p:spPr/>
+        <p:txBody>
+          <a:bodyPr/>
+          <a:lstStyle/>
+          <a:p>
+            <a:endParaRPr lang="en-US" dirty="0"/>
+          </a:p>
+        </p:txBody>
+      </p:sp>
+      <p:sp>
+        <p:nvSpPr>
+          <p:cNvPr id="4" name="Slide Number Placeholder 3"/>
+          <p:cNvSpPr>
+            <a:spLocks noGrp="1"/>
+          </p:cNvSpPr>
+          <p:nvPr>
+            <p:ph type="sldNum" sz="quarter" idx="5"/>
+          </p:nvPr>
+        </p:nvSpPr>
+        <p:spPr/>
+        <p:txBody>
+          <a:bodyPr/>
+          <a:lstStyle/>
+          <a:p>
+            <a:fld id="{0238319F-61CD-A140-8E73-A0E0B6263794}" type="slidenum">
+              <a:rPr lang="en-US" smtClean="0"/>
+              <a:t>18</a:t>
+            </a:fld>
+            <a:endParaRPr lang="en-US"/>
+          </a:p>
+        </p:txBody>
+      </p:sp>
+    </p:spTree>
+    <p:extLst>
+      <p:ext uri="{BB962C8B-B14F-4D97-AF65-F5344CB8AC3E}">
+        <p14:creationId xmlns:p14="http://schemas.microsoft.com/office/powerpoint/2010/main" val="762827951"/>
+      </p:ext>
+    </p:extLst>
+  </p:cSld>
+  <p:clrMapOvr>
+    <a:masterClrMapping/>
+  </p:clrMapOvr>
+</p:notes>
+</file>
+
+<file path=ppt/notesSlides/notesSlide3.xml><?xml version="1.0" encoding="utf-8"?>
+<p:notes xmlns:a="http://schemas.openxmlformats.org/drawingml/2006/main" xmlns:r="http://schemas.openxmlformats.org/officeDocument/2006/relationships" xmlns:p="http://schemas.openxmlformats.org/presentationml/2006/main">
+  <p:cSld>
+    <p:spTree>
+      <p:nvGrpSpPr>
+        <p:cNvPr id="1" name="">
+          <a:extLst>
+            <a:ext uri="{FF2B5EF4-FFF2-40B4-BE49-F238E27FC236}">
+              <a16:creationId xmlns:a16="http://schemas.microsoft.com/office/drawing/2014/main" id="{349B8574-7945-3BF8-361F-4345F797EA4B}"/>
+            </a:ext>
+          </a:extLst>
+        </p:cNvPr>
+        <p:cNvGrpSpPr/>
+        <p:nvPr/>
+      </p:nvGrpSpPr>
+      <p:grpSpPr>
+        <a:xfrm>
+          <a:off x="0" y="0"/>
+          <a:ext cx="0" cy="0"/>
+          <a:chOff x="0" y="0"/>
+          <a:chExt cx="0" cy="0"/>
+        </a:xfrm>
+      </p:grpSpPr>
+      <p:sp>
+        <p:nvSpPr>
+          <p:cNvPr id="2" name="Slide Image Placeholder 1">
+            <a:extLst>
+              <a:ext uri="{FF2B5EF4-FFF2-40B4-BE49-F238E27FC236}">
+                <a16:creationId xmlns:a16="http://schemas.microsoft.com/office/drawing/2014/main" id="{9FF3E84A-687C-F4F6-526F-0136DA50BB40}"/>
+              </a:ext>
+            </a:extLst>
+          </p:cNvPr>
+          <p:cNvSpPr>
+            <a:spLocks noGrp="1" noRot="1" noChangeAspect="1"/>
+          </p:cNvSpPr>
+          <p:nvPr>
+            <p:ph type="sldImg"/>
+          </p:nvPr>
+        </p:nvSpPr>
+        <p:spPr/>
+      </p:sp>
+      <p:sp>
+        <p:nvSpPr>
+          <p:cNvPr id="3" name="Notes Placeholder 2">
+            <a:extLst>
+              <a:ext uri="{FF2B5EF4-FFF2-40B4-BE49-F238E27FC236}">
+                <a16:creationId xmlns:a16="http://schemas.microsoft.com/office/drawing/2014/main" id="{8866C60C-1BA8-6C5D-A97A-7623ADB6F38B}"/>
+              </a:ext>
+            </a:extLst>
+          </p:cNvPr>
+          <p:cNvSpPr>
+            <a:spLocks noGrp="1"/>
+          </p:cNvSpPr>
+          <p:nvPr>
+            <p:ph type="body" idx="1"/>
+          </p:nvPr>
+        </p:nvSpPr>
+        <p:spPr/>
+        <p:txBody>
+          <a:bodyPr/>
+          <a:lstStyle/>
+          <a:p>
+            <a:r>
+              <a:rPr lang="en-US" dirty="0"/>
+              <a:t>https://</a:t>
+            </a:r>
+            <a:r>
+              <a:rPr lang="en-US" dirty="0" err="1"/>
+              <a:t>github.com</a:t>
+            </a:r>
+            <a:r>
+              <a:rPr lang="en-US" dirty="0"/>
+              <a:t>/</a:t>
+            </a:r>
+            <a:r>
+              <a:rPr lang="en-US" dirty="0" err="1"/>
+              <a:t>microsoft</a:t>
+            </a:r>
+            <a:r>
+              <a:rPr lang="en-US" dirty="0"/>
+              <a:t>/agent-framework/blob/main/dotnet/samples/GettingStarted/Workflows/_Foundational/01_ExecutorsAndEdges/</a:t>
+            </a:r>
+            <a:r>
+              <a:rPr lang="en-US" dirty="0" err="1"/>
+              <a:t>Program.cs</a:t>
+            </a:r>
+            <a:endParaRPr lang="en-US" dirty="0"/>
+          </a:p>
+        </p:txBody>
+      </p:sp>
+      <p:sp>
+        <p:nvSpPr>
+          <p:cNvPr id="4" name="Slide Number Placeholder 3">
+            <a:extLst>
+              <a:ext uri="{FF2B5EF4-FFF2-40B4-BE49-F238E27FC236}">
+                <a16:creationId xmlns:a16="http://schemas.microsoft.com/office/drawing/2014/main" id="{C64501FC-46B6-6B43-5905-5018C6ED9421}"/>
+              </a:ext>
+            </a:extLst>
+          </p:cNvPr>
+          <p:cNvSpPr>
+            <a:spLocks noGrp="1"/>
+          </p:cNvSpPr>
+          <p:nvPr>
+            <p:ph type="sldNum" sz="quarter" idx="5"/>
+          </p:nvPr>
+        </p:nvSpPr>
+        <p:spPr/>
+        <p:txBody>
+          <a:bodyPr/>
+          <a:lstStyle/>
+          <a:p>
+            <a:fld id="{0238319F-61CD-A140-8E73-A0E0B6263794}" type="slidenum">
+              <a:rPr lang="en-US" smtClean="0"/>
+              <a:t>19</a:t>
+            </a:fld>
+            <a:endParaRPr lang="en-US"/>
+          </a:p>
+        </p:txBody>
+      </p:sp>
+    </p:spTree>
+    <p:extLst>
+      <p:ext uri="{BB962C8B-B14F-4D97-AF65-F5344CB8AC3E}">
+        <p14:creationId xmlns:p14="http://schemas.microsoft.com/office/powerpoint/2010/main" val="365070964"/>
+      </p:ext>
+    </p:extLst>
+  </p:cSld>
+  <p:clrMapOvr>
+    <a:masterClrMapping/>
+  </p:clrMapOvr>
+</p:notes>
+</file>
+
+<file path=ppt/notesSlides/notesSlide4.xml><?xml version="1.0" encoding="utf-8"?>
+<p:notes xmlns:a="http://schemas.openxmlformats.org/drawingml/2006/main" xmlns:r="http://schemas.openxmlformats.org/officeDocument/2006/relationships" xmlns:p="http://schemas.openxmlformats.org/presentationml/2006/main">
+  <p:cSld>
+    <p:spTree>
+      <p:nvGrpSpPr>
+        <p:cNvPr id="1" name="">
+          <a:extLst>
+            <a:ext uri="{FF2B5EF4-FFF2-40B4-BE49-F238E27FC236}">
+              <a16:creationId xmlns:a16="http://schemas.microsoft.com/office/drawing/2014/main" id="{F140F83F-AD9D-32DA-CB20-CD92310BC589}"/>
+            </a:ext>
+          </a:extLst>
+        </p:cNvPr>
+        <p:cNvGrpSpPr/>
+        <p:nvPr/>
+      </p:nvGrpSpPr>
+      <p:grpSpPr>
+        <a:xfrm>
+          <a:off x="0" y="0"/>
+          <a:ext cx="0" cy="0"/>
+          <a:chOff x="0" y="0"/>
+          <a:chExt cx="0" cy="0"/>
+        </a:xfrm>
+      </p:grpSpPr>
+      <p:sp>
+        <p:nvSpPr>
+          <p:cNvPr id="2" name="Slide Image Placeholder 1">
+            <a:extLst>
+              <a:ext uri="{FF2B5EF4-FFF2-40B4-BE49-F238E27FC236}">
+                <a16:creationId xmlns:a16="http://schemas.microsoft.com/office/drawing/2014/main" id="{368B65A5-A8F8-148F-35C7-393A478C313D}"/>
+              </a:ext>
+            </a:extLst>
+          </p:cNvPr>
+          <p:cNvSpPr>
+            <a:spLocks noGrp="1" noRot="1" noChangeAspect="1"/>
+          </p:cNvSpPr>
+          <p:nvPr>
+            <p:ph type="sldImg"/>
+          </p:nvPr>
+        </p:nvSpPr>
+        <p:spPr/>
+      </p:sp>
+      <p:sp>
+        <p:nvSpPr>
+          <p:cNvPr id="3" name="Notes Placeholder 2">
+            <a:extLst>
+              <a:ext uri="{FF2B5EF4-FFF2-40B4-BE49-F238E27FC236}">
+                <a16:creationId xmlns:a16="http://schemas.microsoft.com/office/drawing/2014/main" id="{8FF42FD0-A883-19B0-CBF4-C90B1D051F3A}"/>
+              </a:ext>
+            </a:extLst>
+          </p:cNvPr>
+          <p:cNvSpPr>
+            <a:spLocks noGrp="1"/>
+          </p:cNvSpPr>
+          <p:nvPr>
+            <p:ph type="body" idx="1"/>
+          </p:nvPr>
+        </p:nvSpPr>
+        <p:spPr/>
+        <p:txBody>
+          <a:bodyPr/>
+          <a:lstStyle/>
+          <a:p>
+            <a:r>
+              <a:rPr lang="en-CA" sz="1200" b="0" kern="1200" dirty="0">
+                <a:solidFill>
+                  <a:schemeClr val="tx1"/>
+                </a:solidFill>
+                <a:effectLst/>
+                <a:latin typeface="+mn-lt"/>
+                <a:ea typeface="+mn-ea"/>
+                <a:cs typeface="+mn-cs"/>
+              </a:rPr>
+              <a:t>using </a:t>
+            </a:r>
+            <a:r>
+              <a:rPr lang="en-CA" sz="1200" b="0" kern="1200" dirty="0" err="1">
+                <a:solidFill>
+                  <a:schemeClr val="tx1"/>
+                </a:solidFill>
+                <a:effectLst/>
+                <a:latin typeface="+mn-lt"/>
+                <a:ea typeface="+mn-ea"/>
+                <a:cs typeface="+mn-cs"/>
+              </a:rPr>
+              <a:t>Microsoft.Agents.AI.Workflows</a:t>
+            </a:r>
+            <a:r>
+              <a:rPr lang="en-CA" sz="1200" b="0" kern="1200" dirty="0">
+                <a:solidFill>
+                  <a:schemeClr val="tx1"/>
+                </a:solidFill>
+                <a:effectLst/>
+                <a:latin typeface="+mn-lt"/>
+                <a:ea typeface="+mn-ea"/>
+                <a:cs typeface="+mn-cs"/>
+              </a:rPr>
+              <a:t>;</a:t>
+            </a:r>
+          </a:p>
+          <a:p>
+            <a:br>
+              <a:rPr lang="en-CA" sz="1200" b="0" kern="1200" dirty="0">
+                <a:solidFill>
+                  <a:schemeClr val="tx1"/>
+                </a:solidFill>
+                <a:effectLst/>
+                <a:latin typeface="+mn-lt"/>
+                <a:ea typeface="+mn-ea"/>
+                <a:cs typeface="+mn-cs"/>
+              </a:rPr>
+            </a:br>
+            <a:endParaRPr lang="en-CA" sz="1200" b="0" kern="1200" dirty="0">
+              <a:solidFill>
+                <a:schemeClr val="tx1"/>
+              </a:solidFill>
+              <a:effectLst/>
+              <a:latin typeface="+mn-lt"/>
+              <a:ea typeface="+mn-ea"/>
+              <a:cs typeface="+mn-cs"/>
+            </a:endParaRPr>
+          </a:p>
+          <a:p>
+            <a:r>
+              <a:rPr lang="en-CA" sz="1200" b="0" kern="1200" dirty="0">
+                <a:solidFill>
+                  <a:schemeClr val="tx1"/>
+                </a:solidFill>
+                <a:effectLst/>
+                <a:latin typeface="+mn-lt"/>
+                <a:ea typeface="+mn-ea"/>
+                <a:cs typeface="+mn-cs"/>
+              </a:rPr>
+              <a:t>namespace </a:t>
+            </a:r>
+            <a:r>
+              <a:rPr lang="en-CA" sz="1200" b="0" kern="1200" dirty="0" err="1">
+                <a:solidFill>
+                  <a:schemeClr val="tx1"/>
+                </a:solidFill>
+                <a:effectLst/>
+                <a:latin typeface="+mn-lt"/>
+                <a:ea typeface="+mn-ea"/>
+                <a:cs typeface="+mn-cs"/>
+              </a:rPr>
+              <a:t>WorkflowExecutorsAndEdgesSample</a:t>
+            </a:r>
+            <a:r>
+              <a:rPr lang="en-CA" sz="1200" b="0" kern="1200" dirty="0">
+                <a:solidFill>
+                  <a:schemeClr val="tx1"/>
+                </a:solidFill>
+                <a:effectLst/>
+                <a:latin typeface="+mn-lt"/>
+                <a:ea typeface="+mn-ea"/>
+                <a:cs typeface="+mn-cs"/>
+              </a:rPr>
+              <a:t>;</a:t>
+            </a:r>
+          </a:p>
+          <a:p>
+            <a:br>
+              <a:rPr lang="en-CA" sz="1200" b="0" kern="1200" dirty="0">
+                <a:solidFill>
+                  <a:schemeClr val="tx1"/>
+                </a:solidFill>
+                <a:effectLst/>
+                <a:latin typeface="+mn-lt"/>
+                <a:ea typeface="+mn-ea"/>
+                <a:cs typeface="+mn-cs"/>
+              </a:rPr>
+            </a:br>
+            <a:endParaRPr lang="en-CA" sz="1200" b="0" kern="1200" dirty="0">
+              <a:solidFill>
+                <a:schemeClr val="tx1"/>
+              </a:solidFill>
+              <a:effectLst/>
+              <a:latin typeface="+mn-lt"/>
+              <a:ea typeface="+mn-ea"/>
+              <a:cs typeface="+mn-cs"/>
+            </a:endParaRPr>
+          </a:p>
+          <a:p>
+            <a:r>
+              <a:rPr lang="en-CA" sz="1200" b="0" kern="1200" dirty="0">
+                <a:solidFill>
+                  <a:schemeClr val="tx1"/>
+                </a:solidFill>
+                <a:effectLst/>
+                <a:latin typeface="+mn-lt"/>
+                <a:ea typeface="+mn-ea"/>
+                <a:cs typeface="+mn-cs"/>
+              </a:rPr>
+              <a:t>/// &lt;summary&gt;</a:t>
+            </a:r>
+          </a:p>
+          <a:p>
+            <a:r>
+              <a:rPr lang="en-CA" sz="1200" b="0" kern="1200" dirty="0">
+                <a:solidFill>
+                  <a:schemeClr val="tx1"/>
+                </a:solidFill>
+                <a:effectLst/>
+                <a:latin typeface="+mn-lt"/>
+                <a:ea typeface="+mn-ea"/>
+                <a:cs typeface="+mn-cs"/>
+              </a:rPr>
+              <a:t>/// This sample introduces the concepts of executors and edges in a workflow.</a:t>
+            </a:r>
+          </a:p>
+          <a:p>
+            <a:r>
+              <a:rPr lang="en-CA" sz="1200" b="0" kern="1200" dirty="0">
+                <a:solidFill>
+                  <a:schemeClr val="tx1"/>
+                </a:solidFill>
+                <a:effectLst/>
+                <a:latin typeface="+mn-lt"/>
+                <a:ea typeface="+mn-ea"/>
+                <a:cs typeface="+mn-cs"/>
+              </a:rPr>
+              <a:t>///</a:t>
+            </a:r>
+          </a:p>
+          <a:p>
+            <a:r>
+              <a:rPr lang="en-CA" sz="1200" b="0" kern="1200" dirty="0">
+                <a:solidFill>
+                  <a:schemeClr val="tx1"/>
+                </a:solidFill>
+                <a:effectLst/>
+                <a:latin typeface="+mn-lt"/>
+                <a:ea typeface="+mn-ea"/>
+                <a:cs typeface="+mn-cs"/>
+              </a:rPr>
+              <a:t>/// Workflows are built from executors (processing units) connected by edges (data flow paths).</a:t>
+            </a:r>
+          </a:p>
+          <a:p>
+            <a:r>
+              <a:rPr lang="en-CA" sz="1200" b="0" kern="1200" dirty="0">
+                <a:solidFill>
+                  <a:schemeClr val="tx1"/>
+                </a:solidFill>
+                <a:effectLst/>
+                <a:latin typeface="+mn-lt"/>
+                <a:ea typeface="+mn-ea"/>
+                <a:cs typeface="+mn-cs"/>
+              </a:rPr>
+              <a:t>/// In this example, we create a simple text processing pipeline that:</a:t>
+            </a:r>
+          </a:p>
+          <a:p>
+            <a:r>
+              <a:rPr lang="en-CA" sz="1200" b="0" kern="1200" dirty="0">
+                <a:solidFill>
+                  <a:schemeClr val="tx1"/>
+                </a:solidFill>
+                <a:effectLst/>
+                <a:latin typeface="+mn-lt"/>
+                <a:ea typeface="+mn-ea"/>
+                <a:cs typeface="+mn-cs"/>
+              </a:rPr>
+              <a:t>/// 1. Takes input text and converts it to uppercase using an </a:t>
+            </a:r>
+            <a:r>
+              <a:rPr lang="en-CA" sz="1200" b="0" kern="1200" dirty="0" err="1">
+                <a:solidFill>
+                  <a:schemeClr val="tx1"/>
+                </a:solidFill>
+                <a:effectLst/>
+                <a:latin typeface="+mn-lt"/>
+                <a:ea typeface="+mn-ea"/>
+                <a:cs typeface="+mn-cs"/>
+              </a:rPr>
+              <a:t>UppercaseExecutor</a:t>
+            </a:r>
+            <a:endParaRPr lang="en-CA" sz="1200" b="0" kern="1200" dirty="0">
+              <a:solidFill>
+                <a:schemeClr val="tx1"/>
+              </a:solidFill>
+              <a:effectLst/>
+              <a:latin typeface="+mn-lt"/>
+              <a:ea typeface="+mn-ea"/>
+              <a:cs typeface="+mn-cs"/>
+            </a:endParaRPr>
+          </a:p>
+          <a:p>
+            <a:r>
+              <a:rPr lang="en-CA" sz="1200" b="0" kern="1200" dirty="0">
+                <a:solidFill>
+                  <a:schemeClr val="tx1"/>
+                </a:solidFill>
+                <a:effectLst/>
+                <a:latin typeface="+mn-lt"/>
+                <a:ea typeface="+mn-ea"/>
+                <a:cs typeface="+mn-cs"/>
+              </a:rPr>
+              <a:t>/// 2. Takes the uppercase text and reverses it using a </a:t>
+            </a:r>
+            <a:r>
+              <a:rPr lang="en-CA" sz="1200" b="0" kern="1200" dirty="0" err="1">
+                <a:solidFill>
+                  <a:schemeClr val="tx1"/>
+                </a:solidFill>
+                <a:effectLst/>
+                <a:latin typeface="+mn-lt"/>
+                <a:ea typeface="+mn-ea"/>
+                <a:cs typeface="+mn-cs"/>
+              </a:rPr>
+              <a:t>ReverseTextExecutor</a:t>
+            </a:r>
+            <a:endParaRPr lang="en-CA" sz="1200" b="0" kern="1200" dirty="0">
+              <a:solidFill>
+                <a:schemeClr val="tx1"/>
+              </a:solidFill>
+              <a:effectLst/>
+              <a:latin typeface="+mn-lt"/>
+              <a:ea typeface="+mn-ea"/>
+              <a:cs typeface="+mn-cs"/>
+            </a:endParaRPr>
+          </a:p>
+          <a:p>
+            <a:r>
+              <a:rPr lang="en-CA" sz="1200" b="0" kern="1200" dirty="0">
+                <a:solidFill>
+                  <a:schemeClr val="tx1"/>
+                </a:solidFill>
+                <a:effectLst/>
+                <a:latin typeface="+mn-lt"/>
+                <a:ea typeface="+mn-ea"/>
+                <a:cs typeface="+mn-cs"/>
+              </a:rPr>
+              <a:t>///</a:t>
+            </a:r>
+          </a:p>
+          <a:p>
+            <a:r>
+              <a:rPr lang="en-CA" sz="1200" b="0" kern="1200" dirty="0">
+                <a:solidFill>
+                  <a:schemeClr val="tx1"/>
+                </a:solidFill>
+                <a:effectLst/>
+                <a:latin typeface="+mn-lt"/>
+                <a:ea typeface="+mn-ea"/>
+                <a:cs typeface="+mn-cs"/>
+              </a:rPr>
+              <a:t>/// The executors are connected sequentially, so data flows from one to the next in order.</a:t>
+            </a:r>
+          </a:p>
+          <a:p>
+            <a:r>
+              <a:rPr lang="en-CA" sz="1200" b="0" kern="1200" dirty="0">
+                <a:solidFill>
+                  <a:schemeClr val="tx1"/>
+                </a:solidFill>
+                <a:effectLst/>
+                <a:latin typeface="+mn-lt"/>
+                <a:ea typeface="+mn-ea"/>
+                <a:cs typeface="+mn-cs"/>
+              </a:rPr>
+              <a:t>/// For input "Hello, World!", the workflow produces "!DLROW ,OLLEH".</a:t>
+            </a:r>
+          </a:p>
+          <a:p>
+            <a:r>
+              <a:rPr lang="en-CA" sz="1200" b="0" kern="1200" dirty="0">
+                <a:solidFill>
+                  <a:schemeClr val="tx1"/>
+                </a:solidFill>
+                <a:effectLst/>
+                <a:latin typeface="+mn-lt"/>
+                <a:ea typeface="+mn-ea"/>
+                <a:cs typeface="+mn-cs"/>
+              </a:rPr>
+              <a:t>/// &lt;/summary&gt;</a:t>
+            </a:r>
+          </a:p>
+          <a:p>
+            <a:r>
+              <a:rPr lang="en-CA" sz="1200" b="0" kern="1200" dirty="0">
+                <a:solidFill>
+                  <a:schemeClr val="tx1"/>
+                </a:solidFill>
+                <a:effectLst/>
+                <a:latin typeface="+mn-lt"/>
+                <a:ea typeface="+mn-ea"/>
+                <a:cs typeface="+mn-cs"/>
+              </a:rPr>
+              <a:t>public static class Program</a:t>
+            </a:r>
+          </a:p>
+          <a:p>
+            <a:r>
+              <a:rPr lang="en-CA" sz="1200" b="0" kern="1200" dirty="0">
+                <a:solidFill>
+                  <a:schemeClr val="tx1"/>
+                </a:solidFill>
+                <a:effectLst/>
+                <a:latin typeface="+mn-lt"/>
+                <a:ea typeface="+mn-ea"/>
+                <a:cs typeface="+mn-cs"/>
+              </a:rPr>
+              <a:t>{</a:t>
+            </a:r>
+          </a:p>
+          <a:p>
+            <a:r>
+              <a:rPr lang="en-CA" sz="1200" b="0" kern="1200" dirty="0">
+                <a:solidFill>
+                  <a:schemeClr val="tx1"/>
+                </a:solidFill>
+                <a:effectLst/>
+                <a:latin typeface="+mn-lt"/>
+                <a:ea typeface="+mn-ea"/>
+                <a:cs typeface="+mn-cs"/>
+              </a:rPr>
+              <a:t>private static async Task Main()</a:t>
+            </a:r>
+          </a:p>
+          <a:p>
+            <a:r>
+              <a:rPr lang="en-CA" sz="1200" b="0" kern="1200" dirty="0">
+                <a:solidFill>
+                  <a:schemeClr val="tx1"/>
+                </a:solidFill>
+                <a:effectLst/>
+                <a:latin typeface="+mn-lt"/>
+                <a:ea typeface="+mn-ea"/>
+                <a:cs typeface="+mn-cs"/>
+              </a:rPr>
+              <a:t>{</a:t>
+            </a:r>
+          </a:p>
+          <a:p>
+            <a:r>
+              <a:rPr lang="en-CA" sz="1200" b="0" kern="1200" dirty="0">
+                <a:solidFill>
+                  <a:schemeClr val="tx1"/>
+                </a:solidFill>
+                <a:effectLst/>
+                <a:latin typeface="+mn-lt"/>
+                <a:ea typeface="+mn-ea"/>
+                <a:cs typeface="+mn-cs"/>
+              </a:rPr>
+              <a:t>// Create the executors</a:t>
+            </a:r>
+          </a:p>
+          <a:p>
+            <a:r>
+              <a:rPr lang="en-CA" sz="1200" b="0" kern="1200" dirty="0">
+                <a:solidFill>
+                  <a:schemeClr val="tx1"/>
+                </a:solidFill>
+                <a:effectLst/>
+                <a:latin typeface="+mn-lt"/>
+                <a:ea typeface="+mn-ea"/>
+                <a:cs typeface="+mn-cs"/>
+              </a:rPr>
+              <a:t>Func&lt;string, string&gt; </a:t>
+            </a:r>
+            <a:r>
+              <a:rPr lang="en-CA" sz="1200" b="0" kern="1200" dirty="0" err="1">
+                <a:solidFill>
+                  <a:schemeClr val="tx1"/>
+                </a:solidFill>
+                <a:effectLst/>
+                <a:latin typeface="+mn-lt"/>
+                <a:ea typeface="+mn-ea"/>
+                <a:cs typeface="+mn-cs"/>
+              </a:rPr>
+              <a:t>uppercaseFunc</a:t>
+            </a:r>
+            <a:r>
+              <a:rPr lang="en-CA" sz="1200" b="0" kern="1200" dirty="0">
+                <a:solidFill>
+                  <a:schemeClr val="tx1"/>
+                </a:solidFill>
+                <a:effectLst/>
+                <a:latin typeface="+mn-lt"/>
+                <a:ea typeface="+mn-ea"/>
+                <a:cs typeface="+mn-cs"/>
+              </a:rPr>
+              <a:t> = s =&gt; </a:t>
+            </a:r>
+            <a:r>
+              <a:rPr lang="en-CA" sz="1200" b="0" kern="1200" dirty="0" err="1">
+                <a:solidFill>
+                  <a:schemeClr val="tx1"/>
+                </a:solidFill>
+                <a:effectLst/>
+                <a:latin typeface="+mn-lt"/>
+                <a:ea typeface="+mn-ea"/>
+                <a:cs typeface="+mn-cs"/>
+              </a:rPr>
+              <a:t>s.ToUpperInvariant</a:t>
+            </a:r>
+            <a:r>
+              <a:rPr lang="en-CA" sz="1200" b="0" kern="1200" dirty="0">
+                <a:solidFill>
+                  <a:schemeClr val="tx1"/>
+                </a:solidFill>
+                <a:effectLst/>
+                <a:latin typeface="+mn-lt"/>
+                <a:ea typeface="+mn-ea"/>
+                <a:cs typeface="+mn-cs"/>
+              </a:rPr>
+              <a:t>();</a:t>
+            </a:r>
+          </a:p>
+          <a:p>
+            <a:r>
+              <a:rPr lang="en-CA" sz="1200" b="0" kern="1200" dirty="0">
+                <a:solidFill>
+                  <a:schemeClr val="tx1"/>
+                </a:solidFill>
+                <a:effectLst/>
+                <a:latin typeface="+mn-lt"/>
+                <a:ea typeface="+mn-ea"/>
+                <a:cs typeface="+mn-cs"/>
+              </a:rPr>
+              <a:t>var uppercase = </a:t>
+            </a:r>
+            <a:r>
+              <a:rPr lang="en-CA" sz="1200" b="0" kern="1200" dirty="0" err="1">
+                <a:solidFill>
+                  <a:schemeClr val="tx1"/>
+                </a:solidFill>
+                <a:effectLst/>
+                <a:latin typeface="+mn-lt"/>
+                <a:ea typeface="+mn-ea"/>
+                <a:cs typeface="+mn-cs"/>
+              </a:rPr>
+              <a:t>uppercaseFunc.BindAsExecutor</a:t>
+            </a:r>
+            <a:r>
+              <a:rPr lang="en-CA" sz="1200" b="0" kern="1200" dirty="0">
+                <a:solidFill>
+                  <a:schemeClr val="tx1"/>
+                </a:solidFill>
+                <a:effectLst/>
+                <a:latin typeface="+mn-lt"/>
+                <a:ea typeface="+mn-ea"/>
+                <a:cs typeface="+mn-cs"/>
+              </a:rPr>
+              <a:t>("</a:t>
+            </a:r>
+            <a:r>
+              <a:rPr lang="en-CA" sz="1200" b="0" kern="1200" dirty="0" err="1">
+                <a:solidFill>
+                  <a:schemeClr val="tx1"/>
+                </a:solidFill>
+                <a:effectLst/>
+                <a:latin typeface="+mn-lt"/>
+                <a:ea typeface="+mn-ea"/>
+                <a:cs typeface="+mn-cs"/>
+              </a:rPr>
+              <a:t>UppercaseExecutor</a:t>
+            </a:r>
+            <a:r>
+              <a:rPr lang="en-CA" sz="1200" b="0" kern="1200" dirty="0">
+                <a:solidFill>
+                  <a:schemeClr val="tx1"/>
+                </a:solidFill>
+                <a:effectLst/>
+                <a:latin typeface="+mn-lt"/>
+                <a:ea typeface="+mn-ea"/>
+                <a:cs typeface="+mn-cs"/>
+              </a:rPr>
+              <a:t>");</a:t>
+            </a:r>
+          </a:p>
+          <a:p>
+            <a:br>
+              <a:rPr lang="en-CA" sz="1200" b="0" kern="1200" dirty="0">
+                <a:solidFill>
+                  <a:schemeClr val="tx1"/>
+                </a:solidFill>
+                <a:effectLst/>
+                <a:latin typeface="+mn-lt"/>
+                <a:ea typeface="+mn-ea"/>
+                <a:cs typeface="+mn-cs"/>
+              </a:rPr>
+            </a:br>
+            <a:endParaRPr lang="en-CA" sz="1200" b="0" kern="1200" dirty="0">
+              <a:solidFill>
+                <a:schemeClr val="tx1"/>
+              </a:solidFill>
+              <a:effectLst/>
+              <a:latin typeface="+mn-lt"/>
+              <a:ea typeface="+mn-ea"/>
+              <a:cs typeface="+mn-cs"/>
+            </a:endParaRPr>
+          </a:p>
+          <a:p>
+            <a:r>
+              <a:rPr lang="en-CA" sz="1200" b="0" kern="1200" dirty="0" err="1">
+                <a:solidFill>
+                  <a:schemeClr val="tx1"/>
+                </a:solidFill>
+                <a:effectLst/>
+                <a:latin typeface="+mn-lt"/>
+                <a:ea typeface="+mn-ea"/>
+                <a:cs typeface="+mn-cs"/>
+              </a:rPr>
+              <a:t>ReverseTextExecutor</a:t>
+            </a:r>
+            <a:r>
+              <a:rPr lang="en-CA" sz="1200" b="0" kern="1200" dirty="0">
+                <a:solidFill>
+                  <a:schemeClr val="tx1"/>
+                </a:solidFill>
+                <a:effectLst/>
+                <a:latin typeface="+mn-lt"/>
+                <a:ea typeface="+mn-ea"/>
+                <a:cs typeface="+mn-cs"/>
+              </a:rPr>
+              <a:t> reverse = new();</a:t>
+            </a:r>
+          </a:p>
+          <a:p>
+            <a:br>
+              <a:rPr lang="en-CA" sz="1200" b="0" kern="1200" dirty="0">
+                <a:solidFill>
+                  <a:schemeClr val="tx1"/>
+                </a:solidFill>
+                <a:effectLst/>
+                <a:latin typeface="+mn-lt"/>
+                <a:ea typeface="+mn-ea"/>
+                <a:cs typeface="+mn-cs"/>
+              </a:rPr>
+            </a:br>
+            <a:endParaRPr lang="en-CA" sz="1200" b="0" kern="1200" dirty="0">
+              <a:solidFill>
+                <a:schemeClr val="tx1"/>
+              </a:solidFill>
+              <a:effectLst/>
+              <a:latin typeface="+mn-lt"/>
+              <a:ea typeface="+mn-ea"/>
+              <a:cs typeface="+mn-cs"/>
+            </a:endParaRPr>
+          </a:p>
+          <a:p>
+            <a:r>
+              <a:rPr lang="en-CA" sz="1200" b="0" kern="1200" dirty="0">
+                <a:solidFill>
+                  <a:schemeClr val="tx1"/>
+                </a:solidFill>
+                <a:effectLst/>
+                <a:latin typeface="+mn-lt"/>
+                <a:ea typeface="+mn-ea"/>
+                <a:cs typeface="+mn-cs"/>
+              </a:rPr>
+              <a:t>// Build the workflow by connecting executors sequentially</a:t>
+            </a:r>
+          </a:p>
+          <a:p>
+            <a:r>
+              <a:rPr lang="en-CA" sz="1200" b="0" kern="1200" dirty="0" err="1">
+                <a:solidFill>
+                  <a:schemeClr val="tx1"/>
+                </a:solidFill>
+                <a:effectLst/>
+                <a:latin typeface="+mn-lt"/>
+                <a:ea typeface="+mn-ea"/>
+                <a:cs typeface="+mn-cs"/>
+              </a:rPr>
+              <a:t>WorkflowBuilder</a:t>
+            </a:r>
+            <a:r>
+              <a:rPr lang="en-CA" sz="1200" b="0" kern="1200" dirty="0">
+                <a:solidFill>
+                  <a:schemeClr val="tx1"/>
+                </a:solidFill>
+                <a:effectLst/>
+                <a:latin typeface="+mn-lt"/>
+                <a:ea typeface="+mn-ea"/>
+                <a:cs typeface="+mn-cs"/>
+              </a:rPr>
+              <a:t> builder = new(uppercase);</a:t>
+            </a:r>
+          </a:p>
+          <a:p>
+            <a:r>
+              <a:rPr lang="en-CA" sz="1200" b="0" kern="1200" dirty="0" err="1">
+                <a:solidFill>
+                  <a:schemeClr val="tx1"/>
+                </a:solidFill>
+                <a:effectLst/>
+                <a:latin typeface="+mn-lt"/>
+                <a:ea typeface="+mn-ea"/>
+                <a:cs typeface="+mn-cs"/>
+              </a:rPr>
+              <a:t>builder.AddEdge</a:t>
+            </a:r>
+            <a:r>
+              <a:rPr lang="en-CA" sz="1200" b="0" kern="1200" dirty="0">
+                <a:solidFill>
+                  <a:schemeClr val="tx1"/>
+                </a:solidFill>
+                <a:effectLst/>
+                <a:latin typeface="+mn-lt"/>
+                <a:ea typeface="+mn-ea"/>
+                <a:cs typeface="+mn-cs"/>
+              </a:rPr>
+              <a:t>(uppercase, reverse).</a:t>
+            </a:r>
+            <a:r>
+              <a:rPr lang="en-CA" sz="1200" b="0" kern="1200" dirty="0" err="1">
+                <a:solidFill>
+                  <a:schemeClr val="tx1"/>
+                </a:solidFill>
+                <a:effectLst/>
+                <a:latin typeface="+mn-lt"/>
+                <a:ea typeface="+mn-ea"/>
+                <a:cs typeface="+mn-cs"/>
+              </a:rPr>
+              <a:t>WithOutputFrom</a:t>
+            </a:r>
+            <a:r>
+              <a:rPr lang="en-CA" sz="1200" b="0" kern="1200" dirty="0">
+                <a:solidFill>
+                  <a:schemeClr val="tx1"/>
+                </a:solidFill>
+                <a:effectLst/>
+                <a:latin typeface="+mn-lt"/>
+                <a:ea typeface="+mn-ea"/>
+                <a:cs typeface="+mn-cs"/>
+              </a:rPr>
+              <a:t>(reverse);</a:t>
+            </a:r>
+          </a:p>
+          <a:p>
+            <a:r>
+              <a:rPr lang="en-CA" sz="1200" b="0" kern="1200" dirty="0">
+                <a:solidFill>
+                  <a:schemeClr val="tx1"/>
+                </a:solidFill>
+                <a:effectLst/>
+                <a:latin typeface="+mn-lt"/>
+                <a:ea typeface="+mn-ea"/>
+                <a:cs typeface="+mn-cs"/>
+              </a:rPr>
+              <a:t>var workflow = </a:t>
+            </a:r>
+            <a:r>
+              <a:rPr lang="en-CA" sz="1200" b="0" kern="1200" dirty="0" err="1">
+                <a:solidFill>
+                  <a:schemeClr val="tx1"/>
+                </a:solidFill>
+                <a:effectLst/>
+                <a:latin typeface="+mn-lt"/>
+                <a:ea typeface="+mn-ea"/>
+                <a:cs typeface="+mn-cs"/>
+              </a:rPr>
+              <a:t>builder.Build</a:t>
+            </a:r>
+            <a:r>
+              <a:rPr lang="en-CA" sz="1200" b="0" kern="1200" dirty="0">
+                <a:solidFill>
+                  <a:schemeClr val="tx1"/>
+                </a:solidFill>
+                <a:effectLst/>
+                <a:latin typeface="+mn-lt"/>
+                <a:ea typeface="+mn-ea"/>
+                <a:cs typeface="+mn-cs"/>
+              </a:rPr>
+              <a:t>();</a:t>
+            </a:r>
+          </a:p>
+          <a:p>
+            <a:br>
+              <a:rPr lang="en-CA" sz="1200" b="0" kern="1200" dirty="0">
+                <a:solidFill>
+                  <a:schemeClr val="tx1"/>
+                </a:solidFill>
+                <a:effectLst/>
+                <a:latin typeface="+mn-lt"/>
+                <a:ea typeface="+mn-ea"/>
+                <a:cs typeface="+mn-cs"/>
+              </a:rPr>
+            </a:br>
+            <a:endParaRPr lang="en-CA" sz="1200" b="0" kern="1200" dirty="0">
+              <a:solidFill>
+                <a:schemeClr val="tx1"/>
+              </a:solidFill>
+              <a:effectLst/>
+              <a:latin typeface="+mn-lt"/>
+              <a:ea typeface="+mn-ea"/>
+              <a:cs typeface="+mn-cs"/>
+            </a:endParaRPr>
+          </a:p>
+          <a:p>
+            <a:r>
+              <a:rPr lang="en-CA" sz="1200" b="0" kern="1200" dirty="0">
+                <a:solidFill>
+                  <a:schemeClr val="tx1"/>
+                </a:solidFill>
+                <a:effectLst/>
+                <a:latin typeface="+mn-lt"/>
+                <a:ea typeface="+mn-ea"/>
+                <a:cs typeface="+mn-cs"/>
+              </a:rPr>
+              <a:t>// Execute the workflow with input data</a:t>
+            </a:r>
+          </a:p>
+          <a:p>
+            <a:r>
+              <a:rPr lang="en-CA" sz="1200" b="0" kern="1200" dirty="0">
+                <a:solidFill>
+                  <a:schemeClr val="tx1"/>
+                </a:solidFill>
+                <a:effectLst/>
+                <a:latin typeface="+mn-lt"/>
+                <a:ea typeface="+mn-ea"/>
+                <a:cs typeface="+mn-cs"/>
+              </a:rPr>
+              <a:t>await using Run run = await </a:t>
+            </a:r>
+            <a:r>
+              <a:rPr lang="en-CA" sz="1200" b="0" kern="1200" dirty="0" err="1">
+                <a:solidFill>
+                  <a:schemeClr val="tx1"/>
+                </a:solidFill>
+                <a:effectLst/>
+                <a:latin typeface="+mn-lt"/>
+                <a:ea typeface="+mn-ea"/>
+                <a:cs typeface="+mn-cs"/>
+              </a:rPr>
+              <a:t>InProcessExecution.RunAsync</a:t>
+            </a:r>
+            <a:r>
+              <a:rPr lang="en-CA" sz="1200" b="0" kern="1200" dirty="0">
+                <a:solidFill>
+                  <a:schemeClr val="tx1"/>
+                </a:solidFill>
+                <a:effectLst/>
+                <a:latin typeface="+mn-lt"/>
+                <a:ea typeface="+mn-ea"/>
+                <a:cs typeface="+mn-cs"/>
+              </a:rPr>
+              <a:t>(workflow, "Hello, World!");</a:t>
+            </a:r>
+          </a:p>
+          <a:p>
+            <a:r>
+              <a:rPr lang="en-CA" sz="1200" b="0" kern="1200" dirty="0">
+                <a:solidFill>
+                  <a:schemeClr val="tx1"/>
+                </a:solidFill>
+                <a:effectLst/>
+                <a:latin typeface="+mn-lt"/>
+                <a:ea typeface="+mn-ea"/>
+                <a:cs typeface="+mn-cs"/>
+              </a:rPr>
+              <a:t>foreach (</a:t>
+            </a:r>
+            <a:r>
+              <a:rPr lang="en-CA" sz="1200" b="0" kern="1200" dirty="0" err="1">
+                <a:solidFill>
+                  <a:schemeClr val="tx1"/>
+                </a:solidFill>
+                <a:effectLst/>
+                <a:latin typeface="+mn-lt"/>
+                <a:ea typeface="+mn-ea"/>
+                <a:cs typeface="+mn-cs"/>
+              </a:rPr>
+              <a:t>WorkflowEvent</a:t>
+            </a:r>
+            <a:r>
+              <a:rPr lang="en-CA" sz="1200" b="0" kern="1200" dirty="0">
+                <a:solidFill>
+                  <a:schemeClr val="tx1"/>
+                </a:solidFill>
+                <a:effectLst/>
+                <a:latin typeface="+mn-lt"/>
+                <a:ea typeface="+mn-ea"/>
+                <a:cs typeface="+mn-cs"/>
+              </a:rPr>
+              <a:t> </a:t>
+            </a:r>
+            <a:r>
+              <a:rPr lang="en-CA" sz="1200" b="0" kern="1200" dirty="0" err="1">
+                <a:solidFill>
+                  <a:schemeClr val="tx1"/>
+                </a:solidFill>
+                <a:effectLst/>
+                <a:latin typeface="+mn-lt"/>
+                <a:ea typeface="+mn-ea"/>
+                <a:cs typeface="+mn-cs"/>
+              </a:rPr>
+              <a:t>evt</a:t>
+            </a:r>
+            <a:r>
+              <a:rPr lang="en-CA" sz="1200" b="0" kern="1200" dirty="0">
+                <a:solidFill>
+                  <a:schemeClr val="tx1"/>
+                </a:solidFill>
+                <a:effectLst/>
+                <a:latin typeface="+mn-lt"/>
+                <a:ea typeface="+mn-ea"/>
+                <a:cs typeface="+mn-cs"/>
+              </a:rPr>
+              <a:t> in </a:t>
+            </a:r>
+            <a:r>
+              <a:rPr lang="en-CA" sz="1200" b="0" kern="1200" dirty="0" err="1">
+                <a:solidFill>
+                  <a:schemeClr val="tx1"/>
+                </a:solidFill>
+                <a:effectLst/>
+                <a:latin typeface="+mn-lt"/>
+                <a:ea typeface="+mn-ea"/>
+                <a:cs typeface="+mn-cs"/>
+              </a:rPr>
+              <a:t>run.NewEvents</a:t>
+            </a:r>
+            <a:r>
+              <a:rPr lang="en-CA" sz="1200" b="0" kern="1200" dirty="0">
+                <a:solidFill>
+                  <a:schemeClr val="tx1"/>
+                </a:solidFill>
+                <a:effectLst/>
+                <a:latin typeface="+mn-lt"/>
+                <a:ea typeface="+mn-ea"/>
+                <a:cs typeface="+mn-cs"/>
+              </a:rPr>
+              <a:t>)</a:t>
+            </a:r>
+          </a:p>
+          <a:p>
+            <a:r>
+              <a:rPr lang="en-CA" sz="1200" b="0" kern="1200" dirty="0">
+                <a:solidFill>
+                  <a:schemeClr val="tx1"/>
+                </a:solidFill>
+                <a:effectLst/>
+                <a:latin typeface="+mn-lt"/>
+                <a:ea typeface="+mn-ea"/>
+                <a:cs typeface="+mn-cs"/>
+              </a:rPr>
+              <a:t>{</a:t>
+            </a:r>
+          </a:p>
+          <a:p>
+            <a:r>
+              <a:rPr lang="en-CA" sz="1200" b="0" kern="1200" dirty="0">
+                <a:solidFill>
+                  <a:schemeClr val="tx1"/>
+                </a:solidFill>
+                <a:effectLst/>
+                <a:latin typeface="+mn-lt"/>
+                <a:ea typeface="+mn-ea"/>
+                <a:cs typeface="+mn-cs"/>
+              </a:rPr>
+              <a:t>if (</a:t>
+            </a:r>
+            <a:r>
+              <a:rPr lang="en-CA" sz="1200" b="0" kern="1200" dirty="0" err="1">
+                <a:solidFill>
+                  <a:schemeClr val="tx1"/>
+                </a:solidFill>
+                <a:effectLst/>
+                <a:latin typeface="+mn-lt"/>
+                <a:ea typeface="+mn-ea"/>
+                <a:cs typeface="+mn-cs"/>
+              </a:rPr>
+              <a:t>evt</a:t>
+            </a:r>
+            <a:r>
+              <a:rPr lang="en-CA" sz="1200" b="0" kern="1200" dirty="0">
+                <a:solidFill>
+                  <a:schemeClr val="tx1"/>
+                </a:solidFill>
+                <a:effectLst/>
+                <a:latin typeface="+mn-lt"/>
+                <a:ea typeface="+mn-ea"/>
+                <a:cs typeface="+mn-cs"/>
+              </a:rPr>
+              <a:t> is </a:t>
+            </a:r>
+            <a:r>
+              <a:rPr lang="en-CA" sz="1200" b="0" kern="1200" dirty="0" err="1">
+                <a:solidFill>
+                  <a:schemeClr val="tx1"/>
+                </a:solidFill>
+                <a:effectLst/>
+                <a:latin typeface="+mn-lt"/>
+                <a:ea typeface="+mn-ea"/>
+                <a:cs typeface="+mn-cs"/>
+              </a:rPr>
+              <a:t>ExecutorCompletedEvent</a:t>
+            </a:r>
+            <a:r>
+              <a:rPr lang="en-CA" sz="1200" b="0" kern="1200" dirty="0">
+                <a:solidFill>
+                  <a:schemeClr val="tx1"/>
+                </a:solidFill>
+                <a:effectLst/>
+                <a:latin typeface="+mn-lt"/>
+                <a:ea typeface="+mn-ea"/>
+                <a:cs typeface="+mn-cs"/>
+              </a:rPr>
+              <a:t> </a:t>
+            </a:r>
+            <a:r>
+              <a:rPr lang="en-CA" sz="1200" b="0" kern="1200" dirty="0" err="1">
+                <a:solidFill>
+                  <a:schemeClr val="tx1"/>
+                </a:solidFill>
+                <a:effectLst/>
+                <a:latin typeface="+mn-lt"/>
+                <a:ea typeface="+mn-ea"/>
+                <a:cs typeface="+mn-cs"/>
+              </a:rPr>
+              <a:t>executorComplete</a:t>
+            </a:r>
+            <a:r>
+              <a:rPr lang="en-CA" sz="1200" b="0" kern="1200" dirty="0">
+                <a:solidFill>
+                  <a:schemeClr val="tx1"/>
+                </a:solidFill>
+                <a:effectLst/>
+                <a:latin typeface="+mn-lt"/>
+                <a:ea typeface="+mn-ea"/>
+                <a:cs typeface="+mn-cs"/>
+              </a:rPr>
+              <a:t>)</a:t>
+            </a:r>
+          </a:p>
+          <a:p>
+            <a:r>
+              <a:rPr lang="en-CA" sz="1200" b="0" kern="1200" dirty="0">
+                <a:solidFill>
+                  <a:schemeClr val="tx1"/>
+                </a:solidFill>
+                <a:effectLst/>
+                <a:latin typeface="+mn-lt"/>
+                <a:ea typeface="+mn-ea"/>
+                <a:cs typeface="+mn-cs"/>
+              </a:rPr>
+              <a:t>{</a:t>
+            </a:r>
+          </a:p>
+          <a:p>
+            <a:r>
+              <a:rPr lang="en-CA" sz="1200" b="0" kern="1200" dirty="0" err="1">
+                <a:solidFill>
+                  <a:schemeClr val="tx1"/>
+                </a:solidFill>
+                <a:effectLst/>
+                <a:latin typeface="+mn-lt"/>
+                <a:ea typeface="+mn-ea"/>
+                <a:cs typeface="+mn-cs"/>
+              </a:rPr>
+              <a:t>Console.WriteLine</a:t>
+            </a:r>
+            <a:r>
+              <a:rPr lang="en-CA" sz="1200" b="0" kern="1200" dirty="0">
+                <a:solidFill>
+                  <a:schemeClr val="tx1"/>
+                </a:solidFill>
+                <a:effectLst/>
+                <a:latin typeface="+mn-lt"/>
+                <a:ea typeface="+mn-ea"/>
+                <a:cs typeface="+mn-cs"/>
+              </a:rPr>
+              <a:t>($"{</a:t>
+            </a:r>
+            <a:r>
+              <a:rPr lang="en-CA" sz="1200" b="0" kern="1200" dirty="0" err="1">
+                <a:solidFill>
+                  <a:schemeClr val="tx1"/>
+                </a:solidFill>
+                <a:effectLst/>
+                <a:latin typeface="+mn-lt"/>
+                <a:ea typeface="+mn-ea"/>
+                <a:cs typeface="+mn-cs"/>
+              </a:rPr>
+              <a:t>executorComplete.ExecutorId</a:t>
+            </a:r>
+            <a:r>
+              <a:rPr lang="en-CA" sz="1200" b="0" kern="1200" dirty="0">
+                <a:solidFill>
+                  <a:schemeClr val="tx1"/>
+                </a:solidFill>
+                <a:effectLst/>
+                <a:latin typeface="+mn-lt"/>
+                <a:ea typeface="+mn-ea"/>
+                <a:cs typeface="+mn-cs"/>
+              </a:rPr>
+              <a:t>}: {</a:t>
+            </a:r>
+            <a:r>
+              <a:rPr lang="en-CA" sz="1200" b="0" kern="1200" dirty="0" err="1">
+                <a:solidFill>
+                  <a:schemeClr val="tx1"/>
+                </a:solidFill>
+                <a:effectLst/>
+                <a:latin typeface="+mn-lt"/>
+                <a:ea typeface="+mn-ea"/>
+                <a:cs typeface="+mn-cs"/>
+              </a:rPr>
+              <a:t>executorComplete.Data</a:t>
+            </a:r>
+            <a:r>
+              <a:rPr lang="en-CA" sz="1200" b="0" kern="1200" dirty="0">
+                <a:solidFill>
+                  <a:schemeClr val="tx1"/>
+                </a:solidFill>
+                <a:effectLst/>
+                <a:latin typeface="+mn-lt"/>
+                <a:ea typeface="+mn-ea"/>
+                <a:cs typeface="+mn-cs"/>
+              </a:rPr>
+              <a:t>}");</a:t>
+            </a:r>
+          </a:p>
+          <a:p>
+            <a:r>
+              <a:rPr lang="en-CA" sz="1200" b="0" kern="1200" dirty="0">
+                <a:solidFill>
+                  <a:schemeClr val="tx1"/>
+                </a:solidFill>
+                <a:effectLst/>
+                <a:latin typeface="+mn-lt"/>
+                <a:ea typeface="+mn-ea"/>
+                <a:cs typeface="+mn-cs"/>
+              </a:rPr>
+              <a:t>}</a:t>
+            </a:r>
+          </a:p>
+          <a:p>
+            <a:r>
+              <a:rPr lang="en-CA" sz="1200" b="0" kern="1200" dirty="0">
+                <a:solidFill>
+                  <a:schemeClr val="tx1"/>
+                </a:solidFill>
+                <a:effectLst/>
+                <a:latin typeface="+mn-lt"/>
+                <a:ea typeface="+mn-ea"/>
+                <a:cs typeface="+mn-cs"/>
+              </a:rPr>
+              <a:t>}</a:t>
+            </a:r>
+          </a:p>
+          <a:p>
+            <a:r>
+              <a:rPr lang="en-CA" sz="1200" b="0" kern="1200" dirty="0">
+                <a:solidFill>
+                  <a:schemeClr val="tx1"/>
+                </a:solidFill>
+                <a:effectLst/>
+                <a:latin typeface="+mn-lt"/>
+                <a:ea typeface="+mn-ea"/>
+                <a:cs typeface="+mn-cs"/>
+              </a:rPr>
+              <a:t>}</a:t>
+            </a:r>
+          </a:p>
+          <a:p>
+            <a:r>
+              <a:rPr lang="en-CA" sz="1200" b="0" kern="1200" dirty="0">
+                <a:solidFill>
+                  <a:schemeClr val="tx1"/>
+                </a:solidFill>
+                <a:effectLst/>
+                <a:latin typeface="+mn-lt"/>
+                <a:ea typeface="+mn-ea"/>
+                <a:cs typeface="+mn-cs"/>
+              </a:rPr>
+              <a:t>}</a:t>
+            </a:r>
+          </a:p>
+          <a:p>
+            <a:br>
+              <a:rPr lang="en-CA" sz="1200" b="0" kern="1200" dirty="0">
+                <a:solidFill>
+                  <a:schemeClr val="tx1"/>
+                </a:solidFill>
+                <a:effectLst/>
+                <a:latin typeface="+mn-lt"/>
+                <a:ea typeface="+mn-ea"/>
+                <a:cs typeface="+mn-cs"/>
+              </a:rPr>
+            </a:br>
+            <a:endParaRPr lang="en-CA" sz="1200" b="0" kern="1200" dirty="0">
+              <a:solidFill>
+                <a:schemeClr val="tx1"/>
+              </a:solidFill>
+              <a:effectLst/>
+              <a:latin typeface="+mn-lt"/>
+              <a:ea typeface="+mn-ea"/>
+              <a:cs typeface="+mn-cs"/>
+            </a:endParaRPr>
+          </a:p>
+          <a:p>
+            <a:r>
+              <a:rPr lang="en-CA" sz="1200" b="0" kern="1200" dirty="0">
+                <a:solidFill>
+                  <a:schemeClr val="tx1"/>
+                </a:solidFill>
+                <a:effectLst/>
+                <a:latin typeface="+mn-lt"/>
+                <a:ea typeface="+mn-ea"/>
+                <a:cs typeface="+mn-cs"/>
+              </a:rPr>
+              <a:t>/// &lt;summary&gt;</a:t>
+            </a:r>
+          </a:p>
+          <a:p>
+            <a:r>
+              <a:rPr lang="en-CA" sz="1200" b="0" kern="1200" dirty="0">
+                <a:solidFill>
+                  <a:schemeClr val="tx1"/>
+                </a:solidFill>
+                <a:effectLst/>
+                <a:latin typeface="+mn-lt"/>
+                <a:ea typeface="+mn-ea"/>
+                <a:cs typeface="+mn-cs"/>
+              </a:rPr>
+              <a:t>/// Second executor: reverses the input text and completes the workflow.</a:t>
+            </a:r>
+          </a:p>
+          <a:p>
+            <a:r>
+              <a:rPr lang="en-CA" sz="1200" b="0" kern="1200" dirty="0">
+                <a:solidFill>
+                  <a:schemeClr val="tx1"/>
+                </a:solidFill>
+                <a:effectLst/>
+                <a:latin typeface="+mn-lt"/>
+                <a:ea typeface="+mn-ea"/>
+                <a:cs typeface="+mn-cs"/>
+              </a:rPr>
+              <a:t>/// &lt;/summary&gt;</a:t>
+            </a:r>
+          </a:p>
+          <a:p>
+            <a:r>
+              <a:rPr lang="en-CA" sz="1200" b="0" kern="1200" dirty="0">
+                <a:solidFill>
+                  <a:schemeClr val="tx1"/>
+                </a:solidFill>
+                <a:effectLst/>
+                <a:latin typeface="+mn-lt"/>
+                <a:ea typeface="+mn-ea"/>
+                <a:cs typeface="+mn-cs"/>
+              </a:rPr>
+              <a:t>internal sealed class </a:t>
+            </a:r>
+            <a:r>
+              <a:rPr lang="en-CA" sz="1200" b="0" kern="1200" dirty="0" err="1">
+                <a:solidFill>
+                  <a:schemeClr val="tx1"/>
+                </a:solidFill>
+                <a:effectLst/>
+                <a:latin typeface="+mn-lt"/>
+                <a:ea typeface="+mn-ea"/>
+                <a:cs typeface="+mn-cs"/>
+              </a:rPr>
+              <a:t>ReverseTextExecutor</a:t>
+            </a:r>
+            <a:r>
+              <a:rPr lang="en-CA" sz="1200" b="0" kern="1200" dirty="0">
+                <a:solidFill>
+                  <a:schemeClr val="tx1"/>
+                </a:solidFill>
+                <a:effectLst/>
+                <a:latin typeface="+mn-lt"/>
+                <a:ea typeface="+mn-ea"/>
+                <a:cs typeface="+mn-cs"/>
+              </a:rPr>
+              <a:t>() : Executor&lt;string, string&gt;("</a:t>
+            </a:r>
+            <a:r>
+              <a:rPr lang="en-CA" sz="1200" b="0" kern="1200" dirty="0" err="1">
+                <a:solidFill>
+                  <a:schemeClr val="tx1"/>
+                </a:solidFill>
+                <a:effectLst/>
+                <a:latin typeface="+mn-lt"/>
+                <a:ea typeface="+mn-ea"/>
+                <a:cs typeface="+mn-cs"/>
+              </a:rPr>
+              <a:t>ReverseTextExecutor</a:t>
+            </a:r>
+            <a:r>
+              <a:rPr lang="en-CA" sz="1200" b="0" kern="1200" dirty="0">
+                <a:solidFill>
+                  <a:schemeClr val="tx1"/>
+                </a:solidFill>
+                <a:effectLst/>
+                <a:latin typeface="+mn-lt"/>
+                <a:ea typeface="+mn-ea"/>
+                <a:cs typeface="+mn-cs"/>
+              </a:rPr>
+              <a:t>")</a:t>
+            </a:r>
+          </a:p>
+          <a:p>
+            <a:r>
+              <a:rPr lang="en-CA" sz="1200" b="0" kern="1200" dirty="0">
+                <a:solidFill>
+                  <a:schemeClr val="tx1"/>
+                </a:solidFill>
+                <a:effectLst/>
+                <a:latin typeface="+mn-lt"/>
+                <a:ea typeface="+mn-ea"/>
+                <a:cs typeface="+mn-cs"/>
+              </a:rPr>
+              <a:t>{</a:t>
+            </a:r>
+          </a:p>
+          <a:p>
+            <a:r>
+              <a:rPr lang="en-CA" sz="1200" b="0" kern="1200" dirty="0">
+                <a:solidFill>
+                  <a:schemeClr val="tx1"/>
+                </a:solidFill>
+                <a:effectLst/>
+                <a:latin typeface="+mn-lt"/>
+                <a:ea typeface="+mn-ea"/>
+                <a:cs typeface="+mn-cs"/>
+              </a:rPr>
+              <a:t>/// &lt;summary&gt;</a:t>
+            </a:r>
+          </a:p>
+          <a:p>
+            <a:r>
+              <a:rPr lang="en-CA" sz="1200" b="0" kern="1200" dirty="0">
+                <a:solidFill>
+                  <a:schemeClr val="tx1"/>
+                </a:solidFill>
+                <a:effectLst/>
+                <a:latin typeface="+mn-lt"/>
+                <a:ea typeface="+mn-ea"/>
+                <a:cs typeface="+mn-cs"/>
+              </a:rPr>
+              <a:t>/// Processes the input message by reversing the text.</a:t>
+            </a:r>
+          </a:p>
+          <a:p>
+            <a:r>
+              <a:rPr lang="en-CA" sz="1200" b="0" kern="1200" dirty="0">
+                <a:solidFill>
+                  <a:schemeClr val="tx1"/>
+                </a:solidFill>
+                <a:effectLst/>
+                <a:latin typeface="+mn-lt"/>
+                <a:ea typeface="+mn-ea"/>
+                <a:cs typeface="+mn-cs"/>
+              </a:rPr>
+              <a:t>/// &lt;/summary&gt;</a:t>
+            </a:r>
+          </a:p>
+          <a:p>
+            <a:r>
+              <a:rPr lang="en-CA" sz="1200" b="0" kern="1200" dirty="0">
+                <a:solidFill>
+                  <a:schemeClr val="tx1"/>
+                </a:solidFill>
+                <a:effectLst/>
+                <a:latin typeface="+mn-lt"/>
+                <a:ea typeface="+mn-ea"/>
+                <a:cs typeface="+mn-cs"/>
+              </a:rPr>
+              <a:t>/// &lt;param name="message"&gt;The input text to reverse&lt;/param&gt;</a:t>
+            </a:r>
+          </a:p>
+          <a:p>
+            <a:r>
+              <a:rPr lang="en-CA" sz="1200" b="0" kern="1200" dirty="0">
+                <a:solidFill>
+                  <a:schemeClr val="tx1"/>
+                </a:solidFill>
+                <a:effectLst/>
+                <a:latin typeface="+mn-lt"/>
+                <a:ea typeface="+mn-ea"/>
+                <a:cs typeface="+mn-cs"/>
+              </a:rPr>
+              <a:t>/// &lt;param name="context"&gt;Workflow context for accessing workflow services and adding events&lt;/param&gt;</a:t>
+            </a:r>
+          </a:p>
+          <a:p>
+            <a:r>
+              <a:rPr lang="en-CA" sz="1200" b="0" kern="1200" dirty="0">
+                <a:solidFill>
+                  <a:schemeClr val="tx1"/>
+                </a:solidFill>
+                <a:effectLst/>
+                <a:latin typeface="+mn-lt"/>
+                <a:ea typeface="+mn-ea"/>
+                <a:cs typeface="+mn-cs"/>
+              </a:rPr>
+              <a:t>/// &lt;param name="</a:t>
+            </a:r>
+            <a:r>
+              <a:rPr lang="en-CA" sz="1200" b="0" kern="1200" dirty="0" err="1">
+                <a:solidFill>
+                  <a:schemeClr val="tx1"/>
+                </a:solidFill>
+                <a:effectLst/>
+                <a:latin typeface="+mn-lt"/>
+                <a:ea typeface="+mn-ea"/>
+                <a:cs typeface="+mn-cs"/>
+              </a:rPr>
+              <a:t>cancellationToken</a:t>
+            </a:r>
+            <a:r>
+              <a:rPr lang="en-CA" sz="1200" b="0" kern="1200" dirty="0">
+                <a:solidFill>
+                  <a:schemeClr val="tx1"/>
+                </a:solidFill>
+                <a:effectLst/>
+                <a:latin typeface="+mn-lt"/>
+                <a:ea typeface="+mn-ea"/>
+                <a:cs typeface="+mn-cs"/>
+              </a:rPr>
+              <a:t>"&gt;The &lt;see </a:t>
+            </a:r>
+            <a:r>
+              <a:rPr lang="en-CA" sz="1200" b="0" kern="1200" dirty="0" err="1">
+                <a:solidFill>
+                  <a:schemeClr val="tx1"/>
+                </a:solidFill>
+                <a:effectLst/>
+                <a:latin typeface="+mn-lt"/>
+                <a:ea typeface="+mn-ea"/>
+                <a:cs typeface="+mn-cs"/>
+              </a:rPr>
+              <a:t>cref</a:t>
+            </a:r>
+            <a:r>
+              <a:rPr lang="en-CA" sz="1200" b="0" kern="1200" dirty="0">
+                <a:solidFill>
+                  <a:schemeClr val="tx1"/>
+                </a:solidFill>
+                <a:effectLst/>
+                <a:latin typeface="+mn-lt"/>
+                <a:ea typeface="+mn-ea"/>
+                <a:cs typeface="+mn-cs"/>
+              </a:rPr>
+              <a:t>="</a:t>
+            </a:r>
+            <a:r>
+              <a:rPr lang="en-CA" sz="1200" b="0" kern="1200" dirty="0" err="1">
+                <a:solidFill>
+                  <a:schemeClr val="tx1"/>
+                </a:solidFill>
+                <a:effectLst/>
+                <a:latin typeface="+mn-lt"/>
+                <a:ea typeface="+mn-ea"/>
+                <a:cs typeface="+mn-cs"/>
+              </a:rPr>
+              <a:t>CancellationToken</a:t>
+            </a:r>
+            <a:r>
+              <a:rPr lang="en-CA" sz="1200" b="0" kern="1200" dirty="0">
+                <a:solidFill>
+                  <a:schemeClr val="tx1"/>
+                </a:solidFill>
+                <a:effectLst/>
+                <a:latin typeface="+mn-lt"/>
+                <a:ea typeface="+mn-ea"/>
+                <a:cs typeface="+mn-cs"/>
+              </a:rPr>
+              <a:t>"/&gt; to monitor for cancellation requests.</a:t>
+            </a:r>
+          </a:p>
+          <a:p>
+            <a:r>
+              <a:rPr lang="en-CA" sz="1200" b="0" kern="1200" dirty="0">
+                <a:solidFill>
+                  <a:schemeClr val="tx1"/>
+                </a:solidFill>
+                <a:effectLst/>
+                <a:latin typeface="+mn-lt"/>
+                <a:ea typeface="+mn-ea"/>
+                <a:cs typeface="+mn-cs"/>
+              </a:rPr>
+              <a:t>/// The default is &lt;see </a:t>
+            </a:r>
+            <a:r>
+              <a:rPr lang="en-CA" sz="1200" b="0" kern="1200" dirty="0" err="1">
+                <a:solidFill>
+                  <a:schemeClr val="tx1"/>
+                </a:solidFill>
+                <a:effectLst/>
+                <a:latin typeface="+mn-lt"/>
+                <a:ea typeface="+mn-ea"/>
+                <a:cs typeface="+mn-cs"/>
+              </a:rPr>
+              <a:t>cref</a:t>
+            </a:r>
+            <a:r>
+              <a:rPr lang="en-CA" sz="1200" b="0" kern="1200" dirty="0">
+                <a:solidFill>
+                  <a:schemeClr val="tx1"/>
+                </a:solidFill>
+                <a:effectLst/>
+                <a:latin typeface="+mn-lt"/>
+                <a:ea typeface="+mn-ea"/>
+                <a:cs typeface="+mn-cs"/>
+              </a:rPr>
+              <a:t>="</a:t>
+            </a:r>
+            <a:r>
+              <a:rPr lang="en-CA" sz="1200" b="0" kern="1200" dirty="0" err="1">
+                <a:solidFill>
+                  <a:schemeClr val="tx1"/>
+                </a:solidFill>
+                <a:effectLst/>
+                <a:latin typeface="+mn-lt"/>
+                <a:ea typeface="+mn-ea"/>
+                <a:cs typeface="+mn-cs"/>
+              </a:rPr>
+              <a:t>CancellationToken.None</a:t>
+            </a:r>
+            <a:r>
+              <a:rPr lang="en-CA" sz="1200" b="0" kern="1200" dirty="0">
+                <a:solidFill>
+                  <a:schemeClr val="tx1"/>
+                </a:solidFill>
+                <a:effectLst/>
+                <a:latin typeface="+mn-lt"/>
+                <a:ea typeface="+mn-ea"/>
+                <a:cs typeface="+mn-cs"/>
+              </a:rPr>
+              <a:t>"/&gt;.&lt;/param&gt;</a:t>
+            </a:r>
+          </a:p>
+          <a:p>
+            <a:r>
+              <a:rPr lang="en-CA" sz="1200" b="0" kern="1200" dirty="0">
+                <a:solidFill>
+                  <a:schemeClr val="tx1"/>
+                </a:solidFill>
+                <a:effectLst/>
+                <a:latin typeface="+mn-lt"/>
+                <a:ea typeface="+mn-ea"/>
+                <a:cs typeface="+mn-cs"/>
+              </a:rPr>
+              <a:t>/// &lt;returns&gt;The input text reversed&lt;/returns&gt;</a:t>
+            </a:r>
+          </a:p>
+          <a:p>
+            <a:r>
+              <a:rPr lang="en-CA" sz="1200" b="0" kern="1200" dirty="0">
+                <a:solidFill>
+                  <a:schemeClr val="tx1"/>
+                </a:solidFill>
+                <a:effectLst/>
+                <a:latin typeface="+mn-lt"/>
+                <a:ea typeface="+mn-ea"/>
+                <a:cs typeface="+mn-cs"/>
+              </a:rPr>
+              <a:t>public override </a:t>
+            </a:r>
+            <a:r>
+              <a:rPr lang="en-CA" sz="1200" b="0" kern="1200" dirty="0" err="1">
+                <a:solidFill>
+                  <a:schemeClr val="tx1"/>
+                </a:solidFill>
+                <a:effectLst/>
+                <a:latin typeface="+mn-lt"/>
+                <a:ea typeface="+mn-ea"/>
+                <a:cs typeface="+mn-cs"/>
+              </a:rPr>
+              <a:t>ValueTask</a:t>
+            </a:r>
+            <a:r>
+              <a:rPr lang="en-CA" sz="1200" b="0" kern="1200" dirty="0">
+                <a:solidFill>
+                  <a:schemeClr val="tx1"/>
+                </a:solidFill>
+                <a:effectLst/>
+                <a:latin typeface="+mn-lt"/>
+                <a:ea typeface="+mn-ea"/>
+                <a:cs typeface="+mn-cs"/>
+              </a:rPr>
+              <a:t>&lt;string&gt; </a:t>
+            </a:r>
+            <a:r>
+              <a:rPr lang="en-CA" sz="1200" b="0" kern="1200" dirty="0" err="1">
+                <a:solidFill>
+                  <a:schemeClr val="tx1"/>
+                </a:solidFill>
+                <a:effectLst/>
+                <a:latin typeface="+mn-lt"/>
+                <a:ea typeface="+mn-ea"/>
+                <a:cs typeface="+mn-cs"/>
+              </a:rPr>
+              <a:t>HandleAsync</a:t>
+            </a:r>
+            <a:r>
+              <a:rPr lang="en-CA" sz="1200" b="0" kern="1200" dirty="0">
+                <a:solidFill>
+                  <a:schemeClr val="tx1"/>
+                </a:solidFill>
+                <a:effectLst/>
+                <a:latin typeface="+mn-lt"/>
+                <a:ea typeface="+mn-ea"/>
+                <a:cs typeface="+mn-cs"/>
+              </a:rPr>
+              <a:t>(string message, </a:t>
+            </a:r>
+            <a:r>
+              <a:rPr lang="en-CA" sz="1200" b="0" kern="1200" dirty="0" err="1">
+                <a:solidFill>
+                  <a:schemeClr val="tx1"/>
+                </a:solidFill>
+                <a:effectLst/>
+                <a:latin typeface="+mn-lt"/>
+                <a:ea typeface="+mn-ea"/>
+                <a:cs typeface="+mn-cs"/>
+              </a:rPr>
+              <a:t>IWorkflowContext</a:t>
+            </a:r>
+            <a:r>
+              <a:rPr lang="en-CA" sz="1200" b="0" kern="1200" dirty="0">
+                <a:solidFill>
+                  <a:schemeClr val="tx1"/>
+                </a:solidFill>
+                <a:effectLst/>
+                <a:latin typeface="+mn-lt"/>
+                <a:ea typeface="+mn-ea"/>
+                <a:cs typeface="+mn-cs"/>
+              </a:rPr>
+              <a:t> context, </a:t>
+            </a:r>
+            <a:r>
+              <a:rPr lang="en-CA" sz="1200" b="0" kern="1200" dirty="0" err="1">
+                <a:solidFill>
+                  <a:schemeClr val="tx1"/>
+                </a:solidFill>
+                <a:effectLst/>
+                <a:latin typeface="+mn-lt"/>
+                <a:ea typeface="+mn-ea"/>
+                <a:cs typeface="+mn-cs"/>
+              </a:rPr>
+              <a:t>CancellationToken</a:t>
+            </a:r>
+            <a:r>
+              <a:rPr lang="en-CA" sz="1200" b="0" kern="1200" dirty="0">
+                <a:solidFill>
+                  <a:schemeClr val="tx1"/>
+                </a:solidFill>
+                <a:effectLst/>
+                <a:latin typeface="+mn-lt"/>
+                <a:ea typeface="+mn-ea"/>
+                <a:cs typeface="+mn-cs"/>
+              </a:rPr>
+              <a:t> </a:t>
+            </a:r>
+            <a:r>
+              <a:rPr lang="en-CA" sz="1200" b="0" kern="1200" dirty="0" err="1">
+                <a:solidFill>
+                  <a:schemeClr val="tx1"/>
+                </a:solidFill>
+                <a:effectLst/>
+                <a:latin typeface="+mn-lt"/>
+                <a:ea typeface="+mn-ea"/>
+                <a:cs typeface="+mn-cs"/>
+              </a:rPr>
+              <a:t>cancellationToken</a:t>
+            </a:r>
+            <a:r>
+              <a:rPr lang="en-CA" sz="1200" b="0" kern="1200" dirty="0">
+                <a:solidFill>
+                  <a:schemeClr val="tx1"/>
+                </a:solidFill>
+                <a:effectLst/>
+                <a:latin typeface="+mn-lt"/>
+                <a:ea typeface="+mn-ea"/>
+                <a:cs typeface="+mn-cs"/>
+              </a:rPr>
+              <a:t> = default)</a:t>
+            </a:r>
+          </a:p>
+          <a:p>
+            <a:r>
+              <a:rPr lang="en-CA" sz="1200" b="0" kern="1200" dirty="0">
+                <a:solidFill>
+                  <a:schemeClr val="tx1"/>
+                </a:solidFill>
+                <a:effectLst/>
+                <a:latin typeface="+mn-lt"/>
+                <a:ea typeface="+mn-ea"/>
+                <a:cs typeface="+mn-cs"/>
+              </a:rPr>
+              <a:t>{</a:t>
+            </a:r>
+          </a:p>
+          <a:p>
+            <a:r>
+              <a:rPr lang="en-CA" sz="1200" b="0" kern="1200" dirty="0">
+                <a:solidFill>
+                  <a:schemeClr val="tx1"/>
+                </a:solidFill>
+                <a:effectLst/>
+                <a:latin typeface="+mn-lt"/>
+                <a:ea typeface="+mn-ea"/>
+                <a:cs typeface="+mn-cs"/>
+              </a:rPr>
+              <a:t>// Because we do not suppress it, the returned result will be yielded as an output from this executor.</a:t>
+            </a:r>
+          </a:p>
+          <a:p>
+            <a:r>
+              <a:rPr lang="en-CA" sz="1200" b="0" kern="1200" dirty="0">
+                <a:solidFill>
+                  <a:schemeClr val="tx1"/>
+                </a:solidFill>
+                <a:effectLst/>
+                <a:latin typeface="+mn-lt"/>
+                <a:ea typeface="+mn-ea"/>
+                <a:cs typeface="+mn-cs"/>
+              </a:rPr>
+              <a:t>return </a:t>
+            </a:r>
+            <a:r>
+              <a:rPr lang="en-CA" sz="1200" b="0" kern="1200" dirty="0" err="1">
+                <a:solidFill>
+                  <a:schemeClr val="tx1"/>
+                </a:solidFill>
+                <a:effectLst/>
+                <a:latin typeface="+mn-lt"/>
+                <a:ea typeface="+mn-ea"/>
+                <a:cs typeface="+mn-cs"/>
+              </a:rPr>
+              <a:t>ValueTask.FromResult</a:t>
+            </a:r>
+            <a:r>
+              <a:rPr lang="en-CA" sz="1200" b="0" kern="1200" dirty="0">
+                <a:solidFill>
+                  <a:schemeClr val="tx1"/>
+                </a:solidFill>
+                <a:effectLst/>
+                <a:latin typeface="+mn-lt"/>
+                <a:ea typeface="+mn-ea"/>
+                <a:cs typeface="+mn-cs"/>
+              </a:rPr>
+              <a:t>(</a:t>
+            </a:r>
+            <a:r>
+              <a:rPr lang="en-CA" sz="1200" b="0" kern="1200" dirty="0" err="1">
+                <a:solidFill>
+                  <a:schemeClr val="tx1"/>
+                </a:solidFill>
+                <a:effectLst/>
+                <a:latin typeface="+mn-lt"/>
+                <a:ea typeface="+mn-ea"/>
+                <a:cs typeface="+mn-cs"/>
+              </a:rPr>
+              <a:t>string.Concat</a:t>
+            </a:r>
+            <a:r>
+              <a:rPr lang="en-CA" sz="1200" b="0" kern="1200" dirty="0">
+                <a:solidFill>
+                  <a:schemeClr val="tx1"/>
+                </a:solidFill>
+                <a:effectLst/>
+                <a:latin typeface="+mn-lt"/>
+                <a:ea typeface="+mn-ea"/>
+                <a:cs typeface="+mn-cs"/>
+              </a:rPr>
+              <a:t>(</a:t>
+            </a:r>
+            <a:r>
+              <a:rPr lang="en-CA" sz="1200" b="0" kern="1200" dirty="0" err="1">
+                <a:solidFill>
+                  <a:schemeClr val="tx1"/>
+                </a:solidFill>
+                <a:effectLst/>
+                <a:latin typeface="+mn-lt"/>
+                <a:ea typeface="+mn-ea"/>
+                <a:cs typeface="+mn-cs"/>
+              </a:rPr>
+              <a:t>message.Reverse</a:t>
+            </a:r>
+            <a:r>
+              <a:rPr lang="en-CA" sz="1200" b="0" kern="1200" dirty="0">
+                <a:solidFill>
+                  <a:schemeClr val="tx1"/>
+                </a:solidFill>
+                <a:effectLst/>
+                <a:latin typeface="+mn-lt"/>
+                <a:ea typeface="+mn-ea"/>
+                <a:cs typeface="+mn-cs"/>
+              </a:rPr>
+              <a:t>()));</a:t>
+            </a:r>
+          </a:p>
+          <a:p>
+            <a:r>
+              <a:rPr lang="en-CA" sz="1200" b="0" kern="1200" dirty="0">
+                <a:solidFill>
+                  <a:schemeClr val="tx1"/>
+                </a:solidFill>
+                <a:effectLst/>
+                <a:latin typeface="+mn-lt"/>
+                <a:ea typeface="+mn-ea"/>
+                <a:cs typeface="+mn-cs"/>
+              </a:rPr>
+              <a:t>}</a:t>
+            </a:r>
+          </a:p>
+          <a:p>
+            <a:r>
+              <a:rPr lang="en-CA" sz="1200" b="0" kern="1200" dirty="0">
+                <a:solidFill>
+                  <a:schemeClr val="tx1"/>
+                </a:solidFill>
+                <a:effectLst/>
+                <a:latin typeface="+mn-lt"/>
+                <a:ea typeface="+mn-ea"/>
+                <a:cs typeface="+mn-cs"/>
+              </a:rPr>
+              <a:t>}</a:t>
+            </a:r>
+          </a:p>
+        </p:txBody>
+      </p:sp>
+      <p:sp>
+        <p:nvSpPr>
+          <p:cNvPr id="4" name="Slide Number Placeholder 3">
+            <a:extLst>
+              <a:ext uri="{FF2B5EF4-FFF2-40B4-BE49-F238E27FC236}">
+                <a16:creationId xmlns:a16="http://schemas.microsoft.com/office/drawing/2014/main" id="{4614F1D4-0B30-9A5F-566C-C708A427B328}"/>
+              </a:ext>
+            </a:extLst>
+          </p:cNvPr>
+          <p:cNvSpPr>
+            <a:spLocks noGrp="1"/>
+          </p:cNvSpPr>
+          <p:nvPr>
+            <p:ph type="sldNum" sz="quarter" idx="5"/>
+          </p:nvPr>
+        </p:nvSpPr>
+        <p:spPr/>
+        <p:txBody>
+          <a:bodyPr/>
+          <a:lstStyle/>
+          <a:p>
+            <a:fld id="{0238319F-61CD-A140-8E73-A0E0B6263794}" type="slidenum">
+              <a:rPr lang="en-US" smtClean="0"/>
+              <a:t>20</a:t>
+            </a:fld>
+            <a:endParaRPr lang="en-US"/>
+          </a:p>
+        </p:txBody>
+      </p:sp>
+    </p:spTree>
+    <p:extLst>
+      <p:ext uri="{BB962C8B-B14F-4D97-AF65-F5344CB8AC3E}">
+        <p14:creationId xmlns:p14="http://schemas.microsoft.com/office/powerpoint/2010/main" val="1469421621"/>
+      </p:ext>
+    </p:extLst>
+  </p:cSld>
+  <p:clrMapOvr>
+    <a:masterClrMapping/>
+  </p:clrMapOvr>
+</p:notes>
+</file>
+
+<file path=ppt/notesSlides/notesSlide5.xml><?xml version="1.0" encoding="utf-8"?>
+<p:notes xmlns:a="http://schemas.openxmlformats.org/drawingml/2006/main" xmlns:r="http://schemas.openxmlformats.org/officeDocument/2006/relationships" xmlns:p="http://schemas.openxmlformats.org/presentationml/2006/main">
+  <p:cSld>
+    <p:spTree>
+      <p:nvGrpSpPr>
+        <p:cNvPr id="1" name="">
+          <a:extLst>
+            <a:ext uri="{FF2B5EF4-FFF2-40B4-BE49-F238E27FC236}">
+              <a16:creationId xmlns:a16="http://schemas.microsoft.com/office/drawing/2014/main" id="{099B21D1-C55F-5E14-54C9-70AE67C8FC89}"/>
+            </a:ext>
+          </a:extLst>
+        </p:cNvPr>
+        <p:cNvGrpSpPr/>
+        <p:nvPr/>
+      </p:nvGrpSpPr>
+      <p:grpSpPr>
+        <a:xfrm>
+          <a:off x="0" y="0"/>
+          <a:ext cx="0" cy="0"/>
+          <a:chOff x="0" y="0"/>
+          <a:chExt cx="0" cy="0"/>
+        </a:xfrm>
+      </p:grpSpPr>
+      <p:sp>
+        <p:nvSpPr>
+          <p:cNvPr id="2" name="Slide Image Placeholder 1">
+            <a:extLst>
+              <a:ext uri="{FF2B5EF4-FFF2-40B4-BE49-F238E27FC236}">
+                <a16:creationId xmlns:a16="http://schemas.microsoft.com/office/drawing/2014/main" id="{972D1969-3CD8-2537-4263-401F2DCF78CC}"/>
+              </a:ext>
+            </a:extLst>
+          </p:cNvPr>
+          <p:cNvSpPr>
+            <a:spLocks noGrp="1" noRot="1" noChangeAspect="1"/>
+          </p:cNvSpPr>
+          <p:nvPr>
+            <p:ph type="sldImg"/>
+          </p:nvPr>
+        </p:nvSpPr>
+        <p:spPr/>
+      </p:sp>
+      <p:sp>
+        <p:nvSpPr>
+          <p:cNvPr id="3" name="Notes Placeholder 2">
+            <a:extLst>
+              <a:ext uri="{FF2B5EF4-FFF2-40B4-BE49-F238E27FC236}">
+                <a16:creationId xmlns:a16="http://schemas.microsoft.com/office/drawing/2014/main" id="{7CB58740-1122-8C92-8CF9-8E5958948DDC}"/>
+              </a:ext>
+            </a:extLst>
+          </p:cNvPr>
+          <p:cNvSpPr>
+            <a:spLocks noGrp="1"/>
+          </p:cNvSpPr>
+          <p:nvPr>
+            <p:ph type="body" idx="1"/>
+          </p:nvPr>
+        </p:nvSpPr>
+        <p:spPr/>
+        <p:txBody>
+          <a:bodyPr/>
+          <a:lstStyle/>
+          <a:p>
+            <a:r>
+              <a:rPr lang="en-US" dirty="0"/>
+              <a:t>https://</a:t>
+            </a:r>
+            <a:r>
+              <a:rPr lang="en-US" dirty="0" err="1"/>
+              <a:t>github.com</a:t>
+            </a:r>
+            <a:r>
+              <a:rPr lang="en-US" dirty="0"/>
+              <a:t>/</a:t>
+            </a:r>
+            <a:r>
+              <a:rPr lang="en-US" dirty="0" err="1"/>
+              <a:t>microsoft</a:t>
+            </a:r>
+            <a:r>
+              <a:rPr lang="en-US" dirty="0"/>
+              <a:t>/agent-framework/blob/main/dotnet/samples/GettingStarted/Workflows/_Foundational/01_ExecutorsAndEdges/</a:t>
+            </a:r>
+            <a:r>
+              <a:rPr lang="en-US" dirty="0" err="1"/>
+              <a:t>Program.cs</a:t>
+            </a:r>
+            <a:endParaRPr lang="en-US" dirty="0"/>
+          </a:p>
+        </p:txBody>
+      </p:sp>
+      <p:sp>
+        <p:nvSpPr>
+          <p:cNvPr id="4" name="Slide Number Placeholder 3">
+            <a:extLst>
+              <a:ext uri="{FF2B5EF4-FFF2-40B4-BE49-F238E27FC236}">
+                <a16:creationId xmlns:a16="http://schemas.microsoft.com/office/drawing/2014/main" id="{196AD343-8D26-9820-4EAD-3AD6C21D9125}"/>
+              </a:ext>
+            </a:extLst>
+          </p:cNvPr>
+          <p:cNvSpPr>
+            <a:spLocks noGrp="1"/>
+          </p:cNvSpPr>
+          <p:nvPr>
+            <p:ph type="sldNum" sz="quarter" idx="5"/>
+          </p:nvPr>
+        </p:nvSpPr>
+        <p:spPr/>
+        <p:txBody>
+          <a:bodyPr/>
+          <a:lstStyle/>
+          <a:p>
+            <a:fld id="{0238319F-61CD-A140-8E73-A0E0B6263794}" type="slidenum">
+              <a:rPr lang="en-US" smtClean="0"/>
+              <a:t>21</a:t>
+            </a:fld>
+            <a:endParaRPr lang="en-US"/>
+          </a:p>
+        </p:txBody>
+      </p:sp>
+    </p:spTree>
+    <p:extLst>
+      <p:ext uri="{BB962C8B-B14F-4D97-AF65-F5344CB8AC3E}">
+        <p14:creationId xmlns:p14="http://schemas.microsoft.com/office/powerpoint/2010/main" val="1213207005"/>
+      </p:ext>
+    </p:extLst>
+  </p:cSld>
+  <p:clrMapOvr>
+    <a:masterClrMapping/>
+  </p:clrMapOvr>
+</p:notes>
+</file>
+
 <file path=ppt/slideLayouts/slideLayout1.xml><?xml version="1.0" encoding="utf-8"?>
 <p:sldLayout xmlns:a="http://schemas.openxmlformats.org/drawingml/2006/main" xmlns:r="http://schemas.openxmlformats.org/officeDocument/2006/relationships" xmlns:p="http://schemas.openxmlformats.org/presentationml/2006/main" type="title" preserve="1">
   <p:cSld name="Title Slide">
@@ -7628,10 +9845,10 @@
       </p:grpSpPr>
       <p:sp>
         <p:nvSpPr>
-          <p:cNvPr id="4" name="Title 3">
-            <a:extLst>
-              <a:ext uri="{FF2B5EF4-FFF2-40B4-BE49-F238E27FC236}">
-                <a16:creationId xmlns:a16="http://schemas.microsoft.com/office/drawing/2014/main" id="{F0CA2539-F6F6-BF9B-DFB4-11E15B039ADE}"/>
+          <p:cNvPr id="2" name="Title 1">
+            <a:extLst>
+              <a:ext uri="{FF2B5EF4-FFF2-40B4-BE49-F238E27FC236}">
+                <a16:creationId xmlns:a16="http://schemas.microsoft.com/office/drawing/2014/main" id="{A7847F22-3C08-6213-6437-A5161DAEE73F}"/>
               </a:ext>
             </a:extLst>
           </p:cNvPr>
@@ -7649,17 +9866,17 @@
           <a:p>
             <a:r>
               <a:rPr lang="en-US" dirty="0"/>
-              <a:t>Agent as a function tool </a:t>
-            </a:r>
-          </a:p>
-        </p:txBody>
-      </p:sp>
-      <p:sp>
-        <p:nvSpPr>
-          <p:cNvPr id="5" name="Content Placeholder 4">
-            <a:extLst>
-              <a:ext uri="{FF2B5EF4-FFF2-40B4-BE49-F238E27FC236}">
-                <a16:creationId xmlns:a16="http://schemas.microsoft.com/office/drawing/2014/main" id="{D83E9DE1-CFD1-64A9-4C84-7E47819F6D06}"/>
+              <a:t>Workflows</a:t>
+            </a:r>
+          </a:p>
+        </p:txBody>
+      </p:sp>
+      <p:sp>
+        <p:nvSpPr>
+          <p:cNvPr id="3" name="Content Placeholder 2">
+            <a:extLst>
+              <a:ext uri="{FF2B5EF4-FFF2-40B4-BE49-F238E27FC236}">
+                <a16:creationId xmlns:a16="http://schemas.microsoft.com/office/drawing/2014/main" id="{93238919-A63C-B955-149B-A9BB8F6D2605}"/>
               </a:ext>
             </a:extLst>
           </p:cNvPr>
@@ -7677,7 +9894,7 @@
           <a:p>
             <a:r>
               <a:rPr lang="en-US" dirty="0"/>
-              <a:t>An agent as a function tool means treating an AI agent like a callable function inside your system — with defined inputs, a clear contract, and structured outputs, instead of free-form conversation.</a:t>
+              <a:t>designed to handle complex and long-running processes that might involve multiple agents, human interactions, and integrations with external systems</a:t>
             </a:r>
           </a:p>
           <a:p>
@@ -7686,16 +9903,7 @@
           <a:p>
             <a:r>
               <a:rPr lang="en-US" dirty="0"/>
-              <a:t>In other words:</a:t>
-            </a:r>
-          </a:p>
-          <a:p>
-            <a:pPr marL="0" indent="0">
-              <a:buNone/>
-            </a:pPr>
-            <a:r>
-              <a:rPr lang="en-US" dirty="0"/>
-              <a:t>👉 the agent behaves like software, not a chatbot</a:t>
+              <a:t>often require more than one AI agent</a:t>
             </a:r>
           </a:p>
         </p:txBody>
@@ -7703,7 +9911,7 @@
     </p:spTree>
     <p:extLst>
       <p:ext uri="{BB962C8B-B14F-4D97-AF65-F5344CB8AC3E}">
-        <p14:creationId xmlns:p14="http://schemas.microsoft.com/office/powerpoint/2010/main" val="152037749"/>
+        <p14:creationId xmlns:p14="http://schemas.microsoft.com/office/powerpoint/2010/main" val="2647926299"/>
       </p:ext>
     </p:extLst>
   </p:cSld>
@@ -7718,7 +9926,13 @@
   <p:cSld>
     <p:spTree>
       <p:nvGrpSpPr>
-        <p:cNvPr id="1" name=""/>
+        <p:cNvPr id="1" name="">
+          <a:extLst>
+            <a:ext uri="{FF2B5EF4-FFF2-40B4-BE49-F238E27FC236}">
+              <a16:creationId xmlns:a16="http://schemas.microsoft.com/office/drawing/2014/main" id="{FBB3C8D0-1F38-7885-C534-214A055A6212}"/>
+            </a:ext>
+          </a:extLst>
+        </p:cNvPr>
         <p:cNvGrpSpPr/>
         <p:nvPr/>
       </p:nvGrpSpPr>
@@ -7735,7 +9949,7 @@
           <p:cNvPr id="2" name="Title 1">
             <a:extLst>
               <a:ext uri="{FF2B5EF4-FFF2-40B4-BE49-F238E27FC236}">
-                <a16:creationId xmlns:a16="http://schemas.microsoft.com/office/drawing/2014/main" id="{197EE92C-DB1C-C4F8-9D2F-E74F49D00CC5}"/>
+                <a16:creationId xmlns:a16="http://schemas.microsoft.com/office/drawing/2014/main" id="{8A6B7D64-F0E8-D75A-2550-7DA948078555}"/>
               </a:ext>
             </a:extLst>
           </p:cNvPr>
@@ -7748,113 +9962,116 @@
         </p:nvSpPr>
         <p:spPr/>
         <p:txBody>
-          <a:bodyPr>
-            <a:normAutofit/>
+          <a:bodyPr/>
+          <a:lstStyle/>
+          <a:p>
+            <a:r>
+              <a:rPr lang="en-US" dirty="0"/>
+              <a:t>Simple Sequential Workflow</a:t>
+            </a:r>
+          </a:p>
+        </p:txBody>
+      </p:sp>
+      <p:sp>
+        <p:nvSpPr>
+          <p:cNvPr id="5" name="TextBox 4">
+            <a:extLst>
+              <a:ext uri="{FF2B5EF4-FFF2-40B4-BE49-F238E27FC236}">
+                <a16:creationId xmlns:a16="http://schemas.microsoft.com/office/drawing/2014/main" id="{F89EAC47-5169-4E17-FC21-37527180A2AC}"/>
+              </a:ext>
+            </a:extLst>
+          </p:cNvPr>
+          <p:cNvSpPr txBox="1"/>
+          <p:nvPr/>
+        </p:nvSpPr>
+        <p:spPr>
+          <a:xfrm>
+            <a:off x="838200" y="3859968"/>
+            <a:ext cx="9445052" cy="369332"/>
+          </a:xfrm>
+          <a:prstGeom prst="rect">
+            <a:avLst/>
+          </a:prstGeom>
+          <a:noFill/>
+        </p:spPr>
+        <p:txBody>
+          <a:bodyPr wrap="square">
+            <a:spAutoFit/>
           </a:bodyPr>
           <a:lstStyle/>
           <a:p>
             <a:r>
-              <a:rPr lang="en-US" dirty="0"/>
-              <a:t>Core idea</a:t>
-            </a:r>
-          </a:p>
-        </p:txBody>
-      </p:sp>
-      <p:sp>
-        <p:nvSpPr>
-          <p:cNvPr id="3" name="Content Placeholder 2">
-            <a:extLst>
-              <a:ext uri="{FF2B5EF4-FFF2-40B4-BE49-F238E27FC236}">
-                <a16:creationId xmlns:a16="http://schemas.microsoft.com/office/drawing/2014/main" id="{6F2856F2-A4F0-8014-CDDF-8D9CEF8D2BDA}"/>
-              </a:ext>
-            </a:extLst>
-          </p:cNvPr>
-          <p:cNvSpPr>
-            <a:spLocks noGrp="1"/>
-          </p:cNvSpPr>
-          <p:nvPr>
-            <p:ph idx="1"/>
-          </p:nvPr>
-        </p:nvSpPr>
-        <p:spPr/>
-        <p:txBody>
-          <a:bodyPr>
-            <a:normAutofit/>
-          </a:bodyPr>
-          <a:lstStyle/>
-          <a:p>
-            <a:r>
-              <a:rPr lang="en-US" dirty="0"/>
-              <a:t>Traditional agent:</a:t>
-            </a:r>
-          </a:p>
-          <a:p>
-            <a:pPr lvl="1"/>
-            <a:r>
-              <a:rPr lang="en-US" dirty="0"/>
-              <a:t>Conversational</a:t>
-            </a:r>
-          </a:p>
-          <a:p>
-            <a:pPr lvl="1"/>
-            <a:r>
-              <a:rPr lang="en-US" dirty="0"/>
-              <a:t>Unstructured text output</a:t>
-            </a:r>
-          </a:p>
-          <a:p>
-            <a:pPr lvl="1"/>
-            <a:r>
-              <a:rPr lang="en-US" dirty="0"/>
-              <a:t>Hard to integrate</a:t>
-            </a:r>
-          </a:p>
-          <a:p>
-            <a:r>
-              <a:rPr lang="en-US" dirty="0"/>
-              <a:t>Agent as a function tool:</a:t>
-            </a:r>
-          </a:p>
-          <a:p>
-            <a:pPr lvl="1"/>
-            <a:r>
-              <a:rPr lang="en-US" dirty="0"/>
-              <a:t>Invoked programmatically</a:t>
-            </a:r>
-          </a:p>
-          <a:p>
-            <a:pPr lvl="1"/>
-            <a:r>
-              <a:rPr lang="en-US" dirty="0"/>
-              <a:t>Receives structured input</a:t>
-            </a:r>
-          </a:p>
-          <a:p>
-            <a:pPr lvl="1"/>
-            <a:r>
-              <a:rPr lang="en-US" dirty="0"/>
-              <a:t>Returns structured output</a:t>
-            </a:r>
-          </a:p>
-          <a:p>
-            <a:pPr lvl="1"/>
-            <a:r>
-              <a:rPr lang="en-US" dirty="0"/>
-              <a:t>Can be composed, validated, and reused</a:t>
-            </a:r>
-          </a:p>
-          <a:p>
-            <a:endParaRPr lang="en-US" dirty="0"/>
-          </a:p>
-          <a:p>
-            <a:endParaRPr lang="en-US" dirty="0"/>
-          </a:p>
-        </p:txBody>
-      </p:sp>
+              <a:rPr lang="en-US" dirty="0">
+                <a:latin typeface="Lucida Console" panose="020B0609040504020204" pitchFamily="49" charset="0"/>
+              </a:rPr>
+              <a:t>dotnet add package </a:t>
+            </a:r>
+            <a:r>
+              <a:rPr lang="en-US" dirty="0" err="1">
+                <a:latin typeface="Lucida Console" panose="020B0609040504020204" pitchFamily="49" charset="0"/>
+              </a:rPr>
+              <a:t>Microsoft.Agents.AI.Workflows</a:t>
+            </a:r>
+            <a:r>
+              <a:rPr lang="en-US" dirty="0">
+                <a:latin typeface="Lucida Console" panose="020B0609040504020204" pitchFamily="49" charset="0"/>
+              </a:rPr>
+              <a:t> --prerelease</a:t>
+            </a:r>
+          </a:p>
+        </p:txBody>
+      </p:sp>
+      <p:pic>
+        <p:nvPicPr>
+          <p:cNvPr id="3" name="Picture 2" descr="wf01 image">
+            <a:extLst>
+              <a:ext uri="{FF2B5EF4-FFF2-40B4-BE49-F238E27FC236}">
+                <a16:creationId xmlns:a16="http://schemas.microsoft.com/office/drawing/2014/main" id="{22F11CF5-D3D0-A8F3-9F37-A8D81EEC787F}"/>
+              </a:ext>
+            </a:extLst>
+          </p:cNvPr>
+          <p:cNvPicPr>
+            <a:picLocks noChangeAspect="1" noChangeArrowheads="1"/>
+          </p:cNvPicPr>
+          <p:nvPr/>
+        </p:nvPicPr>
+        <p:blipFill>
+          <a:blip r:embed="rId3">
+            <a:extLst>
+              <a:ext uri="{28A0092B-C50C-407E-A947-70E740481C1C}">
+                <a14:useLocalDpi xmlns:a14="http://schemas.microsoft.com/office/drawing/2010/main" val="0"/>
+              </a:ext>
+            </a:extLst>
+          </a:blip>
+          <a:srcRect/>
+          <a:stretch>
+            <a:fillRect/>
+          </a:stretch>
+        </p:blipFill>
+        <p:spPr bwMode="auto">
+          <a:xfrm>
+            <a:off x="10166974" y="1359108"/>
+            <a:ext cx="1841500" cy="3810000"/>
+          </a:xfrm>
+          <a:prstGeom prst="rect">
+            <a:avLst/>
+          </a:prstGeom>
+          <a:noFill/>
+          <a:extLst>
+            <a:ext uri="{909E8E84-426E-40DD-AFC4-6F175D3DCCD1}">
+              <a14:hiddenFill xmlns:a14="http://schemas.microsoft.com/office/drawing/2010/main">
+                <a:solidFill>
+                  <a:srgbClr val="FFFFFF"/>
+                </a:solidFill>
+              </a14:hiddenFill>
+            </a:ext>
+          </a:extLst>
+        </p:spPr>
+      </p:pic>
     </p:spTree>
     <p:extLst>
       <p:ext uri="{BB962C8B-B14F-4D97-AF65-F5344CB8AC3E}">
-        <p14:creationId xmlns:p14="http://schemas.microsoft.com/office/powerpoint/2010/main" val="3518718374"/>
+        <p14:creationId xmlns:p14="http://schemas.microsoft.com/office/powerpoint/2010/main" val="2168270781"/>
       </p:ext>
     </p:extLst>
   </p:cSld>
@@ -8008,38 +10225,6 @@
           </a:p>
         </p:txBody>
       </p:sp>
-      <p:sp>
-        <p:nvSpPr>
-          <p:cNvPr id="3" name="TextBox 2">
-            <a:extLst>
-              <a:ext uri="{FF2B5EF4-FFF2-40B4-BE49-F238E27FC236}">
-                <a16:creationId xmlns:a16="http://schemas.microsoft.com/office/drawing/2014/main" id="{0134BA16-3660-77E4-5DD2-690B7EE52607}"/>
-              </a:ext>
-            </a:extLst>
-          </p:cNvPr>
-          <p:cNvSpPr txBox="1"/>
-          <p:nvPr/>
-        </p:nvSpPr>
-        <p:spPr>
-          <a:xfrm>
-            <a:off x="3399416" y="2571078"/>
-            <a:ext cx="184731" cy="369332"/>
-          </a:xfrm>
-          <a:prstGeom prst="rect">
-            <a:avLst/>
-          </a:prstGeom>
-          <a:noFill/>
-        </p:spPr>
-        <p:txBody>
-          <a:bodyPr wrap="none" rtlCol="0">
-            <a:spAutoFit/>
-          </a:bodyPr>
-          <a:lstStyle/>
-          <a:p>
-            <a:endParaRPr lang="en-US"/>
-          </a:p>
-        </p:txBody>
-      </p:sp>
     </p:spTree>
     <p:extLst>
       <p:ext uri="{BB962C8B-B14F-4D97-AF65-F5344CB8AC3E}">
@@ -8058,7 +10243,13 @@
   <p:cSld>
     <p:spTree>
       <p:nvGrpSpPr>
-        <p:cNvPr id="1" name=""/>
+        <p:cNvPr id="1" name="">
+          <a:extLst>
+            <a:ext uri="{FF2B5EF4-FFF2-40B4-BE49-F238E27FC236}">
+              <a16:creationId xmlns:a16="http://schemas.microsoft.com/office/drawing/2014/main" id="{ABB1A384-214D-6C22-DD56-AE1F917D260A}"/>
+            </a:ext>
+          </a:extLst>
+        </p:cNvPr>
         <p:cNvGrpSpPr/>
         <p:nvPr/>
       </p:nvGrpSpPr>
@@ -8072,10 +10263,10 @@
       </p:grpSpPr>
       <p:sp>
         <p:nvSpPr>
-          <p:cNvPr id="2" name="Title 1">
-            <a:extLst>
-              <a:ext uri="{FF2B5EF4-FFF2-40B4-BE49-F238E27FC236}">
-                <a16:creationId xmlns:a16="http://schemas.microsoft.com/office/drawing/2014/main" id="{6816E252-8A50-63C8-EC4E-EEF5FC5EEC45}"/>
+          <p:cNvPr id="4" name="Title 3">
+            <a:extLst>
+              <a:ext uri="{FF2B5EF4-FFF2-40B4-BE49-F238E27FC236}">
+                <a16:creationId xmlns:a16="http://schemas.microsoft.com/office/drawing/2014/main" id="{F4EFB308-4DEC-0C4E-78E7-ED8E428E3DF2}"/>
               </a:ext>
             </a:extLst>
           </p:cNvPr>
@@ -8093,17 +10284,17 @@
           <a:p>
             <a:r>
               <a:rPr lang="en-US" dirty="0"/>
-              <a:t>Process</a:t>
-            </a:r>
-          </a:p>
-        </p:txBody>
-      </p:sp>
-      <p:sp>
-        <p:nvSpPr>
-          <p:cNvPr id="3" name="Content Placeholder 2">
-            <a:extLst>
-              <a:ext uri="{FF2B5EF4-FFF2-40B4-BE49-F238E27FC236}">
-                <a16:creationId xmlns:a16="http://schemas.microsoft.com/office/drawing/2014/main" id="{DC1C334A-B6D3-A75D-6FE5-D883D4E4E259}"/>
+              <a:t>Demo</a:t>
+            </a:r>
+          </a:p>
+        </p:txBody>
+      </p:sp>
+      <p:sp>
+        <p:nvSpPr>
+          <p:cNvPr id="5" name="Text Placeholder 4">
+            <a:extLst>
+              <a:ext uri="{FF2B5EF4-FFF2-40B4-BE49-F238E27FC236}">
+                <a16:creationId xmlns:a16="http://schemas.microsoft.com/office/drawing/2014/main" id="{F1953C1C-25F7-796E-AE3A-48A212109536}"/>
               </a:ext>
             </a:extLst>
           </p:cNvPr>
@@ -8111,83 +10302,17 @@
             <a:spLocks noGrp="1"/>
           </p:cNvSpPr>
           <p:nvPr>
-            <p:ph idx="1"/>
+            <p:ph type="body" idx="1"/>
           </p:nvPr>
         </p:nvSpPr>
         <p:spPr/>
         <p:txBody>
-          <a:bodyPr>
-            <a:normAutofit/>
-          </a:bodyPr>
+          <a:bodyPr/>
           <a:lstStyle/>
           <a:p>
-            <a:pPr marL="514350" indent="-514350">
-              <a:buFont typeface="+mj-lt"/>
-              <a:buAutoNum type="arabicPeriod"/>
-            </a:pPr>
             <a:r>
               <a:rPr lang="en-US" dirty="0"/>
-              <a:t>Prerequisites: Set up the environment (Azure, .NET, packages)</a:t>
-            </a:r>
-          </a:p>
-          <a:p>
-            <a:pPr marL="514350" indent="-514350">
-              <a:buFont typeface="+mj-lt"/>
-              <a:buAutoNum type="arabicPeriod"/>
-            </a:pPr>
-            <a:r>
-              <a:rPr lang="en-US" dirty="0"/>
-              <a:t>Create C# function: Write a method with discrete business logic</a:t>
-            </a:r>
-          </a:p>
-          <a:p>
-            <a:pPr marL="514350" indent="-514350">
-              <a:buFont typeface="+mj-lt"/>
-              <a:buAutoNum type="arabicPeriod"/>
-            </a:pPr>
-            <a:r>
-              <a:rPr lang="en-US" dirty="0"/>
-              <a:t>Convert to tool: Use </a:t>
-            </a:r>
-            <a:r>
-              <a:rPr lang="en-US" i="1" dirty="0" err="1"/>
-              <a:t>AIFunctionFactory.Create</a:t>
-            </a:r>
-            <a:endParaRPr lang="en-US" i="1" dirty="0"/>
-          </a:p>
-          <a:p>
-            <a:pPr marL="514350" indent="-514350">
-              <a:buFont typeface="+mj-lt"/>
-              <a:buAutoNum type="arabicPeriod"/>
-            </a:pPr>
-            <a:r>
-              <a:rPr lang="en-US" dirty="0"/>
-              <a:t>Create agent: Inject tools when creating the </a:t>
-            </a:r>
-            <a:r>
-              <a:rPr lang="en-US" i="1" dirty="0" err="1"/>
-              <a:t>AIAgent</a:t>
-            </a:r>
-            <a:endParaRPr lang="en-US" i="1" dirty="0"/>
-          </a:p>
-          <a:p>
-            <a:pPr marL="514350" indent="-514350">
-              <a:buFont typeface="+mj-lt"/>
-              <a:buAutoNum type="arabicPeriod"/>
-            </a:pPr>
-            <a:r>
-              <a:rPr lang="en-US" dirty="0"/>
-              <a:t>Invoke / test: Send a prompt to the agent and evaluate the response</a:t>
-            </a:r>
-          </a:p>
-          <a:p>
-            <a:pPr marL="514350" indent="-514350">
-              <a:buFont typeface="+mj-lt"/>
-              <a:buAutoNum type="arabicPeriod"/>
-            </a:pPr>
-            <a:r>
-              <a:rPr lang="en-US" dirty="0"/>
-              <a:t>Agent as tool (advanced): Expose an agent as a tool for other agents</a:t>
+              <a:t>Simple Sequential Workflow</a:t>
             </a:r>
           </a:p>
         </p:txBody>
@@ -8195,7 +10320,7 @@
     </p:spTree>
     <p:extLst>
       <p:ext uri="{BB962C8B-B14F-4D97-AF65-F5344CB8AC3E}">
-        <p14:creationId xmlns:p14="http://schemas.microsoft.com/office/powerpoint/2010/main" val="2719386640"/>
+        <p14:creationId xmlns:p14="http://schemas.microsoft.com/office/powerpoint/2010/main" val="124515017"/>
       </p:ext>
     </p:extLst>
   </p:cSld>
@@ -8213,7 +10338,7 @@
         <p:cNvPr id="1" name="">
           <a:extLst>
             <a:ext uri="{FF2B5EF4-FFF2-40B4-BE49-F238E27FC236}">
-              <a16:creationId xmlns:a16="http://schemas.microsoft.com/office/drawing/2014/main" id="{597CF306-DC66-0BCB-250A-F41AE0803E72}"/>
+              <a16:creationId xmlns:a16="http://schemas.microsoft.com/office/drawing/2014/main" id="{AA699D5C-D2FA-E553-73FB-71E253C78A1D}"/>
             </a:ext>
           </a:extLst>
         </p:cNvPr>
@@ -8233,7 +10358,7 @@
           <p:cNvPr id="2" name="Title 1">
             <a:extLst>
               <a:ext uri="{FF2B5EF4-FFF2-40B4-BE49-F238E27FC236}">
-                <a16:creationId xmlns:a16="http://schemas.microsoft.com/office/drawing/2014/main" id="{F8B92D7A-7E15-F526-EE51-B78BA3F559B8}"/>
+                <a16:creationId xmlns:a16="http://schemas.microsoft.com/office/drawing/2014/main" id="{0A5EEA69-CD29-0677-FA8D-57950CA00757}"/>
               </a:ext>
             </a:extLst>
           </p:cNvPr>
@@ -8251,17 +10376,17 @@
           <a:p>
             <a:r>
               <a:rPr lang="en-US" dirty="0"/>
-              <a:t>Using an agent as a function tool</a:t>
-            </a:r>
-          </a:p>
-        </p:txBody>
-      </p:sp>
-      <p:sp>
-        <p:nvSpPr>
-          <p:cNvPr id="4" name="Text Placeholder 3">
-            <a:extLst>
-              <a:ext uri="{FF2B5EF4-FFF2-40B4-BE49-F238E27FC236}">
-                <a16:creationId xmlns:a16="http://schemas.microsoft.com/office/drawing/2014/main" id="{06E3E86B-4EE2-1CC0-A776-E45394FD7BF4}"/>
+              <a:t>Simple Concurrent Workflow</a:t>
+            </a:r>
+          </a:p>
+        </p:txBody>
+      </p:sp>
+      <p:sp>
+        <p:nvSpPr>
+          <p:cNvPr id="3" name="Content Placeholder 2">
+            <a:extLst>
+              <a:ext uri="{FF2B5EF4-FFF2-40B4-BE49-F238E27FC236}">
+                <a16:creationId xmlns:a16="http://schemas.microsoft.com/office/drawing/2014/main" id="{69ADBAF1-B85C-CDD0-44E3-3B6CD49F88F8}"/>
               </a:ext>
             </a:extLst>
           </p:cNvPr>
@@ -8269,25 +10394,129 @@
             <a:spLocks noGrp="1"/>
           </p:cNvSpPr>
           <p:nvPr>
-            <p:ph type="body" idx="1"/>
-          </p:nvPr>
-        </p:nvSpPr>
-        <p:spPr/>
+            <p:ph idx="1"/>
+          </p:nvPr>
+        </p:nvSpPr>
+        <p:spPr>
+          <a:xfrm>
+            <a:off x="838200" y="1825625"/>
+            <a:ext cx="8514347" cy="4351338"/>
+          </a:xfrm>
+        </p:spPr>
         <p:txBody>
           <a:bodyPr/>
           <a:lstStyle/>
           <a:p>
+            <a:pPr marL="0" indent="0">
+              <a:buNone/>
+            </a:pPr>
             <a:r>
               <a:rPr lang="en-US" dirty="0"/>
-              <a:t>DEMO</a:t>
-            </a:r>
-          </a:p>
-        </p:txBody>
-      </p:sp>
+              <a:t>Implement fan-out and fan-in patterns that enable parallel processing, allowing multiple executors or agents to work simultaneously and then aggregate their results.</a:t>
+            </a:r>
+          </a:p>
+        </p:txBody>
+      </p:sp>
+      <p:sp>
+        <p:nvSpPr>
+          <p:cNvPr id="5" name="TextBox 4">
+            <a:extLst>
+              <a:ext uri="{FF2B5EF4-FFF2-40B4-BE49-F238E27FC236}">
+                <a16:creationId xmlns:a16="http://schemas.microsoft.com/office/drawing/2014/main" id="{0531C3EB-414E-9E60-8D1B-C89BBB2B78CD}"/>
+              </a:ext>
+            </a:extLst>
+          </p:cNvPr>
+          <p:cNvSpPr txBox="1"/>
+          <p:nvPr/>
+        </p:nvSpPr>
+        <p:spPr>
+          <a:xfrm>
+            <a:off x="838200" y="3859968"/>
+            <a:ext cx="9445052" cy="369332"/>
+          </a:xfrm>
+          <a:prstGeom prst="rect">
+            <a:avLst/>
+          </a:prstGeom>
+          <a:noFill/>
+        </p:spPr>
+        <p:txBody>
+          <a:bodyPr wrap="square">
+            <a:spAutoFit/>
+          </a:bodyPr>
+          <a:lstStyle/>
+          <a:p>
+            <a:r>
+              <a:rPr lang="en-US" dirty="0">
+                <a:latin typeface="Lucida Console" panose="020B0609040504020204" pitchFamily="49" charset="0"/>
+              </a:rPr>
+              <a:t>dotnet add package </a:t>
+            </a:r>
+            <a:r>
+              <a:rPr lang="en-US" dirty="0" err="1">
+                <a:latin typeface="Lucida Console" panose="020B0609040504020204" pitchFamily="49" charset="0"/>
+              </a:rPr>
+              <a:t>Microsoft.Agents.AI.Workflows</a:t>
+            </a:r>
+            <a:r>
+              <a:rPr lang="en-US" dirty="0">
+                <a:latin typeface="Lucida Console" panose="020B0609040504020204" pitchFamily="49" charset="0"/>
+              </a:rPr>
+              <a:t> --prerelease</a:t>
+            </a:r>
+          </a:p>
+        </p:txBody>
+      </p:sp>
+      <p:pic>
+        <p:nvPicPr>
+          <p:cNvPr id="1028" name="Picture 4" descr="Screenshot 2025 10 23 at 4 04 36 PM image">
+            <a:extLst>
+              <a:ext uri="{FF2B5EF4-FFF2-40B4-BE49-F238E27FC236}">
+                <a16:creationId xmlns:a16="http://schemas.microsoft.com/office/drawing/2014/main" id="{077FC480-B1A6-3974-0C44-FA6483E5E067}"/>
+              </a:ext>
+            </a:extLst>
+          </p:cNvPr>
+          <p:cNvPicPr>
+            <a:picLocks noChangeAspect="1" noChangeArrowheads="1"/>
+          </p:cNvPicPr>
+          <p:nvPr/>
+        </p:nvPicPr>
+        <p:blipFill>
+          <a:blip r:embed="rId3">
+            <a:extLst>
+              <a:ext uri="{28A0092B-C50C-407E-A947-70E740481C1C}">
+                <a14:useLocalDpi xmlns:a14="http://schemas.microsoft.com/office/drawing/2010/main" val="0"/>
+              </a:ext>
+            </a:extLst>
+          </a:blip>
+          <a:srcRect/>
+          <a:stretch>
+            <a:fillRect/>
+          </a:stretch>
+        </p:blipFill>
+        <p:spPr bwMode="auto">
+          <a:xfrm>
+            <a:off x="8733852" y="1954968"/>
+            <a:ext cx="3098800" cy="3810000"/>
+          </a:xfrm>
+          <a:prstGeom prst="rect">
+            <a:avLst/>
+          </a:prstGeom>
+          <a:noFill/>
+          <a:extLst>
+            <a:ext uri="{909E8E84-426E-40DD-AFC4-6F175D3DCCD1}">
+              <a14:hiddenFill xmlns:a14="http://schemas.microsoft.com/office/drawing/2010/main">
+                <a:solidFill>
+                  <a:srgbClr val="FFFFFF"/>
+                </a:solidFill>
+              </a14:hiddenFill>
+            </a:ext>
+          </a:extLst>
+        </p:spPr>
+      </p:pic>
     </p:spTree>
     <p:extLst>
       <p:ext uri="{BB962C8B-B14F-4D97-AF65-F5344CB8AC3E}">
-        <p14:creationId xmlns:p14="http://schemas.microsoft.com/office/powerpoint/2010/main" val="1873058211"/>
+        <p14:creationId xmlns:p14="http://schemas.microsoft.com/office/powerpoint/2010/main" val="1678993001"/>
       </p:ext>
     </p:extLst>
   </p:cSld>
@@ -8302,13 +10531,7 @@
   <p:cSld>
     <p:spTree>
       <p:nvGrpSpPr>
-        <p:cNvPr id="1" name="">
-          <a:extLst>
-            <a:ext uri="{FF2B5EF4-FFF2-40B4-BE49-F238E27FC236}">
-              <a16:creationId xmlns:a16="http://schemas.microsoft.com/office/drawing/2014/main" id="{8DF8E3A6-A611-BB92-A910-90FDBE6A711D}"/>
-            </a:ext>
-          </a:extLst>
-        </p:cNvPr>
+        <p:cNvPr id="1" name=""/>
         <p:cNvGrpSpPr/>
         <p:nvPr/>
       </p:nvGrpSpPr>
@@ -8322,10 +10545,10 @@
       </p:grpSpPr>
       <p:sp>
         <p:nvSpPr>
-          <p:cNvPr id="2" name="Title 1">
-            <a:extLst>
-              <a:ext uri="{FF2B5EF4-FFF2-40B4-BE49-F238E27FC236}">
-                <a16:creationId xmlns:a16="http://schemas.microsoft.com/office/drawing/2014/main" id="{8002BFD1-41E7-DE4D-ECAD-6D8EFAF7E701}"/>
+          <p:cNvPr id="4" name="Title 3">
+            <a:extLst>
+              <a:ext uri="{FF2B5EF4-FFF2-40B4-BE49-F238E27FC236}">
+                <a16:creationId xmlns:a16="http://schemas.microsoft.com/office/drawing/2014/main" id="{F0CA2539-F6F6-BF9B-DFB4-11E15B039ADE}"/>
               </a:ext>
             </a:extLst>
           </p:cNvPr>
@@ -8343,17 +10566,17 @@
           <a:p>
             <a:r>
               <a:rPr lang="en-US" dirty="0"/>
-              <a:t>Business Plan Presentation</a:t>
-            </a:r>
-          </a:p>
-        </p:txBody>
-      </p:sp>
-      <p:sp>
-        <p:nvSpPr>
-          <p:cNvPr id="4" name="Text Placeholder 3">
-            <a:extLst>
-              <a:ext uri="{FF2B5EF4-FFF2-40B4-BE49-F238E27FC236}">
-                <a16:creationId xmlns:a16="http://schemas.microsoft.com/office/drawing/2014/main" id="{8C64A273-7EA9-9BF0-92F7-EF3412F2004D}"/>
+              <a:t>Agent as a function tool </a:t>
+            </a:r>
+          </a:p>
+        </p:txBody>
+      </p:sp>
+      <p:sp>
+        <p:nvSpPr>
+          <p:cNvPr id="5" name="Content Placeholder 4">
+            <a:extLst>
+              <a:ext uri="{FF2B5EF4-FFF2-40B4-BE49-F238E27FC236}">
+                <a16:creationId xmlns:a16="http://schemas.microsoft.com/office/drawing/2014/main" id="{D83E9DE1-CFD1-64A9-4C84-7E47819F6D06}"/>
               </a:ext>
             </a:extLst>
           </p:cNvPr>
@@ -8361,7 +10584,7 @@
             <a:spLocks noGrp="1"/>
           </p:cNvSpPr>
           <p:nvPr>
-            <p:ph type="body" idx="1"/>
+            <p:ph idx="1"/>
           </p:nvPr>
         </p:nvSpPr>
         <p:spPr/>
@@ -8369,14 +10592,35 @@
           <a:bodyPr/>
           <a:lstStyle/>
           <a:p>
+            <a:r>
+              <a:rPr lang="en-US" dirty="0"/>
+              <a:t>An agent as a function tool means treating an AI agent like a callable function inside your system — with defined inputs, a clear contract, and structured outputs, instead of free-form conversation.</a:t>
+            </a:r>
+          </a:p>
+          <a:p>
             <a:endParaRPr lang="en-US" dirty="0"/>
+          </a:p>
+          <a:p>
+            <a:r>
+              <a:rPr lang="en-US" dirty="0"/>
+              <a:t>In other words:</a:t>
+            </a:r>
+          </a:p>
+          <a:p>
+            <a:pPr marL="0" indent="0">
+              <a:buNone/>
+            </a:pPr>
+            <a:r>
+              <a:rPr lang="en-US" dirty="0"/>
+              <a:t>👉 the agent behaves like software, not a chatbot</a:t>
+            </a:r>
           </a:p>
         </p:txBody>
       </p:sp>
     </p:spTree>
     <p:extLst>
       <p:ext uri="{BB962C8B-B14F-4D97-AF65-F5344CB8AC3E}">
-        <p14:creationId xmlns:p14="http://schemas.microsoft.com/office/powerpoint/2010/main" val="1758846101"/>
+        <p14:creationId xmlns:p14="http://schemas.microsoft.com/office/powerpoint/2010/main" val="152037749"/>
       </p:ext>
     </p:extLst>
   </p:cSld>
@@ -8391,13 +10635,7 @@
   <p:cSld>
     <p:spTree>
       <p:nvGrpSpPr>
-        <p:cNvPr id="1" name="">
-          <a:extLst>
-            <a:ext uri="{FF2B5EF4-FFF2-40B4-BE49-F238E27FC236}">
-              <a16:creationId xmlns:a16="http://schemas.microsoft.com/office/drawing/2014/main" id="{C909212A-07BD-FB08-C865-BEBA0BD4CE0D}"/>
-            </a:ext>
-          </a:extLst>
-        </p:cNvPr>
+        <p:cNvPr id="1" name=""/>
         <p:cNvGrpSpPr/>
         <p:nvPr/>
       </p:nvGrpSpPr>
@@ -8414,7 +10652,7 @@
           <p:cNvPr id="2" name="Title 1">
             <a:extLst>
               <a:ext uri="{FF2B5EF4-FFF2-40B4-BE49-F238E27FC236}">
-                <a16:creationId xmlns:a16="http://schemas.microsoft.com/office/drawing/2014/main" id="{F8A84EA9-3830-94AE-8775-B6B9DC871ED3}"/>
+                <a16:creationId xmlns:a16="http://schemas.microsoft.com/office/drawing/2014/main" id="{197EE92C-DB1C-C4F8-9D2F-E74F49D00CC5}"/>
               </a:ext>
             </a:extLst>
           </p:cNvPr>
@@ -8427,22 +10665,24 @@
         </p:nvSpPr>
         <p:spPr/>
         <p:txBody>
-          <a:bodyPr/>
+          <a:bodyPr>
+            <a:normAutofit/>
+          </a:bodyPr>
           <a:lstStyle/>
           <a:p>
             <a:r>
               <a:rPr lang="en-US" dirty="0"/>
-              <a:t>Sequential Workflows</a:t>
-            </a:r>
-          </a:p>
-        </p:txBody>
-      </p:sp>
-      <p:sp>
-        <p:nvSpPr>
-          <p:cNvPr id="4" name="Text Placeholder 3">
-            <a:extLst>
-              <a:ext uri="{FF2B5EF4-FFF2-40B4-BE49-F238E27FC236}">
-                <a16:creationId xmlns:a16="http://schemas.microsoft.com/office/drawing/2014/main" id="{F5DFDD2B-EA92-2211-DAF0-2A21CA01F9E0}"/>
+              <a:t>Core idea</a:t>
+            </a:r>
+          </a:p>
+        </p:txBody>
+      </p:sp>
+      <p:sp>
+        <p:nvSpPr>
+          <p:cNvPr id="3" name="Content Placeholder 2">
+            <a:extLst>
+              <a:ext uri="{FF2B5EF4-FFF2-40B4-BE49-F238E27FC236}">
+                <a16:creationId xmlns:a16="http://schemas.microsoft.com/office/drawing/2014/main" id="{6F2856F2-A4F0-8014-CDDF-8D9CEF8D2BDA}"/>
               </a:ext>
             </a:extLst>
           </p:cNvPr>
@@ -8450,22 +10690,88 @@
             <a:spLocks noGrp="1"/>
           </p:cNvSpPr>
           <p:nvPr>
-            <p:ph type="body" idx="1"/>
+            <p:ph idx="1"/>
           </p:nvPr>
         </p:nvSpPr>
         <p:spPr/>
         <p:txBody>
-          <a:bodyPr/>
+          <a:bodyPr>
+            <a:normAutofit/>
+          </a:bodyPr>
           <a:lstStyle/>
           <a:p>
-            <a:endParaRPr lang="en-US"/>
+            <a:r>
+              <a:rPr lang="en-US" dirty="0"/>
+              <a:t>Traditional agent:</a:t>
+            </a:r>
+          </a:p>
+          <a:p>
+            <a:pPr lvl="1"/>
+            <a:r>
+              <a:rPr lang="en-US" dirty="0"/>
+              <a:t>Conversational</a:t>
+            </a:r>
+          </a:p>
+          <a:p>
+            <a:pPr lvl="1"/>
+            <a:r>
+              <a:rPr lang="en-US" dirty="0"/>
+              <a:t>Unstructured text output</a:t>
+            </a:r>
+          </a:p>
+          <a:p>
+            <a:pPr lvl="1"/>
+            <a:r>
+              <a:rPr lang="en-US" dirty="0"/>
+              <a:t>Hard to integrate</a:t>
+            </a:r>
+          </a:p>
+          <a:p>
+            <a:r>
+              <a:rPr lang="en-US" dirty="0"/>
+              <a:t>Agent as a function tool:</a:t>
+            </a:r>
+          </a:p>
+          <a:p>
+            <a:pPr lvl="1"/>
+            <a:r>
+              <a:rPr lang="en-US" dirty="0"/>
+              <a:t>Invoked programmatically</a:t>
+            </a:r>
+          </a:p>
+          <a:p>
+            <a:pPr lvl="1"/>
+            <a:r>
+              <a:rPr lang="en-US" dirty="0"/>
+              <a:t>Receives structured input</a:t>
+            </a:r>
+          </a:p>
+          <a:p>
+            <a:pPr lvl="1"/>
+            <a:r>
+              <a:rPr lang="en-US" dirty="0"/>
+              <a:t>Returns structured output</a:t>
+            </a:r>
+          </a:p>
+          <a:p>
+            <a:pPr lvl="1"/>
+            <a:r>
+              <a:rPr lang="en-US" dirty="0"/>
+              <a:t>Can be composed, validated, and reused</a:t>
+            </a:r>
+          </a:p>
+          <a:p>
+            <a:endParaRPr lang="en-US" dirty="0"/>
+          </a:p>
+          <a:p>
+            <a:endParaRPr lang="en-US" dirty="0"/>
           </a:p>
         </p:txBody>
       </p:sp>
     </p:spTree>
     <p:extLst>
       <p:ext uri="{BB962C8B-B14F-4D97-AF65-F5344CB8AC3E}">
-        <p14:creationId xmlns:p14="http://schemas.microsoft.com/office/powerpoint/2010/main" val="3086651335"/>
+        <p14:creationId xmlns:p14="http://schemas.microsoft.com/office/powerpoint/2010/main" val="3518718374"/>
       </p:ext>
     </p:extLst>
   </p:cSld>
@@ -8497,6 +10803,428 @@
           <p:cNvPr id="2" name="Title 1">
             <a:extLst>
               <a:ext uri="{FF2B5EF4-FFF2-40B4-BE49-F238E27FC236}">
+                <a16:creationId xmlns:a16="http://schemas.microsoft.com/office/drawing/2014/main" id="{6816E252-8A50-63C8-EC4E-EEF5FC5EEC45}"/>
+              </a:ext>
+            </a:extLst>
+          </p:cNvPr>
+          <p:cNvSpPr>
+            <a:spLocks noGrp="1"/>
+          </p:cNvSpPr>
+          <p:nvPr>
+            <p:ph type="title"/>
+          </p:nvPr>
+        </p:nvSpPr>
+        <p:spPr/>
+        <p:txBody>
+          <a:bodyPr/>
+          <a:lstStyle/>
+          <a:p>
+            <a:r>
+              <a:rPr lang="en-US" dirty="0"/>
+              <a:t>Process</a:t>
+            </a:r>
+          </a:p>
+        </p:txBody>
+      </p:sp>
+      <p:sp>
+        <p:nvSpPr>
+          <p:cNvPr id="3" name="Content Placeholder 2">
+            <a:extLst>
+              <a:ext uri="{FF2B5EF4-FFF2-40B4-BE49-F238E27FC236}">
+                <a16:creationId xmlns:a16="http://schemas.microsoft.com/office/drawing/2014/main" id="{DC1C334A-B6D3-A75D-6FE5-D883D4E4E259}"/>
+              </a:ext>
+            </a:extLst>
+          </p:cNvPr>
+          <p:cNvSpPr>
+            <a:spLocks noGrp="1"/>
+          </p:cNvSpPr>
+          <p:nvPr>
+            <p:ph idx="1"/>
+          </p:nvPr>
+        </p:nvSpPr>
+        <p:spPr/>
+        <p:txBody>
+          <a:bodyPr>
+            <a:normAutofit/>
+          </a:bodyPr>
+          <a:lstStyle/>
+          <a:p>
+            <a:pPr marL="514350" indent="-514350">
+              <a:buFont typeface="+mj-lt"/>
+              <a:buAutoNum type="arabicPeriod"/>
+            </a:pPr>
+            <a:r>
+              <a:rPr lang="en-US" dirty="0"/>
+              <a:t>Prerequisites: Set up the environment (Azure, .NET, packages)</a:t>
+            </a:r>
+          </a:p>
+          <a:p>
+            <a:pPr marL="514350" indent="-514350">
+              <a:buFont typeface="+mj-lt"/>
+              <a:buAutoNum type="arabicPeriod"/>
+            </a:pPr>
+            <a:r>
+              <a:rPr lang="en-US" dirty="0"/>
+              <a:t>Create C# function: Write a method with discrete business logic</a:t>
+            </a:r>
+          </a:p>
+          <a:p>
+            <a:pPr marL="514350" indent="-514350">
+              <a:buFont typeface="+mj-lt"/>
+              <a:buAutoNum type="arabicPeriod"/>
+            </a:pPr>
+            <a:r>
+              <a:rPr lang="en-US" dirty="0"/>
+              <a:t>Convert to tool: Use </a:t>
+            </a:r>
+            <a:r>
+              <a:rPr lang="en-US" i="1" dirty="0" err="1"/>
+              <a:t>AIFunctionFactory.Create</a:t>
+            </a:r>
+            <a:endParaRPr lang="en-US" i="1" dirty="0"/>
+          </a:p>
+          <a:p>
+            <a:pPr marL="514350" indent="-514350">
+              <a:buFont typeface="+mj-lt"/>
+              <a:buAutoNum type="arabicPeriod"/>
+            </a:pPr>
+            <a:r>
+              <a:rPr lang="en-US" dirty="0"/>
+              <a:t>Create agent: Inject tools when creating the </a:t>
+            </a:r>
+            <a:r>
+              <a:rPr lang="en-US" i="1" dirty="0" err="1"/>
+              <a:t>AIAgent</a:t>
+            </a:r>
+            <a:endParaRPr lang="en-US" i="1" dirty="0"/>
+          </a:p>
+          <a:p>
+            <a:pPr marL="514350" indent="-514350">
+              <a:buFont typeface="+mj-lt"/>
+              <a:buAutoNum type="arabicPeriod"/>
+            </a:pPr>
+            <a:r>
+              <a:rPr lang="en-US" dirty="0"/>
+              <a:t>Invoke / test: Send a prompt to the agent and evaluate the response</a:t>
+            </a:r>
+          </a:p>
+          <a:p>
+            <a:pPr marL="514350" indent="-514350">
+              <a:buFont typeface="+mj-lt"/>
+              <a:buAutoNum type="arabicPeriod"/>
+            </a:pPr>
+            <a:r>
+              <a:rPr lang="en-US" dirty="0"/>
+              <a:t>Agent as tool (advanced): Expose an agent as a tool for other agents</a:t>
+            </a:r>
+          </a:p>
+        </p:txBody>
+      </p:sp>
+    </p:spTree>
+    <p:extLst>
+      <p:ext uri="{BB962C8B-B14F-4D97-AF65-F5344CB8AC3E}">
+        <p14:creationId xmlns:p14="http://schemas.microsoft.com/office/powerpoint/2010/main" val="2719386640"/>
+      </p:ext>
+    </p:extLst>
+  </p:cSld>
+  <p:clrMapOvr>
+    <a:masterClrMapping/>
+  </p:clrMapOvr>
+</p:sld>
+</file>
+
+<file path=ppt/slides/slide25.xml><?xml version="1.0" encoding="utf-8"?>
+<p:sld xmlns:a="http://schemas.openxmlformats.org/drawingml/2006/main" xmlns:r="http://schemas.openxmlformats.org/officeDocument/2006/relationships" xmlns:p="http://schemas.openxmlformats.org/presentationml/2006/main">
+  <p:cSld>
+    <p:spTree>
+      <p:nvGrpSpPr>
+        <p:cNvPr id="1" name="">
+          <a:extLst>
+            <a:ext uri="{FF2B5EF4-FFF2-40B4-BE49-F238E27FC236}">
+              <a16:creationId xmlns:a16="http://schemas.microsoft.com/office/drawing/2014/main" id="{597CF306-DC66-0BCB-250A-F41AE0803E72}"/>
+            </a:ext>
+          </a:extLst>
+        </p:cNvPr>
+        <p:cNvGrpSpPr/>
+        <p:nvPr/>
+      </p:nvGrpSpPr>
+      <p:grpSpPr>
+        <a:xfrm>
+          <a:off x="0" y="0"/>
+          <a:ext cx="0" cy="0"/>
+          <a:chOff x="0" y="0"/>
+          <a:chExt cx="0" cy="0"/>
+        </a:xfrm>
+      </p:grpSpPr>
+      <p:sp>
+        <p:nvSpPr>
+          <p:cNvPr id="2" name="Title 1">
+            <a:extLst>
+              <a:ext uri="{FF2B5EF4-FFF2-40B4-BE49-F238E27FC236}">
+                <a16:creationId xmlns:a16="http://schemas.microsoft.com/office/drawing/2014/main" id="{F8B92D7A-7E15-F526-EE51-B78BA3F559B8}"/>
+              </a:ext>
+            </a:extLst>
+          </p:cNvPr>
+          <p:cNvSpPr>
+            <a:spLocks noGrp="1"/>
+          </p:cNvSpPr>
+          <p:nvPr>
+            <p:ph type="title"/>
+          </p:nvPr>
+        </p:nvSpPr>
+        <p:spPr/>
+        <p:txBody>
+          <a:bodyPr/>
+          <a:lstStyle/>
+          <a:p>
+            <a:r>
+              <a:rPr lang="en-US" dirty="0"/>
+              <a:t>Using an agent as a function tool</a:t>
+            </a:r>
+          </a:p>
+        </p:txBody>
+      </p:sp>
+      <p:sp>
+        <p:nvSpPr>
+          <p:cNvPr id="4" name="Text Placeholder 3">
+            <a:extLst>
+              <a:ext uri="{FF2B5EF4-FFF2-40B4-BE49-F238E27FC236}">
+                <a16:creationId xmlns:a16="http://schemas.microsoft.com/office/drawing/2014/main" id="{06E3E86B-4EE2-1CC0-A776-E45394FD7BF4}"/>
+              </a:ext>
+            </a:extLst>
+          </p:cNvPr>
+          <p:cNvSpPr>
+            <a:spLocks noGrp="1"/>
+          </p:cNvSpPr>
+          <p:nvPr>
+            <p:ph type="body" idx="1"/>
+          </p:nvPr>
+        </p:nvSpPr>
+        <p:spPr/>
+        <p:txBody>
+          <a:bodyPr/>
+          <a:lstStyle/>
+          <a:p>
+            <a:r>
+              <a:rPr lang="en-US" dirty="0"/>
+              <a:t>DEMO</a:t>
+            </a:r>
+          </a:p>
+        </p:txBody>
+      </p:sp>
+    </p:spTree>
+    <p:extLst>
+      <p:ext uri="{BB962C8B-B14F-4D97-AF65-F5344CB8AC3E}">
+        <p14:creationId xmlns:p14="http://schemas.microsoft.com/office/powerpoint/2010/main" val="1873058211"/>
+      </p:ext>
+    </p:extLst>
+  </p:cSld>
+  <p:clrMapOvr>
+    <a:masterClrMapping/>
+  </p:clrMapOvr>
+</p:sld>
+</file>
+
+<file path=ppt/slides/slide26.xml><?xml version="1.0" encoding="utf-8"?>
+<p:sld xmlns:a="http://schemas.openxmlformats.org/drawingml/2006/main" xmlns:r="http://schemas.openxmlformats.org/officeDocument/2006/relationships" xmlns:p="http://schemas.openxmlformats.org/presentationml/2006/main">
+  <p:cSld>
+    <p:spTree>
+      <p:nvGrpSpPr>
+        <p:cNvPr id="1" name="">
+          <a:extLst>
+            <a:ext uri="{FF2B5EF4-FFF2-40B4-BE49-F238E27FC236}">
+              <a16:creationId xmlns:a16="http://schemas.microsoft.com/office/drawing/2014/main" id="{8DF8E3A6-A611-BB92-A910-90FDBE6A711D}"/>
+            </a:ext>
+          </a:extLst>
+        </p:cNvPr>
+        <p:cNvGrpSpPr/>
+        <p:nvPr/>
+      </p:nvGrpSpPr>
+      <p:grpSpPr>
+        <a:xfrm>
+          <a:off x="0" y="0"/>
+          <a:ext cx="0" cy="0"/>
+          <a:chOff x="0" y="0"/>
+          <a:chExt cx="0" cy="0"/>
+        </a:xfrm>
+      </p:grpSpPr>
+      <p:sp>
+        <p:nvSpPr>
+          <p:cNvPr id="2" name="Title 1">
+            <a:extLst>
+              <a:ext uri="{FF2B5EF4-FFF2-40B4-BE49-F238E27FC236}">
+                <a16:creationId xmlns:a16="http://schemas.microsoft.com/office/drawing/2014/main" id="{8002BFD1-41E7-DE4D-ECAD-6D8EFAF7E701}"/>
+              </a:ext>
+            </a:extLst>
+          </p:cNvPr>
+          <p:cNvSpPr>
+            <a:spLocks noGrp="1"/>
+          </p:cNvSpPr>
+          <p:nvPr>
+            <p:ph type="title"/>
+          </p:nvPr>
+        </p:nvSpPr>
+        <p:spPr/>
+        <p:txBody>
+          <a:bodyPr/>
+          <a:lstStyle/>
+          <a:p>
+            <a:r>
+              <a:rPr lang="en-US" dirty="0"/>
+              <a:t>Business Plan Presentation</a:t>
+            </a:r>
+          </a:p>
+        </p:txBody>
+      </p:sp>
+      <p:sp>
+        <p:nvSpPr>
+          <p:cNvPr id="4" name="Text Placeholder 3">
+            <a:extLst>
+              <a:ext uri="{FF2B5EF4-FFF2-40B4-BE49-F238E27FC236}">
+                <a16:creationId xmlns:a16="http://schemas.microsoft.com/office/drawing/2014/main" id="{8C64A273-7EA9-9BF0-92F7-EF3412F2004D}"/>
+              </a:ext>
+            </a:extLst>
+          </p:cNvPr>
+          <p:cNvSpPr>
+            <a:spLocks noGrp="1"/>
+          </p:cNvSpPr>
+          <p:nvPr>
+            <p:ph type="body" idx="1"/>
+          </p:nvPr>
+        </p:nvSpPr>
+        <p:spPr/>
+        <p:txBody>
+          <a:bodyPr/>
+          <a:lstStyle/>
+          <a:p>
+            <a:endParaRPr lang="en-US" dirty="0"/>
+          </a:p>
+        </p:txBody>
+      </p:sp>
+    </p:spTree>
+    <p:extLst>
+      <p:ext uri="{BB962C8B-B14F-4D97-AF65-F5344CB8AC3E}">
+        <p14:creationId xmlns:p14="http://schemas.microsoft.com/office/powerpoint/2010/main" val="1758846101"/>
+      </p:ext>
+    </p:extLst>
+  </p:cSld>
+  <p:clrMapOvr>
+    <a:masterClrMapping/>
+  </p:clrMapOvr>
+</p:sld>
+</file>
+
+<file path=ppt/slides/slide27.xml><?xml version="1.0" encoding="utf-8"?>
+<p:sld xmlns:a="http://schemas.openxmlformats.org/drawingml/2006/main" xmlns:r="http://schemas.openxmlformats.org/officeDocument/2006/relationships" xmlns:p="http://schemas.openxmlformats.org/presentationml/2006/main">
+  <p:cSld>
+    <p:spTree>
+      <p:nvGrpSpPr>
+        <p:cNvPr id="1" name="">
+          <a:extLst>
+            <a:ext uri="{FF2B5EF4-FFF2-40B4-BE49-F238E27FC236}">
+              <a16:creationId xmlns:a16="http://schemas.microsoft.com/office/drawing/2014/main" id="{C909212A-07BD-FB08-C865-BEBA0BD4CE0D}"/>
+            </a:ext>
+          </a:extLst>
+        </p:cNvPr>
+        <p:cNvGrpSpPr/>
+        <p:nvPr/>
+      </p:nvGrpSpPr>
+      <p:grpSpPr>
+        <a:xfrm>
+          <a:off x="0" y="0"/>
+          <a:ext cx="0" cy="0"/>
+          <a:chOff x="0" y="0"/>
+          <a:chExt cx="0" cy="0"/>
+        </a:xfrm>
+      </p:grpSpPr>
+      <p:sp>
+        <p:nvSpPr>
+          <p:cNvPr id="2" name="Title 1">
+            <a:extLst>
+              <a:ext uri="{FF2B5EF4-FFF2-40B4-BE49-F238E27FC236}">
+                <a16:creationId xmlns:a16="http://schemas.microsoft.com/office/drawing/2014/main" id="{F8A84EA9-3830-94AE-8775-B6B9DC871ED3}"/>
+              </a:ext>
+            </a:extLst>
+          </p:cNvPr>
+          <p:cNvSpPr>
+            <a:spLocks noGrp="1"/>
+          </p:cNvSpPr>
+          <p:nvPr>
+            <p:ph type="title"/>
+          </p:nvPr>
+        </p:nvSpPr>
+        <p:spPr/>
+        <p:txBody>
+          <a:bodyPr/>
+          <a:lstStyle/>
+          <a:p>
+            <a:r>
+              <a:rPr lang="en-US" dirty="0"/>
+              <a:t>Sequential Workflows</a:t>
+            </a:r>
+          </a:p>
+        </p:txBody>
+      </p:sp>
+      <p:sp>
+        <p:nvSpPr>
+          <p:cNvPr id="4" name="Text Placeholder 3">
+            <a:extLst>
+              <a:ext uri="{FF2B5EF4-FFF2-40B4-BE49-F238E27FC236}">
+                <a16:creationId xmlns:a16="http://schemas.microsoft.com/office/drawing/2014/main" id="{F5DFDD2B-EA92-2211-DAF0-2A21CA01F9E0}"/>
+              </a:ext>
+            </a:extLst>
+          </p:cNvPr>
+          <p:cNvSpPr>
+            <a:spLocks noGrp="1"/>
+          </p:cNvSpPr>
+          <p:nvPr>
+            <p:ph type="body" idx="1"/>
+          </p:nvPr>
+        </p:nvSpPr>
+        <p:spPr/>
+        <p:txBody>
+          <a:bodyPr/>
+          <a:lstStyle/>
+          <a:p>
+            <a:endParaRPr lang="en-US"/>
+          </a:p>
+        </p:txBody>
+      </p:sp>
+    </p:spTree>
+    <p:extLst>
+      <p:ext uri="{BB962C8B-B14F-4D97-AF65-F5344CB8AC3E}">
+        <p14:creationId xmlns:p14="http://schemas.microsoft.com/office/powerpoint/2010/main" val="3086651335"/>
+      </p:ext>
+    </p:extLst>
+  </p:cSld>
+  <p:clrMapOvr>
+    <a:masterClrMapping/>
+  </p:clrMapOvr>
+</p:sld>
+</file>
+
+<file path=ppt/slides/slide28.xml><?xml version="1.0" encoding="utf-8"?>
+<p:sld xmlns:a="http://schemas.openxmlformats.org/drawingml/2006/main" xmlns:r="http://schemas.openxmlformats.org/officeDocument/2006/relationships" xmlns:p="http://schemas.openxmlformats.org/presentationml/2006/main">
+  <p:cSld>
+    <p:spTree>
+      <p:nvGrpSpPr>
+        <p:cNvPr id="1" name=""/>
+        <p:cNvGrpSpPr/>
+        <p:nvPr/>
+      </p:nvGrpSpPr>
+      <p:grpSpPr>
+        <a:xfrm>
+          <a:off x="0" y="0"/>
+          <a:ext cx="0" cy="0"/>
+          <a:chOff x="0" y="0"/>
+          <a:chExt cx="0" cy="0"/>
+        </a:xfrm>
+      </p:grpSpPr>
+      <p:sp>
+        <p:nvSpPr>
+          <p:cNvPr id="2" name="Title 1">
+            <a:extLst>
+              <a:ext uri="{FF2B5EF4-FFF2-40B4-BE49-F238E27FC236}">
                 <a16:creationId xmlns:a16="http://schemas.microsoft.com/office/drawing/2014/main" id="{925D23F8-02F0-700A-7EBF-5D55986E72C2}"/>
               </a:ext>
             </a:extLst>
@@ -8589,7 +11317,7 @@
 </p:sld>
 </file>
 
-<file path=ppt/slides/slide25.xml><?xml version="1.0" encoding="utf-8"?>
+<file path=ppt/slides/slide29.xml><?xml version="1.0" encoding="utf-8"?>
 <p:sld xmlns:a="http://schemas.openxmlformats.org/drawingml/2006/main" xmlns:r="http://schemas.openxmlformats.org/officeDocument/2006/relationships" xmlns:p="http://schemas.openxmlformats.org/presentationml/2006/main">
   <p:cSld>
     <p:spTree>
@@ -8755,98 +11483,6 @@
     <p:extLst>
       <p:ext uri="{BB962C8B-B14F-4D97-AF65-F5344CB8AC3E}">
         <p14:creationId xmlns:p14="http://schemas.microsoft.com/office/powerpoint/2010/main" val="1083236799"/>
-      </p:ext>
-    </p:extLst>
-  </p:cSld>
-  <p:clrMapOvr>
-    <a:masterClrMapping/>
-  </p:clrMapOvr>
-</p:sld>
-</file>
-
-<file path=ppt/slides/slide26.xml><?xml version="1.0" encoding="utf-8"?>
-<p:sld xmlns:a="http://schemas.openxmlformats.org/drawingml/2006/main" xmlns:r="http://schemas.openxmlformats.org/officeDocument/2006/relationships" xmlns:p="http://schemas.openxmlformats.org/presentationml/2006/main">
-  <p:cSld>
-    <p:spTree>
-      <p:nvGrpSpPr>
-        <p:cNvPr id="1" name="">
-          <a:extLst>
-            <a:ext uri="{FF2B5EF4-FFF2-40B4-BE49-F238E27FC236}">
-              <a16:creationId xmlns:a16="http://schemas.microsoft.com/office/drawing/2014/main" id="{123F2307-83D0-AD35-EEA3-A39508174A08}"/>
-            </a:ext>
-          </a:extLst>
-        </p:cNvPr>
-        <p:cNvGrpSpPr/>
-        <p:nvPr/>
-      </p:nvGrpSpPr>
-      <p:grpSpPr>
-        <a:xfrm>
-          <a:off x="0" y="0"/>
-          <a:ext cx="0" cy="0"/>
-          <a:chOff x="0" y="0"/>
-          <a:chExt cx="0" cy="0"/>
-        </a:xfrm>
-      </p:grpSpPr>
-      <p:sp>
-        <p:nvSpPr>
-          <p:cNvPr id="2" name="Title 1">
-            <a:extLst>
-              <a:ext uri="{FF2B5EF4-FFF2-40B4-BE49-F238E27FC236}">
-                <a16:creationId xmlns:a16="http://schemas.microsoft.com/office/drawing/2014/main" id="{BE60E3D7-0D8E-C778-E9E6-CF69DC55FF96}"/>
-              </a:ext>
-            </a:extLst>
-          </p:cNvPr>
-          <p:cNvSpPr>
-            <a:spLocks noGrp="1"/>
-          </p:cNvSpPr>
-          <p:nvPr>
-            <p:ph type="title"/>
-          </p:nvPr>
-        </p:nvSpPr>
-        <p:spPr/>
-        <p:txBody>
-          <a:bodyPr/>
-          <a:lstStyle/>
-          <a:p>
-            <a:r>
-              <a:rPr lang="en-US" dirty="0"/>
-              <a:t>Sequential Workflows</a:t>
-            </a:r>
-          </a:p>
-        </p:txBody>
-      </p:sp>
-      <p:sp>
-        <p:nvSpPr>
-          <p:cNvPr id="4" name="Text Placeholder 3">
-            <a:extLst>
-              <a:ext uri="{FF2B5EF4-FFF2-40B4-BE49-F238E27FC236}">
-                <a16:creationId xmlns:a16="http://schemas.microsoft.com/office/drawing/2014/main" id="{2C7FDF27-23F0-7F3B-637F-6921B9731F46}"/>
-              </a:ext>
-            </a:extLst>
-          </p:cNvPr>
-          <p:cNvSpPr>
-            <a:spLocks noGrp="1"/>
-          </p:cNvSpPr>
-          <p:nvPr>
-            <p:ph type="body" idx="1"/>
-          </p:nvPr>
-        </p:nvSpPr>
-        <p:spPr/>
-        <p:txBody>
-          <a:bodyPr/>
-          <a:lstStyle/>
-          <a:p>
-            <a:r>
-              <a:rPr lang="en-US" dirty="0"/>
-              <a:t>DEMO</a:t>
-            </a:r>
-          </a:p>
-        </p:txBody>
-      </p:sp>
-    </p:spTree>
-    <p:extLst>
-      <p:ext uri="{BB962C8B-B14F-4D97-AF65-F5344CB8AC3E}">
-        <p14:creationId xmlns:p14="http://schemas.microsoft.com/office/powerpoint/2010/main" val="1533470380"/>
       </p:ext>
     </p:extLst>
   </p:cSld>
@@ -9104,6 +11740,98 @@
     <p:extLst>
       <p:ext uri="{BB962C8B-B14F-4D97-AF65-F5344CB8AC3E}">
         <p14:creationId xmlns:p14="http://schemas.microsoft.com/office/powerpoint/2010/main" val="1668679824"/>
+      </p:ext>
+    </p:extLst>
+  </p:cSld>
+  <p:clrMapOvr>
+    <a:masterClrMapping/>
+  </p:clrMapOvr>
+</p:sld>
+</file>
+
+<file path=ppt/slides/slide30.xml><?xml version="1.0" encoding="utf-8"?>
+<p:sld xmlns:a="http://schemas.openxmlformats.org/drawingml/2006/main" xmlns:r="http://schemas.openxmlformats.org/officeDocument/2006/relationships" xmlns:p="http://schemas.openxmlformats.org/presentationml/2006/main">
+  <p:cSld>
+    <p:spTree>
+      <p:nvGrpSpPr>
+        <p:cNvPr id="1" name="">
+          <a:extLst>
+            <a:ext uri="{FF2B5EF4-FFF2-40B4-BE49-F238E27FC236}">
+              <a16:creationId xmlns:a16="http://schemas.microsoft.com/office/drawing/2014/main" id="{123F2307-83D0-AD35-EEA3-A39508174A08}"/>
+            </a:ext>
+          </a:extLst>
+        </p:cNvPr>
+        <p:cNvGrpSpPr/>
+        <p:nvPr/>
+      </p:nvGrpSpPr>
+      <p:grpSpPr>
+        <a:xfrm>
+          <a:off x="0" y="0"/>
+          <a:ext cx="0" cy="0"/>
+          <a:chOff x="0" y="0"/>
+          <a:chExt cx="0" cy="0"/>
+        </a:xfrm>
+      </p:grpSpPr>
+      <p:sp>
+        <p:nvSpPr>
+          <p:cNvPr id="2" name="Title 1">
+            <a:extLst>
+              <a:ext uri="{FF2B5EF4-FFF2-40B4-BE49-F238E27FC236}">
+                <a16:creationId xmlns:a16="http://schemas.microsoft.com/office/drawing/2014/main" id="{BE60E3D7-0D8E-C778-E9E6-CF69DC55FF96}"/>
+              </a:ext>
+            </a:extLst>
+          </p:cNvPr>
+          <p:cNvSpPr>
+            <a:spLocks noGrp="1"/>
+          </p:cNvSpPr>
+          <p:nvPr>
+            <p:ph type="title"/>
+          </p:nvPr>
+        </p:nvSpPr>
+        <p:spPr/>
+        <p:txBody>
+          <a:bodyPr/>
+          <a:lstStyle/>
+          <a:p>
+            <a:r>
+              <a:rPr lang="en-US" dirty="0"/>
+              <a:t>Sequential Workflows</a:t>
+            </a:r>
+          </a:p>
+        </p:txBody>
+      </p:sp>
+      <p:sp>
+        <p:nvSpPr>
+          <p:cNvPr id="4" name="Text Placeholder 3">
+            <a:extLst>
+              <a:ext uri="{FF2B5EF4-FFF2-40B4-BE49-F238E27FC236}">
+                <a16:creationId xmlns:a16="http://schemas.microsoft.com/office/drawing/2014/main" id="{2C7FDF27-23F0-7F3B-637F-6921B9731F46}"/>
+              </a:ext>
+            </a:extLst>
+          </p:cNvPr>
+          <p:cNvSpPr>
+            <a:spLocks noGrp="1"/>
+          </p:cNvSpPr>
+          <p:nvPr>
+            <p:ph type="body" idx="1"/>
+          </p:nvPr>
+        </p:nvSpPr>
+        <p:spPr/>
+        <p:txBody>
+          <a:bodyPr/>
+          <a:lstStyle/>
+          <a:p>
+            <a:r>
+              <a:rPr lang="en-US" dirty="0"/>
+              <a:t>DEMO</a:t>
+            </a:r>
+          </a:p>
+        </p:txBody>
+      </p:sp>
+    </p:spTree>
+    <p:extLst>
+      <p:ext uri="{BB962C8B-B14F-4D97-AF65-F5344CB8AC3E}">
+        <p14:creationId xmlns:p14="http://schemas.microsoft.com/office/powerpoint/2010/main" val="1533470380"/>
       </p:ext>
     </p:extLst>
   </p:cSld>

--- a/docs/revised.pptx
+++ b/docs/revised.pptx
@@ -3098,7 +3098,7 @@
           <a:p>
             <a:fld id="{E85674F1-98A6-594B-85E4-D3870963F00F}" type="datetimeFigureOut">
               <a:rPr lang="en-US" smtClean="0"/>
-              <a:t>1/14/26</a:t>
+              <a:t>1/19/26</a:t>
             </a:fld>
             <a:endParaRPr lang="en-US"/>
           </a:p>
@@ -5809,7 +5809,7 @@
           <a:p>
             <a:fld id="{271DB9ED-E045-134F-B3F2-C9B359932CAC}" type="datetimeFigureOut">
               <a:rPr lang="en-US" smtClean="0"/>
-              <a:t>1/14/26</a:t>
+              <a:t>1/19/26</a:t>
             </a:fld>
             <a:endParaRPr lang="en-US"/>
           </a:p>
@@ -6007,7 +6007,7 @@
           <a:p>
             <a:fld id="{271DB9ED-E045-134F-B3F2-C9B359932CAC}" type="datetimeFigureOut">
               <a:rPr lang="en-US" smtClean="0"/>
-              <a:t>1/14/26</a:t>
+              <a:t>1/19/26</a:t>
             </a:fld>
             <a:endParaRPr lang="en-US"/>
           </a:p>
@@ -6215,7 +6215,7 @@
           <a:p>
             <a:fld id="{271DB9ED-E045-134F-B3F2-C9B359932CAC}" type="datetimeFigureOut">
               <a:rPr lang="en-US" smtClean="0"/>
-              <a:t>1/14/26</a:t>
+              <a:t>1/19/26</a:t>
             </a:fld>
             <a:endParaRPr lang="en-US"/>
           </a:p>
@@ -6413,7 +6413,7 @@
           <a:p>
             <a:fld id="{271DB9ED-E045-134F-B3F2-C9B359932CAC}" type="datetimeFigureOut">
               <a:rPr lang="en-US" smtClean="0"/>
-              <a:t>1/14/26</a:t>
+              <a:t>1/19/26</a:t>
             </a:fld>
             <a:endParaRPr lang="en-US"/>
           </a:p>
@@ -6688,7 +6688,7 @@
           <a:p>
             <a:fld id="{271DB9ED-E045-134F-B3F2-C9B359932CAC}" type="datetimeFigureOut">
               <a:rPr lang="en-US" smtClean="0"/>
-              <a:t>1/14/26</a:t>
+              <a:t>1/19/26</a:t>
             </a:fld>
             <a:endParaRPr lang="en-US"/>
           </a:p>
@@ -6953,7 +6953,7 @@
           <a:p>
             <a:fld id="{271DB9ED-E045-134F-B3F2-C9B359932CAC}" type="datetimeFigureOut">
               <a:rPr lang="en-US" smtClean="0"/>
-              <a:t>1/14/26</a:t>
+              <a:t>1/19/26</a:t>
             </a:fld>
             <a:endParaRPr lang="en-US"/>
           </a:p>
@@ -7365,7 +7365,7 @@
           <a:p>
             <a:fld id="{271DB9ED-E045-134F-B3F2-C9B359932CAC}" type="datetimeFigureOut">
               <a:rPr lang="en-US" smtClean="0"/>
-              <a:t>1/14/26</a:t>
+              <a:t>1/19/26</a:t>
             </a:fld>
             <a:endParaRPr lang="en-US"/>
           </a:p>
@@ -7506,7 +7506,7 @@
           <a:p>
             <a:fld id="{271DB9ED-E045-134F-B3F2-C9B359932CAC}" type="datetimeFigureOut">
               <a:rPr lang="en-US" smtClean="0"/>
-              <a:t>1/14/26</a:t>
+              <a:t>1/19/26</a:t>
             </a:fld>
             <a:endParaRPr lang="en-US"/>
           </a:p>
@@ -7619,7 +7619,7 @@
           <a:p>
             <a:fld id="{271DB9ED-E045-134F-B3F2-C9B359932CAC}" type="datetimeFigureOut">
               <a:rPr lang="en-US" smtClean="0"/>
-              <a:t>1/14/26</a:t>
+              <a:t>1/19/26</a:t>
             </a:fld>
             <a:endParaRPr lang="en-US"/>
           </a:p>
@@ -7930,7 +7930,7 @@
           <a:p>
             <a:fld id="{271DB9ED-E045-134F-B3F2-C9B359932CAC}" type="datetimeFigureOut">
               <a:rPr lang="en-US" smtClean="0"/>
-              <a:t>1/14/26</a:t>
+              <a:t>1/19/26</a:t>
             </a:fld>
             <a:endParaRPr lang="en-US"/>
           </a:p>
@@ -8218,7 +8218,7 @@
           <a:p>
             <a:fld id="{271DB9ED-E045-134F-B3F2-C9B359932CAC}" type="datetimeFigureOut">
               <a:rPr lang="en-US" smtClean="0"/>
-              <a:t>1/14/26</a:t>
+              <a:t>1/19/26</a:t>
             </a:fld>
             <a:endParaRPr lang="en-US"/>
           </a:p>
@@ -8459,7 +8459,7 @@
           <a:p>
             <a:fld id="{271DB9ED-E045-134F-B3F2-C9B359932CAC}" type="datetimeFigureOut">
               <a:rPr lang="en-US" smtClean="0"/>
-              <a:t>1/14/26</a:t>
+              <a:t>1/19/26</a:t>
             </a:fld>
             <a:endParaRPr lang="en-US"/>
           </a:p>
@@ -9115,7 +9115,7 @@
             </a:pPr>
             <a:r>
               <a:rPr lang="en-US" dirty="0"/>
-              <a:t>👉 the agent doesn’t just talk — it responds with data that other systems can reliably consume.</a:t>
+              <a:t>👉 The agent doesn’t just talk - it responds with data that other systems can reliably consume.</a:t>
             </a:r>
           </a:p>
           <a:p>
@@ -9334,12 +9334,11 @@
               <a:rPr lang="en-US" dirty="0"/>
               <a:t>We can design a set of microservices, exposing APIs that receive data and instructions, supported by classes that can interact with one another.</a:t>
             </a:r>
-            <a:br>
+          </a:p>
+          <a:p>
+            <a:r>
               <a:rPr lang="en-US" dirty="0"/>
-            </a:br>
-            <a:r>
-              <a:rPr lang="en-US" dirty="0"/>
-              <a:t> Each class encapsulates its own AI-driven business logic and is able to orchestrate with other components, producing high-quality and consistent results.</a:t>
+              <a:t>Each class encapsulates its own AI-driven business logic and is able to orchestrate with other components, producing high-quality and consistent results.</a:t>
             </a:r>
           </a:p>
           <a:p>
@@ -12180,7 +12179,7 @@
 </file>
 
 <file path=ppt/slides/slide6.xml><?xml version="1.0" encoding="utf-8"?>
-<p:sld xmlns:a="http://schemas.openxmlformats.org/drawingml/2006/main" xmlns:r="http://schemas.openxmlformats.org/officeDocument/2006/relationships" xmlns:p="http://schemas.openxmlformats.org/presentationml/2006/main">
+<p:sld xmlns:a="http://schemas.openxmlformats.org/drawingml/2006/main" xmlns:r="http://schemas.openxmlformats.org/officeDocument/2006/relationships" xmlns:p="http://schemas.openxmlformats.org/presentationml/2006/main" show="0">
   <p:cSld>
     <p:spTree>
       <p:nvGrpSpPr>

--- a/docs/revised.pptx
+++ b/docs/revised.pptx
@@ -22,8 +22,8 @@
     <p:sldId id="259" r:id="rId13"/>
     <p:sldId id="260" r:id="rId14"/>
     <p:sldId id="262" r:id="rId15"/>
-    <p:sldId id="263" r:id="rId16"/>
-    <p:sldId id="264" r:id="rId17"/>
+    <p:sldId id="264" r:id="rId16"/>
+    <p:sldId id="263" r:id="rId17"/>
     <p:sldId id="265" r:id="rId18"/>
     <p:sldId id="282" r:id="rId19"/>
     <p:sldId id="295" r:id="rId20"/>
@@ -3098,7 +3098,7 @@
           <a:p>
             <a:fld id="{E85674F1-98A6-594B-85E4-D3870963F00F}" type="datetimeFigureOut">
               <a:rPr lang="en-US" smtClean="0"/>
-              <a:t>1/19/26</a:t>
+              <a:t>1/20/26</a:t>
             </a:fld>
             <a:endParaRPr lang="en-US"/>
           </a:p>
@@ -5809,7 +5809,7 @@
           <a:p>
             <a:fld id="{271DB9ED-E045-134F-B3F2-C9B359932CAC}" type="datetimeFigureOut">
               <a:rPr lang="en-US" smtClean="0"/>
-              <a:t>1/19/26</a:t>
+              <a:t>1/20/26</a:t>
             </a:fld>
             <a:endParaRPr lang="en-US"/>
           </a:p>
@@ -6007,7 +6007,7 @@
           <a:p>
             <a:fld id="{271DB9ED-E045-134F-B3F2-C9B359932CAC}" type="datetimeFigureOut">
               <a:rPr lang="en-US" smtClean="0"/>
-              <a:t>1/19/26</a:t>
+              <a:t>1/20/26</a:t>
             </a:fld>
             <a:endParaRPr lang="en-US"/>
           </a:p>
@@ -6215,7 +6215,7 @@
           <a:p>
             <a:fld id="{271DB9ED-E045-134F-B3F2-C9B359932CAC}" type="datetimeFigureOut">
               <a:rPr lang="en-US" smtClean="0"/>
-              <a:t>1/19/26</a:t>
+              <a:t>1/20/26</a:t>
             </a:fld>
             <a:endParaRPr lang="en-US"/>
           </a:p>
@@ -6413,7 +6413,7 @@
           <a:p>
             <a:fld id="{271DB9ED-E045-134F-B3F2-C9B359932CAC}" type="datetimeFigureOut">
               <a:rPr lang="en-US" smtClean="0"/>
-              <a:t>1/19/26</a:t>
+              <a:t>1/20/26</a:t>
             </a:fld>
             <a:endParaRPr lang="en-US"/>
           </a:p>
@@ -6688,7 +6688,7 @@
           <a:p>
             <a:fld id="{271DB9ED-E045-134F-B3F2-C9B359932CAC}" type="datetimeFigureOut">
               <a:rPr lang="en-US" smtClean="0"/>
-              <a:t>1/19/26</a:t>
+              <a:t>1/20/26</a:t>
             </a:fld>
             <a:endParaRPr lang="en-US"/>
           </a:p>
@@ -6953,7 +6953,7 @@
           <a:p>
             <a:fld id="{271DB9ED-E045-134F-B3F2-C9B359932CAC}" type="datetimeFigureOut">
               <a:rPr lang="en-US" smtClean="0"/>
-              <a:t>1/19/26</a:t>
+              <a:t>1/20/26</a:t>
             </a:fld>
             <a:endParaRPr lang="en-US"/>
           </a:p>
@@ -7365,7 +7365,7 @@
           <a:p>
             <a:fld id="{271DB9ED-E045-134F-B3F2-C9B359932CAC}" type="datetimeFigureOut">
               <a:rPr lang="en-US" smtClean="0"/>
-              <a:t>1/19/26</a:t>
+              <a:t>1/20/26</a:t>
             </a:fld>
             <a:endParaRPr lang="en-US"/>
           </a:p>
@@ -7506,7 +7506,7 @@
           <a:p>
             <a:fld id="{271DB9ED-E045-134F-B3F2-C9B359932CAC}" type="datetimeFigureOut">
               <a:rPr lang="en-US" smtClean="0"/>
-              <a:t>1/19/26</a:t>
+              <a:t>1/20/26</a:t>
             </a:fld>
             <a:endParaRPr lang="en-US"/>
           </a:p>
@@ -7619,7 +7619,7 @@
           <a:p>
             <a:fld id="{271DB9ED-E045-134F-B3F2-C9B359932CAC}" type="datetimeFigureOut">
               <a:rPr lang="en-US" smtClean="0"/>
-              <a:t>1/19/26</a:t>
+              <a:t>1/20/26</a:t>
             </a:fld>
             <a:endParaRPr lang="en-US"/>
           </a:p>
@@ -7930,7 +7930,7 @@
           <a:p>
             <a:fld id="{271DB9ED-E045-134F-B3F2-C9B359932CAC}" type="datetimeFigureOut">
               <a:rPr lang="en-US" smtClean="0"/>
-              <a:t>1/19/26</a:t>
+              <a:t>1/20/26</a:t>
             </a:fld>
             <a:endParaRPr lang="en-US"/>
           </a:p>
@@ -8218,7 +8218,7 @@
           <a:p>
             <a:fld id="{271DB9ED-E045-134F-B3F2-C9B359932CAC}" type="datetimeFigureOut">
               <a:rPr lang="en-US" smtClean="0"/>
-              <a:t>1/19/26</a:t>
+              <a:t>1/20/26</a:t>
             </a:fld>
             <a:endParaRPr lang="en-US"/>
           </a:p>
@@ -8459,7 +8459,7 @@
           <a:p>
             <a:fld id="{271DB9ED-E045-134F-B3F2-C9B359932CAC}" type="datetimeFigureOut">
               <a:rPr lang="en-US" smtClean="0"/>
-              <a:t>1/19/26</a:t>
+              <a:t>1/20/26</a:t>
             </a:fld>
             <a:endParaRPr lang="en-US"/>
           </a:p>
@@ -9263,6 +9263,239 @@
 </file>
 
 <file path=ppt/slides/slide13.xml><?xml version="1.0" encoding="utf-8"?>
+<p:sld xmlns:a="http://schemas.openxmlformats.org/drawingml/2006/main" xmlns:r="http://schemas.openxmlformats.org/officeDocument/2006/relationships" xmlns:p="http://schemas.openxmlformats.org/presentationml/2006/main" show="0">
+  <p:cSld>
+    <p:spTree>
+      <p:nvGrpSpPr>
+        <p:cNvPr id="1" name=""/>
+        <p:cNvGrpSpPr/>
+        <p:nvPr/>
+      </p:nvGrpSpPr>
+      <p:grpSpPr>
+        <a:xfrm>
+          <a:off x="0" y="0"/>
+          <a:ext cx="0" cy="0"/>
+          <a:chOff x="0" y="0"/>
+          <a:chExt cx="0" cy="0"/>
+        </a:xfrm>
+      </p:grpSpPr>
+      <p:sp>
+        <p:nvSpPr>
+          <p:cNvPr id="2" name="Title 1">
+            <a:extLst>
+              <a:ext uri="{FF2B5EF4-FFF2-40B4-BE49-F238E27FC236}">
+                <a16:creationId xmlns:a16="http://schemas.microsoft.com/office/drawing/2014/main" id="{F88ED850-934C-D220-CFB1-ABB886BAFE3D}"/>
+              </a:ext>
+            </a:extLst>
+          </p:cNvPr>
+          <p:cNvSpPr>
+            <a:spLocks noGrp="1"/>
+          </p:cNvSpPr>
+          <p:nvPr>
+            <p:ph type="title"/>
+          </p:nvPr>
+        </p:nvSpPr>
+        <p:spPr/>
+        <p:txBody>
+          <a:bodyPr/>
+          <a:lstStyle/>
+          <a:p>
+            <a:r>
+              <a:rPr lang="en-US" dirty="0"/>
+              <a:t>Why is structured output important?</a:t>
+            </a:r>
+          </a:p>
+        </p:txBody>
+      </p:sp>
+      <p:sp>
+        <p:nvSpPr>
+          <p:cNvPr id="3" name="Content Placeholder 2">
+            <a:extLst>
+              <a:ext uri="{FF2B5EF4-FFF2-40B4-BE49-F238E27FC236}">
+                <a16:creationId xmlns:a16="http://schemas.microsoft.com/office/drawing/2014/main" id="{985FC3D6-0506-7108-8F6C-B7239574EE0E}"/>
+              </a:ext>
+            </a:extLst>
+          </p:cNvPr>
+          <p:cNvSpPr>
+            <a:spLocks noGrp="1"/>
+          </p:cNvSpPr>
+          <p:nvPr>
+            <p:ph idx="1"/>
+          </p:nvPr>
+        </p:nvSpPr>
+        <p:spPr/>
+        <p:txBody>
+          <a:bodyPr>
+            <a:normAutofit/>
+          </a:bodyPr>
+          <a:lstStyle/>
+          <a:p>
+            <a:r>
+              <a:rPr lang="en-US" dirty="0"/>
+              <a:t>We can design a set of microservices, exposing APIs that receive data and instructions, supported by classes that can interact with one another.</a:t>
+            </a:r>
+          </a:p>
+          <a:p>
+            <a:r>
+              <a:rPr lang="en-US" dirty="0"/>
+              <a:t>Each class encapsulates its own AI-driven business logic and is able to orchestrate with other components, producing high-quality and consistent results.</a:t>
+            </a:r>
+          </a:p>
+          <a:p>
+            <a:endParaRPr lang="en-US" dirty="0"/>
+          </a:p>
+          <a:p>
+            <a:endParaRPr lang="en-US" dirty="0"/>
+          </a:p>
+        </p:txBody>
+      </p:sp>
+    </p:spTree>
+    <p:extLst>
+      <p:ext uri="{BB962C8B-B14F-4D97-AF65-F5344CB8AC3E}">
+        <p14:creationId xmlns:p14="http://schemas.microsoft.com/office/powerpoint/2010/main" val="3535394958"/>
+      </p:ext>
+    </p:extLst>
+  </p:cSld>
+  <p:clrMapOvr>
+    <a:masterClrMapping/>
+  </p:clrMapOvr>
+</p:sld>
+</file>
+
+<file path=ppt/slides/slide14.xml><?xml version="1.0" encoding="utf-8"?>
+<p:sld xmlns:a="http://schemas.openxmlformats.org/drawingml/2006/main" xmlns:r="http://schemas.openxmlformats.org/officeDocument/2006/relationships" xmlns:p="http://schemas.openxmlformats.org/presentationml/2006/main" show="0">
+  <p:cSld>
+    <p:spTree>
+      <p:nvGrpSpPr>
+        <p:cNvPr id="1" name=""/>
+        <p:cNvGrpSpPr/>
+        <p:nvPr/>
+      </p:nvGrpSpPr>
+      <p:grpSpPr>
+        <a:xfrm>
+          <a:off x="0" y="0"/>
+          <a:ext cx="0" cy="0"/>
+          <a:chOff x="0" y="0"/>
+          <a:chExt cx="0" cy="0"/>
+        </a:xfrm>
+      </p:grpSpPr>
+      <p:sp>
+        <p:nvSpPr>
+          <p:cNvPr id="2" name="Title 1">
+            <a:extLst>
+              <a:ext uri="{FF2B5EF4-FFF2-40B4-BE49-F238E27FC236}">
+                <a16:creationId xmlns:a16="http://schemas.microsoft.com/office/drawing/2014/main" id="{EB166805-D4D2-EFDF-D088-406FD03F15AC}"/>
+              </a:ext>
+            </a:extLst>
+          </p:cNvPr>
+          <p:cNvSpPr>
+            <a:spLocks noGrp="1"/>
+          </p:cNvSpPr>
+          <p:nvPr>
+            <p:ph type="title"/>
+          </p:nvPr>
+        </p:nvSpPr>
+        <p:spPr/>
+        <p:txBody>
+          <a:bodyPr/>
+          <a:lstStyle/>
+          <a:p>
+            <a:r>
+              <a:rPr lang="en-US" dirty="0"/>
+              <a:t>Another Use Case</a:t>
+            </a:r>
+          </a:p>
+        </p:txBody>
+      </p:sp>
+      <p:sp>
+        <p:nvSpPr>
+          <p:cNvPr id="3" name="Content Placeholder 2">
+            <a:extLst>
+              <a:ext uri="{FF2B5EF4-FFF2-40B4-BE49-F238E27FC236}">
+                <a16:creationId xmlns:a16="http://schemas.microsoft.com/office/drawing/2014/main" id="{6D106D2B-6F02-B58B-D1DF-7820501721CF}"/>
+              </a:ext>
+            </a:extLst>
+          </p:cNvPr>
+          <p:cNvSpPr>
+            <a:spLocks noGrp="1"/>
+          </p:cNvSpPr>
+          <p:nvPr>
+            <p:ph idx="1"/>
+          </p:nvPr>
+        </p:nvSpPr>
+        <p:spPr/>
+        <p:txBody>
+          <a:bodyPr>
+            <a:normAutofit fontScale="85000" lnSpcReduction="10000"/>
+          </a:bodyPr>
+          <a:lstStyle/>
+          <a:p>
+            <a:r>
+              <a:rPr lang="en-US" dirty="0"/>
+              <a:t>Another use case is leveraging structured inputs, such as friendly, guided questions, and connecting the agent directly to database inputs.</a:t>
+            </a:r>
+          </a:p>
+          <a:p>
+            <a:r>
+              <a:rPr lang="en-US" dirty="0"/>
+              <a:t>Additionally, we can:</a:t>
+            </a:r>
+          </a:p>
+          <a:p>
+            <a:pPr lvl="1"/>
+            <a:r>
+              <a:rPr lang="en-US" dirty="0"/>
+              <a:t>define regex-based rules for data filtering</a:t>
+            </a:r>
+          </a:p>
+          <a:p>
+            <a:pPr lvl="1"/>
+            <a:r>
+              <a:rPr lang="en-US" dirty="0"/>
+              <a:t>orchestrate API workflows</a:t>
+            </a:r>
+          </a:p>
+          <a:p>
+            <a:pPr lvl="1"/>
+            <a:r>
+              <a:rPr lang="en-US" dirty="0"/>
+              <a:t>perform data transformation and enrichment</a:t>
+            </a:r>
+          </a:p>
+          <a:p>
+            <a:r>
+              <a:rPr lang="en-US" dirty="0"/>
+              <a:t>In this context, structured output allows us to make our APIs significantly more dynamic, enabling them to produce precise, actionable, and business-oriented information.</a:t>
+            </a:r>
+          </a:p>
+          <a:p>
+            <a:r>
+              <a:rPr lang="en-US" dirty="0"/>
+              <a:t>What would traditionally require two development sprints to implement a complex architecture can be delivered in significantly less time using structured output, with greater predictability, lower complexity, and faster time to value.</a:t>
+            </a:r>
+          </a:p>
+          <a:p>
+            <a:endParaRPr lang="en-US" dirty="0"/>
+          </a:p>
+          <a:p>
+            <a:endParaRPr lang="en-US" dirty="0"/>
+          </a:p>
+        </p:txBody>
+      </p:sp>
+    </p:spTree>
+    <p:extLst>
+      <p:ext uri="{BB962C8B-B14F-4D97-AF65-F5344CB8AC3E}">
+        <p14:creationId xmlns:p14="http://schemas.microsoft.com/office/powerpoint/2010/main" val="1242638240"/>
+      </p:ext>
+    </p:extLst>
+  </p:cSld>
+  <p:clrMapOvr>
+    <a:masterClrMapping/>
+  </p:clrMapOvr>
+</p:sld>
+</file>
+
+<file path=ppt/slides/slide15.xml><?xml version="1.0" encoding="utf-8"?>
 <p:sld xmlns:a="http://schemas.openxmlformats.org/drawingml/2006/main" xmlns:r="http://schemas.openxmlformats.org/officeDocument/2006/relationships" xmlns:p="http://schemas.openxmlformats.org/presentationml/2006/main">
   <p:cSld>
     <p:spTree>
@@ -9281,10 +9514,10 @@
       </p:grpSpPr>
       <p:sp>
         <p:nvSpPr>
-          <p:cNvPr id="2" name="Title 1">
-            <a:extLst>
-              <a:ext uri="{FF2B5EF4-FFF2-40B4-BE49-F238E27FC236}">
-                <a16:creationId xmlns:a16="http://schemas.microsoft.com/office/drawing/2014/main" id="{F88ED850-934C-D220-CFB1-ABB886BAFE3D}"/>
+          <p:cNvPr id="4" name="Title 3">
+            <a:extLst>
+              <a:ext uri="{FF2B5EF4-FFF2-40B4-BE49-F238E27FC236}">
+                <a16:creationId xmlns:a16="http://schemas.microsoft.com/office/drawing/2014/main" id="{CFBAC40C-AD99-ED98-D324-94A9D485BC1D}"/>
               </a:ext>
             </a:extLst>
           </p:cNvPr>
@@ -9302,17 +9535,17 @@
           <a:p>
             <a:r>
               <a:rPr lang="en-US" dirty="0"/>
-              <a:t>Why is structured output important?</a:t>
-            </a:r>
-          </a:p>
-        </p:txBody>
-      </p:sp>
-      <p:sp>
-        <p:nvSpPr>
-          <p:cNvPr id="3" name="Content Placeholder 2">
-            <a:extLst>
-              <a:ext uri="{FF2B5EF4-FFF2-40B4-BE49-F238E27FC236}">
-                <a16:creationId xmlns:a16="http://schemas.microsoft.com/office/drawing/2014/main" id="{985FC3D6-0506-7108-8F6C-B7239574EE0E}"/>
+              <a:t>Demonstration</a:t>
+            </a:r>
+          </a:p>
+        </p:txBody>
+      </p:sp>
+      <p:sp>
+        <p:nvSpPr>
+          <p:cNvPr id="5" name="Content Placeholder 4">
+            <a:extLst>
+              <a:ext uri="{FF2B5EF4-FFF2-40B4-BE49-F238E27FC236}">
+                <a16:creationId xmlns:a16="http://schemas.microsoft.com/office/drawing/2014/main" id="{A7086445-8FE7-D98F-DD98-DFE92F4F9F75}"/>
               </a:ext>
             </a:extLst>
           </p:cNvPr>
@@ -9332,13 +9565,62 @@
           <a:p>
             <a:r>
               <a:rPr lang="en-US" dirty="0"/>
-              <a:t>We can design a set of microservices, exposing APIs that receive data and instructions, supported by classes that can interact with one another.</a:t>
-            </a:r>
-          </a:p>
-          <a:p>
-            <a:r>
+              <a:t>PATCH /employees:</a:t>
+            </a:r>
+            <a:br>
               <a:rPr lang="en-US" dirty="0"/>
-              <a:t>Each class encapsulates its own AI-driven business logic and is able to orchestrate with other components, producing high-quality and consistent results.</a:t>
+            </a:br>
+            <a:r>
+              <a:rPr lang="en-US" dirty="0"/>
+              <a:t>Reads Chat Config, executes an Azure OpenAI agent that generates an </a:t>
+            </a:r>
+            <a:r>
+              <a:rPr lang="en-US" dirty="0" err="1"/>
+              <a:t>AIResponse</a:t>
+            </a:r>
+            <a:r>
+              <a:rPr lang="en-US" dirty="0"/>
+              <a:t>, which is used as a filter (</a:t>
+            </a:r>
+            <a:r>
+              <a:rPr lang="en-US" dirty="0" err="1"/>
+              <a:t>filter.AIAnswer</a:t>
+            </a:r>
+            <a:r>
+              <a:rPr lang="en-US" dirty="0"/>
+              <a:t>) to query the Employee Repository, and return the list of employees.</a:t>
+            </a:r>
+          </a:p>
+          <a:p>
+            <a:endParaRPr lang="en-US" dirty="0"/>
+          </a:p>
+          <a:p>
+            <a:r>
+              <a:rPr lang="en-US" dirty="0"/>
+              <a:t>POST /agent-run:</a:t>
+            </a:r>
+            <a:br>
+              <a:rPr lang="en-US" dirty="0"/>
+            </a:br>
+            <a:r>
+              <a:rPr lang="en-US" dirty="0"/>
+              <a:t>Reads Chat Config, executes an Azure OpenAI agent that produces a </a:t>
+            </a:r>
+            <a:r>
+              <a:rPr lang="en-US" dirty="0" err="1"/>
+              <a:t>PersonInfo</a:t>
+            </a:r>
+            <a:r>
+              <a:rPr lang="en-US" dirty="0"/>
+              <a:t> JSON, deserializes it, and returns the </a:t>
+            </a:r>
+            <a:r>
+              <a:rPr lang="en-US" dirty="0" err="1"/>
+              <a:t>PersonInfo</a:t>
+            </a:r>
+            <a:r>
+              <a:rPr lang="en-US" dirty="0"/>
+              <a:t> object</a:t>
             </a:r>
           </a:p>
           <a:p>
@@ -9352,7 +9634,7 @@
     </p:spTree>
     <p:extLst>
       <p:ext uri="{BB962C8B-B14F-4D97-AF65-F5344CB8AC3E}">
-        <p14:creationId xmlns:p14="http://schemas.microsoft.com/office/powerpoint/2010/main" val="3535394958"/>
+        <p14:creationId xmlns:p14="http://schemas.microsoft.com/office/powerpoint/2010/main" val="1807691148"/>
       </p:ext>
     </p:extLst>
   </p:cSld>
@@ -9362,140 +9644,7 @@
 </p:sld>
 </file>
 
-<file path=ppt/slides/slide14.xml><?xml version="1.0" encoding="utf-8"?>
-<p:sld xmlns:a="http://schemas.openxmlformats.org/drawingml/2006/main" xmlns:r="http://schemas.openxmlformats.org/officeDocument/2006/relationships" xmlns:p="http://schemas.openxmlformats.org/presentationml/2006/main">
-  <p:cSld>
-    <p:spTree>
-      <p:nvGrpSpPr>
-        <p:cNvPr id="1" name=""/>
-        <p:cNvGrpSpPr/>
-        <p:nvPr/>
-      </p:nvGrpSpPr>
-      <p:grpSpPr>
-        <a:xfrm>
-          <a:off x="0" y="0"/>
-          <a:ext cx="0" cy="0"/>
-          <a:chOff x="0" y="0"/>
-          <a:chExt cx="0" cy="0"/>
-        </a:xfrm>
-      </p:grpSpPr>
-      <p:sp>
-        <p:nvSpPr>
-          <p:cNvPr id="2" name="Title 1">
-            <a:extLst>
-              <a:ext uri="{FF2B5EF4-FFF2-40B4-BE49-F238E27FC236}">
-                <a16:creationId xmlns:a16="http://schemas.microsoft.com/office/drawing/2014/main" id="{EB166805-D4D2-EFDF-D088-406FD03F15AC}"/>
-              </a:ext>
-            </a:extLst>
-          </p:cNvPr>
-          <p:cNvSpPr>
-            <a:spLocks noGrp="1"/>
-          </p:cNvSpPr>
-          <p:nvPr>
-            <p:ph type="title"/>
-          </p:nvPr>
-        </p:nvSpPr>
-        <p:spPr/>
-        <p:txBody>
-          <a:bodyPr/>
-          <a:lstStyle/>
-          <a:p>
-            <a:r>
-              <a:rPr lang="en-US" dirty="0"/>
-              <a:t>Another Use Case</a:t>
-            </a:r>
-          </a:p>
-        </p:txBody>
-      </p:sp>
-      <p:sp>
-        <p:nvSpPr>
-          <p:cNvPr id="3" name="Content Placeholder 2">
-            <a:extLst>
-              <a:ext uri="{FF2B5EF4-FFF2-40B4-BE49-F238E27FC236}">
-                <a16:creationId xmlns:a16="http://schemas.microsoft.com/office/drawing/2014/main" id="{6D106D2B-6F02-B58B-D1DF-7820501721CF}"/>
-              </a:ext>
-            </a:extLst>
-          </p:cNvPr>
-          <p:cNvSpPr>
-            <a:spLocks noGrp="1"/>
-          </p:cNvSpPr>
-          <p:nvPr>
-            <p:ph idx="1"/>
-          </p:nvPr>
-        </p:nvSpPr>
-        <p:spPr/>
-        <p:txBody>
-          <a:bodyPr>
-            <a:normAutofit fontScale="85000" lnSpcReduction="10000"/>
-          </a:bodyPr>
-          <a:lstStyle/>
-          <a:p>
-            <a:r>
-              <a:rPr lang="en-US" dirty="0"/>
-              <a:t>Another use case is leveraging structured inputs, such as friendly, guided questions, and connecting the agent directly to database inputs.</a:t>
-            </a:r>
-          </a:p>
-          <a:p>
-            <a:r>
-              <a:rPr lang="en-US" dirty="0"/>
-              <a:t>Additionally, we can:</a:t>
-            </a:r>
-          </a:p>
-          <a:p>
-            <a:pPr lvl="1"/>
-            <a:r>
-              <a:rPr lang="en-US" dirty="0"/>
-              <a:t>define regex-based rules for data filtering</a:t>
-            </a:r>
-          </a:p>
-          <a:p>
-            <a:pPr lvl="1"/>
-            <a:r>
-              <a:rPr lang="en-US" dirty="0"/>
-              <a:t>orchestrate API workflows</a:t>
-            </a:r>
-          </a:p>
-          <a:p>
-            <a:pPr lvl="1"/>
-            <a:r>
-              <a:rPr lang="en-US" dirty="0"/>
-              <a:t>perform data transformation and enrichment</a:t>
-            </a:r>
-          </a:p>
-          <a:p>
-            <a:r>
-              <a:rPr lang="en-US" dirty="0"/>
-              <a:t>In this context, structured output allows us to make our APIs significantly more dynamic, enabling them to produce precise, actionable, and business-oriented information.</a:t>
-            </a:r>
-          </a:p>
-          <a:p>
-            <a:r>
-              <a:rPr lang="en-US" dirty="0"/>
-              <a:t>What would traditionally require two development sprints to implement a complex architecture can be delivered in significantly less time using structured output, with greater predictability, lower complexity, and faster time to value.</a:t>
-            </a:r>
-          </a:p>
-          <a:p>
-            <a:endParaRPr lang="en-US" dirty="0"/>
-          </a:p>
-          <a:p>
-            <a:endParaRPr lang="en-US" dirty="0"/>
-          </a:p>
-        </p:txBody>
-      </p:sp>
-    </p:spTree>
-    <p:extLst>
-      <p:ext uri="{BB962C8B-B14F-4D97-AF65-F5344CB8AC3E}">
-        <p14:creationId xmlns:p14="http://schemas.microsoft.com/office/powerpoint/2010/main" val="1242638240"/>
-      </p:ext>
-    </p:extLst>
-  </p:cSld>
-  <p:clrMapOvr>
-    <a:masterClrMapping/>
-  </p:clrMapOvr>
-</p:sld>
-</file>
-
-<file path=ppt/slides/slide15.xml><?xml version="1.0" encoding="utf-8"?>
+<file path=ppt/slides/slide16.xml><?xml version="1.0" encoding="utf-8"?>
 <p:sld xmlns:a="http://schemas.openxmlformats.org/drawingml/2006/main" xmlns:r="http://schemas.openxmlformats.org/officeDocument/2006/relationships" xmlns:p="http://schemas.openxmlformats.org/presentationml/2006/main">
   <p:cSld>
     <p:spTree>
@@ -9578,155 +9727,6 @@
     <p:extLst>
       <p:ext uri="{BB962C8B-B14F-4D97-AF65-F5344CB8AC3E}">
         <p14:creationId xmlns:p14="http://schemas.microsoft.com/office/powerpoint/2010/main" val="1227525199"/>
-      </p:ext>
-    </p:extLst>
-  </p:cSld>
-  <p:clrMapOvr>
-    <a:masterClrMapping/>
-  </p:clrMapOvr>
-</p:sld>
-</file>
-
-<file path=ppt/slides/slide16.xml><?xml version="1.0" encoding="utf-8"?>
-<p:sld xmlns:a="http://schemas.openxmlformats.org/drawingml/2006/main" xmlns:r="http://schemas.openxmlformats.org/officeDocument/2006/relationships" xmlns:p="http://schemas.openxmlformats.org/presentationml/2006/main">
-  <p:cSld>
-    <p:spTree>
-      <p:nvGrpSpPr>
-        <p:cNvPr id="1" name=""/>
-        <p:cNvGrpSpPr/>
-        <p:nvPr/>
-      </p:nvGrpSpPr>
-      <p:grpSpPr>
-        <a:xfrm>
-          <a:off x="0" y="0"/>
-          <a:ext cx="0" cy="0"/>
-          <a:chOff x="0" y="0"/>
-          <a:chExt cx="0" cy="0"/>
-        </a:xfrm>
-      </p:grpSpPr>
-      <p:sp>
-        <p:nvSpPr>
-          <p:cNvPr id="4" name="Title 3">
-            <a:extLst>
-              <a:ext uri="{FF2B5EF4-FFF2-40B4-BE49-F238E27FC236}">
-                <a16:creationId xmlns:a16="http://schemas.microsoft.com/office/drawing/2014/main" id="{CFBAC40C-AD99-ED98-D324-94A9D485BC1D}"/>
-              </a:ext>
-            </a:extLst>
-          </p:cNvPr>
-          <p:cNvSpPr>
-            <a:spLocks noGrp="1"/>
-          </p:cNvSpPr>
-          <p:nvPr>
-            <p:ph type="title"/>
-          </p:nvPr>
-        </p:nvSpPr>
-        <p:spPr/>
-        <p:txBody>
-          <a:bodyPr/>
-          <a:lstStyle/>
-          <a:p>
-            <a:r>
-              <a:rPr lang="en-US" dirty="0"/>
-              <a:t>Demonstration</a:t>
-            </a:r>
-          </a:p>
-        </p:txBody>
-      </p:sp>
-      <p:sp>
-        <p:nvSpPr>
-          <p:cNvPr id="5" name="Content Placeholder 4">
-            <a:extLst>
-              <a:ext uri="{FF2B5EF4-FFF2-40B4-BE49-F238E27FC236}">
-                <a16:creationId xmlns:a16="http://schemas.microsoft.com/office/drawing/2014/main" id="{A7086445-8FE7-D98F-DD98-DFE92F4F9F75}"/>
-              </a:ext>
-            </a:extLst>
-          </p:cNvPr>
-          <p:cNvSpPr>
-            <a:spLocks noGrp="1"/>
-          </p:cNvSpPr>
-          <p:nvPr>
-            <p:ph idx="1"/>
-          </p:nvPr>
-        </p:nvSpPr>
-        <p:spPr/>
-        <p:txBody>
-          <a:bodyPr>
-            <a:normAutofit/>
-          </a:bodyPr>
-          <a:lstStyle/>
-          <a:p>
-            <a:r>
-              <a:rPr lang="en-US" dirty="0"/>
-              <a:t>PATCH /employees:</a:t>
-            </a:r>
-            <a:br>
-              <a:rPr lang="en-US" dirty="0"/>
-            </a:br>
-            <a:r>
-              <a:rPr lang="en-US" dirty="0"/>
-              <a:t>Reads Chat Config, executes an Azure OpenAI agent that generates an </a:t>
-            </a:r>
-            <a:r>
-              <a:rPr lang="en-US" dirty="0" err="1"/>
-              <a:t>AIResponse</a:t>
-            </a:r>
-            <a:r>
-              <a:rPr lang="en-US" dirty="0"/>
-              <a:t>, which is used as a filter (</a:t>
-            </a:r>
-            <a:r>
-              <a:rPr lang="en-US" dirty="0" err="1"/>
-              <a:t>filter.AIAnswer</a:t>
-            </a:r>
-            <a:r>
-              <a:rPr lang="en-US" dirty="0"/>
-              <a:t>) to query the Employee Repository, and return the list of employees.</a:t>
-            </a:r>
-          </a:p>
-          <a:p>
-            <a:endParaRPr lang="en-US" dirty="0"/>
-          </a:p>
-          <a:p>
-            <a:r>
-              <a:rPr lang="en-US" dirty="0"/>
-              <a:t>POST /agent-run:</a:t>
-            </a:r>
-            <a:br>
-              <a:rPr lang="en-US" dirty="0"/>
-            </a:br>
-            <a:r>
-              <a:rPr lang="en-US" dirty="0"/>
-              <a:t>Reads Chat Config, executes an Azure OpenAI agent that produces a </a:t>
-            </a:r>
-            <a:r>
-              <a:rPr lang="en-US" dirty="0" err="1"/>
-              <a:t>PersonInfo</a:t>
-            </a:r>
-            <a:r>
-              <a:rPr lang="en-US" dirty="0"/>
-              <a:t> JSON, deserializes it, and returns the </a:t>
-            </a:r>
-            <a:r>
-              <a:rPr lang="en-US" dirty="0" err="1"/>
-              <a:t>PersonInfo</a:t>
-            </a:r>
-            <a:r>
-              <a:rPr lang="en-US" dirty="0"/>
-              <a:t> object</a:t>
-            </a:r>
-          </a:p>
-          <a:p>
-            <a:endParaRPr lang="en-US" dirty="0"/>
-          </a:p>
-          <a:p>
-            <a:endParaRPr lang="en-US" dirty="0"/>
-          </a:p>
-        </p:txBody>
-      </p:sp>
-    </p:spTree>
-    <p:extLst>
-      <p:ext uri="{BB962C8B-B14F-4D97-AF65-F5344CB8AC3E}">
-        <p14:creationId xmlns:p14="http://schemas.microsoft.com/office/powerpoint/2010/main" val="1807691148"/>
       </p:ext>
     </p:extLst>
   </p:cSld>
